--- a/docs/lectures/lecture_05/05_01_lecture_powerpoint.pptx
+++ b/docs/lectures/lecture_05/05_01_lecture_powerpoint.pptx
@@ -49,6 +49,11 @@
     <p:sldId id="297" r:id="rId43"/>
     <p:sldId id="298" r:id="rId44"/>
     <p:sldId id="299" r:id="rId45"/>
+    <p:sldId id="300" r:id="rId46"/>
+    <p:sldId id="301" r:id="rId47"/>
+    <p:sldId id="302" r:id="rId48"/>
+    <p:sldId id="303" r:id="rId49"/>
+    <p:sldId id="304" r:id="rId50"/>
   </p:sldIdLst>
   <p:sldSz cx="9144000" cy="5143500" type="screen16x9"/>
   <p:notesSz cx="6858000" cy="9144000"/>
@@ -4095,7 +4100,7 @@
             </a:pPr>
             <a:r>
               <a:rPr/>
-              <a:t>p-value as informal measure of discrepancy betwen data and Ho</a:t>
+              <a:t>p-value as informal measure of discrepancy between data and Ho</a:t>
             </a:r>
           </a:p>
           <a:p>
@@ -4980,11 +4985,7 @@
             </a:pPr>
             <a:r>
               <a:rPr b="1"/>
-              <a:t>Lecture 5:</a:t>
-            </a:r>
-            <a:r>
-              <a:rPr/>
-              <a:t> H test for a single population</a:t>
+              <a:t>Pine Needle Length: Hypothesis Testing Activity</a:t>
             </a:r>
           </a:p>
         </p:txBody>
@@ -5009,14 +5010,58 @@
             </a:pPr>
             <a:r>
               <a:rPr/>
-              <a:t>Let’s rephrase the question somewhat: What is probability that sample A (ȳ=3500, s=676) is from population with µ = 3700 (and σ = ?)?</a:t>
+              <a:t>This activity will guide you through the process of conducting single-sample and two-sample t-tests on pine needle data. We’ll explore how environmental factors like wind exposure might affect pine needle length.</a:t>
+            </a:r>
+          </a:p>
+          <a:p>
+            <a:pPr lvl="0" indent="0" marL="0">
+              <a:buNone/>
+            </a:pPr>
+            <a:r>
+              <a:rPr/>
+              <a:t>You’ll learn to:</a:t>
+            </a:r>
+          </a:p>
+          <a:p>
+            <a:pPr lvl="0"/>
+            <a:r>
+              <a:rPr/>
+              <a:t>- Formulate hypotheses</a:t>
+            </a:r>
+          </a:p>
+          <a:p>
+            <a:pPr lvl="0"/>
+            <a:r>
+              <a:rPr/>
+              <a:t>- Test assumptions</a:t>
+            </a:r>
+          </a:p>
+          <a:p>
+            <a:pPr lvl="0"/>
+            <a:r>
+              <a:rPr/>
+              <a:t>- Perform t-tests</a:t>
+            </a:r>
+          </a:p>
+          <a:p>
+            <a:pPr lvl="0"/>
+            <a:r>
+              <a:rPr/>
+              <a:t>- Visualize data</a:t>
+            </a:r>
+          </a:p>
+          <a:p>
+            <a:pPr lvl="0"/>
+            <a:r>
+              <a:rPr/>
+              <a:t>- Report results accurately</a:t>
             </a:r>
           </a:p>
         </p:txBody>
       </p:sp>
       <p:pic>
         <p:nvPicPr>
-          <p:cNvPr descr="images/clipboard-3338728266.png" id="0" name="Picture 1"/>
+          <p:cNvPr descr="images/pine_needles.jpg" id="0" name="Picture 1"/>
           <p:cNvPicPr>
             <a:picLocks noGrp="1" noChangeAspect="1"/>
           </p:cNvPicPr>
@@ -5030,8 +5075,8 @@
         </p:blipFill>
         <p:spPr bwMode="auto">
           <a:xfrm>
-            <a:off x="6261100" y="660400"/>
-            <a:ext cx="2489200" cy="4470400"/>
+            <a:off x="6121400" y="787400"/>
+            <a:ext cx="2781300" cy="3708400"/>
           </a:xfrm>
           <a:prstGeom prst="rect">
             <a:avLst/>
@@ -5044,6 +5089,36 @@
           </a:ln>
         </p:spPr>
       </p:pic>
+      <p:sp>
+        <p:nvSpPr>
+          <p:cNvPr id="1" name="TextBox 3"/>
+          <p:cNvSpPr txBox="1"/>
+          <p:nvPr/>
+        </p:nvSpPr>
+        <p:spPr>
+          <a:xfrm>
+            <a:off x="6121400" y="4622800"/>
+            <a:ext cx="2781300" cy="508000"/>
+          </a:xfrm>
+          <a:prstGeom prst="rect">
+            <a:avLst/>
+          </a:prstGeom>
+          <a:noFill/>
+        </p:spPr>
+        <p:txBody>
+          <a:bodyPr/>
+          <a:lstStyle/>
+          <a:p>
+            <a:pPr lvl="0" indent="0" marL="0" algn="ctr">
+              <a:buNone/>
+            </a:pPr>
+            <a:r>
+              <a:rPr/>
+              <a:t>Pine needles from trees</a:t>
+            </a:r>
+          </a:p>
+        </p:txBody>
+      </p:sp>
     </p:spTree>
   </p:cSld>
 </p:sld>
@@ -5094,43 +5169,78 @@
             </a:pPr>
             <a:r>
               <a:rPr b="1"/>
-              <a:t>Lecture 5:</a:t>
-            </a:r>
-            <a:r>
-              <a:rPr/>
-              <a:t> H test for a single population</a:t>
-            </a:r>
-          </a:p>
-        </p:txBody>
-      </p:sp>
-      <p:sp>
-        <p:nvSpPr>
-          <p:cNvPr id="3" name="Content Placeholder 2"/>
-          <p:cNvSpPr>
-            <a:spLocks noGrp="1"/>
-          </p:cNvSpPr>
-          <p:nvPr>
-            <p:ph idx="1" sz="half"/>
-          </p:nvPr>
-        </p:nvSpPr>
-        <p:spPr/>
-        <p:txBody>
-          <a:bodyPr/>
-          <a:lstStyle/>
-          <a:p>
-            <a:pPr lvl="0" indent="0" marL="0">
-              <a:buNone/>
-            </a:pPr>
-            <a:r>
-              <a:rPr/>
-              <a:t>This is a 1-sample test - 1-sample tests ask whether - µ is different than some number (e.g., 0 or 3700 or whatever) - based on sample - Another way: - probability this sample came from population with certain µ (mean) (e.g., 3700)</a:t>
-            </a:r>
-          </a:p>
-        </p:txBody>
-      </p:sp>
+              <a:t>Part 1:</a:t>
+            </a:r>
+            <a:r>
+              <a:rPr/>
+              <a:t> Single Sample T-test</a:t>
+            </a:r>
+          </a:p>
+        </p:txBody>
+      </p:sp>
+      <mc:AlternateContent xmlns:mc="http://schemas.openxmlformats.org/markup-compatibility/2006">
+        <mc:Choice xmlns:a14="http://schemas.microsoft.com/office/drawing/2010/main" Requires="a14">
+          <p:sp>
+            <p:nvSpPr>
+              <p:cNvPr id="3" name="Content Placeholder 2"/>
+              <p:cNvSpPr>
+                <a:spLocks noGrp="1"/>
+              </p:cNvSpPr>
+              <p:nvPr>
+                <p:ph idx="1" sz="half"/>
+              </p:nvPr>
+            </p:nvSpPr>
+            <p:spPr/>
+            <p:txBody>
+              <a:bodyPr/>
+              <a:lstStyle/>
+              <a:p>
+                <a:pPr lvl="0" indent="0" marL="0">
+                  <a:buNone/>
+                </a:pPr>
+                <a:r>
+                  <a:rPr/>
+                  <a:t>A single sample t-test asks whether a population parameter (like </a:t>
+                </a:r>
+                <a14:m>
+                  <m:oMath xmlns:m="http://schemas.openxmlformats.org/officeDocument/2006/math">
+                    <m:acc>
+                      <m:accPr>
+                        <m:chr m:val="‾"/>
+                      </m:accPr>
+                      <m:e>
+                        <m:r>
+                          <m:t>x</m:t>
+                        </m:r>
+                      </m:e>
+                    </m:acc>
+                  </m:oMath>
+                </a14:m>
+                <a:r>
+                  <a:rPr/>
+                  <a:t>) differs from some expected value.</a:t>
+                </a:r>
+              </a:p>
+              <a:p>
+                <a:pPr lvl="0" indent="0" marL="0">
+                  <a:buNone/>
+                </a:pPr>
+                <a:r>
+                  <a:rPr/>
+                  <a:t>The question: </a:t>
+                </a:r>
+                <a:r>
+                  <a:rPr b="1"/>
+                  <a:t>Is the average pine needle length from our windward sample different from 55mm?</a:t>
+                </a:r>
+              </a:p>
+            </p:txBody>
+          </p:sp>
+        </mc:Choice>
+      </mc:AlternateContent>
       <p:pic>
         <p:nvPicPr>
-          <p:cNvPr descr="images/clipboard-3338728266.png" id="0" name="Picture 1"/>
+          <p:cNvPr descr="images/clipboard-386829805.png" id="0" name="Picture 1"/>
           <p:cNvPicPr>
             <a:picLocks noGrp="1" noChangeAspect="1"/>
           </p:cNvPicPr>
@@ -5145,7 +5255,7 @@
         <p:spPr bwMode="auto">
           <a:xfrm>
             <a:off x="6261100" y="660400"/>
-            <a:ext cx="2489200" cy="4470400"/>
+            <a:ext cx="2501900" cy="4470400"/>
           </a:xfrm>
           <a:prstGeom prst="rect">
             <a:avLst/>
@@ -5182,49 +5292,12 @@
       </p:grpSpPr>
       <p:sp>
         <p:nvSpPr>
-          <p:cNvPr id="2" name="Title 1"/>
-          <p:cNvSpPr>
-            <a:spLocks noGrp="1"/>
-          </p:cNvSpPr>
-          <p:nvPr>
-            <p:ph type="title"/>
-          </p:nvPr>
-        </p:nvSpPr>
-        <p:spPr>
-          <a:xfrm>
-            <a:off x="0" y="0"/>
-            <a:ext cx="9144000" cy="602780"/>
-          </a:xfrm>
-          <a:solidFill>
-            <a:srgbClr val="70121D"/>
-          </a:solidFill>
-        </p:spPr>
-        <p:txBody>
-          <a:bodyPr/>
-          <a:lstStyle/>
-          <a:p>
-            <a:pPr lvl="0" indent="0" marL="0">
-              <a:buNone/>
-            </a:pPr>
-            <a:r>
-              <a:rPr b="1"/>
-              <a:t>Lecture 5:</a:t>
-            </a:r>
-            <a:r>
-              <a:rPr/>
-              <a:t> H test for a single population</a:t>
-            </a:r>
-          </a:p>
-        </p:txBody>
-      </p:sp>
-      <p:sp>
-        <p:nvSpPr>
           <p:cNvPr id="3" name="Content Placeholder 2"/>
           <p:cNvSpPr>
             <a:spLocks noGrp="1"/>
           </p:cNvSpPr>
           <p:nvPr>
-            <p:ph idx="1" sz="half"/>
+            <p:ph idx="1"/>
           </p:nvPr>
         </p:nvSpPr>
         <p:spPr/>
@@ -5232,137 +5305,275 @@
           <a:bodyPr/>
           <a:lstStyle/>
           <a:p>
-            <a:pPr lvl="0" indent="0" marL="0">
-              <a:buNone/>
-            </a:pPr>
-            <a:r>
-              <a:rPr/>
-              <a:t>Common approach is one-sample t-test, which uses t statistic:</a:t>
+            <a:pPr lvl="0" indent="0">
+              <a:buNone/>
+            </a:pPr>
+            <a:r>
+              <a:rPr>
+                <a:solidFill>
+                  <a:srgbClr val="5E5E5E"/>
+                </a:solidFill>
+                <a:latin typeface="Courier"/>
+              </a:rPr>
+              <a:t># Install packages if needed (uncomment if necessary)</a:t>
             </a:r>
             <a:br/>
             <a:r>
-              <a:rPr/>
-              <a:t>- St is value of statistic of interest from sample (e.g., ȳ) - θ is population value if Ho is true (e.g., µ=0) - SSt is standard error of the mean (s/√n)</a:t>
-            </a:r>
-          </a:p>
-          <a:p>
-            <a:pPr lvl="0" indent="0" marL="0">
-              <a:buNone/>
-            </a:pPr>
-            <a:r>
-              <a:rPr/>
-              <a:t>What does equation tell us about relationships between variables?</a:t>
-            </a:r>
-          </a:p>
-        </p:txBody>
-      </p:sp>
-      <mc:AlternateContent xmlns:mc="http://schemas.openxmlformats.org/markup-compatibility/2006">
-        <mc:Choice xmlns:a14="http://schemas.microsoft.com/office/drawing/2010/main" Requires="a14">
-          <p:sp>
-            <p:nvSpPr>
-              <p:cNvPr id="4" name="Content Placeholder 3"/>
-              <p:cNvSpPr>
-                <a:spLocks noGrp="1"/>
-              </p:cNvSpPr>
-              <p:nvPr>
-                <p:ph idx="2" sz="half"/>
-              </p:nvPr>
-            </p:nvSpPr>
-            <p:spPr/>
-            <p:txBody>
-              <a:bodyPr/>
-              <a:lstStyle/>
-              <a:p>
-                <a:pPr lvl="0" indent="0" marL="0">
-                  <a:spcBef>
-                    <a:spcPts val="3000"/>
-                  </a:spcBef>
-                  <a:buNone/>
-                </a:pPr>
-                <a14:m>
-                  <m:oMath xmlns:m="http://schemas.openxmlformats.org/officeDocument/2006/math">
-                    <m:sSub>
-                      <m:e>
-                        <m:r>
-                          <m:t>t</m:t>
-                        </m:r>
-                      </m:e>
-                      <m:sub>
-                        <m:r>
-                          <m:t>s</m:t>
-                        </m:r>
-                      </m:sub>
-                    </m:sSub>
-                    <m:r>
-                      <m:rPr>
-                        <m:sty m:val="p"/>
-                      </m:rPr>
-                      <m:t>=</m:t>
-                    </m:r>
-                    <m:f>
-                      <m:fPr>
-                        <m:type m:val="bar"/>
-                      </m:fPr>
-                      <m:num>
-                        <m:r>
-                          <m:t>S</m:t>
-                        </m:r>
-                        <m:r>
-                          <m:t>t</m:t>
-                        </m:r>
-                        <m:r>
-                          <m:rPr>
-                            <m:sty m:val="p"/>
-                          </m:rPr>
-                          <m:t>−</m:t>
-                        </m:r>
-                        <m:r>
-                          <m:t>θ</m:t>
-                        </m:r>
-                      </m:num>
-                      <m:den>
-                        <m:sSub>
-                          <m:e>
-                            <m:r>
-                              <m:t>S</m:t>
-                            </m:r>
-                          </m:e>
-                          <m:sub>
-                            <m:r>
-                              <m:t>S</m:t>
-                            </m:r>
-                            <m:r>
-                              <m:t>t</m:t>
-                            </m:r>
-                          </m:sub>
-                        </m:sSub>
-                      </m:den>
-                    </m:f>
-                  </m:oMath>
-                </a14:m>
-              </a:p>
-              <a:p>
-                <a:pPr lvl="0" indent="0" marL="0">
-                  <a:buNone/>
-                </a:pPr>
-                <a:r>
-                  <a:rPr/>
-                  <a:t>test statistic (ts) is calculated by taking difference between observed statistic and value you’d expect under Ho then dividing by the standard error.</a:t>
-                </a:r>
-              </a:p>
-              <a:p>
-                <a:pPr lvl="0" indent="0" marL="0">
-                  <a:buNone/>
-                </a:pPr>
-                <a:r>
-                  <a:rPr/>
-                  <a:t>This standardization allows you to measure how many “standard errors away” your result is from what would be expected if the null hypothesis were true.</a:t>
-                </a:r>
-              </a:p>
-            </p:txBody>
-          </p:sp>
-        </mc:Choice>
-      </mc:AlternateContent>
+              <a:rPr>
+                <a:solidFill>
+                  <a:srgbClr val="5E5E5E"/>
+                </a:solidFill>
+                <a:latin typeface="Courier"/>
+              </a:rPr>
+              <a:t># install.packages("readr")</a:t>
+            </a:r>
+            <a:br/>
+            <a:r>
+              <a:rPr>
+                <a:solidFill>
+                  <a:srgbClr val="5E5E5E"/>
+                </a:solidFill>
+                <a:latin typeface="Courier"/>
+              </a:rPr>
+              <a:t># install.packages("tidyverse")</a:t>
+            </a:r>
+            <a:br/>
+            <a:r>
+              <a:rPr>
+                <a:solidFill>
+                  <a:srgbClr val="5E5E5E"/>
+                </a:solidFill>
+                <a:latin typeface="Courier"/>
+              </a:rPr>
+              <a:t># install.packages("car")</a:t>
+            </a:r>
+            <a:br/>
+            <a:r>
+              <a:rPr>
+                <a:solidFill>
+                  <a:srgbClr val="5E5E5E"/>
+                </a:solidFill>
+                <a:latin typeface="Courier"/>
+              </a:rPr>
+              <a:t># install.packages("here")</a:t>
+            </a:r>
+            <a:br/>
+            <a:br/>
+            <a:r>
+              <a:rPr>
+                <a:solidFill>
+                  <a:srgbClr val="5E5E5E"/>
+                </a:solidFill>
+                <a:latin typeface="Courier"/>
+              </a:rPr>
+              <a:t># Load libraries</a:t>
+            </a:r>
+            <a:br/>
+            <a:r>
+              <a:rPr>
+                <a:solidFill>
+                  <a:srgbClr val="4758AB"/>
+                </a:solidFill>
+                <a:latin typeface="Courier"/>
+              </a:rPr>
+              <a:t>library</a:t>
+            </a:r>
+            <a:r>
+              <a:rPr>
+                <a:solidFill>
+                  <a:srgbClr val="003B4F"/>
+                </a:solidFill>
+                <a:latin typeface="Courier"/>
+              </a:rPr>
+              <a:t>(readr)        </a:t>
+            </a:r>
+            <a:r>
+              <a:rPr>
+                <a:solidFill>
+                  <a:srgbClr val="5E5E5E"/>
+                </a:solidFill>
+                <a:latin typeface="Courier"/>
+              </a:rPr>
+              <a:t># For reading CSV files</a:t>
+            </a:r>
+            <a:br/>
+            <a:r>
+              <a:rPr>
+                <a:solidFill>
+                  <a:srgbClr val="4758AB"/>
+                </a:solidFill>
+                <a:latin typeface="Courier"/>
+              </a:rPr>
+              <a:t>library</a:t>
+            </a:r>
+            <a:r>
+              <a:rPr>
+                <a:solidFill>
+                  <a:srgbClr val="003B4F"/>
+                </a:solidFill>
+                <a:latin typeface="Courier"/>
+              </a:rPr>
+              <a:t>(tidyverse)    </a:t>
+            </a:r>
+            <a:r>
+              <a:rPr>
+                <a:solidFill>
+                  <a:srgbClr val="5E5E5E"/>
+                </a:solidFill>
+                <a:latin typeface="Courier"/>
+              </a:rPr>
+              <a:t># For data manipulation and visualization</a:t>
+            </a:r>
+            <a:br/>
+            <a:r>
+              <a:rPr>
+                <a:solidFill>
+                  <a:srgbClr val="4758AB"/>
+                </a:solidFill>
+                <a:latin typeface="Courier"/>
+              </a:rPr>
+              <a:t>library</a:t>
+            </a:r>
+            <a:r>
+              <a:rPr>
+                <a:solidFill>
+                  <a:srgbClr val="003B4F"/>
+                </a:solidFill>
+                <a:latin typeface="Courier"/>
+              </a:rPr>
+              <a:t>(car)          </a:t>
+            </a:r>
+            <a:r>
+              <a:rPr>
+                <a:solidFill>
+                  <a:srgbClr val="5E5E5E"/>
+                </a:solidFill>
+                <a:latin typeface="Courier"/>
+              </a:rPr>
+              <a:t># For diagnostic tests</a:t>
+            </a:r>
+          </a:p>
+          <a:p>
+            <a:pPr lvl="0" indent="0">
+              <a:buNone/>
+            </a:pPr>
+            <a:r>
+              <a:rPr>
+                <a:solidFill>
+                  <a:srgbClr val="5E5E5E"/>
+                </a:solidFill>
+                <a:latin typeface="Courier"/>
+              </a:rPr>
+              <a:t># Load the pine needle data</a:t>
+            </a:r>
+            <a:br/>
+            <a:r>
+              <a:rPr>
+                <a:solidFill>
+                  <a:srgbClr val="5E5E5E"/>
+                </a:solidFill>
+                <a:latin typeface="Courier"/>
+              </a:rPr>
+              <a:t># Use here() function to specify the path</a:t>
+            </a:r>
+            <a:br/>
+            <a:r>
+              <a:rPr>
+                <a:solidFill>
+                  <a:srgbClr val="003B4F"/>
+                </a:solidFill>
+                <a:latin typeface="Courier"/>
+              </a:rPr>
+              <a:t>pine_data &lt;- </a:t>
+            </a:r>
+            <a:r>
+              <a:rPr>
+                <a:solidFill>
+                  <a:srgbClr val="4758AB"/>
+                </a:solidFill>
+                <a:latin typeface="Courier"/>
+              </a:rPr>
+              <a:t>read_csv</a:t>
+            </a:r>
+            <a:r>
+              <a:rPr>
+                <a:solidFill>
+                  <a:srgbClr val="003B4F"/>
+                </a:solidFill>
+                <a:latin typeface="Courier"/>
+              </a:rPr>
+              <a:t>(</a:t>
+            </a:r>
+            <a:r>
+              <a:rPr>
+                <a:solidFill>
+                  <a:srgbClr val="20794D"/>
+                </a:solidFill>
+                <a:latin typeface="Courier"/>
+              </a:rPr>
+              <a:t>"data/pine_needles.csv"</a:t>
+            </a:r>
+            <a:r>
+              <a:rPr>
+                <a:solidFill>
+                  <a:srgbClr val="003B4F"/>
+                </a:solidFill>
+                <a:latin typeface="Courier"/>
+              </a:rPr>
+              <a:t>)</a:t>
+            </a:r>
+            <a:br/>
+            <a:br/>
+            <a:r>
+              <a:rPr>
+                <a:solidFill>
+                  <a:srgbClr val="5E5E5E"/>
+                </a:solidFill>
+                <a:latin typeface="Courier"/>
+              </a:rPr>
+              <a:t># Examine the first few rows</a:t>
+            </a:r>
+            <a:br/>
+            <a:r>
+              <a:rPr>
+                <a:solidFill>
+                  <a:srgbClr val="4758AB"/>
+                </a:solidFill>
+                <a:latin typeface="Courier"/>
+              </a:rPr>
+              <a:t>head</a:t>
+            </a:r>
+            <a:r>
+              <a:rPr>
+                <a:solidFill>
+                  <a:srgbClr val="003B4F"/>
+                </a:solidFill>
+                <a:latin typeface="Courier"/>
+              </a:rPr>
+              <a:t>(pine_data)</a:t>
+            </a:r>
+          </a:p>
+          <a:p>
+            <a:pPr lvl="0" indent="0">
+              <a:buNone/>
+            </a:pPr>
+            <a:r>
+              <a:rPr>
+                <a:latin typeface="Courier"/>
+              </a:rPr>
+              <a:t># A tibble: 6 × 6
+  date    group       n_s   wind  tree_no len_mm
+  &lt;chr&gt;   &lt;chr&gt;       &lt;chr&gt; &lt;chr&gt;   &lt;dbl&gt;  &lt;dbl&gt;
+1 3/20/25 cephalopods n     lee         1     20
+2 3/20/25 cephalopods n     lee         1     21
+3 3/20/25 cephalopods n     lee         1     23
+4 3/20/25 cephalopods n     lee         1     25
+5 3/20/25 cephalopods n     lee         1     21
+6 3/20/25 cephalopods n     lee         1     16</a:t>
+            </a:r>
+          </a:p>
+        </p:txBody>
+      </p:sp>
     </p:spTree>
   </p:cSld>
 </p:sld>
@@ -5398,11 +5609,8 @@
         <p:spPr>
           <a:xfrm>
             <a:off x="0" y="0"/>
-            <a:ext cx="9144000" cy="602780"/>
+            <a:ext cx="9144000" cy="582780"/>
           </a:xfrm>
-          <a:solidFill>
-            <a:srgbClr val="70121D"/>
-          </a:solidFill>
         </p:spPr>
         <p:txBody>
           <a:bodyPr/>
@@ -5413,141 +5621,58 @@
             </a:pPr>
             <a:r>
               <a:rPr b="1"/>
-              <a:t>Lecture 5:</a:t>
-            </a:r>
-            <a:r>
-              <a:rPr/>
-              <a:t> H test for a single population</a:t>
-            </a:r>
-          </a:p>
-        </p:txBody>
-      </p:sp>
-      <mc:AlternateContent xmlns:mc="http://schemas.openxmlformats.org/markup-compatibility/2006">
-        <mc:Choice xmlns:a14="http://schemas.microsoft.com/office/drawing/2010/main" Requires="a14">
-          <p:sp>
-            <p:nvSpPr>
-              <p:cNvPr id="3" name="Content Placeholder 2"/>
-              <p:cNvSpPr>
-                <a:spLocks noGrp="1"/>
-              </p:cNvSpPr>
-              <p:nvPr>
-                <p:ph idx="1" sz="half"/>
-              </p:nvPr>
-            </p:nvSpPr>
-            <p:spPr/>
-            <p:txBody>
-              <a:bodyPr/>
-              <a:lstStyle/>
-              <a:p>
-                <a:pPr lvl="0" indent="0" marL="0">
-                  <a:buNone/>
-                </a:pPr>
-                <a:r>
-                  <a:rPr/>
-                  <a:t>Process:</a:t>
-                </a:r>
-              </a:p>
-              <a:p>
-                <a:pPr lvl="0"/>
-                <a:r>
-                  <a:rPr/>
-                  <a:t>Specify Ho (e.g., µ = 0) and HA (e.g., µ ≠ 0)</a:t>
-                </a:r>
-              </a:p>
-              <a:p>
-                <a:pPr lvl="0"/>
-                <a:r>
-                  <a:rPr/>
-                  <a:t>Specify significance level (e.g., α = 0.05)</a:t>
-                </a:r>
-              </a:p>
-              <a:p>
-                <a:pPr lvl="0"/>
-                <a:r>
-                  <a:rPr/>
-                  <a:t>Take sample from population</a:t>
-                </a:r>
-              </a:p>
-              <a:p>
-                <a:pPr lvl="0"/>
-                <a:r>
-                  <a:rPr/>
-                  <a:t>Calculate:</a:t>
-                </a:r>
-              </a:p>
-              <a:p>
-                <a:pPr lvl="0" indent="0" marL="0">
-                  <a:spcBef>
-                    <a:spcPts val="3000"/>
-                  </a:spcBef>
-                  <a:buNone/>
-                </a:pPr>
-                <a14:m>
-                  <m:oMath xmlns:m="http://schemas.openxmlformats.org/officeDocument/2006/math">
-                    <m:r>
-                      <m:t>t</m:t>
-                    </m:r>
-                    <m:r>
-                      <m:rPr>
-                        <m:sty m:val="p"/>
-                      </m:rPr>
-                      <m:t>=</m:t>
-                    </m:r>
-                    <m:f>
-                      <m:fPr>
-                        <m:type m:val="bar"/>
-                      </m:fPr>
-                      <m:num>
-                        <m:acc>
-                          <m:accPr>
-                            <m:chr m:val="‾"/>
-                          </m:accPr>
-                          <m:e>
-                            <m:r>
-                              <m:t>y</m:t>
-                            </m:r>
-                          </m:e>
-                        </m:acc>
-                        <m:r>
-                          <m:rPr>
-                            <m:sty m:val="p"/>
-                          </m:rPr>
-                          <m:t>−</m:t>
-                        </m:r>
-                        <m:r>
-                          <m:t>0</m:t>
-                        </m:r>
-                      </m:num>
-                      <m:den>
-                        <m:r>
-                          <m:t>s</m:t>
-                        </m:r>
-                        <m:r>
-                          <m:rPr>
-                            <m:sty m:val="p"/>
-                          </m:rPr>
-                          <m:t>/</m:t>
-                        </m:r>
-                        <m:rad>
-                          <m:radPr>
-                            <m:degHide m:val="on"/>
-                          </m:radPr>
-                          <m:deg/>
-                          <m:e>
-                            <m:r>
-                              <m:t>n</m:t>
-                            </m:r>
-                          </m:e>
-                        </m:rad>
-                      </m:den>
-                    </m:f>
-                  </m:oMath>
-                </a14:m>
-              </a:p>
-            </p:txBody>
-          </p:sp>
-        </mc:Choice>
-      </mc:AlternateContent>
+              <a:t>Part 1:</a:t>
+            </a:r>
+            <a:r>
+              <a:rPr/>
+              <a:t> Exploratory Data Analysis</a:t>
+            </a:r>
+          </a:p>
+        </p:txBody>
+      </p:sp>
+      <p:sp>
+        <p:nvSpPr>
+          <p:cNvPr id="3" name="Content Placeholder 2"/>
+          <p:cNvSpPr>
+            <a:spLocks noGrp="1"/>
+          </p:cNvSpPr>
+          <p:nvPr>
+            <p:ph idx="1"/>
+          </p:nvPr>
+        </p:nvSpPr>
+        <p:spPr/>
+        <p:txBody>
+          <a:bodyPr/>
+          <a:lstStyle/>
+          <a:p>
+            <a:pPr lvl="0" indent="0" marL="0">
+              <a:buNone/>
+            </a:pPr>
+            <a:r>
+              <a:rPr/>
+              <a:t>Before conducting hypothesis tests, we should always explore our data to understand its characteristics.</a:t>
+            </a:r>
+          </a:p>
+          <a:p>
+            <a:pPr lvl="0" indent="0" marL="0">
+              <a:buNone/>
+            </a:pPr>
+            <a:r>
+              <a:rPr/>
+              <a:t>Let’s calculate summary statistics and create visualizations.</a:t>
+            </a:r>
+          </a:p>
+          <a:p>
+            <a:pPr lvl="0" indent="0" marL="0">
+              <a:buNone/>
+            </a:pPr>
+            <a:r>
+              <a:rPr b="1"/>
+              <a:t>Activity: Calculate basic summary statistics for pine needle length</a:t>
+            </a:r>
+          </a:p>
+        </p:txBody>
+      </p:sp>
     </p:spTree>
   </p:cSld>
 </p:sld>
@@ -5572,46 +5697,12 @@
       </p:grpSpPr>
       <p:sp>
         <p:nvSpPr>
-          <p:cNvPr id="2" name="Title 1"/>
-          <p:cNvSpPr>
-            <a:spLocks noGrp="1"/>
-          </p:cNvSpPr>
-          <p:nvPr>
-            <p:ph type="title"/>
-          </p:nvPr>
-        </p:nvSpPr>
-        <p:spPr>
-          <a:xfrm>
-            <a:off x="139485" y="78119"/>
-            <a:ext cx="8229600" cy="607682"/>
-          </a:xfrm>
-        </p:spPr>
-        <p:txBody>
-          <a:bodyPr/>
-          <a:lstStyle/>
-          <a:p>
-            <a:pPr lvl="0" indent="0" marL="0">
-              <a:buNone/>
-            </a:pPr>
-            <a:r>
-              <a:rPr b="1"/>
-              <a:t>Lecture 5:</a:t>
-            </a:r>
-            <a:r>
-              <a:rPr/>
-              <a:t> H test for a single population</a:t>
-            </a:r>
-          </a:p>
-        </p:txBody>
-      </p:sp>
-      <p:sp>
-        <p:nvSpPr>
-          <p:cNvPr id="3" name="Text Placeholder 2"/>
-          <p:cNvSpPr>
-            <a:spLocks noGrp="1"/>
-          </p:cNvSpPr>
-          <p:nvPr>
-            <p:ph idx="1" type="body"/>
+          <p:cNvPr id="3" name="Content Placeholder 2"/>
+          <p:cNvSpPr>
+            <a:spLocks noGrp="1"/>
+          </p:cNvSpPr>
+          <p:nvPr>
+            <p:ph idx="1"/>
           </p:nvPr>
         </p:nvSpPr>
         <p:spPr/>
@@ -5619,153 +5710,377 @@
           <a:bodyPr/>
           <a:lstStyle/>
           <a:p>
-            <a:pPr lvl="0" indent="0" marL="0">
-              <a:buNone/>
-            </a:pPr>
-            <a:r>
-              <a:rPr/>
-              <a:t>If sample from pop with mean or µ = 0 then t will be close to 0</a:t>
-            </a:r>
-          </a:p>
-          <a:p>
-            <a:pPr lvl="0" indent="0" marL="0">
-              <a:buNone/>
-            </a:pPr>
-            <a:r>
-              <a:rPr/>
-              <a:t>|Large| t values are more likely if Ho false</a:t>
-            </a:r>
-          </a:p>
-          <a:p>
-            <a:pPr lvl="0" indent="0" marL="0">
-              <a:buNone/>
-            </a:pPr>
-            <a:r>
-              <a:rPr/>
-              <a:t>Compare t with t-distribution: - if t is further than t at specified significance level (p = 0.05) (σ) - t has less than 5% chance of coming from null distribution</a:t>
-            </a:r>
-          </a:p>
-        </p:txBody>
-      </p:sp>
-      <mc:AlternateContent xmlns:mc="http://schemas.openxmlformats.org/markup-compatibility/2006">
-        <mc:Choice xmlns:a14="http://schemas.microsoft.com/office/drawing/2010/main" Requires="a14">
-          <p:sp>
-            <p:nvSpPr>
-              <p:cNvPr id="5" name="Text Placeholder 4"/>
-              <p:cNvSpPr>
-                <a:spLocks noGrp="1"/>
-              </p:cNvSpPr>
-              <p:nvPr>
-                <p:ph idx="3" sz="quarter" type="body"/>
-              </p:nvPr>
-            </p:nvSpPr>
-            <p:spPr/>
-            <p:txBody>
-              <a:bodyPr/>
-              <a:lstStyle/>
-              <a:p>
-                <a:pPr lvl="0" indent="0" marL="0">
-                  <a:spcBef>
-                    <a:spcPts val="3000"/>
-                  </a:spcBef>
-                  <a:buNone/>
-                </a:pPr>
-                <a14:m>
-                  <m:oMath xmlns:m="http://schemas.openxmlformats.org/officeDocument/2006/math">
-                    <m:sSub>
-                      <m:e>
-                        <m:r>
-                          <m:t>t</m:t>
-                        </m:r>
-                      </m:e>
-                      <m:sub>
-                        <m:r>
-                          <m:t>s</m:t>
-                        </m:r>
-                      </m:sub>
-                    </m:sSub>
-                    <m:r>
-                      <m:rPr>
-                        <m:sty m:val="p"/>
-                      </m:rPr>
-                      <m:t>=</m:t>
-                    </m:r>
-                    <m:f>
-                      <m:fPr>
-                        <m:type m:val="bar"/>
-                      </m:fPr>
-                      <m:num>
-                        <m:r>
-                          <m:t>S</m:t>
-                        </m:r>
-                        <m:r>
-                          <m:t>t</m:t>
-                        </m:r>
-                        <m:r>
-                          <m:rPr>
-                            <m:sty m:val="p"/>
-                          </m:rPr>
-                          <m:t>−</m:t>
-                        </m:r>
-                        <m:r>
-                          <m:t>θ</m:t>
-                        </m:r>
-                      </m:num>
-                      <m:den>
-                        <m:sSub>
-                          <m:e>
-                            <m:r>
-                              <m:t>S</m:t>
-                            </m:r>
-                          </m:e>
-                          <m:sub>
-                            <m:r>
-                              <m:t>S</m:t>
-                            </m:r>
-                            <m:r>
-                              <m:t>t</m:t>
-                            </m:r>
-                          </m:sub>
-                        </m:sSub>
-                      </m:den>
-                    </m:f>
-                  </m:oMath>
-                </a14:m>
-              </a:p>
-            </p:txBody>
-          </p:sp>
-        </mc:Choice>
-      </mc:AlternateContent>
-      <p:pic>
-        <p:nvPicPr>
-          <p:cNvPr descr="images/clipboard-4123644410.png" id="0" name="Picture 1"/>
-          <p:cNvPicPr>
-            <a:picLocks noGrp="1" noChangeAspect="1"/>
-          </p:cNvPicPr>
-          <p:nvPr/>
-        </p:nvPicPr>
-        <p:blipFill>
-          <a:blip r:embed="rId2"/>
-          <a:stretch>
-            <a:fillRect/>
-          </a:stretch>
-        </p:blipFill>
-        <p:spPr bwMode="auto">
-          <a:xfrm>
-            <a:off x="5105400" y="1295400"/>
-            <a:ext cx="3314700" cy="3276600"/>
-          </a:xfrm>
-          <a:prstGeom prst="rect">
-            <a:avLst/>
-          </a:prstGeom>
-          <a:noFill/>
-          <a:ln w="9525">
-            <a:noFill/>
-            <a:headEnd/>
-            <a:tailEnd/>
-          </a:ln>
-        </p:spPr>
-      </p:pic>
+            <a:pPr lvl="0" indent="0">
+              <a:buNone/>
+            </a:pPr>
+            <a:r>
+              <a:rPr>
+                <a:solidFill>
+                  <a:srgbClr val="5E5E5E"/>
+                </a:solidFill>
+                <a:latin typeface="Courier"/>
+              </a:rPr>
+              <a:t># YOUR </a:t>
+            </a:r>
+            <a:r>
+              <a:rPr>
+                <a:solidFill>
+                  <a:srgbClr val="AD0000"/>
+                </a:solidFill>
+                <a:latin typeface="Courier"/>
+              </a:rPr>
+              <a:t>TASK</a:t>
+            </a:r>
+            <a:r>
+              <a:rPr>
+                <a:solidFill>
+                  <a:srgbClr val="5E5E5E"/>
+                </a:solidFill>
+                <a:latin typeface="Courier"/>
+              </a:rPr>
+              <a:t>: Calculate summary statistics for pine needle length</a:t>
+            </a:r>
+            <a:br/>
+            <a:r>
+              <a:rPr>
+                <a:solidFill>
+                  <a:srgbClr val="5E5E5E"/>
+                </a:solidFill>
+                <a:latin typeface="Courier"/>
+              </a:rPr>
+              <a:t># Hint: Use summarize() function to calculate mean, sd, n, etc.</a:t>
+            </a:r>
+            <a:br/>
+            <a:br/>
+            <a:r>
+              <a:rPr>
+                <a:solidFill>
+                  <a:srgbClr val="5E5E5E"/>
+                </a:solidFill>
+                <a:latin typeface="Courier"/>
+              </a:rPr>
+              <a:t># Create a summary table for all pine needles</a:t>
+            </a:r>
+            <a:br/>
+            <a:r>
+              <a:rPr>
+                <a:solidFill>
+                  <a:srgbClr val="003B4F"/>
+                </a:solidFill>
+                <a:latin typeface="Courier"/>
+              </a:rPr>
+              <a:t>pine_summary &lt;- pine_data </a:t>
+            </a:r>
+            <a:r>
+              <a:rPr>
+                <a:solidFill>
+                  <a:srgbClr val="5E5E5E"/>
+                </a:solidFill>
+                <a:latin typeface="Courier"/>
+              </a:rPr>
+              <a:t>%&gt;%</a:t>
+            </a:r>
+            <a:br/>
+            <a:r>
+              <a:rPr>
+                <a:solidFill>
+                  <a:srgbClr val="003B4F"/>
+                </a:solidFill>
+                <a:latin typeface="Courier"/>
+              </a:rPr>
+              <a:t>  </a:t>
+            </a:r>
+            <a:r>
+              <a:rPr>
+                <a:solidFill>
+                  <a:srgbClr val="4758AB"/>
+                </a:solidFill>
+                <a:latin typeface="Courier"/>
+              </a:rPr>
+              <a:t>summarize</a:t>
+            </a:r>
+            <a:r>
+              <a:rPr>
+                <a:solidFill>
+                  <a:srgbClr val="003B4F"/>
+                </a:solidFill>
+                <a:latin typeface="Courier"/>
+              </a:rPr>
+              <a:t>(</a:t>
+            </a:r>
+            <a:br/>
+            <a:r>
+              <a:rPr>
+                <a:solidFill>
+                  <a:srgbClr val="003B4F"/>
+                </a:solidFill>
+                <a:latin typeface="Courier"/>
+              </a:rPr>
+              <a:t>    </a:t>
+            </a:r>
+            <a:r>
+              <a:rPr>
+                <a:solidFill>
+                  <a:srgbClr val="657422"/>
+                </a:solidFill>
+                <a:latin typeface="Courier"/>
+              </a:rPr>
+              <a:t>mean_length =</a:t>
+            </a:r>
+            <a:r>
+              <a:rPr>
+                <a:solidFill>
+                  <a:srgbClr val="003B4F"/>
+                </a:solidFill>
+                <a:latin typeface="Courier"/>
+              </a:rPr>
+              <a:t> </a:t>
+            </a:r>
+            <a:r>
+              <a:rPr>
+                <a:solidFill>
+                  <a:srgbClr val="4758AB"/>
+                </a:solidFill>
+                <a:latin typeface="Courier"/>
+              </a:rPr>
+              <a:t>mean</a:t>
+            </a:r>
+            <a:r>
+              <a:rPr>
+                <a:solidFill>
+                  <a:srgbClr val="003B4F"/>
+                </a:solidFill>
+                <a:latin typeface="Courier"/>
+              </a:rPr>
+              <a:t>(len_mm),</a:t>
+            </a:r>
+            <a:br/>
+            <a:r>
+              <a:rPr>
+                <a:solidFill>
+                  <a:srgbClr val="003B4F"/>
+                </a:solidFill>
+                <a:latin typeface="Courier"/>
+              </a:rPr>
+              <a:t>    </a:t>
+            </a:r>
+            <a:r>
+              <a:rPr>
+                <a:solidFill>
+                  <a:srgbClr val="657422"/>
+                </a:solidFill>
+                <a:latin typeface="Courier"/>
+              </a:rPr>
+              <a:t>sd_length =</a:t>
+            </a:r>
+            <a:r>
+              <a:rPr>
+                <a:solidFill>
+                  <a:srgbClr val="003B4F"/>
+                </a:solidFill>
+                <a:latin typeface="Courier"/>
+              </a:rPr>
+              <a:t> </a:t>
+            </a:r>
+            <a:r>
+              <a:rPr>
+                <a:solidFill>
+                  <a:srgbClr val="4758AB"/>
+                </a:solidFill>
+                <a:latin typeface="Courier"/>
+              </a:rPr>
+              <a:t>sd</a:t>
+            </a:r>
+            <a:r>
+              <a:rPr>
+                <a:solidFill>
+                  <a:srgbClr val="003B4F"/>
+                </a:solidFill>
+                <a:latin typeface="Courier"/>
+              </a:rPr>
+              <a:t>(len_mm),</a:t>
+            </a:r>
+            <a:br/>
+            <a:r>
+              <a:rPr>
+                <a:solidFill>
+                  <a:srgbClr val="003B4F"/>
+                </a:solidFill>
+                <a:latin typeface="Courier"/>
+              </a:rPr>
+              <a:t>    </a:t>
+            </a:r>
+            <a:r>
+              <a:rPr>
+                <a:solidFill>
+                  <a:srgbClr val="657422"/>
+                </a:solidFill>
+                <a:latin typeface="Courier"/>
+              </a:rPr>
+              <a:t>n =</a:t>
+            </a:r>
+            <a:r>
+              <a:rPr>
+                <a:solidFill>
+                  <a:srgbClr val="003B4F"/>
+                </a:solidFill>
+                <a:latin typeface="Courier"/>
+              </a:rPr>
+              <a:t> </a:t>
+            </a:r>
+            <a:r>
+              <a:rPr>
+                <a:solidFill>
+                  <a:srgbClr val="4758AB"/>
+                </a:solidFill>
+                <a:latin typeface="Courier"/>
+              </a:rPr>
+              <a:t>n</a:t>
+            </a:r>
+            <a:r>
+              <a:rPr>
+                <a:solidFill>
+                  <a:srgbClr val="003B4F"/>
+                </a:solidFill>
+                <a:latin typeface="Courier"/>
+              </a:rPr>
+              <a:t>(),</a:t>
+            </a:r>
+            <a:br/>
+            <a:r>
+              <a:rPr>
+                <a:solidFill>
+                  <a:srgbClr val="003B4F"/>
+                </a:solidFill>
+                <a:latin typeface="Courier"/>
+              </a:rPr>
+              <a:t>    </a:t>
+            </a:r>
+            <a:r>
+              <a:rPr>
+                <a:solidFill>
+                  <a:srgbClr val="657422"/>
+                </a:solidFill>
+                <a:latin typeface="Courier"/>
+              </a:rPr>
+              <a:t>se_length =</a:t>
+            </a:r>
+            <a:r>
+              <a:rPr>
+                <a:solidFill>
+                  <a:srgbClr val="003B4F"/>
+                </a:solidFill>
+                <a:latin typeface="Courier"/>
+              </a:rPr>
+              <a:t> sd_length </a:t>
+            </a:r>
+            <a:r>
+              <a:rPr>
+                <a:solidFill>
+                  <a:srgbClr val="5E5E5E"/>
+                </a:solidFill>
+                <a:latin typeface="Courier"/>
+              </a:rPr>
+              <a:t>/</a:t>
+            </a:r>
+            <a:r>
+              <a:rPr>
+                <a:solidFill>
+                  <a:srgbClr val="003B4F"/>
+                </a:solidFill>
+                <a:latin typeface="Courier"/>
+              </a:rPr>
+              <a:t> </a:t>
+            </a:r>
+            <a:r>
+              <a:rPr>
+                <a:solidFill>
+                  <a:srgbClr val="4758AB"/>
+                </a:solidFill>
+                <a:latin typeface="Courier"/>
+              </a:rPr>
+              <a:t>sqrt</a:t>
+            </a:r>
+            <a:r>
+              <a:rPr>
+                <a:solidFill>
+                  <a:srgbClr val="003B4F"/>
+                </a:solidFill>
+                <a:latin typeface="Courier"/>
+              </a:rPr>
+              <a:t>(n)</a:t>
+            </a:r>
+            <a:br/>
+            <a:r>
+              <a:rPr>
+                <a:solidFill>
+                  <a:srgbClr val="003B4F"/>
+                </a:solidFill>
+                <a:latin typeface="Courier"/>
+              </a:rPr>
+              <a:t>  )</a:t>
+            </a:r>
+            <a:br/>
+            <a:br/>
+            <a:r>
+              <a:rPr>
+                <a:solidFill>
+                  <a:srgbClr val="4758AB"/>
+                </a:solidFill>
+                <a:latin typeface="Courier"/>
+              </a:rPr>
+              <a:t>print</a:t>
+            </a:r>
+            <a:r>
+              <a:rPr>
+                <a:solidFill>
+                  <a:srgbClr val="003B4F"/>
+                </a:solidFill>
+                <a:latin typeface="Courier"/>
+              </a:rPr>
+              <a:t>(pine_summary)</a:t>
+            </a:r>
+          </a:p>
+          <a:p>
+            <a:pPr lvl="0" indent="0">
+              <a:buNone/>
+            </a:pPr>
+            <a:r>
+              <a:rPr>
+                <a:latin typeface="Courier"/>
+              </a:rPr>
+              <a:t># A tibble: 1 × 4
+  mean_length sd_length     n se_length
+        &lt;dbl&gt;     &lt;dbl&gt; &lt;int&gt;     &lt;dbl&gt;
+1        17.7      3.53    48     0.509</a:t>
+            </a:r>
+          </a:p>
+          <a:p>
+            <a:pPr lvl="0" indent="0">
+              <a:buNone/>
+            </a:pPr>
+            <a:r>
+              <a:rPr>
+                <a:solidFill>
+                  <a:srgbClr val="5E5E5E"/>
+                </a:solidFill>
+                <a:latin typeface="Courier"/>
+              </a:rPr>
+              <a:t># Now calculate summary statistics by wind exposure</a:t>
+            </a:r>
+            <a:br/>
+            <a:r>
+              <a:rPr>
+                <a:solidFill>
+                  <a:srgbClr val="5E5E5E"/>
+                </a:solidFill>
+                <a:latin typeface="Courier"/>
+              </a:rPr>
+              <a:t># YOUR CODE HERE</a:t>
+            </a:r>
+          </a:p>
+        </p:txBody>
+      </p:sp>
     </p:spTree>
   </p:cSld>
 </p:sld>
@@ -5816,11 +6131,11 @@
             </a:pPr>
             <a:r>
               <a:rPr b="1"/>
-              <a:t>Lecture 5:</a:t>
-            </a:r>
-            <a:r>
-              <a:rPr/>
-              <a:t> H test for a single population</a:t>
+              <a:t>Part 1:</a:t>
+            </a:r>
+            <a:r>
+              <a:rPr/>
+              <a:t> Visualizing the Data</a:t>
             </a:r>
           </a:p>
         </p:txBody>
@@ -5844,15 +6159,17 @@
               <a:buNone/>
             </a:pPr>
             <a:r>
-              <a:rPr/>
-              <a:t>Is birth weight in population significantly different than 3700 g? - Specify Ho: µ = 3700 and Ha: µ ≠ 3700 - Specify significance level (α = 0.05) - Take sample from population: ȳ = 3500, s = 676</a:t>
-            </a:r>
-          </a:p>
-          <a:p>
-            <a:pPr lvl="0"/>
-            <a:r>
-              <a:rPr/>
-              <a:t>“What is probability of getting sample at least as far from µ as 3500?”</a:t>
+              <a:rPr b="1"/>
+              <a:t>Activity: Create visualizations of pine needle length</a:t>
+            </a:r>
+          </a:p>
+          <a:p>
+            <a:pPr lvl="0" indent="0" marL="0">
+              <a:buNone/>
+            </a:pPr>
+            <a:r>
+              <a:rPr/>
+              <a:t>Create a histogram and a boxplot to visualize the distribution of pine needle length values.</a:t>
             </a:r>
           </a:p>
         </p:txBody>
@@ -5877,7 +6194,43 @@
             </a:pPr>
             <a:r>
               <a:rPr/>
-              <a:t>asdfasfasd</a:t>
+              <a:t>Effective data visualization helps us understand:</a:t>
+            </a:r>
+          </a:p>
+          <a:p>
+            <a:pPr lvl="0" indent="0" marL="0">
+              <a:buNone/>
+            </a:pPr>
+            <a:r>
+              <a:rPr/>
+              <a:t>- The central tendency</a:t>
+            </a:r>
+          </a:p>
+          <a:p>
+            <a:pPr lvl="0" indent="0" marL="0">
+              <a:buNone/>
+            </a:pPr>
+            <a:r>
+              <a:rPr/>
+              <a:t>- The spread of the data</a:t>
+            </a:r>
+          </a:p>
+          <a:p>
+            <a:pPr lvl="0" indent="0" marL="0">
+              <a:buNone/>
+            </a:pPr>
+            <a:r>
+              <a:rPr/>
+              <a:t>- Potential outliers</a:t>
+            </a:r>
+          </a:p>
+          <a:p>
+            <a:pPr lvl="0" indent="0" marL="0">
+              <a:buNone/>
+            </a:pPr>
+            <a:r>
+              <a:rPr/>
+              <a:t>- Shape of distribution</a:t>
             </a:r>
           </a:p>
         </p:txBody>
@@ -5906,6 +6259,591 @@
       </p:grpSpPr>
       <p:sp>
         <p:nvSpPr>
+          <p:cNvPr id="4" name="Text Placeholder 3"/>
+          <p:cNvSpPr>
+            <a:spLocks noGrp="1"/>
+          </p:cNvSpPr>
+          <p:nvPr>
+            <p:ph idx="2" sz="half" type="body"/>
+          </p:nvPr>
+        </p:nvSpPr>
+        <p:spPr/>
+        <p:txBody>
+          <a:bodyPr/>
+          <a:lstStyle/>
+          <a:p>
+            <a:pPr lvl="0" indent="0">
+              <a:buNone/>
+            </a:pPr>
+            <a:r>
+              <a:rPr>
+                <a:solidFill>
+                  <a:srgbClr val="5E5E5E"/>
+                </a:solidFill>
+                <a:latin typeface="Courier"/>
+              </a:rPr>
+              <a:t># YOUR </a:t>
+            </a:r>
+            <a:r>
+              <a:rPr>
+                <a:solidFill>
+                  <a:srgbClr val="AD0000"/>
+                </a:solidFill>
+                <a:latin typeface="Courier"/>
+              </a:rPr>
+              <a:t>TASK</a:t>
+            </a:r>
+            <a:r>
+              <a:rPr>
+                <a:solidFill>
+                  <a:srgbClr val="5E5E5E"/>
+                </a:solidFill>
+                <a:latin typeface="Courier"/>
+              </a:rPr>
+              <a:t>: Create a histogram of pine needle length</a:t>
+            </a:r>
+            <a:br/>
+            <a:r>
+              <a:rPr>
+                <a:solidFill>
+                  <a:srgbClr val="5E5E5E"/>
+                </a:solidFill>
+                <a:latin typeface="Courier"/>
+              </a:rPr>
+              <a:t># Hint: Use ggplot() and geom_histogram()</a:t>
+            </a:r>
+            <a:br/>
+            <a:br/>
+            <a:r>
+              <a:rPr>
+                <a:solidFill>
+                  <a:srgbClr val="5E5E5E"/>
+                </a:solidFill>
+                <a:latin typeface="Courier"/>
+              </a:rPr>
+              <a:t># Histogram of all pine needle lengths</a:t>
+            </a:r>
+            <a:br/>
+            <a:r>
+              <a:rPr>
+                <a:solidFill>
+                  <a:srgbClr val="4758AB"/>
+                </a:solidFill>
+                <a:latin typeface="Courier"/>
+              </a:rPr>
+              <a:t>ggplot</a:t>
+            </a:r>
+            <a:r>
+              <a:rPr>
+                <a:solidFill>
+                  <a:srgbClr val="003B4F"/>
+                </a:solidFill>
+                <a:latin typeface="Courier"/>
+              </a:rPr>
+              <a:t>(pine_data, </a:t>
+            </a:r>
+            <a:r>
+              <a:rPr>
+                <a:solidFill>
+                  <a:srgbClr val="4758AB"/>
+                </a:solidFill>
+                <a:latin typeface="Courier"/>
+              </a:rPr>
+              <a:t>aes</a:t>
+            </a:r>
+            <a:r>
+              <a:rPr>
+                <a:solidFill>
+                  <a:srgbClr val="003B4F"/>
+                </a:solidFill>
+                <a:latin typeface="Courier"/>
+              </a:rPr>
+              <a:t>(</a:t>
+            </a:r>
+            <a:r>
+              <a:rPr>
+                <a:solidFill>
+                  <a:srgbClr val="657422"/>
+                </a:solidFill>
+                <a:latin typeface="Courier"/>
+              </a:rPr>
+              <a:t>x =</a:t>
+            </a:r>
+            <a:r>
+              <a:rPr>
+                <a:solidFill>
+                  <a:srgbClr val="003B4F"/>
+                </a:solidFill>
+                <a:latin typeface="Courier"/>
+              </a:rPr>
+              <a:t> len_mm)) </a:t>
+            </a:r>
+            <a:r>
+              <a:rPr>
+                <a:solidFill>
+                  <a:srgbClr val="5E5E5E"/>
+                </a:solidFill>
+                <a:latin typeface="Courier"/>
+              </a:rPr>
+              <a:t>+</a:t>
+            </a:r>
+            <a:br/>
+            <a:r>
+              <a:rPr>
+                <a:solidFill>
+                  <a:srgbClr val="003B4F"/>
+                </a:solidFill>
+                <a:latin typeface="Courier"/>
+              </a:rPr>
+              <a:t>  </a:t>
+            </a:r>
+            <a:r>
+              <a:rPr>
+                <a:solidFill>
+                  <a:srgbClr val="4758AB"/>
+                </a:solidFill>
+                <a:latin typeface="Courier"/>
+              </a:rPr>
+              <a:t>geom_histogram</a:t>
+            </a:r>
+            <a:r>
+              <a:rPr>
+                <a:solidFill>
+                  <a:srgbClr val="003B4F"/>
+                </a:solidFill>
+                <a:latin typeface="Courier"/>
+              </a:rPr>
+              <a:t>(</a:t>
+            </a:r>
+            <a:r>
+              <a:rPr>
+                <a:solidFill>
+                  <a:srgbClr val="657422"/>
+                </a:solidFill>
+                <a:latin typeface="Courier"/>
+              </a:rPr>
+              <a:t>binwidth =</a:t>
+            </a:r>
+            <a:r>
+              <a:rPr>
+                <a:solidFill>
+                  <a:srgbClr val="003B4F"/>
+                </a:solidFill>
+                <a:latin typeface="Courier"/>
+              </a:rPr>
+              <a:t> </a:t>
+            </a:r>
+            <a:r>
+              <a:rPr>
+                <a:solidFill>
+                  <a:srgbClr val="AD0000"/>
+                </a:solidFill>
+                <a:latin typeface="Courier"/>
+              </a:rPr>
+              <a:t>2</a:t>
+            </a:r>
+            <a:r>
+              <a:rPr>
+                <a:solidFill>
+                  <a:srgbClr val="003B4F"/>
+                </a:solidFill>
+                <a:latin typeface="Courier"/>
+              </a:rPr>
+              <a:t>, </a:t>
+            </a:r>
+            <a:r>
+              <a:rPr>
+                <a:solidFill>
+                  <a:srgbClr val="657422"/>
+                </a:solidFill>
+                <a:latin typeface="Courier"/>
+              </a:rPr>
+              <a:t>fill =</a:t>
+            </a:r>
+            <a:r>
+              <a:rPr>
+                <a:solidFill>
+                  <a:srgbClr val="003B4F"/>
+                </a:solidFill>
+                <a:latin typeface="Courier"/>
+              </a:rPr>
+              <a:t> </a:t>
+            </a:r>
+            <a:r>
+              <a:rPr>
+                <a:solidFill>
+                  <a:srgbClr val="20794D"/>
+                </a:solidFill>
+                <a:latin typeface="Courier"/>
+              </a:rPr>
+              <a:t>"steelblue"</a:t>
+            </a:r>
+            <a:r>
+              <a:rPr>
+                <a:solidFill>
+                  <a:srgbClr val="003B4F"/>
+                </a:solidFill>
+                <a:latin typeface="Courier"/>
+              </a:rPr>
+              <a:t>, </a:t>
+            </a:r>
+            <a:r>
+              <a:rPr>
+                <a:solidFill>
+                  <a:srgbClr val="657422"/>
+                </a:solidFill>
+                <a:latin typeface="Courier"/>
+              </a:rPr>
+              <a:t>color =</a:t>
+            </a:r>
+            <a:r>
+              <a:rPr>
+                <a:solidFill>
+                  <a:srgbClr val="003B4F"/>
+                </a:solidFill>
+                <a:latin typeface="Courier"/>
+              </a:rPr>
+              <a:t> </a:t>
+            </a:r>
+            <a:r>
+              <a:rPr>
+                <a:solidFill>
+                  <a:srgbClr val="20794D"/>
+                </a:solidFill>
+                <a:latin typeface="Courier"/>
+              </a:rPr>
+              <a:t>"black"</a:t>
+            </a:r>
+            <a:r>
+              <a:rPr>
+                <a:solidFill>
+                  <a:srgbClr val="003B4F"/>
+                </a:solidFill>
+                <a:latin typeface="Courier"/>
+              </a:rPr>
+              <a:t>) </a:t>
+            </a:r>
+            <a:r>
+              <a:rPr>
+                <a:solidFill>
+                  <a:srgbClr val="5E5E5E"/>
+                </a:solidFill>
+                <a:latin typeface="Courier"/>
+              </a:rPr>
+              <a:t>+</a:t>
+            </a:r>
+            <a:br/>
+            <a:r>
+              <a:rPr>
+                <a:solidFill>
+                  <a:srgbClr val="003B4F"/>
+                </a:solidFill>
+                <a:latin typeface="Courier"/>
+              </a:rPr>
+              <a:t>  </a:t>
+            </a:r>
+            <a:r>
+              <a:rPr>
+                <a:solidFill>
+                  <a:srgbClr val="4758AB"/>
+                </a:solidFill>
+                <a:latin typeface="Courier"/>
+              </a:rPr>
+              <a:t>labs</a:t>
+            </a:r>
+            <a:r>
+              <a:rPr>
+                <a:solidFill>
+                  <a:srgbClr val="003B4F"/>
+                </a:solidFill>
+                <a:latin typeface="Courier"/>
+              </a:rPr>
+              <a:t>(</a:t>
+            </a:r>
+            <a:r>
+              <a:rPr>
+                <a:solidFill>
+                  <a:srgbClr val="657422"/>
+                </a:solidFill>
+                <a:latin typeface="Courier"/>
+              </a:rPr>
+              <a:t>title =</a:t>
+            </a:r>
+            <a:r>
+              <a:rPr>
+                <a:solidFill>
+                  <a:srgbClr val="003B4F"/>
+                </a:solidFill>
+                <a:latin typeface="Courier"/>
+              </a:rPr>
+              <a:t> </a:t>
+            </a:r>
+            <a:r>
+              <a:rPr>
+                <a:solidFill>
+                  <a:srgbClr val="20794D"/>
+                </a:solidFill>
+                <a:latin typeface="Courier"/>
+              </a:rPr>
+              <a:t>"Distribution of Pine Needle Length"</a:t>
+            </a:r>
+            <a:r>
+              <a:rPr>
+                <a:solidFill>
+                  <a:srgbClr val="003B4F"/>
+                </a:solidFill>
+                <a:latin typeface="Courier"/>
+              </a:rPr>
+              <a:t>,</a:t>
+            </a:r>
+            <a:br/>
+            <a:r>
+              <a:rPr>
+                <a:solidFill>
+                  <a:srgbClr val="003B4F"/>
+                </a:solidFill>
+                <a:latin typeface="Courier"/>
+              </a:rPr>
+              <a:t>       </a:t>
+            </a:r>
+            <a:r>
+              <a:rPr>
+                <a:solidFill>
+                  <a:srgbClr val="657422"/>
+                </a:solidFill>
+                <a:latin typeface="Courier"/>
+              </a:rPr>
+              <a:t>x =</a:t>
+            </a:r>
+            <a:r>
+              <a:rPr>
+                <a:solidFill>
+                  <a:srgbClr val="003B4F"/>
+                </a:solidFill>
+                <a:latin typeface="Courier"/>
+              </a:rPr>
+              <a:t> </a:t>
+            </a:r>
+            <a:r>
+              <a:rPr>
+                <a:solidFill>
+                  <a:srgbClr val="20794D"/>
+                </a:solidFill>
+                <a:latin typeface="Courier"/>
+              </a:rPr>
+              <a:t>"Length (mm)"</a:t>
+            </a:r>
+            <a:r>
+              <a:rPr>
+                <a:solidFill>
+                  <a:srgbClr val="003B4F"/>
+                </a:solidFill>
+                <a:latin typeface="Courier"/>
+              </a:rPr>
+              <a:t>,</a:t>
+            </a:r>
+            <a:br/>
+            <a:r>
+              <a:rPr>
+                <a:solidFill>
+                  <a:srgbClr val="003B4F"/>
+                </a:solidFill>
+                <a:latin typeface="Courier"/>
+              </a:rPr>
+              <a:t>       </a:t>
+            </a:r>
+            <a:r>
+              <a:rPr>
+                <a:solidFill>
+                  <a:srgbClr val="657422"/>
+                </a:solidFill>
+                <a:latin typeface="Courier"/>
+              </a:rPr>
+              <a:t>y =</a:t>
+            </a:r>
+            <a:r>
+              <a:rPr>
+                <a:solidFill>
+                  <a:srgbClr val="003B4F"/>
+                </a:solidFill>
+                <a:latin typeface="Courier"/>
+              </a:rPr>
+              <a:t> </a:t>
+            </a:r>
+            <a:r>
+              <a:rPr>
+                <a:solidFill>
+                  <a:srgbClr val="20794D"/>
+                </a:solidFill>
+                <a:latin typeface="Courier"/>
+              </a:rPr>
+              <a:t>"Frequency"</a:t>
+            </a:r>
+            <a:r>
+              <a:rPr>
+                <a:solidFill>
+                  <a:srgbClr val="003B4F"/>
+                </a:solidFill>
+                <a:latin typeface="Courier"/>
+              </a:rPr>
+              <a:t>) </a:t>
+            </a:r>
+            <a:r>
+              <a:rPr>
+                <a:solidFill>
+                  <a:srgbClr val="5E5E5E"/>
+                </a:solidFill>
+                <a:latin typeface="Courier"/>
+              </a:rPr>
+              <a:t>+</a:t>
+            </a:r>
+            <a:br/>
+            <a:r>
+              <a:rPr>
+                <a:solidFill>
+                  <a:srgbClr val="003B4F"/>
+                </a:solidFill>
+                <a:latin typeface="Courier"/>
+              </a:rPr>
+              <a:t>  </a:t>
+            </a:r>
+            <a:r>
+              <a:rPr>
+                <a:solidFill>
+                  <a:srgbClr val="4758AB"/>
+                </a:solidFill>
+                <a:latin typeface="Courier"/>
+              </a:rPr>
+              <a:t>theme_minimal</a:t>
+            </a:r>
+            <a:r>
+              <a:rPr>
+                <a:solidFill>
+                  <a:srgbClr val="003B4F"/>
+                </a:solidFill>
+                <a:latin typeface="Courier"/>
+              </a:rPr>
+              <a:t>()</a:t>
+            </a:r>
+          </a:p>
+        </p:txBody>
+      </p:sp>
+      <p:pic>
+        <p:nvPicPr>
+          <p:cNvPr descr="05_01_lecture_powerpoint_files/figure-pptx/visualize-1.png" id="0" name="Picture 1"/>
+          <p:cNvPicPr>
+            <a:picLocks noGrp="1" noChangeAspect="1"/>
+          </p:cNvPicPr>
+          <p:nvPr/>
+        </p:nvPicPr>
+        <p:blipFill>
+          <a:blip r:embed="rId2"/>
+          <a:stretch>
+            <a:fillRect/>
+          </a:stretch>
+        </p:blipFill>
+        <p:spPr bwMode="auto">
+          <a:xfrm>
+            <a:off x="3657600" y="1549400"/>
+            <a:ext cx="5232400" cy="2616200"/>
+          </a:xfrm>
+          <a:prstGeom prst="rect">
+            <a:avLst/>
+          </a:prstGeom>
+          <a:noFill/>
+          <a:ln w="9525">
+            <a:noFill/>
+            <a:headEnd/>
+            <a:tailEnd/>
+          </a:ln>
+        </p:spPr>
+      </p:pic>
+    </p:spTree>
+  </p:cSld>
+</p:sld>
+</file>
+
+<file path=ppt/slides/slide27.xml><?xml version="1.0" encoding="utf-8"?>
+<p:sld xmlns:a="http://schemas.openxmlformats.org/drawingml/2006/main" xmlns:r="http://schemas.openxmlformats.org/officeDocument/2006/relationships" xmlns:p="http://schemas.openxmlformats.org/presentationml/2006/main">
+  <p:cSld>
+    <p:spTree>
+      <p:nvGrpSpPr>
+        <p:cNvPr id="1" name=""/>
+        <p:cNvGrpSpPr/>
+        <p:nvPr/>
+      </p:nvGrpSpPr>
+      <p:grpSpPr>
+        <a:xfrm>
+          <a:off x="0" y="0"/>
+          <a:ext cx="0" cy="0"/>
+          <a:chOff x="0" y="0"/>
+          <a:chExt cx="0" cy="0"/>
+        </a:xfrm>
+      </p:grpSpPr>
+      <p:sp>
+        <p:nvSpPr>
+          <p:cNvPr id="3" name="Content Placeholder 2"/>
+          <p:cNvSpPr>
+            <a:spLocks noGrp="1"/>
+          </p:cNvSpPr>
+          <p:nvPr>
+            <p:ph idx="1"/>
+          </p:nvPr>
+        </p:nvSpPr>
+        <p:spPr/>
+        <p:txBody>
+          <a:bodyPr/>
+          <a:lstStyle/>
+          <a:p>
+            <a:pPr lvl="0" indent="0">
+              <a:buNone/>
+            </a:pPr>
+            <a:r>
+              <a:rPr>
+                <a:solidFill>
+                  <a:srgbClr val="5E5E5E"/>
+                </a:solidFill>
+                <a:latin typeface="Courier"/>
+              </a:rPr>
+              <a:t># Boxplot of pine needle length by wind exposure</a:t>
+            </a:r>
+            <a:br/>
+            <a:r>
+              <a:rPr>
+                <a:solidFill>
+                  <a:srgbClr val="5E5E5E"/>
+                </a:solidFill>
+                <a:latin typeface="Courier"/>
+              </a:rPr>
+              <a:t># YOUR CODE HERE</a:t>
+            </a:r>
+          </a:p>
+        </p:txBody>
+      </p:sp>
+    </p:spTree>
+  </p:cSld>
+</p:sld>
+</file>
+
+<file path=ppt/slides/slide28.xml><?xml version="1.0" encoding="utf-8"?>
+<p:sld xmlns:a="http://schemas.openxmlformats.org/drawingml/2006/main" xmlns:r="http://schemas.openxmlformats.org/officeDocument/2006/relationships" xmlns:p="http://schemas.openxmlformats.org/presentationml/2006/main">
+  <p:cSld>
+    <p:spTree>
+      <p:nvGrpSpPr>
+        <p:cNvPr id="1" name=""/>
+        <p:cNvGrpSpPr/>
+        <p:nvPr/>
+      </p:nvGrpSpPr>
+      <p:grpSpPr>
+        <a:xfrm>
+          <a:off x="0" y="0"/>
+          <a:ext cx="0" cy="0"/>
+          <a:chOff x="0" y="0"/>
+          <a:chExt cx="0" cy="0"/>
+        </a:xfrm>
+      </p:grpSpPr>
+      <p:sp>
+        <p:nvSpPr>
           <p:cNvPr id="2" name="Title 1"/>
           <p:cNvSpPr>
             <a:spLocks noGrp="1"/>
@@ -5932,11 +6870,314 @@
             </a:pPr>
             <a:r>
               <a:rPr b="1"/>
+              <a:t>Part 1:</a:t>
+            </a:r>
+            <a:r>
+              <a:rPr/>
+              <a:t> Single Sample T-Test</a:t>
+            </a:r>
+          </a:p>
+        </p:txBody>
+      </p:sp>
+      <p:sp>
+        <p:nvSpPr>
+          <p:cNvPr id="3" name="Content Placeholder 2"/>
+          <p:cNvSpPr>
+            <a:spLocks noGrp="1"/>
+          </p:cNvSpPr>
+          <p:nvPr>
+            <p:ph idx="1" sz="half"/>
+          </p:nvPr>
+        </p:nvSpPr>
+        <p:spPr/>
+        <p:txBody>
+          <a:bodyPr/>
+          <a:lstStyle/>
+          <a:p>
+            <a:pPr lvl="0" indent="0" marL="0">
+              <a:buNone/>
+            </a:pPr>
+            <a:r>
+              <a:rPr/>
+              <a:t>We want to test if the mean pine needle length on the windward side differs from 55mm.</a:t>
+            </a:r>
+          </a:p>
+          <a:p>
+            <a:pPr lvl="0" indent="0" marL="0">
+              <a:buNone/>
+            </a:pPr>
+            <a:r>
+              <a:rPr b="1"/>
+              <a:t>Activity: Define hypotheses and identify assumptions</a:t>
+            </a:r>
+          </a:p>
+          <a:p>
+            <a:pPr lvl="0" indent="0" marL="0">
+              <a:buNone/>
+            </a:pPr>
+            <a:r>
+              <a:rPr/>
+              <a:t>H₀: μ = 55 (The mean pine needle length on windward side is 55mm) H₁: μ ≠ 55 (The mean pine needle length on windward side is not 55mm)</a:t>
+            </a:r>
+          </a:p>
+        </p:txBody>
+      </p:sp>
+      <p:sp>
+        <p:nvSpPr>
+          <p:cNvPr id="4" name="Content Placeholder 3"/>
+          <p:cNvSpPr>
+            <a:spLocks noGrp="1"/>
+          </p:cNvSpPr>
+          <p:nvPr>
+            <p:ph idx="2" sz="half"/>
+          </p:nvPr>
+        </p:nvSpPr>
+        <p:spPr/>
+        <p:txBody>
+          <a:bodyPr/>
+          <a:lstStyle/>
+          <a:p>
+            <a:pPr lvl="0" indent="0" marL="0">
+              <a:spcBef>
+                <a:spcPts val="3000"/>
+              </a:spcBef>
+              <a:buNone/>
+            </a:pPr>
+            <a:r>
+              <a:rPr b="1"/>
+              <a:t>Assumptions for t-test:</a:t>
+            </a:r>
+          </a:p>
+          <a:p>
+            <a:pPr lvl="0" indent="-342900" marL="342900">
+              <a:buAutoNum type="arabicPeriod"/>
+            </a:pPr>
+            <a:r>
+              <a:rPr/>
+              <a:t>Data is normally distributed</a:t>
+            </a:r>
+          </a:p>
+          <a:p>
+            <a:pPr lvl="0" indent="-342900" marL="342900">
+              <a:buAutoNum type="arabicPeriod"/>
+            </a:pPr>
+            <a:r>
+              <a:rPr/>
+              <a:t>Observations are independent</a:t>
+            </a:r>
+          </a:p>
+          <a:p>
+            <a:pPr lvl="0" indent="-342900" marL="342900">
+              <a:buAutoNum type="arabicPeriod"/>
+            </a:pPr>
+            <a:r>
+              <a:rPr/>
+              <a:t>No significant outliers</a:t>
+            </a:r>
+          </a:p>
+        </p:txBody>
+      </p:sp>
+    </p:spTree>
+  </p:cSld>
+</p:sld>
+</file>
+
+<file path=ppt/slides/slide29.xml><?xml version="1.0" encoding="utf-8"?>
+<p:sld xmlns:a="http://schemas.openxmlformats.org/drawingml/2006/main" xmlns:r="http://schemas.openxmlformats.org/officeDocument/2006/relationships" xmlns:p="http://schemas.openxmlformats.org/presentationml/2006/main">
+  <p:cSld>
+    <p:spTree>
+      <p:nvGrpSpPr>
+        <p:cNvPr id="1" name=""/>
+        <p:cNvGrpSpPr/>
+        <p:nvPr/>
+      </p:nvGrpSpPr>
+      <p:grpSpPr>
+        <a:xfrm>
+          <a:off x="0" y="0"/>
+          <a:ext cx="0" cy="0"/>
+          <a:chOff x="0" y="0"/>
+          <a:chExt cx="0" cy="0"/>
+        </a:xfrm>
+      </p:grpSpPr>
+      <p:sp>
+        <p:nvSpPr>
+          <p:cNvPr id="2" name="Title 1"/>
+          <p:cNvSpPr>
+            <a:spLocks noGrp="1"/>
+          </p:cNvSpPr>
+          <p:nvPr>
+            <p:ph type="title"/>
+          </p:nvPr>
+        </p:nvSpPr>
+        <p:spPr>
+          <a:xfrm>
+            <a:off x="0" y="0"/>
+            <a:ext cx="9144000" cy="602780"/>
+          </a:xfrm>
+          <a:solidFill>
+            <a:srgbClr val="70121D"/>
+          </a:solidFill>
+        </p:spPr>
+        <p:txBody>
+          <a:bodyPr/>
+          <a:lstStyle/>
+          <a:p>
+            <a:pPr lvl="0" indent="0" marL="0">
+              <a:buNone/>
+            </a:pPr>
+            <a:r>
+              <a:rPr b="1"/>
+              <a:t>Part 1:</a:t>
+            </a:r>
+            <a:r>
+              <a:rPr/>
+              <a:t> Testing Assumptions</a:t>
+            </a:r>
+          </a:p>
+        </p:txBody>
+      </p:sp>
+      <p:sp>
+        <p:nvSpPr>
+          <p:cNvPr id="3" name="Content Placeholder 2"/>
+          <p:cNvSpPr>
+            <a:spLocks noGrp="1"/>
+          </p:cNvSpPr>
+          <p:nvPr>
+            <p:ph idx="1" sz="half"/>
+          </p:nvPr>
+        </p:nvSpPr>
+        <p:spPr/>
+        <p:txBody>
+          <a:bodyPr/>
+          <a:lstStyle/>
+          <a:p>
+            <a:pPr lvl="0" indent="0" marL="0">
+              <a:buNone/>
+            </a:pPr>
+            <a:r>
+              <a:rPr/>
+              <a:t>Before conducting our t-test, we need to verify that our data meets the necessary assumptions.</a:t>
+            </a:r>
+          </a:p>
+          <a:p>
+            <a:pPr lvl="0" indent="0" marL="0">
+              <a:buNone/>
+            </a:pPr>
+            <a:r>
+              <a:rPr b="1"/>
+              <a:t>Activity: Test the normality assumption</a:t>
+            </a:r>
+          </a:p>
+        </p:txBody>
+      </p:sp>
+      <p:sp>
+        <p:nvSpPr>
+          <p:cNvPr id="4" name="Content Placeholder 3"/>
+          <p:cNvSpPr>
+            <a:spLocks noGrp="1"/>
+          </p:cNvSpPr>
+          <p:nvPr>
+            <p:ph idx="2" sz="half"/>
+          </p:nvPr>
+        </p:nvSpPr>
+        <p:spPr/>
+        <p:txBody>
+          <a:bodyPr/>
+          <a:lstStyle/>
+          <a:p>
+            <a:pPr lvl="0" indent="0" marL="0">
+              <a:buNone/>
+            </a:pPr>
+            <a:r>
+              <a:rPr/>
+              <a:t>Methods to test normality:</a:t>
+            </a:r>
+          </a:p>
+          <a:p>
+            <a:pPr lvl="0"/>
+            <a:r>
+              <a:rPr/>
+              <a:t>Visual methods:</a:t>
+            </a:r>
+          </a:p>
+          <a:p>
+            <a:pPr lvl="1"/>
+            <a:r>
+              <a:rPr/>
+              <a:t>QQ plots, histograms</a:t>
+            </a:r>
+          </a:p>
+          <a:p>
+            <a:pPr lvl="1"/>
+            <a:r>
+              <a:rPr/>
+              <a:t>Statistical tests: Shapiro</a:t>
+            </a:r>
+          </a:p>
+          <a:p>
+            <a:pPr lvl="1"/>
+            <a:r>
+              <a:rPr/>
+              <a:t>Wilk test</a:t>
+            </a:r>
+          </a:p>
+        </p:txBody>
+      </p:sp>
+    </p:spTree>
+  </p:cSld>
+</p:sld>
+</file>
+
+<file path=ppt/slides/slide3.xml><?xml version="1.0" encoding="utf-8"?>
+<p:sld xmlns:a="http://schemas.openxmlformats.org/drawingml/2006/main" xmlns:r="http://schemas.openxmlformats.org/officeDocument/2006/relationships" xmlns:p="http://schemas.openxmlformats.org/presentationml/2006/main">
+  <p:cSld>
+    <p:spTree>
+      <p:nvGrpSpPr>
+        <p:cNvPr id="1" name=""/>
+        <p:cNvGrpSpPr/>
+        <p:nvPr/>
+      </p:nvGrpSpPr>
+      <p:grpSpPr>
+        <a:xfrm>
+          <a:off x="0" y="0"/>
+          <a:ext cx="0" cy="0"/>
+          <a:chOff x="0" y="0"/>
+          <a:chExt cx="0" cy="0"/>
+        </a:xfrm>
+      </p:grpSpPr>
+      <p:sp>
+        <p:nvSpPr>
+          <p:cNvPr id="2" name="Title 1"/>
+          <p:cNvSpPr>
+            <a:spLocks noGrp="1"/>
+          </p:cNvSpPr>
+          <p:nvPr>
+            <p:ph type="title"/>
+          </p:nvPr>
+        </p:nvSpPr>
+        <p:spPr>
+          <a:xfrm>
+            <a:off x="0" y="0"/>
+            <a:ext cx="9144000" cy="602780"/>
+          </a:xfrm>
+          <a:solidFill>
+            <a:srgbClr val="70121D"/>
+          </a:solidFill>
+        </p:spPr>
+        <p:txBody>
+          <a:bodyPr/>
+          <a:lstStyle/>
+          <a:p>
+            <a:pPr lvl="0" indent="0" marL="0">
+              <a:buNone/>
+            </a:pPr>
+            <a:r>
+              <a:rPr b="1"/>
               <a:t>Lecture 5:</a:t>
             </a:r>
             <a:r>
               <a:rPr/>
-              <a:t> H test for a single population</a:t>
+              <a:t> Overview</a:t>
             </a:r>
           </a:p>
         </p:txBody>
@@ -5957,32 +7198,1365 @@
           <a:lstStyle/>
           <a:p>
             <a:pPr lvl="0" indent="0" marL="0">
-              <a:buNone/>
-            </a:pPr>
-            <a:r>
-              <a:rPr/>
-              <a:t>Is this one-tailed or two-tailed question?</a:t>
+              <a:spcBef>
+                <a:spcPts val="3000"/>
+              </a:spcBef>
+              <a:buNone/>
+            </a:pPr>
+            <a:r>
+              <a:rPr b="1"/>
+              <a:t>The objectives:</a:t>
             </a:r>
           </a:p>
           <a:p>
             <a:pPr lvl="0"/>
             <a:r>
               <a:rPr/>
-              <a:t>Calculate t = (3500 – 3700) / (676/ √ 20)</a:t>
+              <a:t>p-values</a:t>
             </a:r>
           </a:p>
           <a:p>
             <a:pPr lvl="0"/>
             <a:r>
               <a:rPr/>
-              <a:t>t = -1.32</a:t>
+              <a:t>Brief review</a:t>
             </a:r>
           </a:p>
           <a:p>
             <a:pPr lvl="0"/>
             <a:r>
               <a:rPr/>
-              <a:t>Compare with t-distribution for df=19</a:t>
+              <a:t>H test for a single population</a:t>
+            </a:r>
+          </a:p>
+          <a:p>
+            <a:pPr lvl="0"/>
+            <a:r>
+              <a:rPr/>
+              <a:t>1- and 2-sided tests</a:t>
+            </a:r>
+          </a:p>
+          <a:p>
+            <a:pPr lvl="0"/>
+            <a:r>
+              <a:rPr/>
+              <a:t>Hypothesis tests for two populations</a:t>
+            </a:r>
+          </a:p>
+          <a:p>
+            <a:pPr lvl="0"/>
+            <a:r>
+              <a:rPr/>
+              <a:t>Assumptions of parametric tests</a:t>
+            </a:r>
+          </a:p>
+        </p:txBody>
+      </p:sp>
+      <p:sp>
+        <p:nvSpPr>
+          <p:cNvPr id="4" name="Content Placeholder 3"/>
+          <p:cNvSpPr>
+            <a:spLocks noGrp="1"/>
+          </p:cNvSpPr>
+          <p:nvPr>
+            <p:ph idx="2" sz="half"/>
+          </p:nvPr>
+        </p:nvSpPr>
+        <p:spPr/>
+        <p:txBody>
+          <a:bodyPr/>
+          <a:lstStyle/>
+          <a:p>
+            <a:pPr lvl="0" indent="0" marL="0">
+              <a:buNone/>
+            </a:pPr>
+            <a:r>
+              <a:rPr/>
+              <a:t>asdfasfasd</a:t>
+            </a:r>
+          </a:p>
+        </p:txBody>
+      </p:sp>
+    </p:spTree>
+  </p:cSld>
+</p:sld>
+</file>
+
+<file path=ppt/slides/slide30.xml><?xml version="1.0" encoding="utf-8"?>
+<p:sld xmlns:a="http://schemas.openxmlformats.org/drawingml/2006/main" xmlns:r="http://schemas.openxmlformats.org/officeDocument/2006/relationships" xmlns:p="http://schemas.openxmlformats.org/presentationml/2006/main">
+  <p:cSld>
+    <p:spTree>
+      <p:nvGrpSpPr>
+        <p:cNvPr id="1" name=""/>
+        <p:cNvGrpSpPr/>
+        <p:nvPr/>
+      </p:nvGrpSpPr>
+      <p:grpSpPr>
+        <a:xfrm>
+          <a:off x="0" y="0"/>
+          <a:ext cx="0" cy="0"/>
+          <a:chOff x="0" y="0"/>
+          <a:chExt cx="0" cy="0"/>
+        </a:xfrm>
+      </p:grpSpPr>
+      <p:sp>
+        <p:nvSpPr>
+          <p:cNvPr id="4" name="Text Placeholder 3"/>
+          <p:cNvSpPr>
+            <a:spLocks noGrp="1"/>
+          </p:cNvSpPr>
+          <p:nvPr>
+            <p:ph idx="2" sz="half" type="body"/>
+          </p:nvPr>
+        </p:nvSpPr>
+        <p:spPr/>
+        <p:txBody>
+          <a:bodyPr/>
+          <a:lstStyle/>
+          <a:p>
+            <a:pPr lvl="0" indent="0">
+              <a:buNone/>
+            </a:pPr>
+            <a:r>
+              <a:rPr>
+                <a:solidFill>
+                  <a:srgbClr val="5E5E5E"/>
+                </a:solidFill>
+                <a:latin typeface="Courier"/>
+              </a:rPr>
+              <a:t># Filter for just windward side needles</a:t>
+            </a:r>
+            <a:br/>
+            <a:r>
+              <a:rPr>
+                <a:solidFill>
+                  <a:srgbClr val="003B4F"/>
+                </a:solidFill>
+                <a:latin typeface="Courier"/>
+              </a:rPr>
+              <a:t>windward_data &lt;- pine_data </a:t>
+            </a:r>
+            <a:r>
+              <a:rPr>
+                <a:solidFill>
+                  <a:srgbClr val="5E5E5E"/>
+                </a:solidFill>
+                <a:latin typeface="Courier"/>
+              </a:rPr>
+              <a:t>%&gt;%</a:t>
+            </a:r>
+            <a:r>
+              <a:rPr>
+                <a:solidFill>
+                  <a:srgbClr val="003B4F"/>
+                </a:solidFill>
+                <a:latin typeface="Courier"/>
+              </a:rPr>
+              <a:t> </a:t>
+            </a:r>
+            <a:br/>
+            <a:r>
+              <a:rPr>
+                <a:solidFill>
+                  <a:srgbClr val="003B4F"/>
+                </a:solidFill>
+                <a:latin typeface="Courier"/>
+              </a:rPr>
+              <a:t>  </a:t>
+            </a:r>
+            <a:r>
+              <a:rPr>
+                <a:solidFill>
+                  <a:srgbClr val="4758AB"/>
+                </a:solidFill>
+                <a:latin typeface="Courier"/>
+              </a:rPr>
+              <a:t>filter</a:t>
+            </a:r>
+            <a:r>
+              <a:rPr>
+                <a:solidFill>
+                  <a:srgbClr val="003B4F"/>
+                </a:solidFill>
+                <a:latin typeface="Courier"/>
+              </a:rPr>
+              <a:t>(wind </a:t>
+            </a:r>
+            <a:r>
+              <a:rPr>
+                <a:solidFill>
+                  <a:srgbClr val="5E5E5E"/>
+                </a:solidFill>
+                <a:latin typeface="Courier"/>
+              </a:rPr>
+              <a:t>==</a:t>
+            </a:r>
+            <a:r>
+              <a:rPr>
+                <a:solidFill>
+                  <a:srgbClr val="003B4F"/>
+                </a:solidFill>
+                <a:latin typeface="Courier"/>
+              </a:rPr>
+              <a:t> </a:t>
+            </a:r>
+            <a:r>
+              <a:rPr>
+                <a:solidFill>
+                  <a:srgbClr val="20794D"/>
+                </a:solidFill>
+                <a:latin typeface="Courier"/>
+              </a:rPr>
+              <a:t>"wind"</a:t>
+            </a:r>
+            <a:r>
+              <a:rPr>
+                <a:solidFill>
+                  <a:srgbClr val="003B4F"/>
+                </a:solidFill>
+                <a:latin typeface="Courier"/>
+              </a:rPr>
+              <a:t>)</a:t>
+            </a:r>
+            <a:br/>
+            <a:br/>
+            <a:r>
+              <a:rPr>
+                <a:solidFill>
+                  <a:srgbClr val="5E5E5E"/>
+                </a:solidFill>
+                <a:latin typeface="Courier"/>
+              </a:rPr>
+              <a:t># YOUR </a:t>
+            </a:r>
+            <a:r>
+              <a:rPr>
+                <a:solidFill>
+                  <a:srgbClr val="AD0000"/>
+                </a:solidFill>
+                <a:latin typeface="Courier"/>
+              </a:rPr>
+              <a:t>TASK</a:t>
+            </a:r>
+            <a:r>
+              <a:rPr>
+                <a:solidFill>
+                  <a:srgbClr val="5E5E5E"/>
+                </a:solidFill>
+                <a:latin typeface="Courier"/>
+              </a:rPr>
+              <a:t>: Test normality of windward pine needle lengths</a:t>
+            </a:r>
+            <a:br/>
+            <a:r>
+              <a:rPr>
+                <a:solidFill>
+                  <a:srgbClr val="5E5E5E"/>
+                </a:solidFill>
+                <a:latin typeface="Courier"/>
+              </a:rPr>
+              <a:t># QQ Plot</a:t>
+            </a:r>
+            <a:br/>
+            <a:r>
+              <a:rPr>
+                <a:solidFill>
+                  <a:srgbClr val="4758AB"/>
+                </a:solidFill>
+                <a:latin typeface="Courier"/>
+              </a:rPr>
+              <a:t>qqPlot</a:t>
+            </a:r>
+            <a:r>
+              <a:rPr>
+                <a:solidFill>
+                  <a:srgbClr val="003B4F"/>
+                </a:solidFill>
+                <a:latin typeface="Courier"/>
+              </a:rPr>
+              <a:t>(windward_data</a:t>
+            </a:r>
+            <a:r>
+              <a:rPr>
+                <a:solidFill>
+                  <a:srgbClr val="5E5E5E"/>
+                </a:solidFill>
+                <a:latin typeface="Courier"/>
+              </a:rPr>
+              <a:t>$</a:t>
+            </a:r>
+            <a:r>
+              <a:rPr>
+                <a:solidFill>
+                  <a:srgbClr val="003B4F"/>
+                </a:solidFill>
+                <a:latin typeface="Courier"/>
+              </a:rPr>
+              <a:t>len_mm, </a:t>
+            </a:r>
+            <a:br/>
+            <a:r>
+              <a:rPr>
+                <a:solidFill>
+                  <a:srgbClr val="003B4F"/>
+                </a:solidFill>
+                <a:latin typeface="Courier"/>
+              </a:rPr>
+              <a:t>       </a:t>
+            </a:r>
+            <a:r>
+              <a:rPr>
+                <a:solidFill>
+                  <a:srgbClr val="657422"/>
+                </a:solidFill>
+                <a:latin typeface="Courier"/>
+              </a:rPr>
+              <a:t>main =</a:t>
+            </a:r>
+            <a:r>
+              <a:rPr>
+                <a:solidFill>
+                  <a:srgbClr val="003B4F"/>
+                </a:solidFill>
+                <a:latin typeface="Courier"/>
+              </a:rPr>
+              <a:t> </a:t>
+            </a:r>
+            <a:r>
+              <a:rPr>
+                <a:solidFill>
+                  <a:srgbClr val="20794D"/>
+                </a:solidFill>
+                <a:latin typeface="Courier"/>
+              </a:rPr>
+              <a:t>"QQ Plot for Windward Pine Needles"</a:t>
+            </a:r>
+            <a:r>
+              <a:rPr>
+                <a:solidFill>
+                  <a:srgbClr val="003B4F"/>
+                </a:solidFill>
+                <a:latin typeface="Courier"/>
+              </a:rPr>
+              <a:t>,</a:t>
+            </a:r>
+            <a:br/>
+            <a:r>
+              <a:rPr>
+                <a:solidFill>
+                  <a:srgbClr val="003B4F"/>
+                </a:solidFill>
+                <a:latin typeface="Courier"/>
+              </a:rPr>
+              <a:t>       </a:t>
+            </a:r>
+            <a:r>
+              <a:rPr>
+                <a:solidFill>
+                  <a:srgbClr val="657422"/>
+                </a:solidFill>
+                <a:latin typeface="Courier"/>
+              </a:rPr>
+              <a:t>ylab =</a:t>
+            </a:r>
+            <a:r>
+              <a:rPr>
+                <a:solidFill>
+                  <a:srgbClr val="003B4F"/>
+                </a:solidFill>
+                <a:latin typeface="Courier"/>
+              </a:rPr>
+              <a:t> </a:t>
+            </a:r>
+            <a:r>
+              <a:rPr>
+                <a:solidFill>
+                  <a:srgbClr val="20794D"/>
+                </a:solidFill>
+                <a:latin typeface="Courier"/>
+              </a:rPr>
+              <a:t>"Sample Quantiles"</a:t>
+            </a:r>
+            <a:r>
+              <a:rPr>
+                <a:solidFill>
+                  <a:srgbClr val="003B4F"/>
+                </a:solidFill>
+                <a:latin typeface="Courier"/>
+              </a:rPr>
+              <a:t>)</a:t>
+            </a:r>
+          </a:p>
+        </p:txBody>
+      </p:sp>
+      <p:pic>
+        <p:nvPicPr>
+          <p:cNvPr descr="05_01_lecture_powerpoint_files/figure-pptx/test_assumptions-1.png" id="0" name="Picture 1"/>
+          <p:cNvPicPr>
+            <a:picLocks noGrp="1" noChangeAspect="1"/>
+          </p:cNvPicPr>
+          <p:nvPr/>
+        </p:nvPicPr>
+        <p:blipFill>
+          <a:blip r:embed="rId2"/>
+          <a:stretch>
+            <a:fillRect/>
+          </a:stretch>
+        </p:blipFill>
+        <p:spPr bwMode="auto">
+          <a:xfrm>
+            <a:off x="3657600" y="1549400"/>
+            <a:ext cx="5232400" cy="2616200"/>
+          </a:xfrm>
+          <a:prstGeom prst="rect">
+            <a:avLst/>
+          </a:prstGeom>
+          <a:noFill/>
+          <a:ln w="9525">
+            <a:noFill/>
+            <a:headEnd/>
+            <a:tailEnd/>
+          </a:ln>
+        </p:spPr>
+      </p:pic>
+    </p:spTree>
+  </p:cSld>
+</p:sld>
+</file>
+
+<file path=ppt/slides/slide31.xml><?xml version="1.0" encoding="utf-8"?>
+<p:sld xmlns:a="http://schemas.openxmlformats.org/drawingml/2006/main" xmlns:r="http://schemas.openxmlformats.org/officeDocument/2006/relationships" xmlns:p="http://schemas.openxmlformats.org/presentationml/2006/main">
+  <p:cSld>
+    <p:spTree>
+      <p:nvGrpSpPr>
+        <p:cNvPr id="1" name=""/>
+        <p:cNvGrpSpPr/>
+        <p:nvPr/>
+      </p:nvGrpSpPr>
+      <p:grpSpPr>
+        <a:xfrm>
+          <a:off x="0" y="0"/>
+          <a:ext cx="0" cy="0"/>
+          <a:chOff x="0" y="0"/>
+          <a:chExt cx="0" cy="0"/>
+        </a:xfrm>
+      </p:grpSpPr>
+      <p:sp>
+        <p:nvSpPr>
+          <p:cNvPr id="3" name="Content Placeholder 2"/>
+          <p:cNvSpPr>
+            <a:spLocks noGrp="1"/>
+          </p:cNvSpPr>
+          <p:nvPr>
+            <p:ph idx="1"/>
+          </p:nvPr>
+        </p:nvSpPr>
+        <p:spPr/>
+        <p:txBody>
+          <a:bodyPr/>
+          <a:lstStyle/>
+          <a:p>
+            <a:pPr lvl="0" indent="0">
+              <a:buNone/>
+            </a:pPr>
+            <a:r>
+              <a:rPr>
+                <a:latin typeface="Courier"/>
+              </a:rPr>
+              <a:t>[1] 21 22</a:t>
+            </a:r>
+          </a:p>
+          <a:p>
+            <a:pPr lvl="0" indent="0">
+              <a:buNone/>
+            </a:pPr>
+            <a:r>
+              <a:rPr>
+                <a:solidFill>
+                  <a:srgbClr val="5E5E5E"/>
+                </a:solidFill>
+                <a:latin typeface="Courier"/>
+              </a:rPr>
+              <a:t># Shapiro-Wilk test</a:t>
+            </a:r>
+            <a:br/>
+            <a:r>
+              <a:rPr>
+                <a:solidFill>
+                  <a:srgbClr val="003B4F"/>
+                </a:solidFill>
+                <a:latin typeface="Courier"/>
+              </a:rPr>
+              <a:t>shapiro_test &lt;- </a:t>
+            </a:r>
+            <a:r>
+              <a:rPr>
+                <a:solidFill>
+                  <a:srgbClr val="4758AB"/>
+                </a:solidFill>
+                <a:latin typeface="Courier"/>
+              </a:rPr>
+              <a:t>shapiro.test</a:t>
+            </a:r>
+            <a:r>
+              <a:rPr>
+                <a:solidFill>
+                  <a:srgbClr val="003B4F"/>
+                </a:solidFill>
+                <a:latin typeface="Courier"/>
+              </a:rPr>
+              <a:t>(windward_data</a:t>
+            </a:r>
+            <a:r>
+              <a:rPr>
+                <a:solidFill>
+                  <a:srgbClr val="5E5E5E"/>
+                </a:solidFill>
+                <a:latin typeface="Courier"/>
+              </a:rPr>
+              <a:t>$</a:t>
+            </a:r>
+            <a:r>
+              <a:rPr>
+                <a:solidFill>
+                  <a:srgbClr val="003B4F"/>
+                </a:solidFill>
+                <a:latin typeface="Courier"/>
+              </a:rPr>
+              <a:t>len_mm)</a:t>
+            </a:r>
+            <a:br/>
+            <a:r>
+              <a:rPr>
+                <a:solidFill>
+                  <a:srgbClr val="4758AB"/>
+                </a:solidFill>
+                <a:latin typeface="Courier"/>
+              </a:rPr>
+              <a:t>print</a:t>
+            </a:r>
+            <a:r>
+              <a:rPr>
+                <a:solidFill>
+                  <a:srgbClr val="003B4F"/>
+                </a:solidFill>
+                <a:latin typeface="Courier"/>
+              </a:rPr>
+              <a:t>(shapiro_test)</a:t>
+            </a:r>
+          </a:p>
+          <a:p>
+            <a:pPr lvl="0" indent="0">
+              <a:buNone/>
+            </a:pPr>
+            <a:r>
+              <a:rPr>
+                <a:latin typeface="Courier"/>
+              </a:rPr>
+              <a:t>
+    Shapiro-Wilk normality test
+data:  windward_data$len_mm
+W = 0.96062, p-value = 0.451</a:t>
+            </a:r>
+          </a:p>
+          <a:p>
+            <a:pPr lvl="0" indent="0">
+              <a:buNone/>
+            </a:pPr>
+            <a:r>
+              <a:rPr>
+                <a:solidFill>
+                  <a:srgbClr val="5E5E5E"/>
+                </a:solidFill>
+                <a:latin typeface="Courier"/>
+              </a:rPr>
+              <a:t># Check for outliers using boxplot</a:t>
+            </a:r>
+            <a:br/>
+            <a:r>
+              <a:rPr>
+                <a:solidFill>
+                  <a:srgbClr val="5E5E5E"/>
+                </a:solidFill>
+                <a:latin typeface="Courier"/>
+              </a:rPr>
+              <a:t># YOUR CODE HERE</a:t>
+            </a:r>
+          </a:p>
+        </p:txBody>
+      </p:sp>
+    </p:spTree>
+  </p:cSld>
+</p:sld>
+</file>
+
+<file path=ppt/slides/slide32.xml><?xml version="1.0" encoding="utf-8"?>
+<p:sld xmlns:a="http://schemas.openxmlformats.org/drawingml/2006/main" xmlns:r="http://schemas.openxmlformats.org/officeDocument/2006/relationships" xmlns:p="http://schemas.openxmlformats.org/presentationml/2006/main">
+  <p:cSld>
+    <p:spTree>
+      <p:nvGrpSpPr>
+        <p:cNvPr id="1" name=""/>
+        <p:cNvGrpSpPr/>
+        <p:nvPr/>
+      </p:nvGrpSpPr>
+      <p:grpSpPr>
+        <a:xfrm>
+          <a:off x="0" y="0"/>
+          <a:ext cx="0" cy="0"/>
+          <a:chOff x="0" y="0"/>
+          <a:chExt cx="0" cy="0"/>
+        </a:xfrm>
+      </p:grpSpPr>
+      <p:sp>
+        <p:nvSpPr>
+          <p:cNvPr id="2" name="Title 1"/>
+          <p:cNvSpPr>
+            <a:spLocks noGrp="1"/>
+          </p:cNvSpPr>
+          <p:nvPr>
+            <p:ph type="title"/>
+          </p:nvPr>
+        </p:nvSpPr>
+        <p:spPr>
+          <a:xfrm>
+            <a:off x="0" y="0"/>
+            <a:ext cx="9144000" cy="602780"/>
+          </a:xfrm>
+          <a:solidFill>
+            <a:srgbClr val="70121D"/>
+          </a:solidFill>
+        </p:spPr>
+        <p:txBody>
+          <a:bodyPr/>
+          <a:lstStyle/>
+          <a:p>
+            <a:pPr lvl="0" indent="0" marL="0">
+              <a:buNone/>
+            </a:pPr>
+            <a:r>
+              <a:rPr b="1"/>
+              <a:t>Part 1:</a:t>
+            </a:r>
+            <a:r>
+              <a:rPr/>
+              <a:t> Conducting the Single Sample T-Test</a:t>
+            </a:r>
+          </a:p>
+        </p:txBody>
+      </p:sp>
+      <p:sp>
+        <p:nvSpPr>
+          <p:cNvPr id="3" name="Content Placeholder 2"/>
+          <p:cNvSpPr>
+            <a:spLocks noGrp="1"/>
+          </p:cNvSpPr>
+          <p:nvPr>
+            <p:ph idx="1" sz="half"/>
+          </p:nvPr>
+        </p:nvSpPr>
+        <p:spPr/>
+        <p:txBody>
+          <a:bodyPr/>
+          <a:lstStyle/>
+          <a:p>
+            <a:pPr lvl="0" indent="0" marL="0">
+              <a:buNone/>
+            </a:pPr>
+            <a:r>
+              <a:rPr/>
+              <a:t>Now that we’ve checked our assumptions, we can perform the single sample t-test.</a:t>
+            </a:r>
+          </a:p>
+          <a:p>
+            <a:pPr lvl="0" indent="0" marL="0">
+              <a:buNone/>
+            </a:pPr>
+            <a:r>
+              <a:rPr b="1"/>
+              <a:t>Activity: Conduct a single sample t-test to compare windward needle length to 55mm</a:t>
+            </a:r>
+          </a:p>
+        </p:txBody>
+      </p:sp>
+      <p:sp>
+        <p:nvSpPr>
+          <p:cNvPr id="4" name="Content Placeholder 3"/>
+          <p:cNvSpPr>
+            <a:spLocks noGrp="1"/>
+          </p:cNvSpPr>
+          <p:nvPr>
+            <p:ph idx="2" sz="half"/>
+          </p:nvPr>
+        </p:nvSpPr>
+        <p:spPr/>
+        <p:txBody>
+          <a:bodyPr/>
+          <a:lstStyle/>
+          <a:p>
+            <a:pPr lvl="0" indent="0" marL="0">
+              <a:buNone/>
+            </a:pPr>
+            <a:r>
+              <a:rPr b="1"/>
+              <a:t>What is probability of getting sample at least as far from 55mm as our sample mean?</a:t>
+            </a:r>
+          </a:p>
+          <a:p>
+            <a:pPr lvl="0" indent="0" marL="0">
+              <a:buNone/>
+            </a:pPr>
+            <a:r>
+              <a:rPr/>
+              <a:t>This is our p-value, which helps us decide whether to reject the null hypothesis.</a:t>
+            </a:r>
+          </a:p>
+        </p:txBody>
+      </p:sp>
+    </p:spTree>
+  </p:cSld>
+</p:sld>
+</file>
+
+<file path=ppt/slides/slide33.xml><?xml version="1.0" encoding="utf-8"?>
+<p:sld xmlns:a="http://schemas.openxmlformats.org/drawingml/2006/main" xmlns:r="http://schemas.openxmlformats.org/officeDocument/2006/relationships" xmlns:p="http://schemas.openxmlformats.org/presentationml/2006/main">
+  <p:cSld>
+    <p:spTree>
+      <p:nvGrpSpPr>
+        <p:cNvPr id="1" name=""/>
+        <p:cNvGrpSpPr/>
+        <p:nvPr/>
+      </p:nvGrpSpPr>
+      <p:grpSpPr>
+        <a:xfrm>
+          <a:off x="0" y="0"/>
+          <a:ext cx="0" cy="0"/>
+          <a:chOff x="0" y="0"/>
+          <a:chExt cx="0" cy="0"/>
+        </a:xfrm>
+      </p:grpSpPr>
+      <p:sp>
+        <p:nvSpPr>
+          <p:cNvPr id="3" name="Content Placeholder 2"/>
+          <p:cNvSpPr>
+            <a:spLocks noGrp="1"/>
+          </p:cNvSpPr>
+          <p:nvPr>
+            <p:ph idx="1"/>
+          </p:nvPr>
+        </p:nvSpPr>
+        <p:spPr/>
+        <p:txBody>
+          <a:bodyPr/>
+          <a:lstStyle/>
+          <a:p>
+            <a:pPr lvl="0" indent="0">
+              <a:buNone/>
+            </a:pPr>
+            <a:r>
+              <a:rPr>
+                <a:solidFill>
+                  <a:srgbClr val="5E5E5E"/>
+                </a:solidFill>
+                <a:latin typeface="Courier"/>
+              </a:rPr>
+              <a:t># Calculate summary statistics for windward needles</a:t>
+            </a:r>
+            <a:br/>
+            <a:r>
+              <a:rPr>
+                <a:solidFill>
+                  <a:srgbClr val="003B4F"/>
+                </a:solidFill>
+                <a:latin typeface="Courier"/>
+              </a:rPr>
+              <a:t>windward_summary &lt;- windward_data </a:t>
+            </a:r>
+            <a:r>
+              <a:rPr>
+                <a:solidFill>
+                  <a:srgbClr val="5E5E5E"/>
+                </a:solidFill>
+                <a:latin typeface="Courier"/>
+              </a:rPr>
+              <a:t>%&gt;%</a:t>
+            </a:r>
+            <a:br/>
+            <a:r>
+              <a:rPr>
+                <a:solidFill>
+                  <a:srgbClr val="003B4F"/>
+                </a:solidFill>
+                <a:latin typeface="Courier"/>
+              </a:rPr>
+              <a:t>  </a:t>
+            </a:r>
+            <a:r>
+              <a:rPr>
+                <a:solidFill>
+                  <a:srgbClr val="4758AB"/>
+                </a:solidFill>
+                <a:latin typeface="Courier"/>
+              </a:rPr>
+              <a:t>summarize</a:t>
+            </a:r>
+            <a:r>
+              <a:rPr>
+                <a:solidFill>
+                  <a:srgbClr val="003B4F"/>
+                </a:solidFill>
+                <a:latin typeface="Courier"/>
+              </a:rPr>
+              <a:t>(</a:t>
+            </a:r>
+            <a:br/>
+            <a:r>
+              <a:rPr>
+                <a:solidFill>
+                  <a:srgbClr val="003B4F"/>
+                </a:solidFill>
+                <a:latin typeface="Courier"/>
+              </a:rPr>
+              <a:t>    </a:t>
+            </a:r>
+            <a:r>
+              <a:rPr>
+                <a:solidFill>
+                  <a:srgbClr val="657422"/>
+                </a:solidFill>
+                <a:latin typeface="Courier"/>
+              </a:rPr>
+              <a:t>mean_length =</a:t>
+            </a:r>
+            <a:r>
+              <a:rPr>
+                <a:solidFill>
+                  <a:srgbClr val="003B4F"/>
+                </a:solidFill>
+                <a:latin typeface="Courier"/>
+              </a:rPr>
+              <a:t> </a:t>
+            </a:r>
+            <a:r>
+              <a:rPr>
+                <a:solidFill>
+                  <a:srgbClr val="4758AB"/>
+                </a:solidFill>
+                <a:latin typeface="Courier"/>
+              </a:rPr>
+              <a:t>mean</a:t>
+            </a:r>
+            <a:r>
+              <a:rPr>
+                <a:solidFill>
+                  <a:srgbClr val="003B4F"/>
+                </a:solidFill>
+                <a:latin typeface="Courier"/>
+              </a:rPr>
+              <a:t>(len_mm),</a:t>
+            </a:r>
+            <a:br/>
+            <a:r>
+              <a:rPr>
+                <a:solidFill>
+                  <a:srgbClr val="003B4F"/>
+                </a:solidFill>
+                <a:latin typeface="Courier"/>
+              </a:rPr>
+              <a:t>    </a:t>
+            </a:r>
+            <a:r>
+              <a:rPr>
+                <a:solidFill>
+                  <a:srgbClr val="657422"/>
+                </a:solidFill>
+                <a:latin typeface="Courier"/>
+              </a:rPr>
+              <a:t>sd_length =</a:t>
+            </a:r>
+            <a:r>
+              <a:rPr>
+                <a:solidFill>
+                  <a:srgbClr val="003B4F"/>
+                </a:solidFill>
+                <a:latin typeface="Courier"/>
+              </a:rPr>
+              <a:t> </a:t>
+            </a:r>
+            <a:r>
+              <a:rPr>
+                <a:solidFill>
+                  <a:srgbClr val="4758AB"/>
+                </a:solidFill>
+                <a:latin typeface="Courier"/>
+              </a:rPr>
+              <a:t>sd</a:t>
+            </a:r>
+            <a:r>
+              <a:rPr>
+                <a:solidFill>
+                  <a:srgbClr val="003B4F"/>
+                </a:solidFill>
+                <a:latin typeface="Courier"/>
+              </a:rPr>
+              <a:t>(len_mm),</a:t>
+            </a:r>
+            <a:br/>
+            <a:r>
+              <a:rPr>
+                <a:solidFill>
+                  <a:srgbClr val="003B4F"/>
+                </a:solidFill>
+                <a:latin typeface="Courier"/>
+              </a:rPr>
+              <a:t>    </a:t>
+            </a:r>
+            <a:r>
+              <a:rPr>
+                <a:solidFill>
+                  <a:srgbClr val="657422"/>
+                </a:solidFill>
+                <a:latin typeface="Courier"/>
+              </a:rPr>
+              <a:t>n =</a:t>
+            </a:r>
+            <a:r>
+              <a:rPr>
+                <a:solidFill>
+                  <a:srgbClr val="003B4F"/>
+                </a:solidFill>
+                <a:latin typeface="Courier"/>
+              </a:rPr>
+              <a:t> </a:t>
+            </a:r>
+            <a:r>
+              <a:rPr>
+                <a:solidFill>
+                  <a:srgbClr val="4758AB"/>
+                </a:solidFill>
+                <a:latin typeface="Courier"/>
+              </a:rPr>
+              <a:t>n</a:t>
+            </a:r>
+            <a:r>
+              <a:rPr>
+                <a:solidFill>
+                  <a:srgbClr val="003B4F"/>
+                </a:solidFill>
+                <a:latin typeface="Courier"/>
+              </a:rPr>
+              <a:t>(),</a:t>
+            </a:r>
+            <a:br/>
+            <a:r>
+              <a:rPr>
+                <a:solidFill>
+                  <a:srgbClr val="003B4F"/>
+                </a:solidFill>
+                <a:latin typeface="Courier"/>
+              </a:rPr>
+              <a:t>    </a:t>
+            </a:r>
+            <a:r>
+              <a:rPr>
+                <a:solidFill>
+                  <a:srgbClr val="657422"/>
+                </a:solidFill>
+                <a:latin typeface="Courier"/>
+              </a:rPr>
+              <a:t>se_length =</a:t>
+            </a:r>
+            <a:r>
+              <a:rPr>
+                <a:solidFill>
+                  <a:srgbClr val="003B4F"/>
+                </a:solidFill>
+                <a:latin typeface="Courier"/>
+              </a:rPr>
+              <a:t> sd_length </a:t>
+            </a:r>
+            <a:r>
+              <a:rPr>
+                <a:solidFill>
+                  <a:srgbClr val="5E5E5E"/>
+                </a:solidFill>
+                <a:latin typeface="Courier"/>
+              </a:rPr>
+              <a:t>/</a:t>
+            </a:r>
+            <a:r>
+              <a:rPr>
+                <a:solidFill>
+                  <a:srgbClr val="003B4F"/>
+                </a:solidFill>
+                <a:latin typeface="Courier"/>
+              </a:rPr>
+              <a:t> </a:t>
+            </a:r>
+            <a:r>
+              <a:rPr>
+                <a:solidFill>
+                  <a:srgbClr val="4758AB"/>
+                </a:solidFill>
+                <a:latin typeface="Courier"/>
+              </a:rPr>
+              <a:t>sqrt</a:t>
+            </a:r>
+            <a:r>
+              <a:rPr>
+                <a:solidFill>
+                  <a:srgbClr val="003B4F"/>
+                </a:solidFill>
+                <a:latin typeface="Courier"/>
+              </a:rPr>
+              <a:t>(n)</a:t>
+            </a:r>
+            <a:br/>
+            <a:r>
+              <a:rPr>
+                <a:solidFill>
+                  <a:srgbClr val="003B4F"/>
+                </a:solidFill>
+                <a:latin typeface="Courier"/>
+              </a:rPr>
+              <a:t>  )</a:t>
+            </a:r>
+            <a:br/>
+            <a:br/>
+            <a:r>
+              <a:rPr>
+                <a:solidFill>
+                  <a:srgbClr val="4758AB"/>
+                </a:solidFill>
+                <a:latin typeface="Courier"/>
+              </a:rPr>
+              <a:t>print</a:t>
+            </a:r>
+            <a:r>
+              <a:rPr>
+                <a:solidFill>
+                  <a:srgbClr val="003B4F"/>
+                </a:solidFill>
+                <a:latin typeface="Courier"/>
+              </a:rPr>
+              <a:t>(windward_summary)</a:t>
+            </a:r>
+          </a:p>
+          <a:p>
+            <a:pPr lvl="0" indent="0">
+              <a:buNone/>
+            </a:pPr>
+            <a:r>
+              <a:rPr>
+                <a:latin typeface="Courier"/>
+              </a:rPr>
+              <a:t># A tibble: 1 × 4
+  mean_length sd_length     n se_length
+        &lt;dbl&gt;     &lt;dbl&gt; &lt;int&gt;     &lt;dbl&gt;
+1        14.9      1.91    24     0.390</a:t>
+            </a:r>
+          </a:p>
+          <a:p>
+            <a:pPr lvl="0" indent="0">
+              <a:buNone/>
+            </a:pPr>
+            <a:r>
+              <a:rPr>
+                <a:solidFill>
+                  <a:srgbClr val="5E5E5E"/>
+                </a:solidFill>
+                <a:latin typeface="Courier"/>
+              </a:rPr>
+              <a:t># YOUR </a:t>
+            </a:r>
+            <a:r>
+              <a:rPr>
+                <a:solidFill>
+                  <a:srgbClr val="AD0000"/>
+                </a:solidFill>
+                <a:latin typeface="Courier"/>
+              </a:rPr>
+              <a:t>TASK</a:t>
+            </a:r>
+            <a:r>
+              <a:rPr>
+                <a:solidFill>
+                  <a:srgbClr val="5E5E5E"/>
+                </a:solidFill>
+                <a:latin typeface="Courier"/>
+              </a:rPr>
+              <a:t>: Conduct a single sample t-test</a:t>
+            </a:r>
+            <a:br/>
+            <a:r>
+              <a:rPr>
+                <a:solidFill>
+                  <a:srgbClr val="003B4F"/>
+                </a:solidFill>
+                <a:latin typeface="Courier"/>
+              </a:rPr>
+              <a:t>t_test_result &lt;- </a:t>
+            </a:r>
+            <a:r>
+              <a:rPr>
+                <a:solidFill>
+                  <a:srgbClr val="4758AB"/>
+                </a:solidFill>
+                <a:latin typeface="Courier"/>
+              </a:rPr>
+              <a:t>t.test</a:t>
+            </a:r>
+            <a:r>
+              <a:rPr>
+                <a:solidFill>
+                  <a:srgbClr val="003B4F"/>
+                </a:solidFill>
+                <a:latin typeface="Courier"/>
+              </a:rPr>
+              <a:t>(windward_data</a:t>
+            </a:r>
+            <a:r>
+              <a:rPr>
+                <a:solidFill>
+                  <a:srgbClr val="5E5E5E"/>
+                </a:solidFill>
+                <a:latin typeface="Courier"/>
+              </a:rPr>
+              <a:t>$</a:t>
+            </a:r>
+            <a:r>
+              <a:rPr>
+                <a:solidFill>
+                  <a:srgbClr val="003B4F"/>
+                </a:solidFill>
+                <a:latin typeface="Courier"/>
+              </a:rPr>
+              <a:t>len_mm, </a:t>
+            </a:r>
+            <a:r>
+              <a:rPr>
+                <a:solidFill>
+                  <a:srgbClr val="657422"/>
+                </a:solidFill>
+                <a:latin typeface="Courier"/>
+              </a:rPr>
+              <a:t>mu =</a:t>
+            </a:r>
+            <a:r>
+              <a:rPr>
+                <a:solidFill>
+                  <a:srgbClr val="003B4F"/>
+                </a:solidFill>
+                <a:latin typeface="Courier"/>
+              </a:rPr>
+              <a:t> </a:t>
+            </a:r>
+            <a:r>
+              <a:rPr>
+                <a:solidFill>
+                  <a:srgbClr val="AD0000"/>
+                </a:solidFill>
+                <a:latin typeface="Courier"/>
+              </a:rPr>
+              <a:t>55</a:t>
+            </a:r>
+            <a:r>
+              <a:rPr>
+                <a:solidFill>
+                  <a:srgbClr val="003B4F"/>
+                </a:solidFill>
+                <a:latin typeface="Courier"/>
+              </a:rPr>
+              <a:t>)</a:t>
+            </a:r>
+            <a:br/>
+            <a:r>
+              <a:rPr>
+                <a:solidFill>
+                  <a:srgbClr val="4758AB"/>
+                </a:solidFill>
+                <a:latin typeface="Courier"/>
+              </a:rPr>
+              <a:t>print</a:t>
+            </a:r>
+            <a:r>
+              <a:rPr>
+                <a:solidFill>
+                  <a:srgbClr val="003B4F"/>
+                </a:solidFill>
+                <a:latin typeface="Courier"/>
+              </a:rPr>
+              <a:t>(t_test_result)</a:t>
+            </a:r>
+          </a:p>
+          <a:p>
+            <a:pPr lvl="0" indent="0">
+              <a:buNone/>
+            </a:pPr>
+            <a:r>
+              <a:rPr>
+                <a:latin typeface="Courier"/>
+              </a:rPr>
+              <a:t>
+    One Sample t-test
+data:  windward_data$len_mm
+t = -102.85, df = 23, p-value &lt; 2.2e-16
+alternative hypothesis: true mean is not equal to 55
+95 percent confidence interval:
+ 14.11050 15.72284
+sample estimates:
+mean of x 
+ 14.91667 </a:t>
+            </a:r>
+          </a:p>
+          <a:p>
+            <a:pPr lvl="0" indent="0">
+              <a:buNone/>
+            </a:pPr>
+            <a:r>
+              <a:rPr>
+                <a:solidFill>
+                  <a:srgbClr val="5E5E5E"/>
+                </a:solidFill>
+                <a:latin typeface="Courier"/>
+              </a:rPr>
+              <a:t># Calculate t-statistic manually </a:t>
+            </a:r>
+            <a:br/>
+            <a:r>
+              <a:rPr>
+                <a:solidFill>
+                  <a:srgbClr val="5E5E5E"/>
+                </a:solidFill>
+                <a:latin typeface="Courier"/>
+              </a:rPr>
+              <a:t># YOUR CODE HERE: t = (sample_mean - hypothesized_mean) / (sample_sd / sqrt(n))</a:t>
+            </a:r>
+            <a:br/>
+            <a:br/>
+            <a:r>
+              <a:rPr>
+                <a:solidFill>
+                  <a:srgbClr val="5E5E5E"/>
+                </a:solidFill>
+                <a:latin typeface="Courier"/>
+              </a:rPr>
+              <a:t># can you do this manually or manually with R?</a:t>
+            </a:r>
+          </a:p>
+        </p:txBody>
+      </p:sp>
+    </p:spTree>
+  </p:cSld>
+</p:sld>
+</file>
+
+<file path=ppt/slides/slide34.xml><?xml version="1.0" encoding="utf-8"?>
+<p:sld xmlns:a="http://schemas.openxmlformats.org/drawingml/2006/main" xmlns:r="http://schemas.openxmlformats.org/officeDocument/2006/relationships" xmlns:p="http://schemas.openxmlformats.org/presentationml/2006/main">
+  <p:cSld>
+    <p:spTree>
+      <p:nvGrpSpPr>
+        <p:cNvPr id="1" name=""/>
+        <p:cNvGrpSpPr/>
+        <p:nvPr/>
+      </p:nvGrpSpPr>
+      <p:grpSpPr>
+        <a:xfrm>
+          <a:off x="0" y="0"/>
+          <a:ext cx="0" cy="0"/>
+          <a:chOff x="0" y="0"/>
+          <a:chExt cx="0" cy="0"/>
+        </a:xfrm>
+      </p:grpSpPr>
+      <p:sp>
+        <p:nvSpPr>
+          <p:cNvPr id="2" name="Title 1"/>
+          <p:cNvSpPr>
+            <a:spLocks noGrp="1"/>
+          </p:cNvSpPr>
+          <p:nvPr>
+            <p:ph type="title"/>
+          </p:nvPr>
+        </p:nvSpPr>
+        <p:spPr>
+          <a:xfrm>
+            <a:off x="0" y="0"/>
+            <a:ext cx="9144000" cy="602780"/>
+          </a:xfrm>
+          <a:solidFill>
+            <a:srgbClr val="70121D"/>
+          </a:solidFill>
+        </p:spPr>
+        <p:txBody>
+          <a:bodyPr/>
+          <a:lstStyle/>
+          <a:p>
+            <a:pPr lvl="0" indent="0" marL="0">
+              <a:buNone/>
+            </a:pPr>
+            <a:r>
+              <a:rPr b="1"/>
+              <a:t>Part 1:</a:t>
+            </a:r>
+            <a:r>
+              <a:rPr/>
+              <a:t> Interpreting and Reporting Results</a:t>
+            </a:r>
+          </a:p>
+        </p:txBody>
+      </p:sp>
+      <p:sp>
+        <p:nvSpPr>
+          <p:cNvPr id="3" name="Content Placeholder 2"/>
+          <p:cNvSpPr>
+            <a:spLocks noGrp="1"/>
+          </p:cNvSpPr>
+          <p:nvPr>
+            <p:ph idx="1" sz="half"/>
+          </p:nvPr>
+        </p:nvSpPr>
+        <p:spPr/>
+        <p:txBody>
+          <a:bodyPr/>
+          <a:lstStyle/>
+          <a:p>
+            <a:pPr lvl="0" indent="0" marL="0">
+              <a:buNone/>
+            </a:pPr>
+            <a:r>
+              <a:rPr b="1"/>
+              <a:t>Activity: Interpret the t-test results</a:t>
+            </a:r>
+          </a:p>
+          <a:p>
+            <a:pPr lvl="0"/>
+            <a:r>
+              <a:rPr/>
+              <a:t>What does the p-value tell us?</a:t>
+            </a:r>
+          </a:p>
+          <a:p>
+            <a:pPr lvl="0"/>
+            <a:r>
+              <a:rPr/>
+              <a:t>Should we reject or fail to reject the null hypothesis?</a:t>
+            </a:r>
+          </a:p>
+          <a:p>
+            <a:pPr lvl="0" indent="0" marL="0">
+              <a:buNone/>
+            </a:pPr>
+            <a:r>
+              <a:rPr b="1"/>
+              <a:t>How to report this result in a scientific paper:</a:t>
+            </a:r>
+          </a:p>
+          <a:p>
+            <a:pPr lvl="0" indent="0" marL="0">
+              <a:buNone/>
+            </a:pPr>
+            <a:r>
+              <a:rPr/>
+              <a:t>“A two-tailed, one-sample t-test at α=0.05 showed that the mean pine needle length on the windward side (… mm, SD = …) [was/was not] significantly different from the expected 55 mm, t(…) = …, p = …”</a:t>
             </a:r>
           </a:p>
         </p:txBody>
@@ -6022,7 +8596,7 @@
 </p:sld>
 </file>
 
-<file path=ppt/slides/slide27.xml><?xml version="1.0" encoding="utf-8"?>
+<file path=ppt/slides/slide35.xml><?xml version="1.0" encoding="utf-8"?>
 <p:sld xmlns:a="http://schemas.openxmlformats.org/drawingml/2006/main" xmlns:r="http://schemas.openxmlformats.org/officeDocument/2006/relationships" xmlns:p="http://schemas.openxmlformats.org/presentationml/2006/main">
   <p:cSld>
     <p:spTree>
@@ -6067,11 +8641,11 @@
             </a:pPr>
             <a:r>
               <a:rPr b="1"/>
-              <a:t>Lecture 5:</a:t>
-            </a:r>
-            <a:r>
-              <a:rPr/>
-              <a:t> H test for a single population</a:t>
+              <a:t>Part 2:</a:t>
+            </a:r>
+            <a:r>
+              <a:rPr/>
+              <a:t> Two Sample T-Test</a:t>
             </a:r>
           </a:p>
         </p:txBody>
@@ -6091,24 +8665,1334 @@
           <a:bodyPr/>
           <a:lstStyle/>
           <a:p>
-            <a:pPr lvl="0"/>
-            <a:r>
-              <a:rPr/>
-              <a:t>~0.10 of t distribution left of t=-1.32 and ~0.1 right of 1.32 (~0.2 overall)</a:t>
-            </a:r>
-          </a:p>
-          <a:p>
-            <a:pPr lvl="0"/>
-            <a:r>
-              <a:rPr/>
-              <a:t>Probability of getting a sample as extreme (or more) as this is ~0.2</a:t>
+            <a:pPr lvl="0" indent="0" marL="0">
+              <a:buNone/>
+            </a:pPr>
+            <a:r>
+              <a:rPr/>
+              <a:t>Now, let’s compare pine needle lengths between windward and leeward sides of trees.</a:t>
+            </a:r>
+          </a:p>
+          <a:p>
+            <a:pPr lvl="0" indent="0" marL="0">
+              <a:buNone/>
+            </a:pPr>
+            <a:r>
+              <a:rPr/>
+              <a:t>Question: </a:t>
+            </a:r>
+            <a:r>
+              <a:rPr b="1"/>
+              <a:t>Is there a significant difference in needle length between the windward and leeward sides?</a:t>
+            </a:r>
+          </a:p>
+          <a:p>
+            <a:pPr lvl="0" indent="0" marL="0">
+              <a:buNone/>
+            </a:pPr>
+            <a:r>
+              <a:rPr/>
+              <a:t>This requires a two-sample t-test.</a:t>
+            </a:r>
+          </a:p>
+        </p:txBody>
+      </p:sp>
+      <mc:AlternateContent xmlns:mc="http://schemas.openxmlformats.org/markup-compatibility/2006">
+        <mc:Choice xmlns:a14="http://schemas.microsoft.com/office/drawing/2010/main" Requires="a14">
+          <p:sp>
+            <p:nvSpPr>
+              <p:cNvPr id="4" name="Content Placeholder 3"/>
+              <p:cNvSpPr>
+                <a:spLocks noGrp="1"/>
+              </p:cNvSpPr>
+              <p:nvPr>
+                <p:ph idx="2" sz="half"/>
+              </p:nvPr>
+            </p:nvSpPr>
+            <p:spPr/>
+            <p:txBody>
+              <a:bodyPr/>
+              <a:lstStyle/>
+              <a:p>
+                <a:pPr lvl="0" indent="0" marL="0">
+                  <a:buNone/>
+                </a:pPr>
+                <a:r>
+                  <a:rPr/>
+                  <a:t>Two-sample t-test compares means from two independent groups.</a:t>
+                </a:r>
+              </a:p>
+              <a:p>
+                <a:pPr lvl="0" indent="0" marL="0">
+                  <a:spcBef>
+                    <a:spcPts val="3000"/>
+                  </a:spcBef>
+                  <a:buNone/>
+                </a:pPr>
+                <a14:m>
+                  <m:oMath xmlns:m="http://schemas.openxmlformats.org/officeDocument/2006/math">
+                    <m:r>
+                      <m:t>t</m:t>
+                    </m:r>
+                    <m:r>
+                      <m:rPr>
+                        <m:sty m:val="p"/>
+                      </m:rPr>
+                      <m:t>=</m:t>
+                    </m:r>
+                    <m:f>
+                      <m:fPr>
+                        <m:type m:val="bar"/>
+                      </m:fPr>
+                      <m:num>
+                        <m:sSub>
+                          <m:e>
+                            <m:acc>
+                              <m:accPr>
+                                <m:chr m:val="‾"/>
+                              </m:accPr>
+                              <m:e>
+                                <m:r>
+                                  <m:t>x</m:t>
+                                </m:r>
+                              </m:e>
+                            </m:acc>
+                          </m:e>
+                          <m:sub>
+                            <m:r>
+                              <m:t>1</m:t>
+                            </m:r>
+                          </m:sub>
+                        </m:sSub>
+                        <m:r>
+                          <m:rPr>
+                            <m:sty m:val="p"/>
+                          </m:rPr>
+                          <m:t>−</m:t>
+                        </m:r>
+                        <m:sSub>
+                          <m:e>
+                            <m:acc>
+                              <m:accPr>
+                                <m:chr m:val="‾"/>
+                              </m:accPr>
+                              <m:e>
+                                <m:r>
+                                  <m:t>x</m:t>
+                                </m:r>
+                              </m:e>
+                            </m:acc>
+                          </m:e>
+                          <m:sub>
+                            <m:r>
+                              <m:t>2</m:t>
+                            </m:r>
+                          </m:sub>
+                        </m:sSub>
+                      </m:num>
+                      <m:den>
+                        <m:sSub>
+                          <m:e>
+                            <m:r>
+                              <m:t>S</m:t>
+                            </m:r>
+                          </m:e>
+                          <m:sub>
+                            <m:r>
+                              <m:t>p</m:t>
+                            </m:r>
+                          </m:sub>
+                        </m:sSub>
+                        <m:rad>
+                          <m:radPr>
+                            <m:degHide m:val="on"/>
+                          </m:radPr>
+                          <m:deg/>
+                          <m:e>
+                            <m:f>
+                              <m:fPr>
+                                <m:type m:val="bar"/>
+                              </m:fPr>
+                              <m:num>
+                                <m:r>
+                                  <m:t>1</m:t>
+                                </m:r>
+                              </m:num>
+                              <m:den>
+                                <m:sSub>
+                                  <m:e>
+                                    <m:r>
+                                      <m:t>n</m:t>
+                                    </m:r>
+                                  </m:e>
+                                  <m:sub>
+                                    <m:r>
+                                      <m:t>1</m:t>
+                                    </m:r>
+                                  </m:sub>
+                                </m:sSub>
+                              </m:den>
+                            </m:f>
+                            <m:r>
+                              <m:rPr>
+                                <m:sty m:val="p"/>
+                              </m:rPr>
+                              <m:t>+</m:t>
+                            </m:r>
+                            <m:f>
+                              <m:fPr>
+                                <m:type m:val="bar"/>
+                              </m:fPr>
+                              <m:num>
+                                <m:r>
+                                  <m:t>1</m:t>
+                                </m:r>
+                              </m:num>
+                              <m:den>
+                                <m:sSub>
+                                  <m:e>
+                                    <m:r>
+                                      <m:t>n</m:t>
+                                    </m:r>
+                                  </m:e>
+                                  <m:sub>
+                                    <m:r>
+                                      <m:t>2</m:t>
+                                    </m:r>
+                                  </m:sub>
+                                </m:sSub>
+                              </m:den>
+                            </m:f>
+                          </m:e>
+                        </m:rad>
+                      </m:den>
+                    </m:f>
+                  </m:oMath>
+                </a14:m>
+              </a:p>
+              <a:p>
+                <a:pPr lvl="0" indent="0" marL="0">
+                  <a:buNone/>
+                </a:pPr>
+                <a:r>
+                  <a:rPr/>
+                  <a:t>where:</a:t>
+                </a:r>
+              </a:p>
+              <a:p>
+                <a:pPr lvl="0"/>
+                <a:r>
+                  <a:rPr/>
+                  <a:t>x̄₁ and x̄₂: These represent the sample means of the two groups you’re comparing. </a:t>
+                </a:r>
+              </a:p>
+              <a:p>
+                <a:pPr lvl="0"/>
+                <a:r>
+                  <a:rPr/>
+                  <a:t>s²ₚ: This is the pooled variance, calculated as: s²ₚ = [(n₁ - 1)s₁² + (n₂ - 1)s₂²] / (n₁ + n₂ - 2), where s₁² and s₂² are the sample variances of the two groups. </a:t>
+                </a:r>
+              </a:p>
+              <a:p>
+                <a:pPr lvl="0"/>
+                <a:r>
+                  <a:rPr b="1"/>
+                  <a:t>n₁ and n₂:</a:t>
+                </a:r>
+                <a:r>
+                  <a:rPr/>
+                  <a:t> These are the sample sizes of the two groups. </a:t>
+                </a:r>
+              </a:p>
+              <a:p>
+                <a:pPr lvl="0"/>
+                <a:r>
+                  <a:rPr b="1"/>
+                  <a:t>√(1/n₁ + 1/n₂):</a:t>
+                </a:r>
+                <a:r>
+                  <a:rPr/>
+                  <a:t> This represents the pooled standard error. </a:t>
+                </a:r>
+              </a:p>
+            </p:txBody>
+          </p:sp>
+        </mc:Choice>
+      </mc:AlternateContent>
+    </p:spTree>
+  </p:cSld>
+</p:sld>
+</file>
+
+<file path=ppt/slides/slide36.xml><?xml version="1.0" encoding="utf-8"?>
+<p:sld xmlns:a="http://schemas.openxmlformats.org/drawingml/2006/main" xmlns:r="http://schemas.openxmlformats.org/officeDocument/2006/relationships" xmlns:p="http://schemas.openxmlformats.org/presentationml/2006/main">
+  <p:cSld>
+    <p:spTree>
+      <p:nvGrpSpPr>
+        <p:cNvPr id="1" name=""/>
+        <p:cNvGrpSpPr/>
+        <p:nvPr/>
+      </p:nvGrpSpPr>
+      <p:grpSpPr>
+        <a:xfrm>
+          <a:off x="0" y="0"/>
+          <a:ext cx="0" cy="0"/>
+          <a:chOff x="0" y="0"/>
+          <a:chExt cx="0" cy="0"/>
+        </a:xfrm>
+      </p:grpSpPr>
+      <p:sp>
+        <p:nvSpPr>
+          <p:cNvPr id="2" name="Title 1"/>
+          <p:cNvSpPr>
+            <a:spLocks noGrp="1"/>
+          </p:cNvSpPr>
+          <p:nvPr>
+            <p:ph type="title"/>
+          </p:nvPr>
+        </p:nvSpPr>
+        <p:spPr>
+          <a:xfrm>
+            <a:off x="0" y="0"/>
+            <a:ext cx="9144000" cy="582780"/>
+          </a:xfrm>
+        </p:spPr>
+        <p:txBody>
+          <a:bodyPr/>
+          <a:lstStyle/>
+          <a:p>
+            <a:pPr lvl="0" indent="0" marL="0">
+              <a:buNone/>
+            </a:pPr>
+            <a:r>
+              <a:rPr b="1"/>
+              <a:t>Part 2:</a:t>
+            </a:r>
+            <a:r>
+              <a:rPr/>
+              <a:t> Exploratory Data Analysis by Group</a:t>
+            </a:r>
+          </a:p>
+        </p:txBody>
+      </p:sp>
+      <p:sp>
+        <p:nvSpPr>
+          <p:cNvPr id="3" name="Content Placeholder 2"/>
+          <p:cNvSpPr>
+            <a:spLocks noGrp="1"/>
+          </p:cNvSpPr>
+          <p:nvPr>
+            <p:ph idx="1"/>
+          </p:nvPr>
+        </p:nvSpPr>
+        <p:spPr/>
+        <p:txBody>
+          <a:bodyPr/>
+          <a:lstStyle/>
+          <a:p>
+            <a:pPr lvl="0" indent="0" marL="0">
+              <a:buNone/>
+            </a:pPr>
+            <a:r>
+              <a:rPr b="1"/>
+              <a:t>Activity: Calculate summary statistics grouped by wind exposure</a:t>
+            </a:r>
+          </a:p>
+          <a:p>
+            <a:pPr lvl="0" indent="0" marL="0">
+              <a:buNone/>
+            </a:pPr>
+            <a:r>
+              <a:rPr/>
+              <a:t>Before conducting the test, we need to understand the data for each group.</a:t>
+            </a:r>
+          </a:p>
+        </p:txBody>
+      </p:sp>
+    </p:spTree>
+  </p:cSld>
+</p:sld>
+</file>
+
+<file path=ppt/slides/slide37.xml><?xml version="1.0" encoding="utf-8"?>
+<p:sld xmlns:a="http://schemas.openxmlformats.org/drawingml/2006/main" xmlns:r="http://schemas.openxmlformats.org/officeDocument/2006/relationships" xmlns:p="http://schemas.openxmlformats.org/presentationml/2006/main">
+  <p:cSld>
+    <p:spTree>
+      <p:nvGrpSpPr>
+        <p:cNvPr id="1" name=""/>
+        <p:cNvGrpSpPr/>
+        <p:nvPr/>
+      </p:nvGrpSpPr>
+      <p:grpSpPr>
+        <a:xfrm>
+          <a:off x="0" y="0"/>
+          <a:ext cx="0" cy="0"/>
+          <a:chOff x="0" y="0"/>
+          <a:chExt cx="0" cy="0"/>
+        </a:xfrm>
+      </p:grpSpPr>
+      <p:sp>
+        <p:nvSpPr>
+          <p:cNvPr id="3" name="Content Placeholder 2"/>
+          <p:cNvSpPr>
+            <a:spLocks noGrp="1"/>
+          </p:cNvSpPr>
+          <p:nvPr>
+            <p:ph idx="1"/>
+          </p:nvPr>
+        </p:nvSpPr>
+        <p:spPr/>
+        <p:txBody>
+          <a:bodyPr/>
+          <a:lstStyle/>
+          <a:p>
+            <a:pPr lvl="0" indent="0">
+              <a:buNone/>
+            </a:pPr>
+            <a:r>
+              <a:rPr>
+                <a:solidFill>
+                  <a:srgbClr val="5E5E5E"/>
+                </a:solidFill>
+                <a:latin typeface="Courier"/>
+              </a:rPr>
+              <a:t># YOUR </a:t>
+            </a:r>
+            <a:r>
+              <a:rPr>
+                <a:solidFill>
+                  <a:srgbClr val="AD0000"/>
+                </a:solidFill>
+                <a:latin typeface="Courier"/>
+              </a:rPr>
+              <a:t>TASK</a:t>
+            </a:r>
+            <a:r>
+              <a:rPr>
+                <a:solidFill>
+                  <a:srgbClr val="5E5E5E"/>
+                </a:solidFill>
+                <a:latin typeface="Courier"/>
+              </a:rPr>
+              <a:t>: Calculate summary statistics by wind exposure</a:t>
+            </a:r>
+            <a:br/>
+            <a:r>
+              <a:rPr>
+                <a:solidFill>
+                  <a:srgbClr val="5E5E5E"/>
+                </a:solidFill>
+                <a:latin typeface="Courier"/>
+              </a:rPr>
+              <a:t># Hint: Use group_by() and summarize()</a:t>
+            </a:r>
+            <a:br/>
+            <a:br/>
+            <a:r>
+              <a:rPr>
+                <a:solidFill>
+                  <a:srgbClr val="003B4F"/>
+                </a:solidFill>
+                <a:latin typeface="Courier"/>
+              </a:rPr>
+              <a:t>group_summary &lt;- pine_data </a:t>
+            </a:r>
+            <a:r>
+              <a:rPr>
+                <a:solidFill>
+                  <a:srgbClr val="5E5E5E"/>
+                </a:solidFill>
+                <a:latin typeface="Courier"/>
+              </a:rPr>
+              <a:t>%&gt;%</a:t>
+            </a:r>
+            <a:br/>
+            <a:r>
+              <a:rPr>
+                <a:solidFill>
+                  <a:srgbClr val="003B4F"/>
+                </a:solidFill>
+                <a:latin typeface="Courier"/>
+              </a:rPr>
+              <a:t>  </a:t>
+            </a:r>
+            <a:r>
+              <a:rPr>
+                <a:solidFill>
+                  <a:srgbClr val="4758AB"/>
+                </a:solidFill>
+                <a:latin typeface="Courier"/>
+              </a:rPr>
+              <a:t>group_by</a:t>
+            </a:r>
+            <a:r>
+              <a:rPr>
+                <a:solidFill>
+                  <a:srgbClr val="003B4F"/>
+                </a:solidFill>
+                <a:latin typeface="Courier"/>
+              </a:rPr>
+              <a:t>(wind) </a:t>
+            </a:r>
+            <a:r>
+              <a:rPr>
+                <a:solidFill>
+                  <a:srgbClr val="5E5E5E"/>
+                </a:solidFill>
+                <a:latin typeface="Courier"/>
+              </a:rPr>
+              <a:t>%&gt;%</a:t>
+            </a:r>
+            <a:br/>
+            <a:r>
+              <a:rPr>
+                <a:solidFill>
+                  <a:srgbClr val="003B4F"/>
+                </a:solidFill>
+                <a:latin typeface="Courier"/>
+              </a:rPr>
+              <a:t>  </a:t>
+            </a:r>
+            <a:r>
+              <a:rPr>
+                <a:solidFill>
+                  <a:srgbClr val="4758AB"/>
+                </a:solidFill>
+                <a:latin typeface="Courier"/>
+              </a:rPr>
+              <a:t>summarize</a:t>
+            </a:r>
+            <a:r>
+              <a:rPr>
+                <a:solidFill>
+                  <a:srgbClr val="003B4F"/>
+                </a:solidFill>
+                <a:latin typeface="Courier"/>
+              </a:rPr>
+              <a:t>(</a:t>
+            </a:r>
+            <a:br/>
+            <a:r>
+              <a:rPr>
+                <a:solidFill>
+                  <a:srgbClr val="003B4F"/>
+                </a:solidFill>
+                <a:latin typeface="Courier"/>
+              </a:rPr>
+              <a:t>    </a:t>
+            </a:r>
+            <a:r>
+              <a:rPr>
+                <a:solidFill>
+                  <a:srgbClr val="657422"/>
+                </a:solidFill>
+                <a:latin typeface="Courier"/>
+              </a:rPr>
+              <a:t>mean_length =</a:t>
+            </a:r>
+            <a:r>
+              <a:rPr>
+                <a:solidFill>
+                  <a:srgbClr val="003B4F"/>
+                </a:solidFill>
+                <a:latin typeface="Courier"/>
+              </a:rPr>
+              <a:t> </a:t>
+            </a:r>
+            <a:r>
+              <a:rPr>
+                <a:solidFill>
+                  <a:srgbClr val="4758AB"/>
+                </a:solidFill>
+                <a:latin typeface="Courier"/>
+              </a:rPr>
+              <a:t>mean</a:t>
+            </a:r>
+            <a:r>
+              <a:rPr>
+                <a:solidFill>
+                  <a:srgbClr val="003B4F"/>
+                </a:solidFill>
+                <a:latin typeface="Courier"/>
+              </a:rPr>
+              <a:t>(len_mm),</a:t>
+            </a:r>
+            <a:br/>
+            <a:r>
+              <a:rPr>
+                <a:solidFill>
+                  <a:srgbClr val="003B4F"/>
+                </a:solidFill>
+                <a:latin typeface="Courier"/>
+              </a:rPr>
+              <a:t>    </a:t>
+            </a:r>
+            <a:r>
+              <a:rPr>
+                <a:solidFill>
+                  <a:srgbClr val="657422"/>
+                </a:solidFill>
+                <a:latin typeface="Courier"/>
+              </a:rPr>
+              <a:t>sd_length =</a:t>
+            </a:r>
+            <a:r>
+              <a:rPr>
+                <a:solidFill>
+                  <a:srgbClr val="003B4F"/>
+                </a:solidFill>
+                <a:latin typeface="Courier"/>
+              </a:rPr>
+              <a:t> </a:t>
+            </a:r>
+            <a:r>
+              <a:rPr>
+                <a:solidFill>
+                  <a:srgbClr val="4758AB"/>
+                </a:solidFill>
+                <a:latin typeface="Courier"/>
+              </a:rPr>
+              <a:t>sd</a:t>
+            </a:r>
+            <a:r>
+              <a:rPr>
+                <a:solidFill>
+                  <a:srgbClr val="003B4F"/>
+                </a:solidFill>
+                <a:latin typeface="Courier"/>
+              </a:rPr>
+              <a:t>(len_mm),</a:t>
+            </a:r>
+            <a:br/>
+            <a:r>
+              <a:rPr>
+                <a:solidFill>
+                  <a:srgbClr val="003B4F"/>
+                </a:solidFill>
+                <a:latin typeface="Courier"/>
+              </a:rPr>
+              <a:t>    </a:t>
+            </a:r>
+            <a:r>
+              <a:rPr>
+                <a:solidFill>
+                  <a:srgbClr val="657422"/>
+                </a:solidFill>
+                <a:latin typeface="Courier"/>
+              </a:rPr>
+              <a:t>n =</a:t>
+            </a:r>
+            <a:r>
+              <a:rPr>
+                <a:solidFill>
+                  <a:srgbClr val="003B4F"/>
+                </a:solidFill>
+                <a:latin typeface="Courier"/>
+              </a:rPr>
+              <a:t> </a:t>
+            </a:r>
+            <a:r>
+              <a:rPr>
+                <a:solidFill>
+                  <a:srgbClr val="4758AB"/>
+                </a:solidFill>
+                <a:latin typeface="Courier"/>
+              </a:rPr>
+              <a:t>n</a:t>
+            </a:r>
+            <a:r>
+              <a:rPr>
+                <a:solidFill>
+                  <a:srgbClr val="003B4F"/>
+                </a:solidFill>
+                <a:latin typeface="Courier"/>
+              </a:rPr>
+              <a:t>(),</a:t>
+            </a:r>
+            <a:br/>
+            <a:r>
+              <a:rPr>
+                <a:solidFill>
+                  <a:srgbClr val="003B4F"/>
+                </a:solidFill>
+                <a:latin typeface="Courier"/>
+              </a:rPr>
+              <a:t>    </a:t>
+            </a:r>
+            <a:r>
+              <a:rPr>
+                <a:solidFill>
+                  <a:srgbClr val="657422"/>
+                </a:solidFill>
+                <a:latin typeface="Courier"/>
+              </a:rPr>
+              <a:t>se_length =</a:t>
+            </a:r>
+            <a:r>
+              <a:rPr>
+                <a:solidFill>
+                  <a:srgbClr val="003B4F"/>
+                </a:solidFill>
+                <a:latin typeface="Courier"/>
+              </a:rPr>
+              <a:t> sd_length </a:t>
+            </a:r>
+            <a:r>
+              <a:rPr>
+                <a:solidFill>
+                  <a:srgbClr val="5E5E5E"/>
+                </a:solidFill>
+                <a:latin typeface="Courier"/>
+              </a:rPr>
+              <a:t>/</a:t>
+            </a:r>
+            <a:r>
+              <a:rPr>
+                <a:solidFill>
+                  <a:srgbClr val="003B4F"/>
+                </a:solidFill>
+                <a:latin typeface="Courier"/>
+              </a:rPr>
+              <a:t> </a:t>
+            </a:r>
+            <a:r>
+              <a:rPr>
+                <a:solidFill>
+                  <a:srgbClr val="4758AB"/>
+                </a:solidFill>
+                <a:latin typeface="Courier"/>
+              </a:rPr>
+              <a:t>sqrt</a:t>
+            </a:r>
+            <a:r>
+              <a:rPr>
+                <a:solidFill>
+                  <a:srgbClr val="003B4F"/>
+                </a:solidFill>
+                <a:latin typeface="Courier"/>
+              </a:rPr>
+              <a:t>(n)</a:t>
+            </a:r>
+            <a:br/>
+            <a:r>
+              <a:rPr>
+                <a:solidFill>
+                  <a:srgbClr val="003B4F"/>
+                </a:solidFill>
+                <a:latin typeface="Courier"/>
+              </a:rPr>
+              <a:t>  )</a:t>
+            </a:r>
+            <a:br/>
+            <a:br/>
+            <a:r>
+              <a:rPr>
+                <a:solidFill>
+                  <a:srgbClr val="4758AB"/>
+                </a:solidFill>
+                <a:latin typeface="Courier"/>
+              </a:rPr>
+              <a:t>print</a:t>
+            </a:r>
+            <a:r>
+              <a:rPr>
+                <a:solidFill>
+                  <a:srgbClr val="003B4F"/>
+                </a:solidFill>
+                <a:latin typeface="Courier"/>
+              </a:rPr>
+              <a:t>(group_summary)</a:t>
+            </a:r>
+          </a:p>
+          <a:p>
+            <a:pPr lvl="0" indent="0">
+              <a:buNone/>
+            </a:pPr>
+            <a:r>
+              <a:rPr>
+                <a:latin typeface="Courier"/>
+              </a:rPr>
+              <a:t># A tibble: 2 × 5
+  wind  mean_length sd_length     n se_length
+  &lt;chr&gt;       &lt;dbl&gt;     &lt;dbl&gt; &lt;int&gt;     &lt;dbl&gt;
+1 lee          20.4      2.45    24     0.500
+2 wind         14.9      1.91    24     0.390</a:t>
+            </a:r>
+          </a:p>
+          <a:p>
+            <a:pPr lvl="0" indent="0">
+              <a:buNone/>
+            </a:pPr>
+            <a:r>
+              <a:rPr>
+                <a:solidFill>
+                  <a:srgbClr val="5E5E5E"/>
+                </a:solidFill>
+                <a:latin typeface="Courier"/>
+              </a:rPr>
+              <a:t># Calculate the difference in means</a:t>
+            </a:r>
+            <a:br/>
+            <a:r>
+              <a:rPr>
+                <a:solidFill>
+                  <a:srgbClr val="5E5E5E"/>
+                </a:solidFill>
+                <a:latin typeface="Courier"/>
+              </a:rPr>
+              <a:t># YOUR CODE HERE</a:t>
+            </a:r>
+          </a:p>
+        </p:txBody>
+      </p:sp>
+    </p:spTree>
+  </p:cSld>
+</p:sld>
+</file>
+
+<file path=ppt/slides/slide38.xml><?xml version="1.0" encoding="utf-8"?>
+<p:sld xmlns:a="http://schemas.openxmlformats.org/drawingml/2006/main" xmlns:r="http://schemas.openxmlformats.org/officeDocument/2006/relationships" xmlns:p="http://schemas.openxmlformats.org/presentationml/2006/main">
+  <p:cSld>
+    <p:spTree>
+      <p:nvGrpSpPr>
+        <p:cNvPr id="1" name=""/>
+        <p:cNvGrpSpPr/>
+        <p:nvPr/>
+      </p:nvGrpSpPr>
+      <p:grpSpPr>
+        <a:xfrm>
+          <a:off x="0" y="0"/>
+          <a:ext cx="0" cy="0"/>
+          <a:chOff x="0" y="0"/>
+          <a:chExt cx="0" cy="0"/>
+        </a:xfrm>
+      </p:grpSpPr>
+      <p:sp>
+        <p:nvSpPr>
+          <p:cNvPr id="2" name="Title 1"/>
+          <p:cNvSpPr>
+            <a:spLocks noGrp="1"/>
+          </p:cNvSpPr>
+          <p:nvPr>
+            <p:ph type="title"/>
+          </p:nvPr>
+        </p:nvSpPr>
+        <p:spPr>
+          <a:xfrm>
+            <a:off x="0" y="0"/>
+            <a:ext cx="9144000" cy="602780"/>
+          </a:xfrm>
+          <a:solidFill>
+            <a:srgbClr val="70121D"/>
+          </a:solidFill>
+        </p:spPr>
+        <p:txBody>
+          <a:bodyPr/>
+          <a:lstStyle/>
+          <a:p>
+            <a:pPr lvl="0" indent="0" marL="0">
+              <a:buNone/>
+            </a:pPr>
+            <a:r>
+              <a:rPr b="1"/>
+              <a:t>Part 2:</a:t>
+            </a:r>
+            <a:r>
+              <a:rPr/>
+              <a:t> Visualizing Group Differences</a:t>
+            </a:r>
+          </a:p>
+        </p:txBody>
+      </p:sp>
+      <p:sp>
+        <p:nvSpPr>
+          <p:cNvPr id="3" name="Content Placeholder 2"/>
+          <p:cNvSpPr>
+            <a:spLocks noGrp="1"/>
+          </p:cNvSpPr>
+          <p:nvPr>
+            <p:ph idx="1" sz="half"/>
+          </p:nvPr>
+        </p:nvSpPr>
+        <p:spPr/>
+        <p:txBody>
+          <a:bodyPr/>
+          <a:lstStyle/>
+          <a:p>
+            <a:pPr lvl="0" indent="0" marL="0">
+              <a:buNone/>
+            </a:pPr>
+            <a:r>
+              <a:rPr b="1"/>
+              <a:t>Activity: Create visualizations to compare the groups</a:t>
+            </a:r>
+          </a:p>
+          <a:p>
+            <a:pPr lvl="0" indent="0" marL="0">
+              <a:buNone/>
+            </a:pPr>
+            <a:r>
+              <a:rPr/>
+              <a:t>Visualizing the data can help us understand the differences between groups.</a:t>
+            </a:r>
+          </a:p>
+        </p:txBody>
+      </p:sp>
+      <p:sp>
+        <p:nvSpPr>
+          <p:cNvPr id="4" name="Content Placeholder 3"/>
+          <p:cNvSpPr>
+            <a:spLocks noGrp="1"/>
+          </p:cNvSpPr>
+          <p:nvPr>
+            <p:ph idx="2" sz="half"/>
+          </p:nvPr>
+        </p:nvSpPr>
+        <p:spPr/>
+        <p:txBody>
+          <a:bodyPr/>
+          <a:lstStyle/>
+          <a:p>
+            <a:pPr lvl="0" indent="0" marL="0">
+              <a:buNone/>
+            </a:pPr>
+            <a:r>
+              <a:rPr/>
+              <a:t>Effective visualizations for group comparisons:</a:t>
+            </a:r>
+          </a:p>
+          <a:p>
+            <a:pPr lvl="0" indent="0" marL="0">
+              <a:buNone/>
+            </a:pPr>
+            <a:r>
+              <a:rPr/>
+              <a:t>- Side-by-side boxplots</a:t>
+            </a:r>
+          </a:p>
+          <a:p>
+            <a:pPr lvl="0" indent="0" marL="0">
+              <a:buNone/>
+            </a:pPr>
+            <a:r>
+              <a:rPr/>
+              <a:t>- Violin plots</a:t>
+            </a:r>
+          </a:p>
+          <a:p>
+            <a:pPr lvl="0" indent="0" marL="0">
+              <a:buNone/>
+            </a:pPr>
+            <a:r>
+              <a:rPr/>
+              <a:t>- Error bar plots</a:t>
+            </a:r>
+          </a:p>
+        </p:txBody>
+      </p:sp>
+    </p:spTree>
+  </p:cSld>
+</p:sld>
+</file>
+
+<file path=ppt/slides/slide39.xml><?xml version="1.0" encoding="utf-8"?>
+<p:sld xmlns:a="http://schemas.openxmlformats.org/drawingml/2006/main" xmlns:r="http://schemas.openxmlformats.org/officeDocument/2006/relationships" xmlns:p="http://schemas.openxmlformats.org/presentationml/2006/main">
+  <p:cSld>
+    <p:spTree>
+      <p:nvGrpSpPr>
+        <p:cNvPr id="1" name=""/>
+        <p:cNvGrpSpPr/>
+        <p:nvPr/>
+      </p:nvGrpSpPr>
+      <p:grpSpPr>
+        <a:xfrm>
+          <a:off x="0" y="0"/>
+          <a:ext cx="0" cy="0"/>
+          <a:chOff x="0" y="0"/>
+          <a:chExt cx="0" cy="0"/>
+        </a:xfrm>
+      </p:grpSpPr>
+      <p:sp>
+        <p:nvSpPr>
+          <p:cNvPr id="4" name="Text Placeholder 3"/>
+          <p:cNvSpPr>
+            <a:spLocks noGrp="1"/>
+          </p:cNvSpPr>
+          <p:nvPr>
+            <p:ph idx="2" sz="half" type="body"/>
+          </p:nvPr>
+        </p:nvSpPr>
+        <p:spPr/>
+        <p:txBody>
+          <a:bodyPr/>
+          <a:lstStyle/>
+          <a:p>
+            <a:pPr lvl="0" indent="0">
+              <a:buNone/>
+            </a:pPr>
+            <a:r>
+              <a:rPr>
+                <a:solidFill>
+                  <a:srgbClr val="5E5E5E"/>
+                </a:solidFill>
+                <a:latin typeface="Courier"/>
+              </a:rPr>
+              <a:t># YOUR </a:t>
+            </a:r>
+            <a:r>
+              <a:rPr>
+                <a:solidFill>
+                  <a:srgbClr val="AD0000"/>
+                </a:solidFill>
+                <a:latin typeface="Courier"/>
+              </a:rPr>
+              <a:t>TASK</a:t>
+            </a:r>
+            <a:r>
+              <a:rPr>
+                <a:solidFill>
+                  <a:srgbClr val="5E5E5E"/>
+                </a:solidFill>
+                <a:latin typeface="Courier"/>
+              </a:rPr>
+              <a:t>: Create boxplots to compare groups</a:t>
+            </a:r>
+            <a:br/>
+            <a:r>
+              <a:rPr>
+                <a:solidFill>
+                  <a:srgbClr val="4758AB"/>
+                </a:solidFill>
+                <a:latin typeface="Courier"/>
+              </a:rPr>
+              <a:t>ggplot</a:t>
+            </a:r>
+            <a:r>
+              <a:rPr>
+                <a:solidFill>
+                  <a:srgbClr val="003B4F"/>
+                </a:solidFill>
+                <a:latin typeface="Courier"/>
+              </a:rPr>
+              <a:t>(pine_data, </a:t>
+            </a:r>
+            <a:r>
+              <a:rPr>
+                <a:solidFill>
+                  <a:srgbClr val="4758AB"/>
+                </a:solidFill>
+                <a:latin typeface="Courier"/>
+              </a:rPr>
+              <a:t>aes</a:t>
+            </a:r>
+            <a:r>
+              <a:rPr>
+                <a:solidFill>
+                  <a:srgbClr val="003B4F"/>
+                </a:solidFill>
+                <a:latin typeface="Courier"/>
+              </a:rPr>
+              <a:t>(</a:t>
+            </a:r>
+            <a:r>
+              <a:rPr>
+                <a:solidFill>
+                  <a:srgbClr val="657422"/>
+                </a:solidFill>
+                <a:latin typeface="Courier"/>
+              </a:rPr>
+              <a:t>x =</a:t>
+            </a:r>
+            <a:r>
+              <a:rPr>
+                <a:solidFill>
+                  <a:srgbClr val="003B4F"/>
+                </a:solidFill>
+                <a:latin typeface="Courier"/>
+              </a:rPr>
+              <a:t> wind, </a:t>
+            </a:r>
+            <a:r>
+              <a:rPr>
+                <a:solidFill>
+                  <a:srgbClr val="657422"/>
+                </a:solidFill>
+                <a:latin typeface="Courier"/>
+              </a:rPr>
+              <a:t>y =</a:t>
+            </a:r>
+            <a:r>
+              <a:rPr>
+                <a:solidFill>
+                  <a:srgbClr val="003B4F"/>
+                </a:solidFill>
+                <a:latin typeface="Courier"/>
+              </a:rPr>
+              <a:t> len_mm, </a:t>
+            </a:r>
+            <a:r>
+              <a:rPr>
+                <a:solidFill>
+                  <a:srgbClr val="657422"/>
+                </a:solidFill>
+                <a:latin typeface="Courier"/>
+              </a:rPr>
+              <a:t>fill =</a:t>
+            </a:r>
+            <a:r>
+              <a:rPr>
+                <a:solidFill>
+                  <a:srgbClr val="003B4F"/>
+                </a:solidFill>
+                <a:latin typeface="Courier"/>
+              </a:rPr>
+              <a:t> wind)) </a:t>
+            </a:r>
+            <a:r>
+              <a:rPr>
+                <a:solidFill>
+                  <a:srgbClr val="5E5E5E"/>
+                </a:solidFill>
+                <a:latin typeface="Courier"/>
+              </a:rPr>
+              <a:t>+</a:t>
+            </a:r>
+            <a:br/>
+            <a:r>
+              <a:rPr>
+                <a:solidFill>
+                  <a:srgbClr val="003B4F"/>
+                </a:solidFill>
+                <a:latin typeface="Courier"/>
+              </a:rPr>
+              <a:t>  </a:t>
+            </a:r>
+            <a:r>
+              <a:rPr>
+                <a:solidFill>
+                  <a:srgbClr val="4758AB"/>
+                </a:solidFill>
+                <a:latin typeface="Courier"/>
+              </a:rPr>
+              <a:t>geom_boxplot</a:t>
+            </a:r>
+            <a:r>
+              <a:rPr>
+                <a:solidFill>
+                  <a:srgbClr val="003B4F"/>
+                </a:solidFill>
+                <a:latin typeface="Courier"/>
+              </a:rPr>
+              <a:t>() </a:t>
+            </a:r>
+            <a:r>
+              <a:rPr>
+                <a:solidFill>
+                  <a:srgbClr val="5E5E5E"/>
+                </a:solidFill>
+                <a:latin typeface="Courier"/>
+              </a:rPr>
+              <a:t>+</a:t>
+            </a:r>
+            <a:br/>
+            <a:r>
+              <a:rPr>
+                <a:solidFill>
+                  <a:srgbClr val="003B4F"/>
+                </a:solidFill>
+                <a:latin typeface="Courier"/>
+              </a:rPr>
+              <a:t>  </a:t>
+            </a:r>
+            <a:r>
+              <a:rPr>
+                <a:solidFill>
+                  <a:srgbClr val="4758AB"/>
+                </a:solidFill>
+                <a:latin typeface="Courier"/>
+              </a:rPr>
+              <a:t>labs</a:t>
+            </a:r>
+            <a:r>
+              <a:rPr>
+                <a:solidFill>
+                  <a:srgbClr val="003B4F"/>
+                </a:solidFill>
+                <a:latin typeface="Courier"/>
+              </a:rPr>
+              <a:t>(</a:t>
+            </a:r>
+            <a:r>
+              <a:rPr>
+                <a:solidFill>
+                  <a:srgbClr val="657422"/>
+                </a:solidFill>
+                <a:latin typeface="Courier"/>
+              </a:rPr>
+              <a:t>title =</a:t>
+            </a:r>
+            <a:r>
+              <a:rPr>
+                <a:solidFill>
+                  <a:srgbClr val="003B4F"/>
+                </a:solidFill>
+                <a:latin typeface="Courier"/>
+              </a:rPr>
+              <a:t> </a:t>
+            </a:r>
+            <a:r>
+              <a:rPr>
+                <a:solidFill>
+                  <a:srgbClr val="20794D"/>
+                </a:solidFill>
+                <a:latin typeface="Courier"/>
+              </a:rPr>
+              <a:t>"Pine Needle Length by Wind Exposure"</a:t>
+            </a:r>
+            <a:r>
+              <a:rPr>
+                <a:solidFill>
+                  <a:srgbClr val="003B4F"/>
+                </a:solidFill>
+                <a:latin typeface="Courier"/>
+              </a:rPr>
+              <a:t>,</a:t>
+            </a:r>
+            <a:br/>
+            <a:r>
+              <a:rPr>
+                <a:solidFill>
+                  <a:srgbClr val="003B4F"/>
+                </a:solidFill>
+                <a:latin typeface="Courier"/>
+              </a:rPr>
+              <a:t>       </a:t>
+            </a:r>
+            <a:r>
+              <a:rPr>
+                <a:solidFill>
+                  <a:srgbClr val="657422"/>
+                </a:solidFill>
+                <a:latin typeface="Courier"/>
+              </a:rPr>
+              <a:t>x =</a:t>
+            </a:r>
+            <a:r>
+              <a:rPr>
+                <a:solidFill>
+                  <a:srgbClr val="003B4F"/>
+                </a:solidFill>
+                <a:latin typeface="Courier"/>
+              </a:rPr>
+              <a:t> </a:t>
+            </a:r>
+            <a:r>
+              <a:rPr>
+                <a:solidFill>
+                  <a:srgbClr val="20794D"/>
+                </a:solidFill>
+                <a:latin typeface="Courier"/>
+              </a:rPr>
+              <a:t>"Wind Exposure"</a:t>
+            </a:r>
+            <a:r>
+              <a:rPr>
+                <a:solidFill>
+                  <a:srgbClr val="003B4F"/>
+                </a:solidFill>
+                <a:latin typeface="Courier"/>
+              </a:rPr>
+              <a:t>,</a:t>
+            </a:r>
+            <a:br/>
+            <a:r>
+              <a:rPr>
+                <a:solidFill>
+                  <a:srgbClr val="003B4F"/>
+                </a:solidFill>
+                <a:latin typeface="Courier"/>
+              </a:rPr>
+              <a:t>       </a:t>
+            </a:r>
+            <a:r>
+              <a:rPr>
+                <a:solidFill>
+                  <a:srgbClr val="657422"/>
+                </a:solidFill>
+                <a:latin typeface="Courier"/>
+              </a:rPr>
+              <a:t>y =</a:t>
+            </a:r>
+            <a:r>
+              <a:rPr>
+                <a:solidFill>
+                  <a:srgbClr val="003B4F"/>
+                </a:solidFill>
+                <a:latin typeface="Courier"/>
+              </a:rPr>
+              <a:t> </a:t>
+            </a:r>
+            <a:r>
+              <a:rPr>
+                <a:solidFill>
+                  <a:srgbClr val="20794D"/>
+                </a:solidFill>
+                <a:latin typeface="Courier"/>
+              </a:rPr>
+              <a:t>"Length (mm)"</a:t>
+            </a:r>
+            <a:r>
+              <a:rPr>
+                <a:solidFill>
+                  <a:srgbClr val="003B4F"/>
+                </a:solidFill>
+                <a:latin typeface="Courier"/>
+              </a:rPr>
+              <a:t>) </a:t>
+            </a:r>
+            <a:r>
+              <a:rPr>
+                <a:solidFill>
+                  <a:srgbClr val="5E5E5E"/>
+                </a:solidFill>
+                <a:latin typeface="Courier"/>
+              </a:rPr>
+              <a:t>+</a:t>
+            </a:r>
+            <a:br/>
+            <a:r>
+              <a:rPr>
+                <a:solidFill>
+                  <a:srgbClr val="003B4F"/>
+                </a:solidFill>
+                <a:latin typeface="Courier"/>
+              </a:rPr>
+              <a:t>  </a:t>
+            </a:r>
+            <a:r>
+              <a:rPr>
+                <a:solidFill>
+                  <a:srgbClr val="4758AB"/>
+                </a:solidFill>
+                <a:latin typeface="Courier"/>
+              </a:rPr>
+              <a:t>theme_minimal</a:t>
+            </a:r>
+            <a:r>
+              <a:rPr>
+                <a:solidFill>
+                  <a:srgbClr val="003B4F"/>
+                </a:solidFill>
+                <a:latin typeface="Courier"/>
+              </a:rPr>
+              <a:t>()</a:t>
             </a:r>
           </a:p>
         </p:txBody>
       </p:sp>
       <p:pic>
         <p:nvPicPr>
-          <p:cNvPr descr="images/clipboard-682106476.png" id="0" name="Picture 1"/>
+          <p:cNvPr descr="05_01_lecture_powerpoint_files/figure-pptx/group_visualization-1.png" id="0" name="Picture 1"/>
           <p:cNvPicPr>
             <a:picLocks noGrp="1" noChangeAspect="1"/>
           </p:cNvPicPr>
@@ -6122,8 +10006,8 @@
         </p:blipFill>
         <p:spPr bwMode="auto">
           <a:xfrm>
-            <a:off x="6121400" y="2197100"/>
-            <a:ext cx="2781300" cy="1409700"/>
+            <a:off x="3657600" y="1549400"/>
+            <a:ext cx="5232400" cy="2616200"/>
           </a:xfrm>
           <a:prstGeom prst="rect">
             <a:avLst/>
@@ -6141,7 +10025,7 @@
 </p:sld>
 </file>
 
-<file path=ppt/slides/slide28.xml><?xml version="1.0" encoding="utf-8"?>
+<file path=ppt/slides/slide4.xml><?xml version="1.0" encoding="utf-8"?>
 <p:sld xmlns:a="http://schemas.openxmlformats.org/drawingml/2006/main" xmlns:r="http://schemas.openxmlformats.org/officeDocument/2006/relationships" xmlns:p="http://schemas.openxmlformats.org/presentationml/2006/main">
   <p:cSld>
     <p:spTree>
@@ -6190,7 +10074,7 @@
             </a:r>
             <a:r>
               <a:rPr/>
-              <a:t> H test for a single population</a:t>
+              <a:t> Statistical hypothesis testing</a:t>
             </a:r>
           </a:p>
         </p:txBody>
@@ -6213,14 +10097,2168 @@
             <a:pPr lvl="0"/>
             <a:r>
               <a:rPr/>
-              <a:t>(p=0.203 to be exact)</a:t>
-            </a:r>
-          </a:p>
-          <a:p>
-            <a:pPr lvl="0"/>
-            <a:r>
-              <a:rPr/>
-              <a:t>No sufficient evidence to reject Ho</a:t>
+              <a:t>Major goal of statistics:</a:t>
+            </a:r>
+          </a:p>
+          <a:p>
+            <a:pPr lvl="1"/>
+            <a:r>
+              <a:rPr/>
+              <a:t>inferences about populations from samples…</a:t>
+            </a:r>
+          </a:p>
+          <a:p>
+            <a:pPr lvl="2"/>
+            <a:r>
+              <a:rPr/>
+              <a:t>assign degree of confidence to inferences</a:t>
+            </a:r>
+          </a:p>
+          <a:p>
+            <a:pPr lvl="1"/>
+            <a:r>
+              <a:rPr/>
+              <a:t>Statistical hypothesis testing:</a:t>
+            </a:r>
+          </a:p>
+          <a:p>
+            <a:pPr lvl="2"/>
+            <a:r>
+              <a:rPr/>
+              <a:t>formalized approach to inference</a:t>
+            </a:r>
+          </a:p>
+          <a:p>
+            <a:pPr lvl="1"/>
+            <a:r>
+              <a:rPr/>
+              <a:t>Hypotheses ask whether samples come from populations with certain properties</a:t>
+            </a:r>
+          </a:p>
+          <a:p>
+            <a:pPr lvl="1"/>
+            <a:r>
+              <a:rPr/>
+              <a:t>Often interested in questions about population means</a:t>
+            </a:r>
+          </a:p>
+          <a:p>
+            <a:pPr lvl="2"/>
+            <a:r>
+              <a:rPr/>
+              <a:t>but other questions are of interest</a:t>
+            </a:r>
+          </a:p>
+        </p:txBody>
+      </p:sp>
+      <p:sp>
+        <p:nvSpPr>
+          <p:cNvPr id="4" name="Content Placeholder 3"/>
+          <p:cNvSpPr>
+            <a:spLocks noGrp="1"/>
+          </p:cNvSpPr>
+          <p:nvPr>
+            <p:ph idx="2" sz="half"/>
+          </p:nvPr>
+        </p:nvSpPr>
+        <p:spPr/>
+        <p:txBody>
+          <a:bodyPr/>
+          <a:lstStyle/>
+          <a:p>
+            <a:pPr lvl="0" indent="0" marL="0">
+              <a:buNone/>
+            </a:pPr>
+            <a:r>
+              <a:rPr/>
+              <a:t>asdfasfasd</a:t>
+            </a:r>
+          </a:p>
+        </p:txBody>
+      </p:sp>
+    </p:spTree>
+  </p:cSld>
+</p:sld>
+</file>
+
+<file path=ppt/slides/slide40.xml><?xml version="1.0" encoding="utf-8"?>
+<p:sld xmlns:a="http://schemas.openxmlformats.org/drawingml/2006/main" xmlns:r="http://schemas.openxmlformats.org/officeDocument/2006/relationships" xmlns:p="http://schemas.openxmlformats.org/presentationml/2006/main">
+  <p:cSld>
+    <p:spTree>
+      <p:nvGrpSpPr>
+        <p:cNvPr id="1" name=""/>
+        <p:cNvGrpSpPr/>
+        <p:nvPr/>
+      </p:nvGrpSpPr>
+      <p:grpSpPr>
+        <a:xfrm>
+          <a:off x="0" y="0"/>
+          <a:ext cx="0" cy="0"/>
+          <a:chOff x="0" y="0"/>
+          <a:chExt cx="0" cy="0"/>
+        </a:xfrm>
+      </p:grpSpPr>
+      <p:sp>
+        <p:nvSpPr>
+          <p:cNvPr id="4" name="Text Placeholder 3"/>
+          <p:cNvSpPr>
+            <a:spLocks noGrp="1"/>
+          </p:cNvSpPr>
+          <p:nvPr>
+            <p:ph idx="2" sz="half" type="body"/>
+          </p:nvPr>
+        </p:nvSpPr>
+        <p:spPr/>
+        <p:txBody>
+          <a:bodyPr/>
+          <a:lstStyle/>
+          <a:p>
+            <a:pPr lvl="0" indent="0">
+              <a:buNone/>
+            </a:pPr>
+            <a:r>
+              <a:rPr>
+                <a:solidFill>
+                  <a:srgbClr val="5E5E5E"/>
+                </a:solidFill>
+                <a:latin typeface="Courier"/>
+              </a:rPr>
+              <a:t># YOUR </a:t>
+            </a:r>
+            <a:r>
+              <a:rPr>
+                <a:solidFill>
+                  <a:srgbClr val="AD0000"/>
+                </a:solidFill>
+                <a:latin typeface="Courier"/>
+              </a:rPr>
+              <a:t>TASK</a:t>
+            </a:r>
+            <a:r>
+              <a:rPr>
+                <a:solidFill>
+                  <a:srgbClr val="5E5E5E"/>
+                </a:solidFill>
+                <a:latin typeface="Courier"/>
+              </a:rPr>
+              <a:t>: Create a plot using stat_summary to show means and standard errors</a:t>
+            </a:r>
+            <a:br/>
+            <a:r>
+              <a:rPr>
+                <a:solidFill>
+                  <a:srgbClr val="4758AB"/>
+                </a:solidFill>
+                <a:latin typeface="Courier"/>
+              </a:rPr>
+              <a:t>ggplot</a:t>
+            </a:r>
+            <a:r>
+              <a:rPr>
+                <a:solidFill>
+                  <a:srgbClr val="003B4F"/>
+                </a:solidFill>
+                <a:latin typeface="Courier"/>
+              </a:rPr>
+              <a:t>(pine_data, </a:t>
+            </a:r>
+            <a:r>
+              <a:rPr>
+                <a:solidFill>
+                  <a:srgbClr val="4758AB"/>
+                </a:solidFill>
+                <a:latin typeface="Courier"/>
+              </a:rPr>
+              <a:t>aes</a:t>
+            </a:r>
+            <a:r>
+              <a:rPr>
+                <a:solidFill>
+                  <a:srgbClr val="003B4F"/>
+                </a:solidFill>
+                <a:latin typeface="Courier"/>
+              </a:rPr>
+              <a:t>(</a:t>
+            </a:r>
+            <a:r>
+              <a:rPr>
+                <a:solidFill>
+                  <a:srgbClr val="657422"/>
+                </a:solidFill>
+                <a:latin typeface="Courier"/>
+              </a:rPr>
+              <a:t>x =</a:t>
+            </a:r>
+            <a:r>
+              <a:rPr>
+                <a:solidFill>
+                  <a:srgbClr val="003B4F"/>
+                </a:solidFill>
+                <a:latin typeface="Courier"/>
+              </a:rPr>
+              <a:t> wind, </a:t>
+            </a:r>
+            <a:r>
+              <a:rPr>
+                <a:solidFill>
+                  <a:srgbClr val="657422"/>
+                </a:solidFill>
+                <a:latin typeface="Courier"/>
+              </a:rPr>
+              <a:t>y =</a:t>
+            </a:r>
+            <a:r>
+              <a:rPr>
+                <a:solidFill>
+                  <a:srgbClr val="003B4F"/>
+                </a:solidFill>
+                <a:latin typeface="Courier"/>
+              </a:rPr>
+              <a:t> len_mm, </a:t>
+            </a:r>
+            <a:r>
+              <a:rPr>
+                <a:solidFill>
+                  <a:srgbClr val="657422"/>
+                </a:solidFill>
+                <a:latin typeface="Courier"/>
+              </a:rPr>
+              <a:t>fill =</a:t>
+            </a:r>
+            <a:r>
+              <a:rPr>
+                <a:solidFill>
+                  <a:srgbClr val="003B4F"/>
+                </a:solidFill>
+                <a:latin typeface="Courier"/>
+              </a:rPr>
+              <a:t> wind)) </a:t>
+            </a:r>
+            <a:r>
+              <a:rPr>
+                <a:solidFill>
+                  <a:srgbClr val="5E5E5E"/>
+                </a:solidFill>
+                <a:latin typeface="Courier"/>
+              </a:rPr>
+              <a:t>+</a:t>
+            </a:r>
+            <a:br/>
+            <a:r>
+              <a:rPr>
+                <a:solidFill>
+                  <a:srgbClr val="003B4F"/>
+                </a:solidFill>
+                <a:latin typeface="Courier"/>
+              </a:rPr>
+              <a:t>  </a:t>
+            </a:r>
+            <a:r>
+              <a:rPr>
+                <a:solidFill>
+                  <a:srgbClr val="4758AB"/>
+                </a:solidFill>
+                <a:latin typeface="Courier"/>
+              </a:rPr>
+              <a:t>stat_summary</a:t>
+            </a:r>
+            <a:r>
+              <a:rPr>
+                <a:solidFill>
+                  <a:srgbClr val="003B4F"/>
+                </a:solidFill>
+                <a:latin typeface="Courier"/>
+              </a:rPr>
+              <a:t>(</a:t>
+            </a:r>
+            <a:r>
+              <a:rPr>
+                <a:solidFill>
+                  <a:srgbClr val="657422"/>
+                </a:solidFill>
+                <a:latin typeface="Courier"/>
+              </a:rPr>
+              <a:t>fun =</a:t>
+            </a:r>
+            <a:r>
+              <a:rPr>
+                <a:solidFill>
+                  <a:srgbClr val="003B4F"/>
+                </a:solidFill>
+                <a:latin typeface="Courier"/>
+              </a:rPr>
+              <a:t> mean, </a:t>
+            </a:r>
+            <a:r>
+              <a:rPr>
+                <a:solidFill>
+                  <a:srgbClr val="657422"/>
+                </a:solidFill>
+                <a:latin typeface="Courier"/>
+              </a:rPr>
+              <a:t>geom =</a:t>
+            </a:r>
+            <a:r>
+              <a:rPr>
+                <a:solidFill>
+                  <a:srgbClr val="003B4F"/>
+                </a:solidFill>
+                <a:latin typeface="Courier"/>
+              </a:rPr>
+              <a:t> </a:t>
+            </a:r>
+            <a:r>
+              <a:rPr>
+                <a:solidFill>
+                  <a:srgbClr val="20794D"/>
+                </a:solidFill>
+                <a:latin typeface="Courier"/>
+              </a:rPr>
+              <a:t>"bar"</a:t>
+            </a:r>
+            <a:r>
+              <a:rPr>
+                <a:solidFill>
+                  <a:srgbClr val="003B4F"/>
+                </a:solidFill>
+                <a:latin typeface="Courier"/>
+              </a:rPr>
+              <a:t>) </a:t>
+            </a:r>
+            <a:r>
+              <a:rPr>
+                <a:solidFill>
+                  <a:srgbClr val="5E5E5E"/>
+                </a:solidFill>
+                <a:latin typeface="Courier"/>
+              </a:rPr>
+              <a:t>+</a:t>
+            </a:r>
+            <a:br/>
+            <a:r>
+              <a:rPr>
+                <a:solidFill>
+                  <a:srgbClr val="003B4F"/>
+                </a:solidFill>
+                <a:latin typeface="Courier"/>
+              </a:rPr>
+              <a:t>  </a:t>
+            </a:r>
+            <a:r>
+              <a:rPr>
+                <a:solidFill>
+                  <a:srgbClr val="4758AB"/>
+                </a:solidFill>
+                <a:latin typeface="Courier"/>
+              </a:rPr>
+              <a:t>stat_summary</a:t>
+            </a:r>
+            <a:r>
+              <a:rPr>
+                <a:solidFill>
+                  <a:srgbClr val="003B4F"/>
+                </a:solidFill>
+                <a:latin typeface="Courier"/>
+              </a:rPr>
+              <a:t>(</a:t>
+            </a:r>
+            <a:r>
+              <a:rPr>
+                <a:solidFill>
+                  <a:srgbClr val="657422"/>
+                </a:solidFill>
+                <a:latin typeface="Courier"/>
+              </a:rPr>
+              <a:t>fun.data =</a:t>
+            </a:r>
+            <a:r>
+              <a:rPr>
+                <a:solidFill>
+                  <a:srgbClr val="003B4F"/>
+                </a:solidFill>
+                <a:latin typeface="Courier"/>
+              </a:rPr>
+              <a:t> mean_se, </a:t>
+            </a:r>
+            <a:r>
+              <a:rPr>
+                <a:solidFill>
+                  <a:srgbClr val="657422"/>
+                </a:solidFill>
+                <a:latin typeface="Courier"/>
+              </a:rPr>
+              <a:t>geom =</a:t>
+            </a:r>
+            <a:r>
+              <a:rPr>
+                <a:solidFill>
+                  <a:srgbClr val="003B4F"/>
+                </a:solidFill>
+                <a:latin typeface="Courier"/>
+              </a:rPr>
+              <a:t> </a:t>
+            </a:r>
+            <a:r>
+              <a:rPr>
+                <a:solidFill>
+                  <a:srgbClr val="20794D"/>
+                </a:solidFill>
+                <a:latin typeface="Courier"/>
+              </a:rPr>
+              <a:t>"errorbar"</a:t>
+            </a:r>
+            <a:r>
+              <a:rPr>
+                <a:solidFill>
+                  <a:srgbClr val="003B4F"/>
+                </a:solidFill>
+                <a:latin typeface="Courier"/>
+              </a:rPr>
+              <a:t>, </a:t>
+            </a:r>
+            <a:r>
+              <a:rPr>
+                <a:solidFill>
+                  <a:srgbClr val="657422"/>
+                </a:solidFill>
+                <a:latin typeface="Courier"/>
+              </a:rPr>
+              <a:t>width =</a:t>
+            </a:r>
+            <a:r>
+              <a:rPr>
+                <a:solidFill>
+                  <a:srgbClr val="003B4F"/>
+                </a:solidFill>
+                <a:latin typeface="Courier"/>
+              </a:rPr>
+              <a:t> </a:t>
+            </a:r>
+            <a:r>
+              <a:rPr>
+                <a:solidFill>
+                  <a:srgbClr val="AD0000"/>
+                </a:solidFill>
+                <a:latin typeface="Courier"/>
+              </a:rPr>
+              <a:t>0.2</a:t>
+            </a:r>
+            <a:r>
+              <a:rPr>
+                <a:solidFill>
+                  <a:srgbClr val="003B4F"/>
+                </a:solidFill>
+                <a:latin typeface="Courier"/>
+              </a:rPr>
+              <a:t>) </a:t>
+            </a:r>
+            <a:r>
+              <a:rPr>
+                <a:solidFill>
+                  <a:srgbClr val="5E5E5E"/>
+                </a:solidFill>
+                <a:latin typeface="Courier"/>
+              </a:rPr>
+              <a:t>+</a:t>
+            </a:r>
+            <a:br/>
+            <a:r>
+              <a:rPr>
+                <a:solidFill>
+                  <a:srgbClr val="003B4F"/>
+                </a:solidFill>
+                <a:latin typeface="Courier"/>
+              </a:rPr>
+              <a:t>  </a:t>
+            </a:r>
+            <a:r>
+              <a:rPr>
+                <a:solidFill>
+                  <a:srgbClr val="4758AB"/>
+                </a:solidFill>
+                <a:latin typeface="Courier"/>
+              </a:rPr>
+              <a:t>labs</a:t>
+            </a:r>
+            <a:r>
+              <a:rPr>
+                <a:solidFill>
+                  <a:srgbClr val="003B4F"/>
+                </a:solidFill>
+                <a:latin typeface="Courier"/>
+              </a:rPr>
+              <a:t>(</a:t>
+            </a:r>
+            <a:r>
+              <a:rPr>
+                <a:solidFill>
+                  <a:srgbClr val="657422"/>
+                </a:solidFill>
+                <a:latin typeface="Courier"/>
+              </a:rPr>
+              <a:t>title =</a:t>
+            </a:r>
+            <a:r>
+              <a:rPr>
+                <a:solidFill>
+                  <a:srgbClr val="003B4F"/>
+                </a:solidFill>
+                <a:latin typeface="Courier"/>
+              </a:rPr>
+              <a:t> </a:t>
+            </a:r>
+            <a:r>
+              <a:rPr>
+                <a:solidFill>
+                  <a:srgbClr val="20794D"/>
+                </a:solidFill>
+                <a:latin typeface="Courier"/>
+              </a:rPr>
+              <a:t>"Mean Pine Needle Length by Wind Exposure"</a:t>
+            </a:r>
+            <a:r>
+              <a:rPr>
+                <a:solidFill>
+                  <a:srgbClr val="003B4F"/>
+                </a:solidFill>
+                <a:latin typeface="Courier"/>
+              </a:rPr>
+              <a:t>,</a:t>
+            </a:r>
+            <a:br/>
+            <a:r>
+              <a:rPr>
+                <a:solidFill>
+                  <a:srgbClr val="003B4F"/>
+                </a:solidFill>
+                <a:latin typeface="Courier"/>
+              </a:rPr>
+              <a:t>       </a:t>
+            </a:r>
+            <a:r>
+              <a:rPr>
+                <a:solidFill>
+                  <a:srgbClr val="657422"/>
+                </a:solidFill>
+                <a:latin typeface="Courier"/>
+              </a:rPr>
+              <a:t>x =</a:t>
+            </a:r>
+            <a:r>
+              <a:rPr>
+                <a:solidFill>
+                  <a:srgbClr val="003B4F"/>
+                </a:solidFill>
+                <a:latin typeface="Courier"/>
+              </a:rPr>
+              <a:t> </a:t>
+            </a:r>
+            <a:r>
+              <a:rPr>
+                <a:solidFill>
+                  <a:srgbClr val="20794D"/>
+                </a:solidFill>
+                <a:latin typeface="Courier"/>
+              </a:rPr>
+              <a:t>"Wind Exposure"</a:t>
+            </a:r>
+            <a:r>
+              <a:rPr>
+                <a:solidFill>
+                  <a:srgbClr val="003B4F"/>
+                </a:solidFill>
+                <a:latin typeface="Courier"/>
+              </a:rPr>
+              <a:t>,</a:t>
+            </a:r>
+            <a:br/>
+            <a:r>
+              <a:rPr>
+                <a:solidFill>
+                  <a:srgbClr val="003B4F"/>
+                </a:solidFill>
+                <a:latin typeface="Courier"/>
+              </a:rPr>
+              <a:t>       </a:t>
+            </a:r>
+            <a:r>
+              <a:rPr>
+                <a:solidFill>
+                  <a:srgbClr val="657422"/>
+                </a:solidFill>
+                <a:latin typeface="Courier"/>
+              </a:rPr>
+              <a:t>y =</a:t>
+            </a:r>
+            <a:r>
+              <a:rPr>
+                <a:solidFill>
+                  <a:srgbClr val="003B4F"/>
+                </a:solidFill>
+                <a:latin typeface="Courier"/>
+              </a:rPr>
+              <a:t> </a:t>
+            </a:r>
+            <a:r>
+              <a:rPr>
+                <a:solidFill>
+                  <a:srgbClr val="20794D"/>
+                </a:solidFill>
+                <a:latin typeface="Courier"/>
+              </a:rPr>
+              <a:t>"Mean Length (mm)"</a:t>
+            </a:r>
+            <a:r>
+              <a:rPr>
+                <a:solidFill>
+                  <a:srgbClr val="003B4F"/>
+                </a:solidFill>
+                <a:latin typeface="Courier"/>
+              </a:rPr>
+              <a:t>) </a:t>
+            </a:r>
+            <a:r>
+              <a:rPr>
+                <a:solidFill>
+                  <a:srgbClr val="5E5E5E"/>
+                </a:solidFill>
+                <a:latin typeface="Courier"/>
+              </a:rPr>
+              <a:t>+</a:t>
+            </a:r>
+            <a:br/>
+            <a:r>
+              <a:rPr>
+                <a:solidFill>
+                  <a:srgbClr val="003B4F"/>
+                </a:solidFill>
+                <a:latin typeface="Courier"/>
+              </a:rPr>
+              <a:t>  </a:t>
+            </a:r>
+            <a:r>
+              <a:rPr>
+                <a:solidFill>
+                  <a:srgbClr val="4758AB"/>
+                </a:solidFill>
+                <a:latin typeface="Courier"/>
+              </a:rPr>
+              <a:t>theme_minimal</a:t>
+            </a:r>
+            <a:r>
+              <a:rPr>
+                <a:solidFill>
+                  <a:srgbClr val="003B4F"/>
+                </a:solidFill>
+                <a:latin typeface="Courier"/>
+              </a:rPr>
+              <a:t>()</a:t>
+            </a:r>
+          </a:p>
+        </p:txBody>
+      </p:sp>
+      <p:pic>
+        <p:nvPicPr>
+          <p:cNvPr descr="05_01_lecture_powerpoint_files/figure-pptx/unnamed-chunk-4-1.png" id="0" name="Picture 1"/>
+          <p:cNvPicPr>
+            <a:picLocks noGrp="1" noChangeAspect="1"/>
+          </p:cNvPicPr>
+          <p:nvPr/>
+        </p:nvPicPr>
+        <p:blipFill>
+          <a:blip r:embed="rId2"/>
+          <a:stretch>
+            <a:fillRect/>
+          </a:stretch>
+        </p:blipFill>
+        <p:spPr bwMode="auto">
+          <a:xfrm>
+            <a:off x="3657600" y="1549400"/>
+            <a:ext cx="5232400" cy="2616200"/>
+          </a:xfrm>
+          <a:prstGeom prst="rect">
+            <a:avLst/>
+          </a:prstGeom>
+          <a:noFill/>
+          <a:ln w="9525">
+            <a:noFill/>
+            <a:headEnd/>
+            <a:tailEnd/>
+          </a:ln>
+        </p:spPr>
+      </p:pic>
+    </p:spTree>
+  </p:cSld>
+</p:sld>
+</file>
+
+<file path=ppt/slides/slide41.xml><?xml version="1.0" encoding="utf-8"?>
+<p:sld xmlns:a="http://schemas.openxmlformats.org/drawingml/2006/main" xmlns:r="http://schemas.openxmlformats.org/officeDocument/2006/relationships" xmlns:p="http://schemas.openxmlformats.org/presentationml/2006/main">
+  <p:cSld>
+    <p:spTree>
+      <p:nvGrpSpPr>
+        <p:cNvPr id="1" name=""/>
+        <p:cNvGrpSpPr/>
+        <p:nvPr/>
+      </p:nvGrpSpPr>
+      <p:grpSpPr>
+        <a:xfrm>
+          <a:off x="0" y="0"/>
+          <a:ext cx="0" cy="0"/>
+          <a:chOff x="0" y="0"/>
+          <a:chExt cx="0" cy="0"/>
+        </a:xfrm>
+      </p:grpSpPr>
+      <p:sp>
+        <p:nvSpPr>
+          <p:cNvPr id="2" name="Title 1"/>
+          <p:cNvSpPr>
+            <a:spLocks noGrp="1"/>
+          </p:cNvSpPr>
+          <p:nvPr>
+            <p:ph type="title"/>
+          </p:nvPr>
+        </p:nvSpPr>
+        <p:spPr>
+          <a:xfrm>
+            <a:off x="0" y="0"/>
+            <a:ext cx="9144000" cy="602780"/>
+          </a:xfrm>
+          <a:solidFill>
+            <a:srgbClr val="70121D"/>
+          </a:solidFill>
+        </p:spPr>
+        <p:txBody>
+          <a:bodyPr/>
+          <a:lstStyle/>
+          <a:p>
+            <a:pPr lvl="0" indent="0" marL="0">
+              <a:buNone/>
+            </a:pPr>
+            <a:r>
+              <a:rPr b="1"/>
+              <a:t>Part 2:</a:t>
+            </a:r>
+            <a:r>
+              <a:rPr/>
+              <a:t> Testing Assumptions for Two-Sample T-Test</a:t>
+            </a:r>
+          </a:p>
+        </p:txBody>
+      </p:sp>
+      <p:sp>
+        <p:nvSpPr>
+          <p:cNvPr id="3" name="Content Placeholder 2"/>
+          <p:cNvSpPr>
+            <a:spLocks noGrp="1"/>
+          </p:cNvSpPr>
+          <p:nvPr>
+            <p:ph idx="1" sz="half"/>
+          </p:nvPr>
+        </p:nvSpPr>
+        <p:spPr/>
+        <p:txBody>
+          <a:bodyPr/>
+          <a:lstStyle/>
+          <a:p>
+            <a:pPr lvl="0" indent="0" marL="0">
+              <a:buNone/>
+            </a:pPr>
+            <a:r>
+              <a:rPr b="1"/>
+              <a:t>Activity: Test assumptions for two-sample t-test</a:t>
+            </a:r>
+          </a:p>
+          <a:p>
+            <a:pPr lvl="0" indent="0" marL="0">
+              <a:buNone/>
+            </a:pPr>
+            <a:r>
+              <a:rPr/>
+              <a:t>For a two-sample t-test, we need to check:</a:t>
+            </a:r>
+          </a:p>
+          <a:p>
+            <a:pPr lvl="0" indent="0" marL="0">
+              <a:buNone/>
+            </a:pPr>
+            <a:r>
+              <a:rPr/>
+              <a:t>1. Normality within each group</a:t>
+            </a:r>
+          </a:p>
+          <a:p>
+            <a:pPr lvl="0" indent="0" marL="0">
+              <a:buNone/>
+            </a:pPr>
+            <a:r>
+              <a:rPr/>
+              <a:t>2. Equal variances between groups (for standard t-test)</a:t>
+            </a:r>
+          </a:p>
+          <a:p>
+            <a:pPr lvl="0" indent="0" marL="0">
+              <a:buNone/>
+            </a:pPr>
+            <a:r>
+              <a:rPr/>
+              <a:t>3. Independent observations</a:t>
+            </a:r>
+          </a:p>
+        </p:txBody>
+      </p:sp>
+      <p:sp>
+        <p:nvSpPr>
+          <p:cNvPr id="4" name="Content Placeholder 3"/>
+          <p:cNvSpPr>
+            <a:spLocks noGrp="1"/>
+          </p:cNvSpPr>
+          <p:nvPr>
+            <p:ph idx="2" sz="half"/>
+          </p:nvPr>
+        </p:nvSpPr>
+        <p:spPr/>
+        <p:txBody>
+          <a:bodyPr/>
+          <a:lstStyle/>
+          <a:p>
+            <a:pPr lvl="0" indent="0" marL="0">
+              <a:buNone/>
+            </a:pPr>
+            <a:r>
+              <a:rPr/>
+              <a:t>If assumptions are violated:</a:t>
+            </a:r>
+          </a:p>
+          <a:p>
+            <a:pPr lvl="0" indent="0" marL="0">
+              <a:buNone/>
+            </a:pPr>
+            <a:r>
+              <a:rPr/>
+              <a:t>- Welch’s t-test (unequal variances)</a:t>
+            </a:r>
+          </a:p>
+          <a:p>
+            <a:pPr lvl="0" indent="0" marL="0">
+              <a:buNone/>
+            </a:pPr>
+            <a:r>
+              <a:rPr/>
+              <a:t>- Non-parametric alternatives (Mann-Whitney U test)</a:t>
+            </a:r>
+          </a:p>
+        </p:txBody>
+      </p:sp>
+    </p:spTree>
+  </p:cSld>
+</p:sld>
+</file>
+
+<file path=ppt/slides/slide42.xml><?xml version="1.0" encoding="utf-8"?>
+<p:sld xmlns:a="http://schemas.openxmlformats.org/drawingml/2006/main" xmlns:r="http://schemas.openxmlformats.org/officeDocument/2006/relationships" xmlns:p="http://schemas.openxmlformats.org/presentationml/2006/main">
+  <p:cSld>
+    <p:spTree>
+      <p:nvGrpSpPr>
+        <p:cNvPr id="1" name=""/>
+        <p:cNvGrpSpPr/>
+        <p:nvPr/>
+      </p:nvGrpSpPr>
+      <p:grpSpPr>
+        <a:xfrm>
+          <a:off x="0" y="0"/>
+          <a:ext cx="0" cy="0"/>
+          <a:chOff x="0" y="0"/>
+          <a:chExt cx="0" cy="0"/>
+        </a:xfrm>
+      </p:grpSpPr>
+      <p:sp>
+        <p:nvSpPr>
+          <p:cNvPr id="4" name="Text Placeholder 3"/>
+          <p:cNvSpPr>
+            <a:spLocks noGrp="1"/>
+          </p:cNvSpPr>
+          <p:nvPr>
+            <p:ph idx="2" sz="half" type="body"/>
+          </p:nvPr>
+        </p:nvSpPr>
+        <p:spPr/>
+        <p:txBody>
+          <a:bodyPr/>
+          <a:lstStyle/>
+          <a:p>
+            <a:pPr lvl="0" indent="0">
+              <a:buNone/>
+            </a:pPr>
+            <a:r>
+              <a:rPr>
+                <a:solidFill>
+                  <a:srgbClr val="5E5E5E"/>
+                </a:solidFill>
+                <a:latin typeface="Courier"/>
+              </a:rPr>
+              <a:t># YOUR </a:t>
+            </a:r>
+            <a:r>
+              <a:rPr>
+                <a:solidFill>
+                  <a:srgbClr val="AD0000"/>
+                </a:solidFill>
+                <a:latin typeface="Courier"/>
+              </a:rPr>
+              <a:t>TASK</a:t>
+            </a:r>
+            <a:r>
+              <a:rPr>
+                <a:solidFill>
+                  <a:srgbClr val="5E5E5E"/>
+                </a:solidFill>
+                <a:latin typeface="Courier"/>
+              </a:rPr>
+              <a:t>: Test normality of windward pine needle lengths</a:t>
+            </a:r>
+            <a:br/>
+            <a:r>
+              <a:rPr>
+                <a:solidFill>
+                  <a:srgbClr val="5E5E5E"/>
+                </a:solidFill>
+                <a:latin typeface="Courier"/>
+              </a:rPr>
+              <a:t># QQ Plot</a:t>
+            </a:r>
+            <a:br/>
+            <a:r>
+              <a:rPr>
+                <a:solidFill>
+                  <a:srgbClr val="4758AB"/>
+                </a:solidFill>
+                <a:latin typeface="Courier"/>
+              </a:rPr>
+              <a:t>qqPlot</a:t>
+            </a:r>
+            <a:r>
+              <a:rPr>
+                <a:solidFill>
+                  <a:srgbClr val="003B4F"/>
+                </a:solidFill>
+                <a:latin typeface="Courier"/>
+              </a:rPr>
+              <a:t>(pine_data</a:t>
+            </a:r>
+            <a:r>
+              <a:rPr>
+                <a:solidFill>
+                  <a:srgbClr val="5E5E5E"/>
+                </a:solidFill>
+                <a:latin typeface="Courier"/>
+              </a:rPr>
+              <a:t>$</a:t>
+            </a:r>
+            <a:r>
+              <a:rPr>
+                <a:solidFill>
+                  <a:srgbClr val="003B4F"/>
+                </a:solidFill>
+                <a:latin typeface="Courier"/>
+              </a:rPr>
+              <a:t>len_mm, </a:t>
+            </a:r>
+            <a:br/>
+            <a:r>
+              <a:rPr>
+                <a:solidFill>
+                  <a:srgbClr val="003B4F"/>
+                </a:solidFill>
+                <a:latin typeface="Courier"/>
+              </a:rPr>
+              <a:t>       </a:t>
+            </a:r>
+            <a:r>
+              <a:rPr>
+                <a:solidFill>
+                  <a:srgbClr val="657422"/>
+                </a:solidFill>
+                <a:latin typeface="Courier"/>
+              </a:rPr>
+              <a:t>main =</a:t>
+            </a:r>
+            <a:r>
+              <a:rPr>
+                <a:solidFill>
+                  <a:srgbClr val="003B4F"/>
+                </a:solidFill>
+                <a:latin typeface="Courier"/>
+              </a:rPr>
+              <a:t> </a:t>
+            </a:r>
+            <a:r>
+              <a:rPr>
+                <a:solidFill>
+                  <a:srgbClr val="20794D"/>
+                </a:solidFill>
+                <a:latin typeface="Courier"/>
+              </a:rPr>
+              <a:t>"QQ Plot for Windward Pine Needles"</a:t>
+            </a:r>
+            <a:r>
+              <a:rPr>
+                <a:solidFill>
+                  <a:srgbClr val="003B4F"/>
+                </a:solidFill>
+                <a:latin typeface="Courier"/>
+              </a:rPr>
+              <a:t>,</a:t>
+            </a:r>
+            <a:br/>
+            <a:r>
+              <a:rPr>
+                <a:solidFill>
+                  <a:srgbClr val="003B4F"/>
+                </a:solidFill>
+                <a:latin typeface="Courier"/>
+              </a:rPr>
+              <a:t>       </a:t>
+            </a:r>
+            <a:r>
+              <a:rPr>
+                <a:solidFill>
+                  <a:srgbClr val="657422"/>
+                </a:solidFill>
+                <a:latin typeface="Courier"/>
+              </a:rPr>
+              <a:t>ylab =</a:t>
+            </a:r>
+            <a:r>
+              <a:rPr>
+                <a:solidFill>
+                  <a:srgbClr val="003B4F"/>
+                </a:solidFill>
+                <a:latin typeface="Courier"/>
+              </a:rPr>
+              <a:t> </a:t>
+            </a:r>
+            <a:r>
+              <a:rPr>
+                <a:solidFill>
+                  <a:srgbClr val="20794D"/>
+                </a:solidFill>
+                <a:latin typeface="Courier"/>
+              </a:rPr>
+              <a:t>"Sample Quantiles"</a:t>
+            </a:r>
+            <a:r>
+              <a:rPr>
+                <a:solidFill>
+                  <a:srgbClr val="003B4F"/>
+                </a:solidFill>
+                <a:latin typeface="Courier"/>
+              </a:rPr>
+              <a:t>)</a:t>
+            </a:r>
+          </a:p>
+        </p:txBody>
+      </p:sp>
+      <p:pic>
+        <p:nvPicPr>
+          <p:cNvPr descr="05_01_lecture_powerpoint_files/figure-pptx/unnamed-chunk-5-1.png" id="0" name="Picture 1"/>
+          <p:cNvPicPr>
+            <a:picLocks noGrp="1" noChangeAspect="1"/>
+          </p:cNvPicPr>
+          <p:nvPr/>
+        </p:nvPicPr>
+        <p:blipFill>
+          <a:blip r:embed="rId2"/>
+          <a:stretch>
+            <a:fillRect/>
+          </a:stretch>
+        </p:blipFill>
+        <p:spPr bwMode="auto">
+          <a:xfrm>
+            <a:off x="3657600" y="1549400"/>
+            <a:ext cx="5232400" cy="2616200"/>
+          </a:xfrm>
+          <a:prstGeom prst="rect">
+            <a:avLst/>
+          </a:prstGeom>
+          <a:noFill/>
+          <a:ln w="9525">
+            <a:noFill/>
+            <a:headEnd/>
+            <a:tailEnd/>
+          </a:ln>
+        </p:spPr>
+      </p:pic>
+    </p:spTree>
+  </p:cSld>
+</p:sld>
+</file>
+
+<file path=ppt/slides/slide43.xml><?xml version="1.0" encoding="utf-8"?>
+<p:sld xmlns:a="http://schemas.openxmlformats.org/drawingml/2006/main" xmlns:r="http://schemas.openxmlformats.org/officeDocument/2006/relationships" xmlns:p="http://schemas.openxmlformats.org/presentationml/2006/main">
+  <p:cSld>
+    <p:spTree>
+      <p:nvGrpSpPr>
+        <p:cNvPr id="1" name=""/>
+        <p:cNvGrpSpPr/>
+        <p:nvPr/>
+      </p:nvGrpSpPr>
+      <p:grpSpPr>
+        <a:xfrm>
+          <a:off x="0" y="0"/>
+          <a:ext cx="0" cy="0"/>
+          <a:chOff x="0" y="0"/>
+          <a:chExt cx="0" cy="0"/>
+        </a:xfrm>
+      </p:grpSpPr>
+      <p:sp>
+        <p:nvSpPr>
+          <p:cNvPr id="3" name="Content Placeholder 2"/>
+          <p:cNvSpPr>
+            <a:spLocks noGrp="1"/>
+          </p:cNvSpPr>
+          <p:nvPr>
+            <p:ph idx="1"/>
+          </p:nvPr>
+        </p:nvSpPr>
+        <p:spPr/>
+        <p:txBody>
+          <a:bodyPr/>
+          <a:lstStyle/>
+          <a:p>
+            <a:pPr lvl="0" indent="0">
+              <a:buNone/>
+            </a:pPr>
+            <a:r>
+              <a:rPr>
+                <a:latin typeface="Courier"/>
+              </a:rPr>
+              <a:t>[1]  4 28</a:t>
+            </a:r>
+          </a:p>
+          <a:p>
+            <a:pPr lvl="0" indent="0">
+              <a:buNone/>
+            </a:pPr>
+            <a:r>
+              <a:rPr>
+                <a:solidFill>
+                  <a:srgbClr val="5E5E5E"/>
+                </a:solidFill>
+                <a:latin typeface="Courier"/>
+              </a:rPr>
+              <a:t># Testing normality for each group</a:t>
+            </a:r>
+            <a:br/>
+            <a:r>
+              <a:rPr>
+                <a:solidFill>
+                  <a:srgbClr val="5E5E5E"/>
+                </a:solidFill>
+                <a:latin typeface="Courier"/>
+              </a:rPr>
+              <a:t># Leeward group</a:t>
+            </a:r>
+            <a:br/>
+            <a:r>
+              <a:rPr>
+                <a:solidFill>
+                  <a:srgbClr val="003B4F"/>
+                </a:solidFill>
+                <a:latin typeface="Courier"/>
+              </a:rPr>
+              <a:t>lee_data &lt;- pine_data </a:t>
+            </a:r>
+            <a:r>
+              <a:rPr>
+                <a:solidFill>
+                  <a:srgbClr val="5E5E5E"/>
+                </a:solidFill>
+                <a:latin typeface="Courier"/>
+              </a:rPr>
+              <a:t>%&gt;%</a:t>
+            </a:r>
+            <a:r>
+              <a:rPr>
+                <a:solidFill>
+                  <a:srgbClr val="003B4F"/>
+                </a:solidFill>
+                <a:latin typeface="Courier"/>
+              </a:rPr>
+              <a:t> </a:t>
+            </a:r>
+            <a:r>
+              <a:rPr>
+                <a:solidFill>
+                  <a:srgbClr val="4758AB"/>
+                </a:solidFill>
+                <a:latin typeface="Courier"/>
+              </a:rPr>
+              <a:t>filter</a:t>
+            </a:r>
+            <a:r>
+              <a:rPr>
+                <a:solidFill>
+                  <a:srgbClr val="003B4F"/>
+                </a:solidFill>
+                <a:latin typeface="Courier"/>
+              </a:rPr>
+              <a:t>(wind </a:t>
+            </a:r>
+            <a:r>
+              <a:rPr>
+                <a:solidFill>
+                  <a:srgbClr val="5E5E5E"/>
+                </a:solidFill>
+                <a:latin typeface="Courier"/>
+              </a:rPr>
+              <a:t>==</a:t>
+            </a:r>
+            <a:r>
+              <a:rPr>
+                <a:solidFill>
+                  <a:srgbClr val="003B4F"/>
+                </a:solidFill>
+                <a:latin typeface="Courier"/>
+              </a:rPr>
+              <a:t> </a:t>
+            </a:r>
+            <a:r>
+              <a:rPr>
+                <a:solidFill>
+                  <a:srgbClr val="20794D"/>
+                </a:solidFill>
+                <a:latin typeface="Courier"/>
+              </a:rPr>
+              <a:t>"lee"</a:t>
+            </a:r>
+            <a:r>
+              <a:rPr>
+                <a:solidFill>
+                  <a:srgbClr val="003B4F"/>
+                </a:solidFill>
+                <a:latin typeface="Courier"/>
+              </a:rPr>
+              <a:t>)</a:t>
+            </a:r>
+            <a:br/>
+            <a:r>
+              <a:rPr>
+                <a:solidFill>
+                  <a:srgbClr val="003B4F"/>
+                </a:solidFill>
+                <a:latin typeface="Courier"/>
+              </a:rPr>
+              <a:t>shapiro_lee &lt;- </a:t>
+            </a:r>
+            <a:r>
+              <a:rPr>
+                <a:solidFill>
+                  <a:srgbClr val="4758AB"/>
+                </a:solidFill>
+                <a:latin typeface="Courier"/>
+              </a:rPr>
+              <a:t>shapiro.test</a:t>
+            </a:r>
+            <a:r>
+              <a:rPr>
+                <a:solidFill>
+                  <a:srgbClr val="003B4F"/>
+                </a:solidFill>
+                <a:latin typeface="Courier"/>
+              </a:rPr>
+              <a:t>(lee_data</a:t>
+            </a:r>
+            <a:r>
+              <a:rPr>
+                <a:solidFill>
+                  <a:srgbClr val="5E5E5E"/>
+                </a:solidFill>
+                <a:latin typeface="Courier"/>
+              </a:rPr>
+              <a:t>$</a:t>
+            </a:r>
+            <a:r>
+              <a:rPr>
+                <a:solidFill>
+                  <a:srgbClr val="003B4F"/>
+                </a:solidFill>
+                <a:latin typeface="Courier"/>
+              </a:rPr>
+              <a:t>len_mm)</a:t>
+            </a:r>
+            <a:br/>
+            <a:r>
+              <a:rPr>
+                <a:solidFill>
+                  <a:srgbClr val="4758AB"/>
+                </a:solidFill>
+                <a:latin typeface="Courier"/>
+              </a:rPr>
+              <a:t>print</a:t>
+            </a:r>
+            <a:r>
+              <a:rPr>
+                <a:solidFill>
+                  <a:srgbClr val="003B4F"/>
+                </a:solidFill>
+                <a:latin typeface="Courier"/>
+              </a:rPr>
+              <a:t>(</a:t>
+            </a:r>
+            <a:r>
+              <a:rPr>
+                <a:solidFill>
+                  <a:srgbClr val="20794D"/>
+                </a:solidFill>
+                <a:latin typeface="Courier"/>
+              </a:rPr>
+              <a:t>"Shapiro-Wilk test for leeward data:"</a:t>
+            </a:r>
+            <a:r>
+              <a:rPr>
+                <a:solidFill>
+                  <a:srgbClr val="003B4F"/>
+                </a:solidFill>
+                <a:latin typeface="Courier"/>
+              </a:rPr>
+              <a:t>)</a:t>
+            </a:r>
+          </a:p>
+          <a:p>
+            <a:pPr lvl="0" indent="0">
+              <a:buNone/>
+            </a:pPr>
+            <a:r>
+              <a:rPr>
+                <a:latin typeface="Courier"/>
+              </a:rPr>
+              <a:t>[1] "Shapiro-Wilk test for leeward data:"</a:t>
+            </a:r>
+          </a:p>
+          <a:p>
+            <a:pPr lvl="0" indent="0">
+              <a:buNone/>
+            </a:pPr>
+            <a:r>
+              <a:rPr>
+                <a:solidFill>
+                  <a:srgbClr val="4758AB"/>
+                </a:solidFill>
+                <a:latin typeface="Courier"/>
+              </a:rPr>
+              <a:t>print</a:t>
+            </a:r>
+            <a:r>
+              <a:rPr>
+                <a:solidFill>
+                  <a:srgbClr val="003B4F"/>
+                </a:solidFill>
+                <a:latin typeface="Courier"/>
+              </a:rPr>
+              <a:t>(shapiro_lee)</a:t>
+            </a:r>
+          </a:p>
+          <a:p>
+            <a:pPr lvl="0" indent="0">
+              <a:buNone/>
+            </a:pPr>
+            <a:r>
+              <a:rPr>
+                <a:latin typeface="Courier"/>
+              </a:rPr>
+              <a:t>
+    Shapiro-Wilk normality test
+data:  lee_data$len_mm
+W = 0.95477, p-value = 0.3425</a:t>
+            </a:r>
+          </a:p>
+          <a:p>
+            <a:pPr lvl="0" indent="0">
+              <a:buNone/>
+            </a:pPr>
+            <a:r>
+              <a:rPr>
+                <a:solidFill>
+                  <a:srgbClr val="5E5E5E"/>
+                </a:solidFill>
+                <a:latin typeface="Courier"/>
+              </a:rPr>
+              <a:t># Windward group</a:t>
+            </a:r>
+            <a:br/>
+            <a:r>
+              <a:rPr>
+                <a:solidFill>
+                  <a:srgbClr val="5E5E5E"/>
+                </a:solidFill>
+                <a:latin typeface="Courier"/>
+              </a:rPr>
+              <a:t># YOUR CODE HERE for windward group normality test</a:t>
+            </a:r>
+          </a:p>
+          <a:p>
+            <a:pPr lvl="0" indent="0">
+              <a:buNone/>
+            </a:pPr>
+            <a:r>
+              <a:rPr>
+                <a:solidFill>
+                  <a:srgbClr val="5E5E5E"/>
+                </a:solidFill>
+                <a:latin typeface="Courier"/>
+              </a:rPr>
+              <a:t># Test for equal variances</a:t>
+            </a:r>
+            <a:br/>
+            <a:r>
+              <a:rPr>
+                <a:solidFill>
+                  <a:srgbClr val="5E5E5E"/>
+                </a:solidFill>
+                <a:latin typeface="Courier"/>
+              </a:rPr>
+              <a:t># YOUR </a:t>
+            </a:r>
+            <a:r>
+              <a:rPr>
+                <a:solidFill>
+                  <a:srgbClr val="AD0000"/>
+                </a:solidFill>
+                <a:latin typeface="Courier"/>
+              </a:rPr>
+              <a:t>TASK</a:t>
+            </a:r>
+            <a:r>
+              <a:rPr>
+                <a:solidFill>
+                  <a:srgbClr val="5E5E5E"/>
+                </a:solidFill>
+                <a:latin typeface="Courier"/>
+              </a:rPr>
+              <a:t>: Conduct Levene's test for equality of variances</a:t>
+            </a:r>
+            <a:br/>
+            <a:r>
+              <a:rPr>
+                <a:solidFill>
+                  <a:srgbClr val="003B4F"/>
+                </a:solidFill>
+                <a:latin typeface="Courier"/>
+              </a:rPr>
+              <a:t>levene_test &lt;- </a:t>
+            </a:r>
+            <a:r>
+              <a:rPr>
+                <a:solidFill>
+                  <a:srgbClr val="4758AB"/>
+                </a:solidFill>
+                <a:latin typeface="Courier"/>
+              </a:rPr>
+              <a:t>leveneTest</a:t>
+            </a:r>
+            <a:r>
+              <a:rPr>
+                <a:solidFill>
+                  <a:srgbClr val="003B4F"/>
+                </a:solidFill>
+                <a:latin typeface="Courier"/>
+              </a:rPr>
+              <a:t>(len_mm </a:t>
+            </a:r>
+            <a:r>
+              <a:rPr>
+                <a:solidFill>
+                  <a:srgbClr val="5E5E5E"/>
+                </a:solidFill>
+                <a:latin typeface="Courier"/>
+              </a:rPr>
+              <a:t>~</a:t>
+            </a:r>
+            <a:r>
+              <a:rPr>
+                <a:solidFill>
+                  <a:srgbClr val="003B4F"/>
+                </a:solidFill>
+                <a:latin typeface="Courier"/>
+              </a:rPr>
+              <a:t> wind, </a:t>
+            </a:r>
+            <a:r>
+              <a:rPr>
+                <a:solidFill>
+                  <a:srgbClr val="657422"/>
+                </a:solidFill>
+                <a:latin typeface="Courier"/>
+              </a:rPr>
+              <a:t>data =</a:t>
+            </a:r>
+            <a:r>
+              <a:rPr>
+                <a:solidFill>
+                  <a:srgbClr val="003B4F"/>
+                </a:solidFill>
+                <a:latin typeface="Courier"/>
+              </a:rPr>
+              <a:t> pine_data)</a:t>
+            </a:r>
+            <a:br/>
+            <a:r>
+              <a:rPr>
+                <a:solidFill>
+                  <a:srgbClr val="4758AB"/>
+                </a:solidFill>
+                <a:latin typeface="Courier"/>
+              </a:rPr>
+              <a:t>print</a:t>
+            </a:r>
+            <a:r>
+              <a:rPr>
+                <a:solidFill>
+                  <a:srgbClr val="003B4F"/>
+                </a:solidFill>
+                <a:latin typeface="Courier"/>
+              </a:rPr>
+              <a:t>(levene_test)</a:t>
+            </a:r>
+          </a:p>
+          <a:p>
+            <a:pPr lvl="0" indent="0">
+              <a:buNone/>
+            </a:pPr>
+            <a:r>
+              <a:rPr>
+                <a:latin typeface="Courier"/>
+              </a:rPr>
+              <a:t>Levene's Test for Homogeneity of Variance (center = median)
+      Df F value Pr(&gt;F)
+group  1  1.2004 0.2789
+      46               </a:t>
+            </a:r>
+          </a:p>
+          <a:p>
+            <a:pPr lvl="0" indent="0">
+              <a:buNone/>
+            </a:pPr>
+            <a:r>
+              <a:rPr>
+                <a:solidFill>
+                  <a:srgbClr val="5E5E5E"/>
+                </a:solidFill>
+                <a:latin typeface="Courier"/>
+              </a:rPr>
+              <a:t># Visual check for normality with QQ plots</a:t>
+            </a:r>
+            <a:br/>
+            <a:r>
+              <a:rPr>
+                <a:solidFill>
+                  <a:srgbClr val="5E5E5E"/>
+                </a:solidFill>
+                <a:latin typeface="Courier"/>
+              </a:rPr>
+              <a:t># YOUR CODE HERE</a:t>
+            </a:r>
+          </a:p>
+        </p:txBody>
+      </p:sp>
+    </p:spTree>
+  </p:cSld>
+</p:sld>
+</file>
+
+<file path=ppt/slides/slide44.xml><?xml version="1.0" encoding="utf-8"?>
+<p:sld xmlns:a="http://schemas.openxmlformats.org/drawingml/2006/main" xmlns:r="http://schemas.openxmlformats.org/officeDocument/2006/relationships" xmlns:p="http://schemas.openxmlformats.org/presentationml/2006/main">
+  <p:cSld>
+    <p:spTree>
+      <p:nvGrpSpPr>
+        <p:cNvPr id="1" name=""/>
+        <p:cNvGrpSpPr/>
+        <p:nvPr/>
+      </p:nvGrpSpPr>
+      <p:grpSpPr>
+        <a:xfrm>
+          <a:off x="0" y="0"/>
+          <a:ext cx="0" cy="0"/>
+          <a:chOff x="0" y="0"/>
+          <a:chExt cx="0" cy="0"/>
+        </a:xfrm>
+      </p:grpSpPr>
+      <p:sp>
+        <p:nvSpPr>
+          <p:cNvPr id="2" name="Title 1"/>
+          <p:cNvSpPr>
+            <a:spLocks noGrp="1"/>
+          </p:cNvSpPr>
+          <p:nvPr>
+            <p:ph type="title"/>
+          </p:nvPr>
+        </p:nvSpPr>
+        <p:spPr>
+          <a:xfrm>
+            <a:off x="0" y="0"/>
+            <a:ext cx="9144000" cy="602780"/>
+          </a:xfrm>
+          <a:solidFill>
+            <a:srgbClr val="70121D"/>
+          </a:solidFill>
+        </p:spPr>
+        <p:txBody>
+          <a:bodyPr/>
+          <a:lstStyle/>
+          <a:p>
+            <a:pPr lvl="0" indent="0" marL="0">
+              <a:buNone/>
+            </a:pPr>
+            <a:r>
+              <a:rPr b="1"/>
+              <a:t>Part 2:</a:t>
+            </a:r>
+            <a:r>
+              <a:rPr/>
+              <a:t> Conducting the Two-Sample T-Test</a:t>
+            </a:r>
+          </a:p>
+        </p:txBody>
+      </p:sp>
+      <p:sp>
+        <p:nvSpPr>
+          <p:cNvPr id="3" name="Content Placeholder 2"/>
+          <p:cNvSpPr>
+            <a:spLocks noGrp="1"/>
+          </p:cNvSpPr>
+          <p:nvPr>
+            <p:ph idx="1" sz="half"/>
+          </p:nvPr>
+        </p:nvSpPr>
+        <p:spPr/>
+        <p:txBody>
+          <a:bodyPr/>
+          <a:lstStyle/>
+          <a:p>
+            <a:pPr lvl="0" indent="0" marL="0">
+              <a:buNone/>
+            </a:pPr>
+            <a:r>
+              <a:rPr b="1"/>
+              <a:t>Activity: Conduct a two-sample t-test</a:t>
+            </a:r>
+          </a:p>
+          <a:p>
+            <a:pPr lvl="0" indent="0" marL="0">
+              <a:buNone/>
+            </a:pPr>
+            <a:r>
+              <a:rPr/>
+              <a:t>Now we can compare the mean pine needle lengths between windward and leeward sides.</a:t>
+            </a:r>
+          </a:p>
+          <a:p>
+            <a:pPr lvl="0" indent="0" marL="0">
+              <a:buNone/>
+            </a:pPr>
+            <a:r>
+              <a:rPr/>
+              <a:t>H₀: μ₁ = μ₂ (The mean needle lengths are equal)</a:t>
+            </a:r>
+          </a:p>
+          <a:p>
+            <a:pPr lvl="0" indent="0" marL="0">
+              <a:buNone/>
+            </a:pPr>
+            <a:r>
+              <a:rPr/>
+              <a:t>H₁: μ₁ ≠ μ₂ (The mean needle lengths are different)</a:t>
+            </a:r>
+          </a:p>
+        </p:txBody>
+      </p:sp>
+      <p:sp>
+        <p:nvSpPr>
+          <p:cNvPr id="4" name="Content Placeholder 3"/>
+          <p:cNvSpPr>
+            <a:spLocks noGrp="1"/>
+          </p:cNvSpPr>
+          <p:nvPr>
+            <p:ph idx="2" sz="half"/>
+          </p:nvPr>
+        </p:nvSpPr>
+        <p:spPr/>
+        <p:txBody>
+          <a:bodyPr/>
+          <a:lstStyle/>
+          <a:p>
+            <a:pPr lvl="0" indent="0" marL="0">
+              <a:buNone/>
+            </a:pPr>
+            <a:r>
+              <a:rPr/>
+              <a:t>Deciding between:</a:t>
+            </a:r>
+          </a:p>
+          <a:p>
+            <a:pPr lvl="0" indent="0" marL="0">
+              <a:buNone/>
+            </a:pPr>
+            <a:r>
+              <a:rPr/>
+              <a:t>- Standard t-test (equal variances)</a:t>
+            </a:r>
+          </a:p>
+          <a:p>
+            <a:pPr lvl="0" indent="0" marL="0">
+              <a:buNone/>
+            </a:pPr>
+            <a:r>
+              <a:rPr/>
+              <a:t>- Welch’s t-test (unequal variances)</a:t>
+            </a:r>
+          </a:p>
+          <a:p>
+            <a:pPr lvl="0" indent="0" marL="0">
+              <a:buNone/>
+            </a:pPr>
+            <a:r>
+              <a:rPr/>
+              <a:t>Based on our Levene’s test result.</a:t>
+            </a:r>
+          </a:p>
+        </p:txBody>
+      </p:sp>
+    </p:spTree>
+  </p:cSld>
+</p:sld>
+</file>
+
+<file path=ppt/slides/slide45.xml><?xml version="1.0" encoding="utf-8"?>
+<p:sld xmlns:a="http://schemas.openxmlformats.org/drawingml/2006/main" xmlns:r="http://schemas.openxmlformats.org/officeDocument/2006/relationships" xmlns:p="http://schemas.openxmlformats.org/presentationml/2006/main">
+  <p:cSld>
+    <p:spTree>
+      <p:nvGrpSpPr>
+        <p:cNvPr id="1" name=""/>
+        <p:cNvGrpSpPr/>
+        <p:nvPr/>
+      </p:nvGrpSpPr>
+      <p:grpSpPr>
+        <a:xfrm>
+          <a:off x="0" y="0"/>
+          <a:ext cx="0" cy="0"/>
+          <a:chOff x="0" y="0"/>
+          <a:chExt cx="0" cy="0"/>
+        </a:xfrm>
+      </p:grpSpPr>
+      <p:sp>
+        <p:nvSpPr>
+          <p:cNvPr id="3" name="Content Placeholder 2"/>
+          <p:cNvSpPr>
+            <a:spLocks noGrp="1"/>
+          </p:cNvSpPr>
+          <p:nvPr>
+            <p:ph idx="1"/>
+          </p:nvPr>
+        </p:nvSpPr>
+        <p:spPr/>
+        <p:txBody>
+          <a:bodyPr/>
+          <a:lstStyle/>
+          <a:p>
+            <a:pPr lvl="0" indent="0">
+              <a:buNone/>
+            </a:pPr>
+            <a:r>
+              <a:rPr>
+                <a:solidFill>
+                  <a:srgbClr val="5E5E5E"/>
+                </a:solidFill>
+                <a:latin typeface="Courier"/>
+              </a:rPr>
+              <a:t># YOUR </a:t>
+            </a:r>
+            <a:r>
+              <a:rPr>
+                <a:solidFill>
+                  <a:srgbClr val="AD0000"/>
+                </a:solidFill>
+                <a:latin typeface="Courier"/>
+              </a:rPr>
+              <a:t>TASK</a:t>
+            </a:r>
+            <a:r>
+              <a:rPr>
+                <a:solidFill>
+                  <a:srgbClr val="5E5E5E"/>
+                </a:solidFill>
+                <a:latin typeface="Courier"/>
+              </a:rPr>
+              <a:t>: Conduct a two-sample t-test</a:t>
+            </a:r>
+            <a:br/>
+            <a:r>
+              <a:rPr>
+                <a:solidFill>
+                  <a:srgbClr val="5E5E5E"/>
+                </a:solidFill>
+                <a:latin typeface="Courier"/>
+              </a:rPr>
+              <a:t># Use var.equal=TRUE for standard t-test or var.equal=FALSE for Welch's t-test</a:t>
+            </a:r>
+            <a:br/>
+            <a:br/>
+            <a:r>
+              <a:rPr>
+                <a:solidFill>
+                  <a:srgbClr val="5E5E5E"/>
+                </a:solidFill>
+                <a:latin typeface="Courier"/>
+              </a:rPr>
+              <a:t># Standard t-test (if variances are equal)</a:t>
+            </a:r>
+            <a:br/>
+            <a:r>
+              <a:rPr>
+                <a:solidFill>
+                  <a:srgbClr val="003B4F"/>
+                </a:solidFill>
+                <a:latin typeface="Courier"/>
+              </a:rPr>
+              <a:t>t_test_result &lt;- </a:t>
+            </a:r>
+            <a:r>
+              <a:rPr>
+                <a:solidFill>
+                  <a:srgbClr val="4758AB"/>
+                </a:solidFill>
+                <a:latin typeface="Courier"/>
+              </a:rPr>
+              <a:t>t.test</a:t>
+            </a:r>
+            <a:r>
+              <a:rPr>
+                <a:solidFill>
+                  <a:srgbClr val="003B4F"/>
+                </a:solidFill>
+                <a:latin typeface="Courier"/>
+              </a:rPr>
+              <a:t>(len_mm </a:t>
+            </a:r>
+            <a:r>
+              <a:rPr>
+                <a:solidFill>
+                  <a:srgbClr val="5E5E5E"/>
+                </a:solidFill>
+                <a:latin typeface="Courier"/>
+              </a:rPr>
+              <a:t>~</a:t>
+            </a:r>
+            <a:r>
+              <a:rPr>
+                <a:solidFill>
+                  <a:srgbClr val="003B4F"/>
+                </a:solidFill>
+                <a:latin typeface="Courier"/>
+              </a:rPr>
+              <a:t> wind, </a:t>
+            </a:r>
+            <a:r>
+              <a:rPr>
+                <a:solidFill>
+                  <a:srgbClr val="657422"/>
+                </a:solidFill>
+                <a:latin typeface="Courier"/>
+              </a:rPr>
+              <a:t>data =</a:t>
+            </a:r>
+            <a:r>
+              <a:rPr>
+                <a:solidFill>
+                  <a:srgbClr val="003B4F"/>
+                </a:solidFill>
+                <a:latin typeface="Courier"/>
+              </a:rPr>
+              <a:t> pine_data, </a:t>
+            </a:r>
+            <a:r>
+              <a:rPr>
+                <a:solidFill>
+                  <a:srgbClr val="657422"/>
+                </a:solidFill>
+                <a:latin typeface="Courier"/>
+              </a:rPr>
+              <a:t>var.equal =</a:t>
+            </a:r>
+            <a:r>
+              <a:rPr>
+                <a:solidFill>
+                  <a:srgbClr val="003B4F"/>
+                </a:solidFill>
+                <a:latin typeface="Courier"/>
+              </a:rPr>
+              <a:t> </a:t>
+            </a:r>
+            <a:r>
+              <a:rPr>
+                <a:solidFill>
+                  <a:srgbClr val="8F5902"/>
+                </a:solidFill>
+                <a:latin typeface="Courier"/>
+              </a:rPr>
+              <a:t>TRUE</a:t>
+            </a:r>
+            <a:r>
+              <a:rPr>
+                <a:solidFill>
+                  <a:srgbClr val="003B4F"/>
+                </a:solidFill>
+                <a:latin typeface="Courier"/>
+              </a:rPr>
+              <a:t>)</a:t>
+            </a:r>
+            <a:br/>
+            <a:r>
+              <a:rPr>
+                <a:solidFill>
+                  <a:srgbClr val="4758AB"/>
+                </a:solidFill>
+                <a:latin typeface="Courier"/>
+              </a:rPr>
+              <a:t>print</a:t>
+            </a:r>
+            <a:r>
+              <a:rPr>
+                <a:solidFill>
+                  <a:srgbClr val="003B4F"/>
+                </a:solidFill>
+                <a:latin typeface="Courier"/>
+              </a:rPr>
+              <a:t>(</a:t>
+            </a:r>
+            <a:r>
+              <a:rPr>
+                <a:solidFill>
+                  <a:srgbClr val="20794D"/>
+                </a:solidFill>
+                <a:latin typeface="Courier"/>
+              </a:rPr>
+              <a:t>"Standard two-sample t-test:"</a:t>
+            </a:r>
+            <a:r>
+              <a:rPr>
+                <a:solidFill>
+                  <a:srgbClr val="003B4F"/>
+                </a:solidFill>
+                <a:latin typeface="Courier"/>
+              </a:rPr>
+              <a:t>)</a:t>
+            </a:r>
+          </a:p>
+          <a:p>
+            <a:pPr lvl="0" indent="0">
+              <a:buNone/>
+            </a:pPr>
+            <a:r>
+              <a:rPr>
+                <a:latin typeface="Courier"/>
+              </a:rPr>
+              <a:t>[1] "Standard two-sample t-test:"</a:t>
+            </a:r>
+          </a:p>
+          <a:p>
+            <a:pPr lvl="0" indent="0">
+              <a:buNone/>
+            </a:pPr>
+            <a:r>
+              <a:rPr>
+                <a:solidFill>
+                  <a:srgbClr val="4758AB"/>
+                </a:solidFill>
+                <a:latin typeface="Courier"/>
+              </a:rPr>
+              <a:t>print</a:t>
+            </a:r>
+            <a:r>
+              <a:rPr>
+                <a:solidFill>
+                  <a:srgbClr val="003B4F"/>
+                </a:solidFill>
+                <a:latin typeface="Courier"/>
+              </a:rPr>
+              <a:t>(t_test_result)</a:t>
+            </a:r>
+          </a:p>
+          <a:p>
+            <a:pPr lvl="0" indent="0">
+              <a:buNone/>
+            </a:pPr>
+            <a:r>
+              <a:rPr>
+                <a:latin typeface="Courier"/>
+              </a:rPr>
+              <a:t>
+    Two Sample t-test
+data:  len_mm by wind
+t = 8.6792, df = 46, p-value = 3.01e-11
+alternative hypothesis: true difference in means between group lee and group wind is not equal to 0
+95 percent confidence interval:
+ 4.224437 6.775563
+sample estimates:
+ mean in group lee mean in group wind 
+          20.41667           14.91667 </a:t>
+            </a:r>
+          </a:p>
+          <a:p>
+            <a:pPr lvl="0" indent="0">
+              <a:buNone/>
+            </a:pPr>
+            <a:r>
+              <a:rPr>
+                <a:solidFill>
+                  <a:srgbClr val="5E5E5E"/>
+                </a:solidFill>
+                <a:latin typeface="Courier"/>
+              </a:rPr>
+              <a:t># Welch's t-test (if variances are unequal)</a:t>
+            </a:r>
+            <a:br/>
+            <a:r>
+              <a:rPr>
+                <a:solidFill>
+                  <a:srgbClr val="5E5E5E"/>
+                </a:solidFill>
+                <a:latin typeface="Courier"/>
+              </a:rPr>
+              <a:t># YOUR CODE HERE</a:t>
+            </a:r>
+            <a:br/>
+            <a:br/>
+            <a:r>
+              <a:rPr>
+                <a:solidFill>
+                  <a:srgbClr val="5E5E5E"/>
+                </a:solidFill>
+                <a:latin typeface="Courier"/>
+              </a:rPr>
+              <a:t># Calculate t-statistic manually (optional)</a:t>
+            </a:r>
+            <a:br/>
+            <a:r>
+              <a:rPr>
+                <a:solidFill>
+                  <a:srgbClr val="5E5E5E"/>
+                </a:solidFill>
+                <a:latin typeface="Courier"/>
+              </a:rPr>
+              <a:t># YOUR CODE HERE: t = (mean1 - mean2) / sqrt((s1^2/n1) + (s2^2/n2))</a:t>
+            </a:r>
+          </a:p>
+        </p:txBody>
+      </p:sp>
+    </p:spTree>
+  </p:cSld>
+</p:sld>
+</file>
+
+<file path=ppt/slides/slide46.xml><?xml version="1.0" encoding="utf-8"?>
+<p:sld xmlns:a="http://schemas.openxmlformats.org/drawingml/2006/main" xmlns:r="http://schemas.openxmlformats.org/officeDocument/2006/relationships" xmlns:p="http://schemas.openxmlformats.org/presentationml/2006/main">
+  <p:cSld>
+    <p:spTree>
+      <p:nvGrpSpPr>
+        <p:cNvPr id="1" name=""/>
+        <p:cNvGrpSpPr/>
+        <p:nvPr/>
+      </p:nvGrpSpPr>
+      <p:grpSpPr>
+        <a:xfrm>
+          <a:off x="0" y="0"/>
+          <a:ext cx="0" cy="0"/>
+          <a:chOff x="0" y="0"/>
+          <a:chExt cx="0" cy="0"/>
+        </a:xfrm>
+      </p:grpSpPr>
+      <p:sp>
+        <p:nvSpPr>
+          <p:cNvPr id="2" name="Title 1"/>
+          <p:cNvSpPr>
+            <a:spLocks noGrp="1"/>
+          </p:cNvSpPr>
+          <p:nvPr>
+            <p:ph type="title"/>
+          </p:nvPr>
+        </p:nvSpPr>
+        <p:spPr>
+          <a:xfrm>
+            <a:off x="0" y="0"/>
+            <a:ext cx="9144000" cy="602780"/>
+          </a:xfrm>
+          <a:solidFill>
+            <a:srgbClr val="70121D"/>
+          </a:solidFill>
+        </p:spPr>
+        <p:txBody>
+          <a:bodyPr/>
+          <a:lstStyle/>
+          <a:p>
+            <a:pPr lvl="0" indent="0" marL="0">
+              <a:buNone/>
+            </a:pPr>
+            <a:r>
+              <a:rPr b="1"/>
+              <a:t>Part 2:</a:t>
+            </a:r>
+            <a:r>
+              <a:rPr/>
+              <a:t> Interpreting and Reporting Two-Sample T-Test Results</a:t>
+            </a:r>
+          </a:p>
+        </p:txBody>
+      </p:sp>
+      <p:sp>
+        <p:nvSpPr>
+          <p:cNvPr id="3" name="Content Placeholder 2"/>
+          <p:cNvSpPr>
+            <a:spLocks noGrp="1"/>
+          </p:cNvSpPr>
+          <p:nvPr>
+            <p:ph idx="1" sz="half"/>
+          </p:nvPr>
+        </p:nvSpPr>
+        <p:spPr/>
+        <p:txBody>
+          <a:bodyPr/>
+          <a:lstStyle/>
+          <a:p>
+            <a:pPr lvl="0" indent="0" marL="0">
+              <a:buNone/>
+            </a:pPr>
+            <a:r>
+              <a:rPr b="1"/>
+              <a:t>Activity: Interpret the results of the two-sample t-test</a:t>
+            </a:r>
+          </a:p>
+          <a:p>
+            <a:pPr lvl="0" indent="0" marL="0">
+              <a:buNone/>
+            </a:pPr>
+            <a:r>
+              <a:rPr/>
+              <a:t>What can we conclude about the needle lengths on windward vs. leeward sides?</a:t>
+            </a:r>
+          </a:p>
+          <a:p>
+            <a:pPr lvl="0" indent="0" marL="0">
+              <a:buNone/>
+            </a:pPr>
+            <a:r>
+              <a:rPr b="1"/>
+              <a:t>How to report this result in a scientific paper:</a:t>
+            </a:r>
+          </a:p>
+          <a:p>
+            <a:pPr lvl="0" indent="0" marL="0">
+              <a:buNone/>
+            </a:pPr>
+            <a:r>
+              <a:rPr/>
+              <a:t>“A two-tailed, two-sample t-test at α=0.05 showed [a significant/no significant] difference in needle length between windward (M = …, SD = …) and leeward (M = …, SD = …) sides of pine trees, t(…) = …, p = ….”</a:t>
             </a:r>
           </a:p>
         </p:txBody>
@@ -6260,7 +12298,7 @@
 </p:sld>
 </file>
 
-<file path=ppt/slides/slide29.xml><?xml version="1.0" encoding="utf-8"?>
+<file path=ppt/slides/slide47.xml><?xml version="1.0" encoding="utf-8"?>
 <p:sld xmlns:a="http://schemas.openxmlformats.org/drawingml/2006/main" xmlns:r="http://schemas.openxmlformats.org/officeDocument/2006/relationships" xmlns:p="http://schemas.openxmlformats.org/presentationml/2006/main">
   <p:cSld>
     <p:spTree>
@@ -6305,11 +12343,11 @@
             </a:pPr>
             <a:r>
               <a:rPr b="1"/>
-              <a:t>Lecture 5:</a:t>
-            </a:r>
-            <a:r>
-              <a:rPr/>
-              <a:t> H test for a single population</a:t>
+              <a:t>Part 3:</a:t>
+            </a:r>
+            <a:r>
+              <a:rPr/>
+              <a:t> Paired T-Test (Extended Activity)</a:t>
             </a:r>
           </a:p>
         </p:txBody>
@@ -6334,42 +12372,230 @@
             </a:pPr>
             <a:r>
               <a:rPr/>
-              <a:t>asdfa</a:t>
-            </a:r>
-          </a:p>
-        </p:txBody>
-      </p:sp>
-      <p:sp>
-        <p:nvSpPr>
-          <p:cNvPr id="4" name="Content Placeholder 3"/>
-          <p:cNvSpPr>
-            <a:spLocks noGrp="1"/>
-          </p:cNvSpPr>
-          <p:nvPr>
-            <p:ph idx="2" sz="half"/>
-          </p:nvPr>
-        </p:nvSpPr>
-        <p:spPr/>
-        <p:txBody>
-          <a:bodyPr/>
-          <a:lstStyle/>
+              <a:t>If we collected data in pairs (same tree, different sides), we would use a paired t-test.</a:t>
+            </a:r>
+          </a:p>
           <a:p>
             <a:pPr lvl="0" indent="0" marL="0">
               <a:buNone/>
             </a:pPr>
             <a:r>
-              <a:rPr/>
-              <a:t>asdfasfasd</a:t>
-            </a:r>
-          </a:p>
-        </p:txBody>
-      </p:sp>
+              <a:rPr b="1"/>
+              <a:t>How would the analysis differ?</a:t>
+            </a:r>
+          </a:p>
+          <a:p>
+            <a:pPr lvl="0" indent="-342900" marL="342900">
+              <a:buAutoNum type="arabicPeriod"/>
+            </a:pPr>
+            <a:r>
+              <a:rPr/>
+              <a:t>We’d calculate the difference for each pair</a:t>
+            </a:r>
+          </a:p>
+          <a:p>
+            <a:pPr lvl="0" indent="-342900" marL="342900">
+              <a:buAutoNum type="arabicPeriod"/>
+            </a:pPr>
+            <a:r>
+              <a:rPr/>
+              <a:t>Test if the mean difference equals zero</a:t>
+            </a:r>
+          </a:p>
+          <a:p>
+            <a:pPr lvl="0" indent="-342900" marL="342900">
+              <a:buAutoNum type="arabicPeriod"/>
+            </a:pPr>
+            <a:r>
+              <a:rPr/>
+              <a:t>The paired approach often has more statistical power</a:t>
+            </a:r>
+          </a:p>
+        </p:txBody>
+      </p:sp>
+      <mc:AlternateContent xmlns:mc="http://schemas.openxmlformats.org/markup-compatibility/2006">
+        <mc:Choice xmlns:a14="http://schemas.microsoft.com/office/drawing/2010/main" Requires="a14">
+          <p:sp>
+            <p:nvSpPr>
+              <p:cNvPr id="4" name="Content Placeholder 3"/>
+              <p:cNvSpPr>
+                <a:spLocks noGrp="1"/>
+              </p:cNvSpPr>
+              <p:nvPr>
+                <p:ph idx="2" sz="half"/>
+              </p:nvPr>
+            </p:nvSpPr>
+            <p:spPr/>
+            <p:txBody>
+              <a:bodyPr/>
+              <a:lstStyle/>
+              <a:p>
+                <a:pPr lvl="0" indent="0" marL="0">
+                  <a:buNone/>
+                </a:pPr>
+                <a:r>
+                  <a:rPr/>
+                  <a:t>Paired t-test formula:</a:t>
+                </a:r>
+              </a:p>
+              <a:p>
+                <a:pPr lvl="0" indent="0" marL="0">
+                  <a:spcBef>
+                    <a:spcPts val="3000"/>
+                  </a:spcBef>
+                  <a:buNone/>
+                </a:pPr>
+                <a14:m>
+                  <m:oMath xmlns:m="http://schemas.openxmlformats.org/officeDocument/2006/math">
+                    <m:r>
+                      <m:t>t</m:t>
+                    </m:r>
+                    <m:r>
+                      <m:rPr>
+                        <m:sty m:val="p"/>
+                      </m:rPr>
+                      <m:t>=</m:t>
+                    </m:r>
+                    <m:f>
+                      <m:fPr>
+                        <m:type m:val="bar"/>
+                      </m:fPr>
+                      <m:num>
+                        <m:acc>
+                          <m:accPr>
+                            <m:chr m:val="‾"/>
+                          </m:accPr>
+                          <m:e>
+                            <m:r>
+                              <m:t>d</m:t>
+                            </m:r>
+                          </m:e>
+                        </m:acc>
+                      </m:num>
+                      <m:den>
+                        <m:sSub>
+                          <m:e>
+                            <m:r>
+                              <m:t>s</m:t>
+                            </m:r>
+                          </m:e>
+                          <m:sub>
+                            <m:r>
+                              <m:t>d</m:t>
+                            </m:r>
+                          </m:sub>
+                        </m:sSub>
+                        <m:r>
+                          <m:rPr>
+                            <m:sty m:val="p"/>
+                          </m:rPr>
+                          <m:t>/</m:t>
+                        </m:r>
+                        <m:rad>
+                          <m:radPr>
+                            <m:degHide m:val="on"/>
+                          </m:radPr>
+                          <m:deg/>
+                          <m:e>
+                            <m:r>
+                              <m:t>n</m:t>
+                            </m:r>
+                          </m:e>
+                        </m:rad>
+                      </m:den>
+                    </m:f>
+                  </m:oMath>
+                </a14:m>
+              </a:p>
+              <a:p>
+                <a:pPr lvl="0" indent="0" marL="0">
+                  <a:buNone/>
+                </a:pPr>
+                <a:r>
+                  <a:rPr/>
+                  <a:t>where:</a:t>
+                </a:r>
+              </a:p>
+              <a:p>
+                <a:pPr lvl="0"/>
+                <a:r>
+                  <a:rPr/>
+                  <a:t>- </a:t>
+                </a:r>
+                <a14:m>
+                  <m:oMath xmlns:m="http://schemas.openxmlformats.org/officeDocument/2006/math">
+                    <m:acc>
+                      <m:accPr>
+                        <m:chr m:val="‾"/>
+                      </m:accPr>
+                      <m:e>
+                        <m:r>
+                          <m:t>d</m:t>
+                        </m:r>
+                      </m:e>
+                    </m:acc>
+                  </m:oMath>
+                </a14:m>
+                <a:r>
+                  <a:rPr/>
+                  <a:t> is the mean difference</a:t>
+                </a:r>
+              </a:p>
+              <a:p>
+                <a:pPr lvl="0"/>
+                <a:r>
+                  <a:rPr/>
+                  <a:t>- </a:t>
+                </a:r>
+                <a14:m>
+                  <m:oMath xmlns:m="http://schemas.openxmlformats.org/officeDocument/2006/math">
+                    <m:sSub>
+                      <m:e>
+                        <m:r>
+                          <m:t>s</m:t>
+                        </m:r>
+                      </m:e>
+                      <m:sub>
+                        <m:r>
+                          <m:t>d</m:t>
+                        </m:r>
+                      </m:sub>
+                    </m:sSub>
+                  </m:oMath>
+                </a14:m>
+                <a:r>
+                  <a:rPr/>
+                  <a:t> is the standard deviation of differences</a:t>
+                </a:r>
+              </a:p>
+              <a:p>
+                <a:pPr lvl="0"/>
+                <a:r>
+                  <a:rPr/>
+                  <a:t>- </a:t>
+                </a:r>
+                <a14:m>
+                  <m:oMath xmlns:m="http://schemas.openxmlformats.org/officeDocument/2006/math">
+                    <m:r>
+                      <m:t>n</m:t>
+                    </m:r>
+                  </m:oMath>
+                </a14:m>
+                <a:r>
+                  <a:rPr/>
+                  <a:t> is the number of pairs</a:t>
+                </a:r>
+              </a:p>
+            </p:txBody>
+          </p:sp>
+        </mc:Choice>
+      </mc:AlternateContent>
     </p:spTree>
   </p:cSld>
 </p:sld>
 </file>
 
-<file path=ppt/slides/slide3.xml><?xml version="1.0" encoding="utf-8"?>
+<file path=ppt/slides/slide48.xml><?xml version="1.0" encoding="utf-8"?>
 <p:sld xmlns:a="http://schemas.openxmlformats.org/drawingml/2006/main" xmlns:r="http://schemas.openxmlformats.org/officeDocument/2006/relationships" xmlns:p="http://schemas.openxmlformats.org/presentationml/2006/main">
   <p:cSld>
     <p:spTree>
@@ -6414,11 +12640,11 @@
             </a:pPr>
             <a:r>
               <a:rPr b="1"/>
-              <a:t>Lecture 5:</a:t>
-            </a:r>
-            <a:r>
-              <a:rPr/>
-              <a:t> Overview</a:t>
+              <a:t>Final Activity:</a:t>
+            </a:r>
+            <a:r>
+              <a:rPr/>
+              <a:t> Assumptions of Parametric Tests</a:t>
             </a:r>
           </a:p>
         </p:txBody>
@@ -6439,82 +12665,102 @@
           <a:lstStyle/>
           <a:p>
             <a:pPr lvl="0" indent="0" marL="0">
-              <a:spcBef>
-                <a:spcPts val="3000"/>
-              </a:spcBef>
               <a:buNone/>
             </a:pPr>
             <a:r>
               <a:rPr b="1"/>
-              <a:t>The objectives:</a:t>
+              <a:t>Common assumptions for t-tests:</a:t>
+            </a:r>
+          </a:p>
+          <a:p>
+            <a:pPr lvl="0" indent="-342900" marL="342900">
+              <a:buAutoNum type="arabicPeriod"/>
+            </a:pPr>
+            <a:r>
+              <a:rPr/>
+              <a:t>Normality: Data comes from normally distributed populations</a:t>
+            </a:r>
+          </a:p>
+          <a:p>
+            <a:pPr lvl="0" indent="-342900" marL="342900">
+              <a:buAutoNum type="arabicPeriod"/>
+            </a:pPr>
+            <a:r>
+              <a:rPr/>
+              <a:t>Equal variances (for two-sample tests)</a:t>
+            </a:r>
+          </a:p>
+          <a:p>
+            <a:pPr lvl="0" indent="-342900" marL="342900">
+              <a:buAutoNum type="arabicPeriod"/>
+            </a:pPr>
+            <a:r>
+              <a:rPr/>
+              <a:t>Independence: Observations are independent</a:t>
+            </a:r>
+          </a:p>
+          <a:p>
+            <a:pPr lvl="0" indent="-342900" marL="342900">
+              <a:buAutoNum type="arabicPeriod"/>
+            </a:pPr>
+            <a:r>
+              <a:rPr/>
+              <a:t>No outliers: Extreme values can influence results</a:t>
+            </a:r>
+          </a:p>
+          <a:p>
+            <a:pPr lvl="0" indent="0" marL="0">
+              <a:buNone/>
+            </a:pPr>
+            <a:r>
+              <a:rPr/>
+              <a:t>What can we do if our data violates these assumptions?</a:t>
+            </a:r>
+          </a:p>
+        </p:txBody>
+      </p:sp>
+      <p:sp>
+        <p:nvSpPr>
+          <p:cNvPr id="4" name="Content Placeholder 3"/>
+          <p:cNvSpPr>
+            <a:spLocks noGrp="1"/>
+          </p:cNvSpPr>
+          <p:nvPr>
+            <p:ph idx="2" sz="half"/>
+          </p:nvPr>
+        </p:nvSpPr>
+        <p:spPr/>
+        <p:txBody>
+          <a:bodyPr/>
+          <a:lstStyle/>
+          <a:p>
+            <a:pPr lvl="0" indent="0" marL="0">
+              <a:buNone/>
+            </a:pPr>
+            <a:r>
+              <a:rPr/>
+              <a:t>Alternatives when assumptions are violated:</a:t>
             </a:r>
           </a:p>
           <a:p>
             <a:pPr lvl="0"/>
             <a:r>
               <a:rPr/>
-              <a:t>p-values</a:t>
-            </a:r>
-            <a:br/>
+              <a:t>- Data transformation (log, square root, etc.)</a:t>
+            </a:r>
           </a:p>
           <a:p>
             <a:pPr lvl="0"/>
             <a:r>
               <a:rPr/>
-              <a:t>Brief review</a:t>
+              <a:t>- Non-parametric tests</a:t>
             </a:r>
           </a:p>
           <a:p>
             <a:pPr lvl="0"/>
             <a:r>
               <a:rPr/>
-              <a:t>H test for a single population</a:t>
-            </a:r>
-          </a:p>
-          <a:p>
-            <a:pPr lvl="0"/>
-            <a:r>
-              <a:rPr/>
-              <a:t>1- and 2-sided tests</a:t>
-            </a:r>
-          </a:p>
-          <a:p>
-            <a:pPr lvl="0"/>
-            <a:r>
-              <a:rPr/>
-              <a:t>Hypothesis tests for two populations</a:t>
-            </a:r>
-          </a:p>
-          <a:p>
-            <a:pPr lvl="0"/>
-            <a:r>
-              <a:rPr/>
-              <a:t>Assumptions of parametric tests</a:t>
-            </a:r>
-          </a:p>
-        </p:txBody>
-      </p:sp>
-      <p:sp>
-        <p:nvSpPr>
-          <p:cNvPr id="4" name="Content Placeholder 3"/>
-          <p:cNvSpPr>
-            <a:spLocks noGrp="1"/>
-          </p:cNvSpPr>
-          <p:nvPr>
-            <p:ph idx="2" sz="half"/>
-          </p:nvPr>
-        </p:nvSpPr>
-        <p:spPr/>
-        <p:txBody>
-          <a:bodyPr/>
-          <a:lstStyle/>
-          <a:p>
-            <a:pPr lvl="0" indent="0" marL="0">
-              <a:buNone/>
-            </a:pPr>
-            <a:r>
-              <a:rPr/>
-              <a:t>asdfasfasd</a:t>
+              <a:t>- Bootstrapping approaches</a:t>
             </a:r>
           </a:p>
         </p:txBody>
@@ -6524,7 +12770,7 @@
 </p:sld>
 </file>
 
-<file path=ppt/slides/slide30.xml><?xml version="1.0" encoding="utf-8"?>
+<file path=ppt/slides/slide49.xml><?xml version="1.0" encoding="utf-8"?>
 <p:sld xmlns:a="http://schemas.openxmlformats.org/drawingml/2006/main" xmlns:r="http://schemas.openxmlformats.org/officeDocument/2006/relationships" xmlns:p="http://schemas.openxmlformats.org/presentationml/2006/main">
   <p:cSld>
     <p:spTree>
@@ -6569,11 +12815,7 @@
             </a:pPr>
             <a:r>
               <a:rPr b="1"/>
-              <a:t>Lecture 5:</a:t>
-            </a:r>
-            <a:r>
-              <a:rPr/>
-              <a:t> H test for a single population</a:t>
+              <a:t>Summary and Conclusions</a:t>
             </a:r>
           </a:p>
         </p:txBody>
@@ -6598,7 +12840,52 @@
             </a:pPr>
             <a:r>
               <a:rPr/>
-              <a:t>asdfa</a:t>
+              <a:t>In this activity, we’ve:</a:t>
+            </a:r>
+          </a:p>
+          <a:p>
+            <a:pPr lvl="0" indent="-342900" marL="342900">
+              <a:buAutoNum type="arabicPeriod"/>
+            </a:pPr>
+            <a:r>
+              <a:rPr/>
+              <a:t>Formulated hypotheses about pine needle length</a:t>
+            </a:r>
+          </a:p>
+          <a:p>
+            <a:pPr lvl="0" indent="-342900" marL="342900">
+              <a:buAutoNum type="arabicPeriod"/>
+            </a:pPr>
+            <a:r>
+              <a:rPr/>
+              <a:t>Tested assumptions for parametric tests</a:t>
+            </a:r>
+          </a:p>
+          <a:p>
+            <a:pPr lvl="0" indent="-342900" marL="342900">
+              <a:buAutoNum type="arabicPeriod"/>
+            </a:pPr>
+            <a:r>
+              <a:rPr/>
+              <a:t>Conducted one-sample and two-sample t-tests</a:t>
+            </a:r>
+          </a:p>
+          <a:p>
+            <a:pPr lvl="0" indent="-342900" marL="342900">
+              <a:buAutoNum type="arabicPeriod"/>
+            </a:pPr>
+            <a:r>
+              <a:rPr/>
+              <a:t>Visualized data using appropriate methods</a:t>
+            </a:r>
+          </a:p>
+          <a:p>
+            <a:pPr lvl="0" indent="-342900" marL="342900">
+              <a:buAutoNum type="arabicPeriod"/>
+            </a:pPr>
+            <a:r>
+              <a:rPr/>
+              <a:t>Learned how to interpret and report t-test results</a:t>
             </a:r>
           </a:p>
         </p:txBody>
@@ -6622,1690 +12909,36 @@
               <a:buNone/>
             </a:pPr>
             <a:r>
-              <a:rPr/>
-              <a:t>asdfasfasd</a:t>
-            </a:r>
-          </a:p>
-        </p:txBody>
-      </p:sp>
-    </p:spTree>
-  </p:cSld>
-</p:sld>
-</file>
-
-<file path=ppt/slides/slide31.xml><?xml version="1.0" encoding="utf-8"?>
-<p:sld xmlns:a="http://schemas.openxmlformats.org/drawingml/2006/main" xmlns:r="http://schemas.openxmlformats.org/officeDocument/2006/relationships" xmlns:p="http://schemas.openxmlformats.org/presentationml/2006/main">
-  <p:cSld>
-    <p:spTree>
-      <p:nvGrpSpPr>
-        <p:cNvPr id="1" name=""/>
-        <p:cNvGrpSpPr/>
-        <p:nvPr/>
-      </p:nvGrpSpPr>
-      <p:grpSpPr>
-        <a:xfrm>
-          <a:off x="0" y="0"/>
-          <a:ext cx="0" cy="0"/>
-          <a:chOff x="0" y="0"/>
-          <a:chExt cx="0" cy="0"/>
-        </a:xfrm>
-      </p:grpSpPr>
-      <p:sp>
-        <p:nvSpPr>
-          <p:cNvPr id="2" name="Title 1"/>
-          <p:cNvSpPr>
-            <a:spLocks noGrp="1"/>
-          </p:cNvSpPr>
-          <p:nvPr>
-            <p:ph type="title"/>
-          </p:nvPr>
-        </p:nvSpPr>
-        <p:spPr>
-          <a:xfrm>
-            <a:off x="0" y="0"/>
-            <a:ext cx="9144000" cy="602780"/>
-          </a:xfrm>
-          <a:solidFill>
-            <a:srgbClr val="70121D"/>
-          </a:solidFill>
-        </p:spPr>
-        <p:txBody>
-          <a:bodyPr/>
-          <a:lstStyle/>
-          <a:p>
-            <a:pPr lvl="0" indent="0" marL="0">
-              <a:buNone/>
-            </a:pPr>
-            <a:r>
               <a:rPr b="1"/>
-              <a:t>Lecture 5:</a:t>
-            </a:r>
-            <a:r>
-              <a:rPr/>
-              <a:t> H test for a single population</a:t>
-            </a:r>
-          </a:p>
-        </p:txBody>
-      </p:sp>
-      <p:sp>
-        <p:nvSpPr>
-          <p:cNvPr id="3" name="Content Placeholder 2"/>
-          <p:cNvSpPr>
-            <a:spLocks noGrp="1"/>
-          </p:cNvSpPr>
-          <p:nvPr>
-            <p:ph idx="1" sz="half"/>
-          </p:nvPr>
-        </p:nvSpPr>
-        <p:spPr/>
-        <p:txBody>
-          <a:bodyPr/>
-          <a:lstStyle/>
-          <a:p>
-            <a:pPr lvl="0" indent="0" marL="0">
-              <a:buNone/>
-            </a:pPr>
-            <a:r>
-              <a:rPr/>
-              <a:t>asdfa</a:t>
-            </a:r>
-          </a:p>
-        </p:txBody>
-      </p:sp>
-      <p:sp>
-        <p:nvSpPr>
-          <p:cNvPr id="4" name="Content Placeholder 3"/>
-          <p:cNvSpPr>
-            <a:spLocks noGrp="1"/>
-          </p:cNvSpPr>
-          <p:nvPr>
-            <p:ph idx="2" sz="half"/>
-          </p:nvPr>
-        </p:nvSpPr>
-        <p:spPr/>
-        <p:txBody>
-          <a:bodyPr/>
-          <a:lstStyle/>
-          <a:p>
-            <a:pPr lvl="0" indent="0" marL="0">
-              <a:buNone/>
-            </a:pPr>
-            <a:r>
-              <a:rPr/>
-              <a:t>asdfasfasd</a:t>
-            </a:r>
-          </a:p>
-        </p:txBody>
-      </p:sp>
-    </p:spTree>
-  </p:cSld>
-</p:sld>
-</file>
-
-<file path=ppt/slides/slide32.xml><?xml version="1.0" encoding="utf-8"?>
-<p:sld xmlns:a="http://schemas.openxmlformats.org/drawingml/2006/main" xmlns:r="http://schemas.openxmlformats.org/officeDocument/2006/relationships" xmlns:p="http://schemas.openxmlformats.org/presentationml/2006/main">
-  <p:cSld>
-    <p:spTree>
-      <p:nvGrpSpPr>
-        <p:cNvPr id="1" name=""/>
-        <p:cNvGrpSpPr/>
-        <p:nvPr/>
-      </p:nvGrpSpPr>
-      <p:grpSpPr>
-        <a:xfrm>
-          <a:off x="0" y="0"/>
-          <a:ext cx="0" cy="0"/>
-          <a:chOff x="0" y="0"/>
-          <a:chExt cx="0" cy="0"/>
-        </a:xfrm>
-      </p:grpSpPr>
-      <p:sp>
-        <p:nvSpPr>
-          <p:cNvPr id="2" name="Title 1"/>
-          <p:cNvSpPr>
-            <a:spLocks noGrp="1"/>
-          </p:cNvSpPr>
-          <p:nvPr>
-            <p:ph type="title"/>
-          </p:nvPr>
-        </p:nvSpPr>
-        <p:spPr>
-          <a:xfrm>
-            <a:off x="0" y="0"/>
-            <a:ext cx="9144000" cy="602780"/>
-          </a:xfrm>
-          <a:solidFill>
-            <a:srgbClr val="70121D"/>
-          </a:solidFill>
-        </p:spPr>
-        <p:txBody>
-          <a:bodyPr/>
-          <a:lstStyle/>
-          <a:p>
-            <a:pPr lvl="0" indent="0" marL="0">
-              <a:buNone/>
-            </a:pPr>
-            <a:r>
-              <a:rPr b="1"/>
-              <a:t>Lecture 5:</a:t>
-            </a:r>
-            <a:r>
-              <a:rPr/>
-              <a:t> H test for a single population</a:t>
-            </a:r>
-          </a:p>
-        </p:txBody>
-      </p:sp>
-      <p:sp>
-        <p:nvSpPr>
-          <p:cNvPr id="3" name="Content Placeholder 2"/>
-          <p:cNvSpPr>
-            <a:spLocks noGrp="1"/>
-          </p:cNvSpPr>
-          <p:nvPr>
-            <p:ph idx="1" sz="half"/>
-          </p:nvPr>
-        </p:nvSpPr>
-        <p:spPr/>
-        <p:txBody>
-          <a:bodyPr/>
-          <a:lstStyle/>
-          <a:p>
-            <a:pPr lvl="0" indent="0" marL="0">
-              <a:buNone/>
-            </a:pPr>
-            <a:r>
-              <a:rPr/>
-              <a:t>asdfa</a:t>
-            </a:r>
-          </a:p>
-        </p:txBody>
-      </p:sp>
-      <p:sp>
-        <p:nvSpPr>
-          <p:cNvPr id="4" name="Content Placeholder 3"/>
-          <p:cNvSpPr>
-            <a:spLocks noGrp="1"/>
-          </p:cNvSpPr>
-          <p:nvPr>
-            <p:ph idx="2" sz="half"/>
-          </p:nvPr>
-        </p:nvSpPr>
-        <p:spPr/>
-        <p:txBody>
-          <a:bodyPr/>
-          <a:lstStyle/>
-          <a:p>
-            <a:pPr lvl="0" indent="0" marL="0">
-              <a:buNone/>
-            </a:pPr>
-            <a:r>
-              <a:rPr/>
-              <a:t>asdfasfasd</a:t>
-            </a:r>
-          </a:p>
-        </p:txBody>
-      </p:sp>
-    </p:spTree>
-  </p:cSld>
-</p:sld>
-</file>
-
-<file path=ppt/slides/slide33.xml><?xml version="1.0" encoding="utf-8"?>
-<p:sld xmlns:a="http://schemas.openxmlformats.org/drawingml/2006/main" xmlns:r="http://schemas.openxmlformats.org/officeDocument/2006/relationships" xmlns:p="http://schemas.openxmlformats.org/presentationml/2006/main">
-  <p:cSld>
-    <p:spTree>
-      <p:nvGrpSpPr>
-        <p:cNvPr id="1" name=""/>
-        <p:cNvGrpSpPr/>
-        <p:nvPr/>
-      </p:nvGrpSpPr>
-      <p:grpSpPr>
-        <a:xfrm>
-          <a:off x="0" y="0"/>
-          <a:ext cx="0" cy="0"/>
-          <a:chOff x="0" y="0"/>
-          <a:chExt cx="0" cy="0"/>
-        </a:xfrm>
-      </p:grpSpPr>
-      <p:sp>
-        <p:nvSpPr>
-          <p:cNvPr id="2" name="Title 1"/>
-          <p:cNvSpPr>
-            <a:spLocks noGrp="1"/>
-          </p:cNvSpPr>
-          <p:nvPr>
-            <p:ph type="title"/>
-          </p:nvPr>
-        </p:nvSpPr>
-        <p:spPr>
-          <a:xfrm>
-            <a:off x="0" y="0"/>
-            <a:ext cx="9144000" cy="602780"/>
-          </a:xfrm>
-          <a:solidFill>
-            <a:srgbClr val="70121D"/>
-          </a:solidFill>
-        </p:spPr>
-        <p:txBody>
-          <a:bodyPr/>
-          <a:lstStyle/>
-          <a:p>
-            <a:pPr lvl="0" indent="0" marL="0">
-              <a:buNone/>
-            </a:pPr>
-            <a:r>
-              <a:rPr b="1"/>
-              <a:t>Lecture 5:</a:t>
-            </a:r>
-            <a:r>
-              <a:rPr/>
-              <a:t> H test for a single population</a:t>
-            </a:r>
-          </a:p>
-        </p:txBody>
-      </p:sp>
-      <p:sp>
-        <p:nvSpPr>
-          <p:cNvPr id="3" name="Content Placeholder 2"/>
-          <p:cNvSpPr>
-            <a:spLocks noGrp="1"/>
-          </p:cNvSpPr>
-          <p:nvPr>
-            <p:ph idx="1" sz="half"/>
-          </p:nvPr>
-        </p:nvSpPr>
-        <p:spPr/>
-        <p:txBody>
-          <a:bodyPr/>
-          <a:lstStyle/>
-          <a:p>
-            <a:pPr lvl="0" indent="0" marL="0">
-              <a:buNone/>
-            </a:pPr>
-            <a:r>
-              <a:rPr/>
-              <a:t>asdfa</a:t>
-            </a:r>
-          </a:p>
-        </p:txBody>
-      </p:sp>
-      <p:sp>
-        <p:nvSpPr>
-          <p:cNvPr id="4" name="Content Placeholder 3"/>
-          <p:cNvSpPr>
-            <a:spLocks noGrp="1"/>
-          </p:cNvSpPr>
-          <p:nvPr>
-            <p:ph idx="2" sz="half"/>
-          </p:nvPr>
-        </p:nvSpPr>
-        <p:spPr/>
-        <p:txBody>
-          <a:bodyPr/>
-          <a:lstStyle/>
-          <a:p>
-            <a:pPr lvl="0" indent="0" marL="0">
-              <a:buNone/>
-            </a:pPr>
-            <a:r>
-              <a:rPr/>
-              <a:t>asdfasfasd</a:t>
-            </a:r>
-          </a:p>
-        </p:txBody>
-      </p:sp>
-    </p:spTree>
-  </p:cSld>
-</p:sld>
-</file>
-
-<file path=ppt/slides/slide34.xml><?xml version="1.0" encoding="utf-8"?>
-<p:sld xmlns:a="http://schemas.openxmlformats.org/drawingml/2006/main" xmlns:r="http://schemas.openxmlformats.org/officeDocument/2006/relationships" xmlns:p="http://schemas.openxmlformats.org/presentationml/2006/main">
-  <p:cSld>
-    <p:spTree>
-      <p:nvGrpSpPr>
-        <p:cNvPr id="1" name=""/>
-        <p:cNvGrpSpPr/>
-        <p:nvPr/>
-      </p:nvGrpSpPr>
-      <p:grpSpPr>
-        <a:xfrm>
-          <a:off x="0" y="0"/>
-          <a:ext cx="0" cy="0"/>
-          <a:chOff x="0" y="0"/>
-          <a:chExt cx="0" cy="0"/>
-        </a:xfrm>
-      </p:grpSpPr>
-      <p:sp>
-        <p:nvSpPr>
-          <p:cNvPr id="2" name="Title 1"/>
-          <p:cNvSpPr>
-            <a:spLocks noGrp="1"/>
-          </p:cNvSpPr>
-          <p:nvPr>
-            <p:ph type="title"/>
-          </p:nvPr>
-        </p:nvSpPr>
-        <p:spPr>
-          <a:xfrm>
-            <a:off x="0" y="0"/>
-            <a:ext cx="9144000" cy="602780"/>
-          </a:xfrm>
-          <a:solidFill>
-            <a:srgbClr val="70121D"/>
-          </a:solidFill>
-        </p:spPr>
-        <p:txBody>
-          <a:bodyPr/>
-          <a:lstStyle/>
-          <a:p>
-            <a:pPr lvl="0" indent="0" marL="0">
-              <a:buNone/>
-            </a:pPr>
-            <a:r>
-              <a:rPr b="1"/>
-              <a:t>Lecture 5:</a:t>
-            </a:r>
-            <a:r>
-              <a:rPr/>
-              <a:t> H test for a single population</a:t>
-            </a:r>
-          </a:p>
-        </p:txBody>
-      </p:sp>
-      <p:sp>
-        <p:nvSpPr>
-          <p:cNvPr id="3" name="Content Placeholder 2"/>
-          <p:cNvSpPr>
-            <a:spLocks noGrp="1"/>
-          </p:cNvSpPr>
-          <p:nvPr>
-            <p:ph idx="1" sz="half"/>
-          </p:nvPr>
-        </p:nvSpPr>
-        <p:spPr/>
-        <p:txBody>
-          <a:bodyPr/>
-          <a:lstStyle/>
-          <a:p>
-            <a:pPr lvl="0" indent="0" marL="0">
-              <a:buNone/>
-            </a:pPr>
-            <a:r>
-              <a:rPr/>
-              <a:t>asdfa</a:t>
-            </a:r>
-          </a:p>
-        </p:txBody>
-      </p:sp>
-      <p:sp>
-        <p:nvSpPr>
-          <p:cNvPr id="4" name="Content Placeholder 3"/>
-          <p:cNvSpPr>
-            <a:spLocks noGrp="1"/>
-          </p:cNvSpPr>
-          <p:nvPr>
-            <p:ph idx="2" sz="half"/>
-          </p:nvPr>
-        </p:nvSpPr>
-        <p:spPr/>
-        <p:txBody>
-          <a:bodyPr/>
-          <a:lstStyle/>
-          <a:p>
-            <a:pPr lvl="0" indent="0" marL="0">
-              <a:buNone/>
-            </a:pPr>
-            <a:r>
-              <a:rPr/>
-              <a:t>asdfasfasd</a:t>
-            </a:r>
-          </a:p>
-        </p:txBody>
-      </p:sp>
-    </p:spTree>
-  </p:cSld>
-</p:sld>
-</file>
-
-<file path=ppt/slides/slide35.xml><?xml version="1.0" encoding="utf-8"?>
-<p:sld xmlns:a="http://schemas.openxmlformats.org/drawingml/2006/main" xmlns:r="http://schemas.openxmlformats.org/officeDocument/2006/relationships" xmlns:p="http://schemas.openxmlformats.org/presentationml/2006/main">
-  <p:cSld>
-    <p:spTree>
-      <p:nvGrpSpPr>
-        <p:cNvPr id="1" name=""/>
-        <p:cNvGrpSpPr/>
-        <p:nvPr/>
-      </p:nvGrpSpPr>
-      <p:grpSpPr>
-        <a:xfrm>
-          <a:off x="0" y="0"/>
-          <a:ext cx="0" cy="0"/>
-          <a:chOff x="0" y="0"/>
-          <a:chExt cx="0" cy="0"/>
-        </a:xfrm>
-      </p:grpSpPr>
-      <p:sp>
-        <p:nvSpPr>
-          <p:cNvPr id="2" name="Title 1"/>
-          <p:cNvSpPr>
-            <a:spLocks noGrp="1"/>
-          </p:cNvSpPr>
-          <p:nvPr>
-            <p:ph type="title"/>
-          </p:nvPr>
-        </p:nvSpPr>
-        <p:spPr>
-          <a:xfrm>
-            <a:off x="0" y="0"/>
-            <a:ext cx="9144000" cy="602780"/>
-          </a:xfrm>
-          <a:solidFill>
-            <a:srgbClr val="70121D"/>
-          </a:solidFill>
-        </p:spPr>
-        <p:txBody>
-          <a:bodyPr/>
-          <a:lstStyle/>
-          <a:p>
-            <a:pPr lvl="0" indent="0" marL="0">
-              <a:buNone/>
-            </a:pPr>
-            <a:r>
-              <a:rPr b="1"/>
-              <a:t>Lecture 5:</a:t>
-            </a:r>
-            <a:r>
-              <a:rPr/>
-              <a:t> H test for a single population</a:t>
-            </a:r>
-          </a:p>
-        </p:txBody>
-      </p:sp>
-      <p:sp>
-        <p:nvSpPr>
-          <p:cNvPr id="3" name="Content Placeholder 2"/>
-          <p:cNvSpPr>
-            <a:spLocks noGrp="1"/>
-          </p:cNvSpPr>
-          <p:nvPr>
-            <p:ph idx="1" sz="half"/>
-          </p:nvPr>
-        </p:nvSpPr>
-        <p:spPr/>
-        <p:txBody>
-          <a:bodyPr/>
-          <a:lstStyle/>
-          <a:p>
-            <a:pPr lvl="0" indent="0" marL="0">
-              <a:buNone/>
-            </a:pPr>
-            <a:r>
-              <a:rPr/>
-              <a:t>asdfa</a:t>
-            </a:r>
-          </a:p>
-        </p:txBody>
-      </p:sp>
-      <p:sp>
-        <p:nvSpPr>
-          <p:cNvPr id="4" name="Content Placeholder 3"/>
-          <p:cNvSpPr>
-            <a:spLocks noGrp="1"/>
-          </p:cNvSpPr>
-          <p:nvPr>
-            <p:ph idx="2" sz="half"/>
-          </p:nvPr>
-        </p:nvSpPr>
-        <p:spPr/>
-        <p:txBody>
-          <a:bodyPr/>
-          <a:lstStyle/>
-          <a:p>
-            <a:pPr lvl="0" indent="0" marL="0">
-              <a:buNone/>
-            </a:pPr>
-            <a:r>
-              <a:rPr/>
-              <a:t>asdfasfasd</a:t>
-            </a:r>
-          </a:p>
-        </p:txBody>
-      </p:sp>
-    </p:spTree>
-  </p:cSld>
-</p:sld>
-</file>
-
-<file path=ppt/slides/slide36.xml><?xml version="1.0" encoding="utf-8"?>
-<p:sld xmlns:a="http://schemas.openxmlformats.org/drawingml/2006/main" xmlns:r="http://schemas.openxmlformats.org/officeDocument/2006/relationships" xmlns:p="http://schemas.openxmlformats.org/presentationml/2006/main">
-  <p:cSld>
-    <p:spTree>
-      <p:nvGrpSpPr>
-        <p:cNvPr id="1" name=""/>
-        <p:cNvGrpSpPr/>
-        <p:nvPr/>
-      </p:nvGrpSpPr>
-      <p:grpSpPr>
-        <a:xfrm>
-          <a:off x="0" y="0"/>
-          <a:ext cx="0" cy="0"/>
-          <a:chOff x="0" y="0"/>
-          <a:chExt cx="0" cy="0"/>
-        </a:xfrm>
-      </p:grpSpPr>
-      <p:sp>
-        <p:nvSpPr>
-          <p:cNvPr id="2" name="Title 1"/>
-          <p:cNvSpPr>
-            <a:spLocks noGrp="1"/>
-          </p:cNvSpPr>
-          <p:nvPr>
-            <p:ph type="title"/>
-          </p:nvPr>
-        </p:nvSpPr>
-        <p:spPr>
-          <a:xfrm>
-            <a:off x="0" y="0"/>
-            <a:ext cx="9144000" cy="602780"/>
-          </a:xfrm>
-          <a:solidFill>
-            <a:srgbClr val="70121D"/>
-          </a:solidFill>
-        </p:spPr>
-        <p:txBody>
-          <a:bodyPr/>
-          <a:lstStyle/>
-          <a:p>
-            <a:pPr lvl="0" indent="0" marL="0">
-              <a:buNone/>
-            </a:pPr>
-            <a:r>
-              <a:rPr b="1"/>
-              <a:t>Lecture 5:</a:t>
-            </a:r>
-            <a:r>
-              <a:rPr/>
-              <a:t> H test for a single population</a:t>
-            </a:r>
-          </a:p>
-        </p:txBody>
-      </p:sp>
-      <p:sp>
-        <p:nvSpPr>
-          <p:cNvPr id="3" name="Content Placeholder 2"/>
-          <p:cNvSpPr>
-            <a:spLocks noGrp="1"/>
-          </p:cNvSpPr>
-          <p:nvPr>
-            <p:ph idx="1" sz="half"/>
-          </p:nvPr>
-        </p:nvSpPr>
-        <p:spPr/>
-        <p:txBody>
-          <a:bodyPr/>
-          <a:lstStyle/>
-          <a:p>
-            <a:pPr lvl="0" indent="0" marL="0">
-              <a:buNone/>
-            </a:pPr>
-            <a:r>
-              <a:rPr/>
-              <a:t>asdfa</a:t>
-            </a:r>
-          </a:p>
-        </p:txBody>
-      </p:sp>
-      <p:sp>
-        <p:nvSpPr>
-          <p:cNvPr id="4" name="Content Placeholder 3"/>
-          <p:cNvSpPr>
-            <a:spLocks noGrp="1"/>
-          </p:cNvSpPr>
-          <p:nvPr>
-            <p:ph idx="2" sz="half"/>
-          </p:nvPr>
-        </p:nvSpPr>
-        <p:spPr/>
-        <p:txBody>
-          <a:bodyPr/>
-          <a:lstStyle/>
-          <a:p>
-            <a:pPr lvl="0" indent="0" marL="0">
-              <a:buNone/>
-            </a:pPr>
-            <a:r>
-              <a:rPr/>
-              <a:t>asdfasfasd</a:t>
-            </a:r>
-          </a:p>
-        </p:txBody>
-      </p:sp>
-    </p:spTree>
-  </p:cSld>
-</p:sld>
-</file>
-
-<file path=ppt/slides/slide37.xml><?xml version="1.0" encoding="utf-8"?>
-<p:sld xmlns:a="http://schemas.openxmlformats.org/drawingml/2006/main" xmlns:r="http://schemas.openxmlformats.org/officeDocument/2006/relationships" xmlns:p="http://schemas.openxmlformats.org/presentationml/2006/main">
-  <p:cSld>
-    <p:spTree>
-      <p:nvGrpSpPr>
-        <p:cNvPr id="1" name=""/>
-        <p:cNvGrpSpPr/>
-        <p:nvPr/>
-      </p:nvGrpSpPr>
-      <p:grpSpPr>
-        <a:xfrm>
-          <a:off x="0" y="0"/>
-          <a:ext cx="0" cy="0"/>
-          <a:chOff x="0" y="0"/>
-          <a:chExt cx="0" cy="0"/>
-        </a:xfrm>
-      </p:grpSpPr>
-      <p:sp>
-        <p:nvSpPr>
-          <p:cNvPr id="2" name="Title 1"/>
-          <p:cNvSpPr>
-            <a:spLocks noGrp="1"/>
-          </p:cNvSpPr>
-          <p:nvPr>
-            <p:ph type="title"/>
-          </p:nvPr>
-        </p:nvSpPr>
-        <p:spPr>
-          <a:xfrm>
-            <a:off x="0" y="0"/>
-            <a:ext cx="9144000" cy="602780"/>
-          </a:xfrm>
-          <a:solidFill>
-            <a:srgbClr val="70121D"/>
-          </a:solidFill>
-        </p:spPr>
-        <p:txBody>
-          <a:bodyPr/>
-          <a:lstStyle/>
-          <a:p>
-            <a:pPr lvl="0" indent="0" marL="0">
-              <a:buNone/>
-            </a:pPr>
-            <a:r>
-              <a:rPr b="1"/>
-              <a:t>Lecture 5:</a:t>
-            </a:r>
-            <a:r>
-              <a:rPr/>
-              <a:t> H test for a single population</a:t>
-            </a:r>
-          </a:p>
-        </p:txBody>
-      </p:sp>
-      <p:sp>
-        <p:nvSpPr>
-          <p:cNvPr id="3" name="Content Placeholder 2"/>
-          <p:cNvSpPr>
-            <a:spLocks noGrp="1"/>
-          </p:cNvSpPr>
-          <p:nvPr>
-            <p:ph idx="1" sz="half"/>
-          </p:nvPr>
-        </p:nvSpPr>
-        <p:spPr/>
-        <p:txBody>
-          <a:bodyPr/>
-          <a:lstStyle/>
-          <a:p>
-            <a:pPr lvl="0" indent="0" marL="0">
-              <a:buNone/>
-            </a:pPr>
-            <a:r>
-              <a:rPr/>
-              <a:t>asdfa</a:t>
-            </a:r>
-          </a:p>
-        </p:txBody>
-      </p:sp>
-      <p:sp>
-        <p:nvSpPr>
-          <p:cNvPr id="4" name="Content Placeholder 3"/>
-          <p:cNvSpPr>
-            <a:spLocks noGrp="1"/>
-          </p:cNvSpPr>
-          <p:nvPr>
-            <p:ph idx="2" sz="half"/>
-          </p:nvPr>
-        </p:nvSpPr>
-        <p:spPr/>
-        <p:txBody>
-          <a:bodyPr/>
-          <a:lstStyle/>
-          <a:p>
-            <a:pPr lvl="0" indent="0" marL="0">
-              <a:buNone/>
-            </a:pPr>
-            <a:r>
-              <a:rPr/>
-              <a:t>asdfasfasd</a:t>
-            </a:r>
-          </a:p>
-        </p:txBody>
-      </p:sp>
-    </p:spTree>
-  </p:cSld>
-</p:sld>
-</file>
-
-<file path=ppt/slides/slide38.xml><?xml version="1.0" encoding="utf-8"?>
-<p:sld xmlns:a="http://schemas.openxmlformats.org/drawingml/2006/main" xmlns:r="http://schemas.openxmlformats.org/officeDocument/2006/relationships" xmlns:p="http://schemas.openxmlformats.org/presentationml/2006/main">
-  <p:cSld>
-    <p:spTree>
-      <p:nvGrpSpPr>
-        <p:cNvPr id="1" name=""/>
-        <p:cNvGrpSpPr/>
-        <p:nvPr/>
-      </p:nvGrpSpPr>
-      <p:grpSpPr>
-        <a:xfrm>
-          <a:off x="0" y="0"/>
-          <a:ext cx="0" cy="0"/>
-          <a:chOff x="0" y="0"/>
-          <a:chExt cx="0" cy="0"/>
-        </a:xfrm>
-      </p:grpSpPr>
-      <p:sp>
-        <p:nvSpPr>
-          <p:cNvPr id="2" name="Title 1"/>
-          <p:cNvSpPr>
-            <a:spLocks noGrp="1"/>
-          </p:cNvSpPr>
-          <p:nvPr>
-            <p:ph type="title"/>
-          </p:nvPr>
-        </p:nvSpPr>
-        <p:spPr>
-          <a:xfrm>
-            <a:off x="0" y="0"/>
-            <a:ext cx="9144000" cy="602780"/>
-          </a:xfrm>
-          <a:solidFill>
-            <a:srgbClr val="70121D"/>
-          </a:solidFill>
-        </p:spPr>
-        <p:txBody>
-          <a:bodyPr/>
-          <a:lstStyle/>
-          <a:p>
-            <a:pPr lvl="0" indent="0" marL="0">
-              <a:buNone/>
-            </a:pPr>
-            <a:r>
-              <a:rPr b="1"/>
-              <a:t>Lecture 5:</a:t>
-            </a:r>
-            <a:r>
-              <a:rPr/>
-              <a:t> H test for a single population</a:t>
-            </a:r>
-          </a:p>
-        </p:txBody>
-      </p:sp>
-      <p:sp>
-        <p:nvSpPr>
-          <p:cNvPr id="3" name="Content Placeholder 2"/>
-          <p:cNvSpPr>
-            <a:spLocks noGrp="1"/>
-          </p:cNvSpPr>
-          <p:nvPr>
-            <p:ph idx="1" sz="half"/>
-          </p:nvPr>
-        </p:nvSpPr>
-        <p:spPr/>
-        <p:txBody>
-          <a:bodyPr/>
-          <a:lstStyle/>
-          <a:p>
-            <a:pPr lvl="0" indent="0" marL="0">
-              <a:buNone/>
-            </a:pPr>
-            <a:r>
-              <a:rPr/>
-              <a:t>asdfa</a:t>
-            </a:r>
-          </a:p>
-        </p:txBody>
-      </p:sp>
-      <p:sp>
-        <p:nvSpPr>
-          <p:cNvPr id="4" name="Content Placeholder 3"/>
-          <p:cNvSpPr>
-            <a:spLocks noGrp="1"/>
-          </p:cNvSpPr>
-          <p:nvPr>
-            <p:ph idx="2" sz="half"/>
-          </p:nvPr>
-        </p:nvSpPr>
-        <p:spPr/>
-        <p:txBody>
-          <a:bodyPr/>
-          <a:lstStyle/>
-          <a:p>
-            <a:pPr lvl="0" indent="0" marL="0">
-              <a:buNone/>
-            </a:pPr>
-            <a:r>
-              <a:rPr/>
-              <a:t>asdfasfasd</a:t>
-            </a:r>
-          </a:p>
-        </p:txBody>
-      </p:sp>
-    </p:spTree>
-  </p:cSld>
-</p:sld>
-</file>
-
-<file path=ppt/slides/slide39.xml><?xml version="1.0" encoding="utf-8"?>
-<p:sld xmlns:a="http://schemas.openxmlformats.org/drawingml/2006/main" xmlns:r="http://schemas.openxmlformats.org/officeDocument/2006/relationships" xmlns:p="http://schemas.openxmlformats.org/presentationml/2006/main">
-  <p:cSld>
-    <p:spTree>
-      <p:nvGrpSpPr>
-        <p:cNvPr id="1" name=""/>
-        <p:cNvGrpSpPr/>
-        <p:nvPr/>
-      </p:nvGrpSpPr>
-      <p:grpSpPr>
-        <a:xfrm>
-          <a:off x="0" y="0"/>
-          <a:ext cx="0" cy="0"/>
-          <a:chOff x="0" y="0"/>
-          <a:chExt cx="0" cy="0"/>
-        </a:xfrm>
-      </p:grpSpPr>
-      <p:sp>
-        <p:nvSpPr>
-          <p:cNvPr id="2" name="Title 1"/>
-          <p:cNvSpPr>
-            <a:spLocks noGrp="1"/>
-          </p:cNvSpPr>
-          <p:nvPr>
-            <p:ph type="title"/>
-          </p:nvPr>
-        </p:nvSpPr>
-        <p:spPr>
-          <a:xfrm>
-            <a:off x="0" y="0"/>
-            <a:ext cx="9144000" cy="602780"/>
-          </a:xfrm>
-          <a:solidFill>
-            <a:srgbClr val="70121D"/>
-          </a:solidFill>
-        </p:spPr>
-        <p:txBody>
-          <a:bodyPr/>
-          <a:lstStyle/>
-          <a:p>
-            <a:pPr lvl="0" indent="0" marL="0">
-              <a:buNone/>
-            </a:pPr>
-            <a:r>
-              <a:rPr b="1"/>
-              <a:t>Lecture 5:</a:t>
-            </a:r>
-            <a:r>
-              <a:rPr/>
-              <a:t> H test for a single population</a:t>
-            </a:r>
-          </a:p>
-        </p:txBody>
-      </p:sp>
-      <p:sp>
-        <p:nvSpPr>
-          <p:cNvPr id="3" name="Content Placeholder 2"/>
-          <p:cNvSpPr>
-            <a:spLocks noGrp="1"/>
-          </p:cNvSpPr>
-          <p:nvPr>
-            <p:ph idx="1" sz="half"/>
-          </p:nvPr>
-        </p:nvSpPr>
-        <p:spPr/>
-        <p:txBody>
-          <a:bodyPr/>
-          <a:lstStyle/>
-          <a:p>
-            <a:pPr lvl="0" indent="0" marL="0">
-              <a:buNone/>
-            </a:pPr>
-            <a:r>
-              <a:rPr/>
-              <a:t>asdfa</a:t>
-            </a:r>
-          </a:p>
-        </p:txBody>
-      </p:sp>
-      <p:sp>
-        <p:nvSpPr>
-          <p:cNvPr id="4" name="Content Placeholder 3"/>
-          <p:cNvSpPr>
-            <a:spLocks noGrp="1"/>
-          </p:cNvSpPr>
-          <p:nvPr>
-            <p:ph idx="2" sz="half"/>
-          </p:nvPr>
-        </p:nvSpPr>
-        <p:spPr/>
-        <p:txBody>
-          <a:bodyPr/>
-          <a:lstStyle/>
-          <a:p>
-            <a:pPr lvl="0" indent="0" marL="0">
-              <a:buNone/>
-            </a:pPr>
-            <a:r>
-              <a:rPr/>
-              <a:t>asdfasfasd</a:t>
-            </a:r>
-          </a:p>
-        </p:txBody>
-      </p:sp>
-    </p:spTree>
-  </p:cSld>
-</p:sld>
-</file>
-
-<file path=ppt/slides/slide4.xml><?xml version="1.0" encoding="utf-8"?>
-<p:sld xmlns:a="http://schemas.openxmlformats.org/drawingml/2006/main" xmlns:r="http://schemas.openxmlformats.org/officeDocument/2006/relationships" xmlns:p="http://schemas.openxmlformats.org/presentationml/2006/main">
-  <p:cSld>
-    <p:spTree>
-      <p:nvGrpSpPr>
-        <p:cNvPr id="1" name=""/>
-        <p:cNvGrpSpPr/>
-        <p:nvPr/>
-      </p:nvGrpSpPr>
-      <p:grpSpPr>
-        <a:xfrm>
-          <a:off x="0" y="0"/>
-          <a:ext cx="0" cy="0"/>
-          <a:chOff x="0" y="0"/>
-          <a:chExt cx="0" cy="0"/>
-        </a:xfrm>
-      </p:grpSpPr>
-      <p:sp>
-        <p:nvSpPr>
-          <p:cNvPr id="2" name="Title 1"/>
-          <p:cNvSpPr>
-            <a:spLocks noGrp="1"/>
-          </p:cNvSpPr>
-          <p:nvPr>
-            <p:ph type="title"/>
-          </p:nvPr>
-        </p:nvSpPr>
-        <p:spPr>
-          <a:xfrm>
-            <a:off x="0" y="0"/>
-            <a:ext cx="9144000" cy="602780"/>
-          </a:xfrm>
-          <a:solidFill>
-            <a:srgbClr val="70121D"/>
-          </a:solidFill>
-        </p:spPr>
-        <p:txBody>
-          <a:bodyPr/>
-          <a:lstStyle/>
-          <a:p>
-            <a:pPr lvl="0" indent="0" marL="0">
-              <a:buNone/>
-            </a:pPr>
-            <a:r>
-              <a:rPr b="1"/>
-              <a:t>Lecture 5:</a:t>
-            </a:r>
-            <a:r>
-              <a:rPr/>
-              <a:t> Statistical hypothesis testing</a:t>
-            </a:r>
-          </a:p>
-        </p:txBody>
-      </p:sp>
-      <p:sp>
-        <p:nvSpPr>
-          <p:cNvPr id="3" name="Content Placeholder 2"/>
-          <p:cNvSpPr>
-            <a:spLocks noGrp="1"/>
-          </p:cNvSpPr>
-          <p:nvPr>
-            <p:ph idx="1" sz="half"/>
-          </p:nvPr>
-        </p:nvSpPr>
-        <p:spPr/>
-        <p:txBody>
-          <a:bodyPr/>
-          <a:lstStyle/>
+              <a:t>Key takeaways:</a:t>
+            </a:r>
+          </a:p>
           <a:p>
             <a:pPr lvl="0"/>
             <a:r>
               <a:rPr/>
-              <a:t>Major goal of statistics:</a:t>
-            </a:r>
-          </a:p>
-          <a:p>
-            <a:pPr lvl="1"/>
-            <a:r>
-              <a:rPr/>
-              <a:t>inferences about populations from samples…</a:t>
-            </a:r>
-          </a:p>
-          <a:p>
-            <a:pPr lvl="2"/>
-            <a:r>
-              <a:rPr/>
-              <a:t>assign degree of confidence to inferences</a:t>
-            </a:r>
-          </a:p>
-          <a:p>
-            <a:pPr lvl="1"/>
-            <a:r>
-              <a:rPr/>
-              <a:t>Statistical hypothesis testing:</a:t>
-            </a:r>
-          </a:p>
-          <a:p>
-            <a:pPr lvl="2"/>
-            <a:r>
-              <a:rPr/>
-              <a:t>formalized approach to inference</a:t>
-            </a:r>
-          </a:p>
-          <a:p>
-            <a:pPr lvl="1"/>
-            <a:r>
-              <a:rPr/>
-              <a:t>Hypotheses ask whether samples come from populations with certain properties</a:t>
-            </a:r>
-          </a:p>
-          <a:p>
-            <a:pPr lvl="1"/>
-            <a:r>
-              <a:rPr/>
-              <a:t>Often interested in quewstions about population means</a:t>
-            </a:r>
-          </a:p>
-          <a:p>
-            <a:pPr lvl="2"/>
-            <a:r>
-              <a:rPr/>
-              <a:t>but other questions are of interst</a:t>
-            </a:r>
-          </a:p>
-        </p:txBody>
-      </p:sp>
-      <p:sp>
-        <p:nvSpPr>
-          <p:cNvPr id="4" name="Content Placeholder 3"/>
-          <p:cNvSpPr>
-            <a:spLocks noGrp="1"/>
-          </p:cNvSpPr>
-          <p:nvPr>
-            <p:ph idx="2" sz="half"/>
-          </p:nvPr>
-        </p:nvSpPr>
-        <p:spPr/>
-        <p:txBody>
-          <a:bodyPr/>
-          <a:lstStyle/>
-          <a:p>
-            <a:pPr lvl="0" indent="0" marL="0">
-              <a:buNone/>
-            </a:pPr>
-            <a:r>
-              <a:rPr/>
-              <a:t>asdfasfasd</a:t>
-            </a:r>
-          </a:p>
-        </p:txBody>
-      </p:sp>
-    </p:spTree>
-  </p:cSld>
-</p:sld>
-</file>
-
-<file path=ppt/slides/slide40.xml><?xml version="1.0" encoding="utf-8"?>
-<p:sld xmlns:a="http://schemas.openxmlformats.org/drawingml/2006/main" xmlns:r="http://schemas.openxmlformats.org/officeDocument/2006/relationships" xmlns:p="http://schemas.openxmlformats.org/presentationml/2006/main">
-  <p:cSld>
-    <p:spTree>
-      <p:nvGrpSpPr>
-        <p:cNvPr id="1" name=""/>
-        <p:cNvGrpSpPr/>
-        <p:nvPr/>
-      </p:nvGrpSpPr>
-      <p:grpSpPr>
-        <a:xfrm>
-          <a:off x="0" y="0"/>
-          <a:ext cx="0" cy="0"/>
-          <a:chOff x="0" y="0"/>
-          <a:chExt cx="0" cy="0"/>
-        </a:xfrm>
-      </p:grpSpPr>
-      <p:sp>
-        <p:nvSpPr>
-          <p:cNvPr id="2" name="Title 1"/>
-          <p:cNvSpPr>
-            <a:spLocks noGrp="1"/>
-          </p:cNvSpPr>
-          <p:nvPr>
-            <p:ph type="title"/>
-          </p:nvPr>
-        </p:nvSpPr>
-        <p:spPr>
-          <a:xfrm>
-            <a:off x="0" y="0"/>
-            <a:ext cx="9144000" cy="602780"/>
-          </a:xfrm>
-          <a:solidFill>
-            <a:srgbClr val="70121D"/>
-          </a:solidFill>
-        </p:spPr>
-        <p:txBody>
-          <a:bodyPr/>
-          <a:lstStyle/>
-          <a:p>
-            <a:pPr lvl="0" indent="0" marL="0">
-              <a:buNone/>
-            </a:pPr>
-            <a:r>
-              <a:rPr b="1"/>
-              <a:t>Lecture 5:</a:t>
-            </a:r>
-            <a:r>
-              <a:rPr/>
-              <a:t> H test for a single population</a:t>
-            </a:r>
-          </a:p>
-        </p:txBody>
-      </p:sp>
-      <p:sp>
-        <p:nvSpPr>
-          <p:cNvPr id="3" name="Content Placeholder 2"/>
-          <p:cNvSpPr>
-            <a:spLocks noGrp="1"/>
-          </p:cNvSpPr>
-          <p:nvPr>
-            <p:ph idx="1" sz="half"/>
-          </p:nvPr>
-        </p:nvSpPr>
-        <p:spPr/>
-        <p:txBody>
-          <a:bodyPr/>
-          <a:lstStyle/>
-          <a:p>
-            <a:pPr lvl="0" indent="0" marL="0">
-              <a:buNone/>
-            </a:pPr>
-            <a:r>
-              <a:rPr/>
-              <a:t>asdfa</a:t>
-            </a:r>
-          </a:p>
-        </p:txBody>
-      </p:sp>
-      <p:sp>
-        <p:nvSpPr>
-          <p:cNvPr id="4" name="Content Placeholder 3"/>
-          <p:cNvSpPr>
-            <a:spLocks noGrp="1"/>
-          </p:cNvSpPr>
-          <p:nvPr>
-            <p:ph idx="2" sz="half"/>
-          </p:nvPr>
-        </p:nvSpPr>
-        <p:spPr/>
-        <p:txBody>
-          <a:bodyPr/>
-          <a:lstStyle/>
-          <a:p>
-            <a:pPr lvl="0" indent="0" marL="0">
-              <a:buNone/>
-            </a:pPr>
-            <a:r>
-              <a:rPr/>
-              <a:t>asdfasfasd</a:t>
-            </a:r>
-          </a:p>
-        </p:txBody>
-      </p:sp>
-    </p:spTree>
-  </p:cSld>
-</p:sld>
-</file>
-
-<file path=ppt/slides/slide41.xml><?xml version="1.0" encoding="utf-8"?>
-<p:sld xmlns:a="http://schemas.openxmlformats.org/drawingml/2006/main" xmlns:r="http://schemas.openxmlformats.org/officeDocument/2006/relationships" xmlns:p="http://schemas.openxmlformats.org/presentationml/2006/main">
-  <p:cSld>
-    <p:spTree>
-      <p:nvGrpSpPr>
-        <p:cNvPr id="1" name=""/>
-        <p:cNvGrpSpPr/>
-        <p:nvPr/>
-      </p:nvGrpSpPr>
-      <p:grpSpPr>
-        <a:xfrm>
-          <a:off x="0" y="0"/>
-          <a:ext cx="0" cy="0"/>
-          <a:chOff x="0" y="0"/>
-          <a:chExt cx="0" cy="0"/>
-        </a:xfrm>
-      </p:grpSpPr>
-      <p:sp>
-        <p:nvSpPr>
-          <p:cNvPr id="2" name="Title 1"/>
-          <p:cNvSpPr>
-            <a:spLocks noGrp="1"/>
-          </p:cNvSpPr>
-          <p:nvPr>
-            <p:ph type="title"/>
-          </p:nvPr>
-        </p:nvSpPr>
-        <p:spPr>
-          <a:xfrm>
-            <a:off x="0" y="0"/>
-            <a:ext cx="9144000" cy="602780"/>
-          </a:xfrm>
-          <a:solidFill>
-            <a:srgbClr val="70121D"/>
-          </a:solidFill>
-        </p:spPr>
-        <p:txBody>
-          <a:bodyPr/>
-          <a:lstStyle/>
-          <a:p>
-            <a:pPr lvl="0" indent="0" marL="0">
-              <a:buNone/>
-            </a:pPr>
-            <a:r>
-              <a:rPr b="1"/>
-              <a:t>Lecture 5:</a:t>
-            </a:r>
-            <a:r>
-              <a:rPr/>
-              <a:t> H test for a single population</a:t>
-            </a:r>
-          </a:p>
-        </p:txBody>
-      </p:sp>
-      <p:sp>
-        <p:nvSpPr>
-          <p:cNvPr id="3" name="Content Placeholder 2"/>
-          <p:cNvSpPr>
-            <a:spLocks noGrp="1"/>
-          </p:cNvSpPr>
-          <p:nvPr>
-            <p:ph idx="1" sz="half"/>
-          </p:nvPr>
-        </p:nvSpPr>
-        <p:spPr/>
-        <p:txBody>
-          <a:bodyPr/>
-          <a:lstStyle/>
-          <a:p>
-            <a:pPr lvl="0" indent="0" marL="0">
-              <a:buNone/>
-            </a:pPr>
-            <a:r>
-              <a:rPr/>
-              <a:t>asdfa</a:t>
-            </a:r>
-          </a:p>
-        </p:txBody>
-      </p:sp>
-      <p:sp>
-        <p:nvSpPr>
-          <p:cNvPr id="4" name="Content Placeholder 3"/>
-          <p:cNvSpPr>
-            <a:spLocks noGrp="1"/>
-          </p:cNvSpPr>
-          <p:nvPr>
-            <p:ph idx="2" sz="half"/>
-          </p:nvPr>
-        </p:nvSpPr>
-        <p:spPr/>
-        <p:txBody>
-          <a:bodyPr/>
-          <a:lstStyle/>
-          <a:p>
-            <a:pPr lvl="0" indent="0" marL="0">
-              <a:buNone/>
-            </a:pPr>
-            <a:r>
-              <a:rPr/>
-              <a:t>asdfasfasd</a:t>
-            </a:r>
-          </a:p>
-        </p:txBody>
-      </p:sp>
-    </p:spTree>
-  </p:cSld>
-</p:sld>
-</file>
-
-<file path=ppt/slides/slide42.xml><?xml version="1.0" encoding="utf-8"?>
-<p:sld xmlns:a="http://schemas.openxmlformats.org/drawingml/2006/main" xmlns:r="http://schemas.openxmlformats.org/officeDocument/2006/relationships" xmlns:p="http://schemas.openxmlformats.org/presentationml/2006/main">
-  <p:cSld>
-    <p:spTree>
-      <p:nvGrpSpPr>
-        <p:cNvPr id="1" name=""/>
-        <p:cNvGrpSpPr/>
-        <p:nvPr/>
-      </p:nvGrpSpPr>
-      <p:grpSpPr>
-        <a:xfrm>
-          <a:off x="0" y="0"/>
-          <a:ext cx="0" cy="0"/>
-          <a:chOff x="0" y="0"/>
-          <a:chExt cx="0" cy="0"/>
-        </a:xfrm>
-      </p:grpSpPr>
-      <p:sp>
-        <p:nvSpPr>
-          <p:cNvPr id="2" name="Title 1"/>
-          <p:cNvSpPr>
-            <a:spLocks noGrp="1"/>
-          </p:cNvSpPr>
-          <p:nvPr>
-            <p:ph type="title"/>
-          </p:nvPr>
-        </p:nvSpPr>
-        <p:spPr>
-          <a:xfrm>
-            <a:off x="0" y="0"/>
-            <a:ext cx="9144000" cy="602780"/>
-          </a:xfrm>
-          <a:solidFill>
-            <a:srgbClr val="70121D"/>
-          </a:solidFill>
-        </p:spPr>
-        <p:txBody>
-          <a:bodyPr/>
-          <a:lstStyle/>
-          <a:p>
-            <a:pPr lvl="0" indent="0" marL="0">
-              <a:buNone/>
-            </a:pPr>
-            <a:r>
-              <a:rPr b="1"/>
-              <a:t>Lecture 5:</a:t>
-            </a:r>
-            <a:r>
-              <a:rPr/>
-              <a:t> H test for a single population</a:t>
-            </a:r>
-          </a:p>
-        </p:txBody>
-      </p:sp>
-      <p:sp>
-        <p:nvSpPr>
-          <p:cNvPr id="3" name="Content Placeholder 2"/>
-          <p:cNvSpPr>
-            <a:spLocks noGrp="1"/>
-          </p:cNvSpPr>
-          <p:nvPr>
-            <p:ph idx="1" sz="half"/>
-          </p:nvPr>
-        </p:nvSpPr>
-        <p:spPr/>
-        <p:txBody>
-          <a:bodyPr/>
-          <a:lstStyle/>
-          <a:p>
-            <a:pPr lvl="0" indent="0" marL="0">
-              <a:buNone/>
-            </a:pPr>
-            <a:r>
-              <a:rPr/>
-              <a:t>asdfa</a:t>
-            </a:r>
-          </a:p>
-        </p:txBody>
-      </p:sp>
-      <p:sp>
-        <p:nvSpPr>
-          <p:cNvPr id="4" name="Content Placeholder 3"/>
-          <p:cNvSpPr>
-            <a:spLocks noGrp="1"/>
-          </p:cNvSpPr>
-          <p:nvPr>
-            <p:ph idx="2" sz="half"/>
-          </p:nvPr>
-        </p:nvSpPr>
-        <p:spPr/>
-        <p:txBody>
-          <a:bodyPr/>
-          <a:lstStyle/>
-          <a:p>
-            <a:pPr lvl="0" indent="0" marL="0">
-              <a:buNone/>
-            </a:pPr>
-            <a:r>
-              <a:rPr/>
-              <a:t>asdfasfasd</a:t>
-            </a:r>
-          </a:p>
-        </p:txBody>
-      </p:sp>
-    </p:spTree>
-  </p:cSld>
-</p:sld>
-</file>
-
-<file path=ppt/slides/slide43.xml><?xml version="1.0" encoding="utf-8"?>
-<p:sld xmlns:a="http://schemas.openxmlformats.org/drawingml/2006/main" xmlns:r="http://schemas.openxmlformats.org/officeDocument/2006/relationships" xmlns:p="http://schemas.openxmlformats.org/presentationml/2006/main">
-  <p:cSld>
-    <p:spTree>
-      <p:nvGrpSpPr>
-        <p:cNvPr id="1" name=""/>
-        <p:cNvGrpSpPr/>
-        <p:nvPr/>
-      </p:nvGrpSpPr>
-      <p:grpSpPr>
-        <a:xfrm>
-          <a:off x="0" y="0"/>
-          <a:ext cx="0" cy="0"/>
-          <a:chOff x="0" y="0"/>
-          <a:chExt cx="0" cy="0"/>
-        </a:xfrm>
-      </p:grpSpPr>
-      <p:sp>
-        <p:nvSpPr>
-          <p:cNvPr id="2" name="Title 1"/>
-          <p:cNvSpPr>
-            <a:spLocks noGrp="1"/>
-          </p:cNvSpPr>
-          <p:nvPr>
-            <p:ph type="title"/>
-          </p:nvPr>
-        </p:nvSpPr>
-        <p:spPr>
-          <a:xfrm>
-            <a:off x="0" y="0"/>
-            <a:ext cx="9144000" cy="602780"/>
-          </a:xfrm>
-          <a:solidFill>
-            <a:srgbClr val="70121D"/>
-          </a:solidFill>
-        </p:spPr>
-        <p:txBody>
-          <a:bodyPr/>
-          <a:lstStyle/>
-          <a:p>
-            <a:pPr lvl="0" indent="0" marL="0">
-              <a:buNone/>
-            </a:pPr>
-            <a:r>
-              <a:rPr b="1"/>
-              <a:t>Lecture 5:</a:t>
-            </a:r>
-            <a:r>
-              <a:rPr/>
-              <a:t> H test for a single population</a:t>
-            </a:r>
-          </a:p>
-        </p:txBody>
-      </p:sp>
-      <p:sp>
-        <p:nvSpPr>
-          <p:cNvPr id="3" name="Content Placeholder 2"/>
-          <p:cNvSpPr>
-            <a:spLocks noGrp="1"/>
-          </p:cNvSpPr>
-          <p:nvPr>
-            <p:ph idx="1" sz="half"/>
-          </p:nvPr>
-        </p:nvSpPr>
-        <p:spPr/>
-        <p:txBody>
-          <a:bodyPr/>
-          <a:lstStyle/>
-          <a:p>
-            <a:pPr lvl="0" indent="0" marL="0">
-              <a:buNone/>
-            </a:pPr>
-            <a:r>
-              <a:rPr/>
-              <a:t>asdfa</a:t>
-            </a:r>
-          </a:p>
-        </p:txBody>
-      </p:sp>
-      <p:sp>
-        <p:nvSpPr>
-          <p:cNvPr id="4" name="Content Placeholder 3"/>
-          <p:cNvSpPr>
-            <a:spLocks noGrp="1"/>
-          </p:cNvSpPr>
-          <p:nvPr>
-            <p:ph idx="2" sz="half"/>
-          </p:nvPr>
-        </p:nvSpPr>
-        <p:spPr/>
-        <p:txBody>
-          <a:bodyPr/>
-          <a:lstStyle/>
-          <a:p>
-            <a:pPr lvl="0" indent="0" marL="0">
-              <a:buNone/>
-            </a:pPr>
-            <a:r>
-              <a:rPr/>
-              <a:t>asdfasfasd</a:t>
-            </a:r>
-          </a:p>
-        </p:txBody>
-      </p:sp>
-    </p:spTree>
-  </p:cSld>
-</p:sld>
-</file>
-
-<file path=ppt/slides/slide44.xml><?xml version="1.0" encoding="utf-8"?>
-<p:sld xmlns:a="http://schemas.openxmlformats.org/drawingml/2006/main" xmlns:r="http://schemas.openxmlformats.org/officeDocument/2006/relationships" xmlns:p="http://schemas.openxmlformats.org/presentationml/2006/main">
-  <p:cSld>
-    <p:spTree>
-      <p:nvGrpSpPr>
-        <p:cNvPr id="1" name=""/>
-        <p:cNvGrpSpPr/>
-        <p:nvPr/>
-      </p:nvGrpSpPr>
-      <p:grpSpPr>
-        <a:xfrm>
-          <a:off x="0" y="0"/>
-          <a:ext cx="0" cy="0"/>
-          <a:chOff x="0" y="0"/>
-          <a:chExt cx="0" cy="0"/>
-        </a:xfrm>
-      </p:grpSpPr>
-      <p:sp>
-        <p:nvSpPr>
-          <p:cNvPr id="2" name="Title 1"/>
-          <p:cNvSpPr>
-            <a:spLocks noGrp="1"/>
-          </p:cNvSpPr>
-          <p:nvPr>
-            <p:ph type="title"/>
-          </p:nvPr>
-        </p:nvSpPr>
-        <p:spPr>
-          <a:xfrm>
-            <a:off x="0" y="0"/>
-            <a:ext cx="9144000" cy="602780"/>
-          </a:xfrm>
-          <a:solidFill>
-            <a:srgbClr val="70121D"/>
-          </a:solidFill>
-        </p:spPr>
-        <p:txBody>
-          <a:bodyPr/>
-          <a:lstStyle/>
-          <a:p>
-            <a:pPr lvl="0" indent="0" marL="0">
-              <a:buNone/>
-            </a:pPr>
-            <a:r>
-              <a:rPr b="1"/>
-              <a:t>Lecture 5:</a:t>
-            </a:r>
-            <a:r>
-              <a:rPr/>
-              <a:t> H test for a single population</a:t>
-            </a:r>
-          </a:p>
-        </p:txBody>
-      </p:sp>
-      <p:sp>
-        <p:nvSpPr>
-          <p:cNvPr id="3" name="Content Placeholder 2"/>
-          <p:cNvSpPr>
-            <a:spLocks noGrp="1"/>
-          </p:cNvSpPr>
-          <p:nvPr>
-            <p:ph idx="1" sz="half"/>
-          </p:nvPr>
-        </p:nvSpPr>
-        <p:spPr/>
-        <p:txBody>
-          <a:bodyPr/>
-          <a:lstStyle/>
-          <a:p>
-            <a:pPr lvl="0" indent="0" marL="0">
-              <a:buNone/>
-            </a:pPr>
-            <a:r>
-              <a:rPr/>
-              <a:t>asdfa</a:t>
-            </a:r>
-          </a:p>
-        </p:txBody>
-      </p:sp>
-      <p:sp>
-        <p:nvSpPr>
-          <p:cNvPr id="4" name="Content Placeholder 3"/>
-          <p:cNvSpPr>
-            <a:spLocks noGrp="1"/>
-          </p:cNvSpPr>
-          <p:nvPr>
-            <p:ph idx="2" sz="half"/>
-          </p:nvPr>
-        </p:nvSpPr>
-        <p:spPr/>
-        <p:txBody>
-          <a:bodyPr/>
-          <a:lstStyle/>
-          <a:p>
-            <a:pPr lvl="0" indent="0" marL="0">
-              <a:buNone/>
-            </a:pPr>
-            <a:r>
-              <a:rPr/>
-              <a:t>asdfasfasd</a:t>
+              <a:t>Always check assumptions before conducting tests</a:t>
+            </a:r>
+          </a:p>
+          <a:p>
+            <a:pPr lvl="0"/>
+            <a:r>
+              <a:rPr/>
+              <a:t>Visualize your data to understand patterns</a:t>
+            </a:r>
+          </a:p>
+          <a:p>
+            <a:pPr lvl="0"/>
+            <a:r>
+              <a:rPr/>
+              <a:t>Report results comprehensively</a:t>
+            </a:r>
+          </a:p>
+          <a:p>
+            <a:pPr lvl="0"/>
+            <a:r>
+              <a:rPr/>
+              <a:t>Consider alternatives when assumptions are violated</a:t>
             </a:r>
           </a:p>
         </p:txBody>
@@ -8548,12 +13181,84 @@
             </a:pPr>
             <a:r>
               <a:rPr/>
-              <a:t>Together Ho and Ha encompass all possible outcomes: - For Example:</a:t>
+              <a:t>Together Ho and Ha encompass all possible outcomes:</a:t>
+            </a:r>
+          </a:p>
+          <a:p>
+            <a:pPr lvl="0" indent="0" marL="0">
+              <a:buNone/>
+            </a:pPr>
+            <a:r>
+              <a:rPr/>
+              <a:t>- For Example:</a:t>
             </a:r>
             <a:br/>
             <a:r>
               <a:rPr/>
-              <a:t>- Ho: µ=0, Ha: µ ≠ 0 - mean equals 0 or mean does not equal 0 - Ho: µ=3700, Ha: µ ≠ 3700 - mean equals 3700 or mean does not equal 3700 - Ho: µ1 = µ2, Ha: µ1 ≠ µ2 - mean of population 1 equals mean of population 2 or it does not - Ho: µ &gt; 0, Ha: µ ≤ 0 - can be directional mean is greater than 0 or mean is not equal or less than 0</a:t>
+              <a:t>- Ho: µ=0, Ha: µ ≠ 0</a:t>
+            </a:r>
+          </a:p>
+          <a:p>
+            <a:pPr lvl="0" indent="0" marL="0">
+              <a:buNone/>
+            </a:pPr>
+            <a:r>
+              <a:rPr/>
+              <a:t>- mean equals 0 or mean does not equal 0</a:t>
+            </a:r>
+          </a:p>
+          <a:p>
+            <a:pPr lvl="0" indent="0" marL="0">
+              <a:buNone/>
+            </a:pPr>
+            <a:r>
+              <a:rPr/>
+              <a:t>- Ho: µ=3700, Ha: µ ≠ 3700</a:t>
+            </a:r>
+          </a:p>
+          <a:p>
+            <a:pPr lvl="0" indent="0" marL="0">
+              <a:buNone/>
+            </a:pPr>
+            <a:r>
+              <a:rPr/>
+              <a:t>- mean equals 3700 or mean does not equal 3700</a:t>
+            </a:r>
+          </a:p>
+          <a:p>
+            <a:pPr lvl="0" indent="0" marL="0">
+              <a:buNone/>
+            </a:pPr>
+            <a:r>
+              <a:rPr/>
+              <a:t>- Ho: µ1 = µ2, Ha: µ1 ≠ µ2</a:t>
+            </a:r>
+          </a:p>
+          <a:p>
+            <a:pPr lvl="0" indent="0" marL="0">
+              <a:buNone/>
+            </a:pPr>
+            <a:r>
+              <a:rPr/>
+              <a:t>- mean of population 1 equals mean of population 2 or it does not</a:t>
+            </a:r>
+          </a:p>
+          <a:p>
+            <a:pPr lvl="0" indent="0" marL="0">
+              <a:buNone/>
+            </a:pPr>
+            <a:r>
+              <a:rPr/>
+              <a:t>- Ho: µ &gt; 0, Ha: µ ≤ 0</a:t>
+            </a:r>
+          </a:p>
+          <a:p>
+            <a:pPr lvl="0" indent="0" marL="0">
+              <a:buNone/>
+            </a:pPr>
+            <a:r>
+              <a:rPr/>
+              <a:t>- can be directional mean is greater than 0 or mean is not equal or less than 0</a:t>
             </a:r>
           </a:p>
         </p:txBody>

--- a/docs/lectures/lecture_05/05_01_lecture_powerpoint.pptx
+++ b/docs/lectures/lecture_05/05_01_lecture_powerpoint.pptx
@@ -54,6 +54,9 @@
     <p:sldId id="302" r:id="rId48"/>
     <p:sldId id="303" r:id="rId49"/>
     <p:sldId id="304" r:id="rId50"/>
+    <p:sldId id="305" r:id="rId51"/>
+    <p:sldId id="306" r:id="rId52"/>
+    <p:sldId id="307" r:id="rId53"/>
   </p:sldIdLst>
   <p:sldSz cx="9144000" cy="5143500" type="screen16x9"/>
   <p:notesSz cx="6858000" cy="9144000"/>
@@ -3466,36 +3469,59 @@
             </a:pPr>
             <a:r>
               <a:rPr/>
-              <a:t>At what point reject Ho? - p &lt; 0.05 conventional “significance threshold” (α = alpha or p value) - p &lt; 0.05 means: - if Ho is true and we repeated the study 100 times - we would get this (or more extreme) result less than 5 times due to chance</a:t>
-            </a:r>
-          </a:p>
-        </p:txBody>
-      </p:sp>
-      <p:sp>
-        <p:nvSpPr>
-          <p:cNvPr id="4" name="Content Placeholder 3"/>
-          <p:cNvSpPr>
-            <a:spLocks noGrp="1"/>
-          </p:cNvSpPr>
-          <p:nvPr>
-            <p:ph idx="2" sz="half"/>
-          </p:nvPr>
-        </p:nvSpPr>
-        <p:spPr/>
-        <p:txBody>
-          <a:bodyPr/>
-          <a:lstStyle/>
+              <a:t>At what point reject Ho?</a:t>
+            </a:r>
+          </a:p>
           <a:p>
             <a:pPr lvl="0" indent="0" marL="0">
               <a:buNone/>
             </a:pPr>
             <a:r>
               <a:rPr/>
-              <a:t>asdfasfasd</a:t>
-            </a:r>
-          </a:p>
-        </p:txBody>
-      </p:sp>
+              <a:t>p &lt; 0.05 conventional “significance threshold” (α = alpha or p value)</a:t>
+            </a:r>
+          </a:p>
+          <a:p>
+            <a:pPr lvl="0" indent="0" marL="0">
+              <a:buNone/>
+            </a:pPr>
+            <a:r>
+              <a:rPr/>
+              <a:t>p &lt; 0.05 means: if Ho is true and we repeated the study 100 times - we would get this (or more extreme) result less than 5 times due to chance</a:t>
+            </a:r>
+          </a:p>
+        </p:txBody>
+      </p:sp>
+      <p:pic>
+        <p:nvPicPr>
+          <p:cNvPr descr="images/two_branches.jpg" id="0" name="Picture 1"/>
+          <p:cNvPicPr>
+            <a:picLocks noGrp="1" noChangeAspect="1"/>
+          </p:cNvPicPr>
+          <p:nvPr/>
+        </p:nvPicPr>
+        <p:blipFill>
+          <a:blip r:embed="rId2"/>
+          <a:stretch>
+            <a:fillRect/>
+          </a:stretch>
+        </p:blipFill>
+        <p:spPr bwMode="auto">
+          <a:xfrm>
+            <a:off x="6121400" y="1498600"/>
+            <a:ext cx="2781300" cy="2781300"/>
+          </a:xfrm>
+          <a:prstGeom prst="rect">
+            <a:avLst/>
+          </a:prstGeom>
+          <a:noFill/>
+          <a:ln w="9525">
+            <a:noFill/>
+            <a:headEnd/>
+            <a:tailEnd/>
+          </a:ln>
+        </p:spPr>
+      </p:pic>
     </p:spTree>
   </p:cSld>
 </p:sld>
@@ -3575,7 +3601,7 @@
             </a:pPr>
             <a:r>
               <a:rPr/>
-              <a:t>Statistical test results: - α is the rate at which we will reject a true null hypothesis (Type I error rate) - Lowering α will lower likelihood of incorrectly rejecting a true null hypothesis (e.g., 0.01, 0.001)</a:t>
+              <a:t>Statistical test results:</a:t>
             </a:r>
           </a:p>
           <a:p>
@@ -3584,36 +3610,67 @@
             </a:pPr>
             <a:r>
               <a:rPr/>
-              <a:t>*Both Hs and α are specified **BEFORE collection of data and analysis*</a:t>
-            </a:r>
-          </a:p>
-        </p:txBody>
-      </p:sp>
-      <p:sp>
-        <p:nvSpPr>
-          <p:cNvPr id="4" name="Content Placeholder 3"/>
-          <p:cNvSpPr>
-            <a:spLocks noGrp="1"/>
-          </p:cNvSpPr>
-          <p:nvPr>
-            <p:ph idx="2" sz="half"/>
-          </p:nvPr>
-        </p:nvSpPr>
-        <p:spPr/>
-        <p:txBody>
-          <a:bodyPr/>
-          <a:lstStyle/>
+              <a:t>α is the rate at which we will reject a true null hypothesis (Type I error rate)</a:t>
+            </a:r>
+          </a:p>
           <a:p>
             <a:pPr lvl="0" indent="0" marL="0">
               <a:buNone/>
             </a:pPr>
             <a:r>
               <a:rPr/>
-              <a:t>asdfasfasd</a:t>
-            </a:r>
-          </a:p>
-        </p:txBody>
-      </p:sp>
+              <a:t>Lowering α will lower likelihood of incorrectly rejecting a true null hypothesis (e.g., 0.01, 0.001)</a:t>
+            </a:r>
+          </a:p>
+          <a:p>
+            <a:pPr lvl="0" indent="0" marL="0">
+              <a:buNone/>
+            </a:pPr>
+            <a:r>
+              <a:rPr i="1"/>
+              <a:t>Both Hs and α are specified</a:t>
+            </a:r>
+            <a:r>
+              <a:rPr/>
+              <a:t> </a:t>
+            </a:r>
+            <a:r>
+              <a:rPr i="1"/>
+              <a:t>BEFORE collection of data and analysis</a:t>
+            </a:r>
+          </a:p>
+        </p:txBody>
+      </p:sp>
+      <p:pic>
+        <p:nvPicPr>
+          <p:cNvPr descr="images/two_branches.jpg" id="0" name="Picture 1"/>
+          <p:cNvPicPr>
+            <a:picLocks noGrp="1" noChangeAspect="1"/>
+          </p:cNvPicPr>
+          <p:nvPr/>
+        </p:nvPicPr>
+        <p:blipFill>
+          <a:blip r:embed="rId2"/>
+          <a:stretch>
+            <a:fillRect/>
+          </a:stretch>
+        </p:blipFill>
+        <p:spPr bwMode="auto">
+          <a:xfrm>
+            <a:off x="6121400" y="1498600"/>
+            <a:ext cx="2781300" cy="2781300"/>
+          </a:xfrm>
+          <a:prstGeom prst="rect">
+            <a:avLst/>
+          </a:prstGeom>
+          <a:noFill/>
+          <a:ln w="9525">
+            <a:noFill/>
+            <a:headEnd/>
+            <a:tailEnd/>
+          </a:ln>
+        </p:spPr>
+      </p:pic>
     </p:spTree>
   </p:cSld>
 </p:sld>
@@ -4256,31 +4313,36 @@
           </a:p>
         </p:txBody>
       </p:sp>
-      <p:sp>
-        <p:nvSpPr>
-          <p:cNvPr id="4" name="Content Placeholder 3"/>
-          <p:cNvSpPr>
-            <a:spLocks noGrp="1"/>
-          </p:cNvSpPr>
-          <p:nvPr>
-            <p:ph idx="2" sz="half"/>
-          </p:nvPr>
-        </p:nvSpPr>
-        <p:spPr/>
-        <p:txBody>
-          <a:bodyPr/>
-          <a:lstStyle/>
-          <a:p>
-            <a:pPr lvl="0" indent="0" marL="0">
-              <a:buNone/>
-            </a:pPr>
-            <a:r>
-              <a:rPr/>
-              <a:t>asdfasfasd</a:t>
-            </a:r>
-          </a:p>
-        </p:txBody>
-      </p:sp>
+      <p:pic>
+        <p:nvPicPr>
+          <p:cNvPr descr="images/two_branches.jpg" id="0" name="Picture 1"/>
+          <p:cNvPicPr>
+            <a:picLocks noGrp="1" noChangeAspect="1"/>
+          </p:cNvPicPr>
+          <p:nvPr/>
+        </p:nvPicPr>
+        <p:blipFill>
+          <a:blip r:embed="rId2"/>
+          <a:stretch>
+            <a:fillRect/>
+          </a:stretch>
+        </p:blipFill>
+        <p:spPr bwMode="auto">
+          <a:xfrm>
+            <a:off x="6121400" y="1498600"/>
+            <a:ext cx="2781300" cy="2781300"/>
+          </a:xfrm>
+          <a:prstGeom prst="rect">
+            <a:avLst/>
+          </a:prstGeom>
+          <a:noFill/>
+          <a:ln w="9525">
+            <a:noFill/>
+            <a:headEnd/>
+            <a:tailEnd/>
+          </a:ln>
+        </p:spPr>
+      </p:pic>
     </p:spTree>
   </p:cSld>
 </p:sld>
@@ -4355,41 +4417,72 @@
           <a:bodyPr/>
           <a:lstStyle/>
           <a:p>
-            <a:pPr lvl="0" indent="0" marL="0">
-              <a:buNone/>
-            </a:pPr>
-            <a:r>
-              <a:rPr/>
-              <a:t>General procedure for H testing: - Collect data - Perform test - If p-value &lt; α, conclude Ho is likely false and reject it - If p-value &gt; α, conclude no evidence Ho is false and retain it</a:t>
-            </a:r>
-          </a:p>
-        </p:txBody>
-      </p:sp>
-      <p:sp>
-        <p:nvSpPr>
-          <p:cNvPr id="4" name="Content Placeholder 3"/>
-          <p:cNvSpPr>
-            <a:spLocks noGrp="1"/>
-          </p:cNvSpPr>
-          <p:nvPr>
-            <p:ph idx="2" sz="half"/>
-          </p:nvPr>
-        </p:nvSpPr>
-        <p:spPr/>
-        <p:txBody>
-          <a:bodyPr/>
-          <a:lstStyle/>
-          <a:p>
-            <a:pPr lvl="0" indent="0" marL="0">
-              <a:buNone/>
-            </a:pPr>
-            <a:r>
-              <a:rPr/>
-              <a:t>asdfasfasd</a:t>
-            </a:r>
-          </a:p>
-        </p:txBody>
-      </p:sp>
+            <a:pPr lvl="0"/>
+            <a:r>
+              <a:rPr/>
+              <a:t>General procedure for H testing:</a:t>
+            </a:r>
+          </a:p>
+          <a:p>
+            <a:pPr lvl="0"/>
+            <a:r>
+              <a:rPr/>
+              <a:t>Collect data</a:t>
+            </a:r>
+          </a:p>
+          <a:p>
+            <a:pPr lvl="0"/>
+            <a:r>
+              <a:rPr/>
+              <a:t>Perform test</a:t>
+            </a:r>
+          </a:p>
+          <a:p>
+            <a:pPr lvl="1"/>
+            <a:r>
+              <a:rPr/>
+              <a:t>If p-value &lt; α, conclude Ho is likely false and reject it</a:t>
+            </a:r>
+          </a:p>
+          <a:p>
+            <a:pPr lvl="1"/>
+            <a:r>
+              <a:rPr/>
+              <a:t>If p-value &gt; α, conclude no evidence Ho is false and retain it</a:t>
+            </a:r>
+          </a:p>
+        </p:txBody>
+      </p:sp>
+      <p:pic>
+        <p:nvPicPr>
+          <p:cNvPr descr="images/two_branches.jpg" id="0" name="Picture 1"/>
+          <p:cNvPicPr>
+            <a:picLocks noGrp="1" noChangeAspect="1"/>
+          </p:cNvPicPr>
+          <p:nvPr/>
+        </p:nvPicPr>
+        <p:blipFill>
+          <a:blip r:embed="rId2"/>
+          <a:stretch>
+            <a:fillRect/>
+          </a:stretch>
+        </p:blipFill>
+        <p:spPr bwMode="auto">
+          <a:xfrm>
+            <a:off x="6121400" y="1498600"/>
+            <a:ext cx="2781300" cy="2781300"/>
+          </a:xfrm>
+          <a:prstGeom prst="rect">
+            <a:avLst/>
+          </a:prstGeom>
+          <a:noFill/>
+          <a:ln w="9525">
+            <a:noFill/>
+            <a:headEnd/>
+            <a:tailEnd/>
+          </a:ln>
+        </p:spPr>
+      </p:pic>
     </p:spTree>
   </p:cSld>
 </p:sld>
@@ -4425,11 +4518,8 @@
         <p:spPr>
           <a:xfrm>
             <a:off x="0" y="0"/>
-            <a:ext cx="9144000" cy="602780"/>
+            <a:ext cx="9144000" cy="582780"/>
           </a:xfrm>
-          <a:solidFill>
-            <a:srgbClr val="70121D"/>
-          </a:solidFill>
         </p:spPr>
         <p:txBody>
           <a:bodyPr/>
@@ -4456,7 +4546,7 @@
             <a:spLocks noGrp="1"/>
           </p:cNvSpPr>
           <p:nvPr>
-            <p:ph idx="1" sz="half"/>
+            <p:ph idx="1"/>
           </p:nvPr>
         </p:nvSpPr>
         <p:spPr/>
@@ -4469,32 +4559,42 @@
             </a:pPr>
             <a:r>
               <a:rPr/>
-              <a:t>Recall… - Major goal of statistics: inferences about populations from samples… and assign degree of confidence to inferences - Statistical H-testing: formalized approach to inference - Relies on specifying null hypothesis (Ho) and alternate hypothesis (Ha) - Tests assess likelihood of the null hypothesis being true - Expressed as p-value: probability of obtaining sample value of statistic (or more extreme one) if Ho is true</a:t>
-            </a:r>
-          </a:p>
-        </p:txBody>
-      </p:sp>
-      <p:sp>
-        <p:nvSpPr>
-          <p:cNvPr id="4" name="Content Placeholder 3"/>
-          <p:cNvSpPr>
-            <a:spLocks noGrp="1"/>
-          </p:cNvSpPr>
-          <p:nvPr>
-            <p:ph idx="2" sz="half"/>
-          </p:nvPr>
-        </p:nvSpPr>
-        <p:spPr/>
-        <p:txBody>
-          <a:bodyPr/>
-          <a:lstStyle/>
-          <a:p>
-            <a:pPr lvl="0" indent="0" marL="0">
-              <a:buNone/>
-            </a:pPr>
-            <a:r>
-              <a:rPr/>
-              <a:t>asdfasfasd</a:t>
+              <a:t>Recall…</a:t>
+            </a:r>
+          </a:p>
+          <a:p>
+            <a:pPr lvl="0"/>
+            <a:r>
+              <a:rPr/>
+              <a:t>Major goal of statistics: inferences about populations from samples… and assign degree of confidence to inferences</a:t>
+            </a:r>
+          </a:p>
+          <a:p>
+            <a:pPr lvl="0"/>
+            <a:r>
+              <a:rPr/>
+              <a:t>Statistical H-testing: formalized approach to inference</a:t>
+            </a:r>
+          </a:p>
+          <a:p>
+            <a:pPr lvl="0"/>
+            <a:r>
+              <a:rPr/>
+              <a:t>Relies on specifying null hypothesis (Ho) and alternate hypothesis (Ha</a:t>
+            </a:r>
+          </a:p>
+          <a:p>
+            <a:pPr lvl="0"/>
+            <a:r>
+              <a:rPr/>
+              <a:t>Tests assess likelihood of the null hypothesis being true</a:t>
+            </a:r>
+          </a:p>
+          <a:p>
+            <a:pPr lvl="0"/>
+            <a:r>
+              <a:rPr/>
+              <a:t>Expressed as p-value: probability of obtaining sample value of statistic (or more extreme one) if Ho is true</a:t>
             </a:r>
           </a:p>
         </p:txBody>
@@ -4534,11 +4634,8 @@
         <p:spPr>
           <a:xfrm>
             <a:off x="0" y="0"/>
-            <a:ext cx="9144000" cy="602780"/>
+            <a:ext cx="9144000" cy="582780"/>
           </a:xfrm>
-          <a:solidFill>
-            <a:srgbClr val="70121D"/>
-          </a:solidFill>
         </p:spPr>
         <p:txBody>
           <a:bodyPr/>
@@ -4565,7 +4662,7 @@
             <a:spLocks noGrp="1"/>
           </p:cNvSpPr>
           <p:nvPr>
-            <p:ph idx="1" sz="half"/>
+            <p:ph idx="1"/>
           </p:nvPr>
         </p:nvSpPr>
         <p:spPr/>
@@ -4578,46 +4675,35 @@
             </a:pPr>
             <a:r>
               <a:rPr/>
-              <a:t>Recall hospital example - Probability of getting sample like A (with ȳ at least as far away from 3700 as 3500)? - p(ȳ ≤ 3500 or ȳ ≥ 3900)</a:t>
+              <a:t>Recall pine needle example</a:t>
             </a:r>
           </a:p>
           <a:p>
             <a:pPr lvl="0"/>
             <a:r>
               <a:rPr/>
+              <a:t>Probability of getting sample</a:t>
+            </a:r>
+          </a:p>
+          <a:p>
+            <a:pPr lvl="0"/>
+            <a:r>
+              <a:rPr/>
+              <a:t>with ȳ at least as far away from 21 as 35)? - p(ȳ ≤ 3500 or ȳ ≥ 3900)</a:t>
+            </a:r>
+          </a:p>
+          <a:p>
+            <a:pPr lvl="1"/>
+            <a:r>
+              <a:rPr/>
               <a:t>What about - 1-tailed or 2-tailed test?</a:t>
             </a:r>
           </a:p>
           <a:p>
-            <a:pPr lvl="0"/>
+            <a:pPr lvl="1"/>
             <a:r>
               <a:rPr/>
               <a:t>Can solve using SND and z-scores</a:t>
-            </a:r>
-          </a:p>
-        </p:txBody>
-      </p:sp>
-      <p:sp>
-        <p:nvSpPr>
-          <p:cNvPr id="4" name="Content Placeholder 3"/>
-          <p:cNvSpPr>
-            <a:spLocks noGrp="1"/>
-          </p:cNvSpPr>
-          <p:nvPr>
-            <p:ph idx="2" sz="half"/>
-          </p:nvPr>
-        </p:nvSpPr>
-        <p:spPr/>
-        <p:txBody>
-          <a:bodyPr/>
-          <a:lstStyle/>
-          <a:p>
-            <a:pPr lvl="0" indent="0" marL="0">
-              <a:buNone/>
-            </a:pPr>
-            <a:r>
-              <a:rPr/>
-              <a:t>asdfasfasd</a:t>
             </a:r>
           </a:p>
         </p:txBody>
@@ -4699,28 +4785,28 @@
             <a:pPr lvl="0"/>
             <a:r>
               <a:rPr/>
-              <a:t>z= (3500-3700)/410 = -0.48</a:t>
+              <a:t>z= (21-35)/40 = -0.48</a:t>
             </a:r>
           </a:p>
           <a:p>
             <a:pPr lvl="1"/>
             <a:r>
               <a:rPr/>
-              <a:t>From z table: p= 0.3156 X 2</a:t>
+              <a:t>From z table: p= 0.6368 X 2</a:t>
             </a:r>
           </a:p>
           <a:p>
             <a:pPr lvl="1"/>
             <a:r>
               <a:rPr/>
-              <a:t>p of getting sample as far away from µ as A is = 0.6312 (63.1%)</a:t>
+              <a:t>p of getting sample as far away from µ as A is = 0.6368 (63.6%)</a:t>
             </a:r>
           </a:p>
           <a:p>
             <a:pPr lvl="0"/>
             <a:r>
               <a:rPr/>
-              <a:t>But- usually can’t use z!</a:t>
+              <a:t>But - usually can’t use z!</a:t>
             </a:r>
           </a:p>
           <a:p>
@@ -4796,9 +4882,12 @@
         </p:nvSpPr>
         <p:spPr>
           <a:xfrm>
-            <a:off x="139485" y="78119"/>
-            <a:ext cx="8229600" cy="607682"/>
+            <a:off x="0" y="0"/>
+            <a:ext cx="9144000" cy="602780"/>
           </a:xfrm>
+          <a:solidFill>
+            <a:srgbClr val="70121D"/>
+          </a:solidFill>
         </p:spPr>
         <p:txBody>
           <a:bodyPr/>
@@ -4808,7 +4897,7 @@
               <a:buNone/>
             </a:pPr>
             <a:r>
-              <a:rPr b="1"/>
+              <a:rPr/>
               <a:t>Lecture 4: Review</a:t>
             </a:r>
           </a:p>
@@ -4816,12 +4905,12 @@
       </p:sp>
       <p:sp>
         <p:nvSpPr>
-          <p:cNvPr id="3" name="Text Placeholder 2"/>
-          <p:cNvSpPr>
-            <a:spLocks noGrp="1"/>
-          </p:cNvSpPr>
-          <p:nvPr>
-            <p:ph idx="1" type="body"/>
+          <p:cNvPr id="3" name="Content Placeholder 2"/>
+          <p:cNvSpPr>
+            <a:spLocks noGrp="1"/>
+          </p:cNvSpPr>
+          <p:nvPr>
+            <p:ph idx="1" sz="half"/>
           </p:nvPr>
         </p:nvSpPr>
         <p:spPr/>
@@ -4829,49 +4918,21 @@
           <a:bodyPr/>
           <a:lstStyle/>
           <a:p>
-            <a:pPr lvl="0"/>
-            <a:r>
-              <a:rPr/>
-              <a:t>Introduction to hypothesis testing</a:t>
-            </a:r>
-          </a:p>
-          <a:p>
-            <a:pPr lvl="0"/>
-            <a:r>
-              <a:rPr/>
-              <a:t>The standard normal distribution</a:t>
-            </a:r>
-          </a:p>
-          <a:p>
-            <a:pPr lvl="0"/>
-            <a:r>
-              <a:rPr/>
-              <a:t>Standard error</a:t>
-            </a:r>
-          </a:p>
-          <a:p>
-            <a:pPr lvl="0"/>
-            <a:r>
-              <a:rPr/>
-              <a:t>Confidence intervals</a:t>
-            </a:r>
-          </a:p>
-          <a:p>
-            <a:pPr lvl="0"/>
-            <a:r>
-              <a:rPr/>
-              <a:t>Student’s t-distribution</a:t>
-            </a:r>
-          </a:p>
-          <a:p>
-            <a:pPr lvl="0"/>
-            <a:r>
-              <a:rPr/>
-              <a:t>H testing sequence</a:t>
-            </a:r>
-          </a:p>
-          <a:p>
-            <a:pPr lvl="0"/>
+            <a:pPr lvl="0" indent="0" marL="0">
+              <a:buNone/>
+            </a:pPr>
+            <a:r>
+              <a:rPr/>
+              <a:t>Covered - - Introduction to hypothesis testing - The standard normal distribution - Standard error - Confidence intervals - Student’s t-distribution - H testing - </a:t>
+            </a:r>
+            <a:r>
+              <a:rPr b="1"/>
+              <a:t>One and Two Sample T Test</a:t>
+            </a:r>
+            <a:r>
+              <a:rPr/>
+              <a:t> - </a:t>
+            </a:r>
             <a:r>
               <a:rPr b="1"/>
               <a:t>p-values</a:t>
@@ -4879,35 +4940,9 @@
           </a:p>
         </p:txBody>
       </p:sp>
-      <p:sp>
-        <p:nvSpPr>
-          <p:cNvPr id="5" name="Text Placeholder 4"/>
-          <p:cNvSpPr>
-            <a:spLocks noGrp="1"/>
-          </p:cNvSpPr>
-          <p:nvPr>
-            <p:ph idx="3" sz="quarter" type="body"/>
-          </p:nvPr>
-        </p:nvSpPr>
-        <p:spPr/>
-        <p:txBody>
-          <a:bodyPr/>
-          <a:lstStyle/>
-          <a:p>
-            <a:pPr lvl="0" indent="0" marL="0">
-              <a:buNone/>
-            </a:pPr>
-            <a:r>
-              <a:rPr/>
-              <a:t>Our last graphs</a:t>
-            </a:r>
-            <a:br/>
-          </a:p>
-        </p:txBody>
-      </p:sp>
       <p:pic>
         <p:nvPicPr>
-          <p:cNvPr descr="images/clipboard-3257239263.png" id="0" name="Picture 1"/>
+          <p:cNvPr descr="images/clipboard-536528302.png" id="0" name="Picture 1"/>
           <p:cNvPicPr>
             <a:picLocks noGrp="1" noChangeAspect="1"/>
           </p:cNvPicPr>
@@ -4921,8 +4956,8 @@
         </p:blipFill>
         <p:spPr bwMode="auto">
           <a:xfrm>
-            <a:off x="4749800" y="2070100"/>
-            <a:ext cx="4038600" cy="1714500"/>
+            <a:off x="6121400" y="889000"/>
+            <a:ext cx="2781300" cy="4013200"/>
           </a:xfrm>
           <a:prstGeom prst="rect">
             <a:avLst/>
@@ -5026,35 +5061,35 @@
             <a:pPr lvl="0"/>
             <a:r>
               <a:rPr/>
-              <a:t>- Formulate hypotheses</a:t>
+              <a:t>Formulate hypotheses</a:t>
             </a:r>
           </a:p>
           <a:p>
             <a:pPr lvl="0"/>
             <a:r>
               <a:rPr/>
-              <a:t>- Test assumptions</a:t>
+              <a:t>Test assumptions</a:t>
             </a:r>
           </a:p>
           <a:p>
             <a:pPr lvl="0"/>
             <a:r>
               <a:rPr/>
-              <a:t>- Perform t-tests</a:t>
+              <a:t>Perform t-tests</a:t>
             </a:r>
           </a:p>
           <a:p>
             <a:pPr lvl="0"/>
             <a:r>
               <a:rPr/>
-              <a:t>- Visualize data</a:t>
+              <a:t>Visualize data</a:t>
             </a:r>
           </a:p>
           <a:p>
             <a:pPr lvl="0"/>
             <a:r>
               <a:rPr/>
-              <a:t>- Report results accurately</a:t>
+              <a:t>Report results accurately</a:t>
             </a:r>
           </a:p>
         </p:txBody>
@@ -5292,19 +5327,52 @@
       </p:grpSpPr>
       <p:sp>
         <p:nvSpPr>
-          <p:cNvPr id="3" name="Content Placeholder 2"/>
-          <p:cNvSpPr>
-            <a:spLocks noGrp="1"/>
-          </p:cNvSpPr>
-          <p:nvPr>
-            <p:ph idx="1"/>
-          </p:nvPr>
-        </p:nvSpPr>
-        <p:spPr/>
+          <p:cNvPr id="2" name="Title 1"/>
+          <p:cNvSpPr>
+            <a:spLocks noGrp="1"/>
+          </p:cNvSpPr>
+          <p:nvPr>
+            <p:ph type="title"/>
+          </p:nvPr>
+        </p:nvSpPr>
+        <p:spPr>
+          <a:xfrm>
+            <a:off x="0" y="0"/>
+            <a:ext cx="9144000" cy="602780"/>
+          </a:xfrm>
+          <a:solidFill>
+            <a:srgbClr val="70121D"/>
+          </a:solidFill>
+        </p:spPr>
         <p:txBody>
           <a:bodyPr/>
           <a:lstStyle/>
           <a:p>
+            <a:pPr lvl="0" indent="0" marL="0">
+              <a:buNone/>
+            </a:pPr>
+            <a:r>
+              <a:rPr/>
+              <a:t>How to do this in R</a:t>
+            </a:r>
+          </a:p>
+        </p:txBody>
+      </p:sp>
+      <p:sp>
+        <p:nvSpPr>
+          <p:cNvPr id="3" name="Content Placeholder 2"/>
+          <p:cNvSpPr>
+            <a:spLocks noGrp="1"/>
+          </p:cNvSpPr>
+          <p:nvPr>
+            <p:ph idx="1" sz="half"/>
+          </p:nvPr>
+        </p:nvSpPr>
+        <p:spPr/>
+        <p:txBody>
+          <a:bodyPr/>
+          <a:lstStyle/>
+          <a:p>
             <a:pPr lvl="0" indent="0">
               <a:buNone/>
             </a:pPr>
@@ -5385,7 +5453,7 @@
                 </a:solidFill>
                 <a:latin typeface="Courier"/>
               </a:rPr>
-              <a:t>(readr)        </a:t>
+              <a:t>(car)          </a:t>
             </a:r>
             <a:r>
               <a:rPr>
@@ -5394,7 +5462,7 @@
                 </a:solidFill>
                 <a:latin typeface="Courier"/>
               </a:rPr>
-              <a:t># For reading CSV files</a:t>
+              <a:t># For diagnostic tests</a:t>
             </a:r>
             <a:br/>
             <a:r>
@@ -5424,35 +5492,23 @@
               </a:rPr>
               <a:t># For data manipulation and visualization</a:t>
             </a:r>
-            <a:br/>
-            <a:r>
-              <a:rPr>
-                <a:solidFill>
-                  <a:srgbClr val="4758AB"/>
-                </a:solidFill>
-                <a:latin typeface="Courier"/>
-              </a:rPr>
-              <a:t>library</a:t>
-            </a:r>
-            <a:r>
-              <a:rPr>
-                <a:solidFill>
-                  <a:srgbClr val="003B4F"/>
-                </a:solidFill>
-                <a:latin typeface="Courier"/>
-              </a:rPr>
-              <a:t>(car)          </a:t>
-            </a:r>
-            <a:r>
-              <a:rPr>
-                <a:solidFill>
-                  <a:srgbClr val="5E5E5E"/>
-                </a:solidFill>
-                <a:latin typeface="Courier"/>
-              </a:rPr>
-              <a:t># For diagnostic tests</a:t>
-            </a:r>
-          </a:p>
+          </a:p>
+        </p:txBody>
+      </p:sp>
+      <p:sp>
+        <p:nvSpPr>
+          <p:cNvPr id="4" name="Content Placeholder 3"/>
+          <p:cNvSpPr>
+            <a:spLocks noGrp="1"/>
+          </p:cNvSpPr>
+          <p:nvPr>
+            <p:ph idx="2" sz="half"/>
+          </p:nvPr>
+        </p:nvSpPr>
+        <p:spPr/>
+        <p:txBody>
+          <a:bodyPr/>
+          <a:lstStyle/>
           <a:p>
             <a:pPr lvl="0" indent="0">
               <a:buNone/>
@@ -5671,6 +5727,376 @@
               <a:t>Activity: Calculate basic summary statistics for pine needle length</a:t>
             </a:r>
           </a:p>
+          <a:p>
+            <a:pPr lvl="0" indent="0">
+              <a:buNone/>
+            </a:pPr>
+            <a:r>
+              <a:rPr>
+                <a:solidFill>
+                  <a:srgbClr val="5E5E5E"/>
+                </a:solidFill>
+                <a:latin typeface="Courier"/>
+              </a:rPr>
+              <a:t># YOUR </a:t>
+            </a:r>
+            <a:r>
+              <a:rPr>
+                <a:solidFill>
+                  <a:srgbClr val="AD0000"/>
+                </a:solidFill>
+                <a:latin typeface="Courier"/>
+              </a:rPr>
+              <a:t>TASK</a:t>
+            </a:r>
+            <a:r>
+              <a:rPr>
+                <a:solidFill>
+                  <a:srgbClr val="5E5E5E"/>
+                </a:solidFill>
+                <a:latin typeface="Courier"/>
+              </a:rPr>
+              <a:t>: Calculate summary statistics for pine needle length</a:t>
+            </a:r>
+            <a:br/>
+            <a:r>
+              <a:rPr>
+                <a:solidFill>
+                  <a:srgbClr val="5E5E5E"/>
+                </a:solidFill>
+                <a:latin typeface="Courier"/>
+              </a:rPr>
+              <a:t># Hint: Use summarize() function to calculate mean, sd, n, etc.</a:t>
+            </a:r>
+            <a:br/>
+            <a:br/>
+            <a:r>
+              <a:rPr>
+                <a:solidFill>
+                  <a:srgbClr val="5E5E5E"/>
+                </a:solidFill>
+                <a:latin typeface="Courier"/>
+              </a:rPr>
+              <a:t># Create a summary table for all pine needles</a:t>
+            </a:r>
+            <a:br/>
+            <a:r>
+              <a:rPr>
+                <a:solidFill>
+                  <a:srgbClr val="003B4F"/>
+                </a:solidFill>
+                <a:latin typeface="Courier"/>
+              </a:rPr>
+              <a:t>pine_summary &lt;- pine_data </a:t>
+            </a:r>
+            <a:r>
+              <a:rPr>
+                <a:solidFill>
+                  <a:srgbClr val="5E5E5E"/>
+                </a:solidFill>
+                <a:latin typeface="Courier"/>
+              </a:rPr>
+              <a:t>%&gt;%</a:t>
+            </a:r>
+            <a:br/>
+            <a:r>
+              <a:rPr>
+                <a:solidFill>
+                  <a:srgbClr val="003B4F"/>
+                </a:solidFill>
+                <a:latin typeface="Courier"/>
+              </a:rPr>
+              <a:t>  </a:t>
+            </a:r>
+            <a:r>
+              <a:rPr>
+                <a:solidFill>
+                  <a:srgbClr val="4758AB"/>
+                </a:solidFill>
+                <a:latin typeface="Courier"/>
+              </a:rPr>
+              <a:t>summarize</a:t>
+            </a:r>
+            <a:r>
+              <a:rPr>
+                <a:solidFill>
+                  <a:srgbClr val="003B4F"/>
+                </a:solidFill>
+                <a:latin typeface="Courier"/>
+              </a:rPr>
+              <a:t>(</a:t>
+            </a:r>
+            <a:br/>
+            <a:r>
+              <a:rPr>
+                <a:solidFill>
+                  <a:srgbClr val="003B4F"/>
+                </a:solidFill>
+                <a:latin typeface="Courier"/>
+              </a:rPr>
+              <a:t>    </a:t>
+            </a:r>
+            <a:r>
+              <a:rPr>
+                <a:solidFill>
+                  <a:srgbClr val="657422"/>
+                </a:solidFill>
+                <a:latin typeface="Courier"/>
+              </a:rPr>
+              <a:t>mean_length =</a:t>
+            </a:r>
+            <a:r>
+              <a:rPr>
+                <a:solidFill>
+                  <a:srgbClr val="003B4F"/>
+                </a:solidFill>
+                <a:latin typeface="Courier"/>
+              </a:rPr>
+              <a:t> </a:t>
+            </a:r>
+            <a:r>
+              <a:rPr>
+                <a:solidFill>
+                  <a:srgbClr val="4758AB"/>
+                </a:solidFill>
+                <a:latin typeface="Courier"/>
+              </a:rPr>
+              <a:t>mean</a:t>
+            </a:r>
+            <a:r>
+              <a:rPr>
+                <a:solidFill>
+                  <a:srgbClr val="003B4F"/>
+                </a:solidFill>
+                <a:latin typeface="Courier"/>
+              </a:rPr>
+              <a:t>(len_mm),</a:t>
+            </a:r>
+            <a:br/>
+            <a:r>
+              <a:rPr>
+                <a:solidFill>
+                  <a:srgbClr val="003B4F"/>
+                </a:solidFill>
+                <a:latin typeface="Courier"/>
+              </a:rPr>
+              <a:t>    </a:t>
+            </a:r>
+            <a:r>
+              <a:rPr>
+                <a:solidFill>
+                  <a:srgbClr val="657422"/>
+                </a:solidFill>
+                <a:latin typeface="Courier"/>
+              </a:rPr>
+              <a:t>sd_length =</a:t>
+            </a:r>
+            <a:r>
+              <a:rPr>
+                <a:solidFill>
+                  <a:srgbClr val="003B4F"/>
+                </a:solidFill>
+                <a:latin typeface="Courier"/>
+              </a:rPr>
+              <a:t> </a:t>
+            </a:r>
+            <a:r>
+              <a:rPr>
+                <a:solidFill>
+                  <a:srgbClr val="4758AB"/>
+                </a:solidFill>
+                <a:latin typeface="Courier"/>
+              </a:rPr>
+              <a:t>sd</a:t>
+            </a:r>
+            <a:r>
+              <a:rPr>
+                <a:solidFill>
+                  <a:srgbClr val="003B4F"/>
+                </a:solidFill>
+                <a:latin typeface="Courier"/>
+              </a:rPr>
+              <a:t>(len_mm),</a:t>
+            </a:r>
+            <a:br/>
+            <a:r>
+              <a:rPr>
+                <a:solidFill>
+                  <a:srgbClr val="003B4F"/>
+                </a:solidFill>
+                <a:latin typeface="Courier"/>
+              </a:rPr>
+              <a:t>    </a:t>
+            </a:r>
+            <a:r>
+              <a:rPr>
+                <a:solidFill>
+                  <a:srgbClr val="657422"/>
+                </a:solidFill>
+                <a:latin typeface="Courier"/>
+              </a:rPr>
+              <a:t>n =</a:t>
+            </a:r>
+            <a:r>
+              <a:rPr>
+                <a:solidFill>
+                  <a:srgbClr val="003B4F"/>
+                </a:solidFill>
+                <a:latin typeface="Courier"/>
+              </a:rPr>
+              <a:t> </a:t>
+            </a:r>
+            <a:r>
+              <a:rPr>
+                <a:solidFill>
+                  <a:srgbClr val="4758AB"/>
+                </a:solidFill>
+                <a:latin typeface="Courier"/>
+              </a:rPr>
+              <a:t>n</a:t>
+            </a:r>
+            <a:r>
+              <a:rPr>
+                <a:solidFill>
+                  <a:srgbClr val="003B4F"/>
+                </a:solidFill>
+                <a:latin typeface="Courier"/>
+              </a:rPr>
+              <a:t>(),</a:t>
+            </a:r>
+            <a:br/>
+            <a:r>
+              <a:rPr>
+                <a:solidFill>
+                  <a:srgbClr val="003B4F"/>
+                </a:solidFill>
+                <a:latin typeface="Courier"/>
+              </a:rPr>
+              <a:t>    </a:t>
+            </a:r>
+            <a:r>
+              <a:rPr>
+                <a:solidFill>
+                  <a:srgbClr val="657422"/>
+                </a:solidFill>
+                <a:latin typeface="Courier"/>
+              </a:rPr>
+              <a:t>se_length =</a:t>
+            </a:r>
+            <a:r>
+              <a:rPr>
+                <a:solidFill>
+                  <a:srgbClr val="003B4F"/>
+                </a:solidFill>
+                <a:latin typeface="Courier"/>
+              </a:rPr>
+              <a:t> sd_length </a:t>
+            </a:r>
+            <a:r>
+              <a:rPr>
+                <a:solidFill>
+                  <a:srgbClr val="5E5E5E"/>
+                </a:solidFill>
+                <a:latin typeface="Courier"/>
+              </a:rPr>
+              <a:t>/</a:t>
+            </a:r>
+            <a:r>
+              <a:rPr>
+                <a:solidFill>
+                  <a:srgbClr val="003B4F"/>
+                </a:solidFill>
+                <a:latin typeface="Courier"/>
+              </a:rPr>
+              <a:t> </a:t>
+            </a:r>
+            <a:r>
+              <a:rPr>
+                <a:solidFill>
+                  <a:srgbClr val="4758AB"/>
+                </a:solidFill>
+                <a:latin typeface="Courier"/>
+              </a:rPr>
+              <a:t>sqrt</a:t>
+            </a:r>
+            <a:r>
+              <a:rPr>
+                <a:solidFill>
+                  <a:srgbClr val="003B4F"/>
+                </a:solidFill>
+                <a:latin typeface="Courier"/>
+              </a:rPr>
+              <a:t>(n)</a:t>
+            </a:r>
+            <a:br/>
+            <a:r>
+              <a:rPr>
+                <a:solidFill>
+                  <a:srgbClr val="003B4F"/>
+                </a:solidFill>
+                <a:latin typeface="Courier"/>
+              </a:rPr>
+              <a:t>  )</a:t>
+            </a:r>
+            <a:br/>
+            <a:br/>
+            <a:r>
+              <a:rPr>
+                <a:solidFill>
+                  <a:srgbClr val="4758AB"/>
+                </a:solidFill>
+                <a:latin typeface="Courier"/>
+              </a:rPr>
+              <a:t>print</a:t>
+            </a:r>
+            <a:r>
+              <a:rPr>
+                <a:solidFill>
+                  <a:srgbClr val="003B4F"/>
+                </a:solidFill>
+                <a:latin typeface="Courier"/>
+              </a:rPr>
+              <a:t>(pine_summary)</a:t>
+            </a:r>
+          </a:p>
+          <a:p>
+            <a:pPr lvl="0" indent="0">
+              <a:buNone/>
+            </a:pPr>
+            <a:r>
+              <a:rPr>
+                <a:latin typeface="Courier"/>
+              </a:rPr>
+              <a:t># A tibble: 1 × 4
+  mean_length sd_length     n se_length
+        &lt;dbl&gt;     &lt;dbl&gt; &lt;int&gt;     &lt;dbl&gt;
+1        17.7      3.53    48     0.509</a:t>
+            </a:r>
+          </a:p>
+          <a:p>
+            <a:pPr lvl="0" indent="0">
+              <a:buNone/>
+            </a:pPr>
+            <a:r>
+              <a:rPr>
+                <a:solidFill>
+                  <a:srgbClr val="5E5E5E"/>
+                </a:solidFill>
+                <a:latin typeface="Courier"/>
+              </a:rPr>
+              <a:t># Now calculate summary statistics by wind exposure</a:t>
+            </a:r>
+            <a:br/>
+            <a:r>
+              <a:rPr>
+                <a:solidFill>
+                  <a:srgbClr val="5E5E5E"/>
+                </a:solidFill>
+                <a:latin typeface="Courier"/>
+              </a:rPr>
+              <a:t># YOUR CODE HERE</a:t>
+            </a:r>
+          </a:p>
         </p:txBody>
       </p:sp>
     </p:spTree>
@@ -5697,386 +6123,124 @@
       </p:grpSpPr>
       <p:sp>
         <p:nvSpPr>
-          <p:cNvPr id="3" name="Content Placeholder 2"/>
-          <p:cNvSpPr>
-            <a:spLocks noGrp="1"/>
-          </p:cNvSpPr>
-          <p:nvPr>
-            <p:ph idx="1"/>
-          </p:nvPr>
-        </p:nvSpPr>
-        <p:spPr/>
+          <p:cNvPr id="2" name="Title 1"/>
+          <p:cNvSpPr>
+            <a:spLocks noGrp="1"/>
+          </p:cNvSpPr>
+          <p:nvPr>
+            <p:ph type="title"/>
+          </p:nvPr>
+        </p:nvSpPr>
+        <p:spPr>
+          <a:xfrm>
+            <a:off x="0" y="0"/>
+            <a:ext cx="9144000" cy="602780"/>
+          </a:xfrm>
+          <a:solidFill>
+            <a:srgbClr val="70121D"/>
+          </a:solidFill>
+        </p:spPr>
         <p:txBody>
           <a:bodyPr/>
           <a:lstStyle/>
           <a:p>
-            <a:pPr lvl="0" indent="0">
-              <a:buNone/>
-            </a:pPr>
-            <a:r>
-              <a:rPr>
-                <a:solidFill>
-                  <a:srgbClr val="5E5E5E"/>
-                </a:solidFill>
-                <a:latin typeface="Courier"/>
-              </a:rPr>
-              <a:t># YOUR </a:t>
-            </a:r>
-            <a:r>
-              <a:rPr>
-                <a:solidFill>
-                  <a:srgbClr val="AD0000"/>
-                </a:solidFill>
-                <a:latin typeface="Courier"/>
-              </a:rPr>
-              <a:t>TASK</a:t>
-            </a:r>
-            <a:r>
-              <a:rPr>
-                <a:solidFill>
-                  <a:srgbClr val="5E5E5E"/>
-                </a:solidFill>
-                <a:latin typeface="Courier"/>
-              </a:rPr>
-              <a:t>: Calculate summary statistics for pine needle length</a:t>
-            </a:r>
-            <a:br/>
-            <a:r>
-              <a:rPr>
-                <a:solidFill>
-                  <a:srgbClr val="5E5E5E"/>
-                </a:solidFill>
-                <a:latin typeface="Courier"/>
-              </a:rPr>
-              <a:t># Hint: Use summarize() function to calculate mean, sd, n, etc.</a:t>
-            </a:r>
-            <a:br/>
-            <a:br/>
-            <a:r>
-              <a:rPr>
-                <a:solidFill>
-                  <a:srgbClr val="5E5E5E"/>
-                </a:solidFill>
-                <a:latin typeface="Courier"/>
-              </a:rPr>
-              <a:t># Create a summary table for all pine needles</a:t>
-            </a:r>
-            <a:br/>
-            <a:r>
-              <a:rPr>
-                <a:solidFill>
-                  <a:srgbClr val="003B4F"/>
-                </a:solidFill>
-                <a:latin typeface="Courier"/>
-              </a:rPr>
-              <a:t>pine_summary &lt;- pine_data </a:t>
-            </a:r>
-            <a:r>
-              <a:rPr>
-                <a:solidFill>
-                  <a:srgbClr val="5E5E5E"/>
-                </a:solidFill>
-                <a:latin typeface="Courier"/>
-              </a:rPr>
-              <a:t>%&gt;%</a:t>
-            </a:r>
-            <a:br/>
-            <a:r>
-              <a:rPr>
-                <a:solidFill>
-                  <a:srgbClr val="003B4F"/>
-                </a:solidFill>
-                <a:latin typeface="Courier"/>
-              </a:rPr>
-              <a:t>  </a:t>
-            </a:r>
-            <a:r>
-              <a:rPr>
-                <a:solidFill>
-                  <a:srgbClr val="4758AB"/>
-                </a:solidFill>
-                <a:latin typeface="Courier"/>
-              </a:rPr>
-              <a:t>summarize</a:t>
-            </a:r>
-            <a:r>
-              <a:rPr>
-                <a:solidFill>
-                  <a:srgbClr val="003B4F"/>
-                </a:solidFill>
-                <a:latin typeface="Courier"/>
-              </a:rPr>
-              <a:t>(</a:t>
-            </a:r>
-            <a:br/>
-            <a:r>
-              <a:rPr>
-                <a:solidFill>
-                  <a:srgbClr val="003B4F"/>
-                </a:solidFill>
-                <a:latin typeface="Courier"/>
-              </a:rPr>
-              <a:t>    </a:t>
-            </a:r>
-            <a:r>
-              <a:rPr>
-                <a:solidFill>
-                  <a:srgbClr val="657422"/>
-                </a:solidFill>
-                <a:latin typeface="Courier"/>
-              </a:rPr>
-              <a:t>mean_length =</a:t>
-            </a:r>
-            <a:r>
-              <a:rPr>
-                <a:solidFill>
-                  <a:srgbClr val="003B4F"/>
-                </a:solidFill>
-                <a:latin typeface="Courier"/>
-              </a:rPr>
-              <a:t> </a:t>
-            </a:r>
-            <a:r>
-              <a:rPr>
-                <a:solidFill>
-                  <a:srgbClr val="4758AB"/>
-                </a:solidFill>
-                <a:latin typeface="Courier"/>
-              </a:rPr>
-              <a:t>mean</a:t>
-            </a:r>
-            <a:r>
-              <a:rPr>
-                <a:solidFill>
-                  <a:srgbClr val="003B4F"/>
-                </a:solidFill>
-                <a:latin typeface="Courier"/>
-              </a:rPr>
-              <a:t>(len_mm),</a:t>
-            </a:r>
-            <a:br/>
-            <a:r>
-              <a:rPr>
-                <a:solidFill>
-                  <a:srgbClr val="003B4F"/>
-                </a:solidFill>
-                <a:latin typeface="Courier"/>
-              </a:rPr>
-              <a:t>    </a:t>
-            </a:r>
-            <a:r>
-              <a:rPr>
-                <a:solidFill>
-                  <a:srgbClr val="657422"/>
-                </a:solidFill>
-                <a:latin typeface="Courier"/>
-              </a:rPr>
-              <a:t>sd_length =</a:t>
-            </a:r>
-            <a:r>
-              <a:rPr>
-                <a:solidFill>
-                  <a:srgbClr val="003B4F"/>
-                </a:solidFill>
-                <a:latin typeface="Courier"/>
-              </a:rPr>
-              <a:t> </a:t>
-            </a:r>
-            <a:r>
-              <a:rPr>
-                <a:solidFill>
-                  <a:srgbClr val="4758AB"/>
-                </a:solidFill>
-                <a:latin typeface="Courier"/>
-              </a:rPr>
-              <a:t>sd</a:t>
-            </a:r>
-            <a:r>
-              <a:rPr>
-                <a:solidFill>
-                  <a:srgbClr val="003B4F"/>
-                </a:solidFill>
-                <a:latin typeface="Courier"/>
-              </a:rPr>
-              <a:t>(len_mm),</a:t>
-            </a:r>
-            <a:br/>
-            <a:r>
-              <a:rPr>
-                <a:solidFill>
-                  <a:srgbClr val="003B4F"/>
-                </a:solidFill>
-                <a:latin typeface="Courier"/>
-              </a:rPr>
-              <a:t>    </a:t>
-            </a:r>
-            <a:r>
-              <a:rPr>
-                <a:solidFill>
-                  <a:srgbClr val="657422"/>
-                </a:solidFill>
-                <a:latin typeface="Courier"/>
-              </a:rPr>
-              <a:t>n =</a:t>
-            </a:r>
-            <a:r>
-              <a:rPr>
-                <a:solidFill>
-                  <a:srgbClr val="003B4F"/>
-                </a:solidFill>
-                <a:latin typeface="Courier"/>
-              </a:rPr>
-              <a:t> </a:t>
-            </a:r>
-            <a:r>
-              <a:rPr>
-                <a:solidFill>
-                  <a:srgbClr val="4758AB"/>
-                </a:solidFill>
-                <a:latin typeface="Courier"/>
-              </a:rPr>
-              <a:t>n</a:t>
-            </a:r>
-            <a:r>
-              <a:rPr>
-                <a:solidFill>
-                  <a:srgbClr val="003B4F"/>
-                </a:solidFill>
-                <a:latin typeface="Courier"/>
-              </a:rPr>
-              <a:t>(),</a:t>
-            </a:r>
-            <a:br/>
-            <a:r>
-              <a:rPr>
-                <a:solidFill>
-                  <a:srgbClr val="003B4F"/>
-                </a:solidFill>
-                <a:latin typeface="Courier"/>
-              </a:rPr>
-              <a:t>    </a:t>
-            </a:r>
-            <a:r>
-              <a:rPr>
-                <a:solidFill>
-                  <a:srgbClr val="657422"/>
-                </a:solidFill>
-                <a:latin typeface="Courier"/>
-              </a:rPr>
-              <a:t>se_length =</a:t>
-            </a:r>
-            <a:r>
-              <a:rPr>
-                <a:solidFill>
-                  <a:srgbClr val="003B4F"/>
-                </a:solidFill>
-                <a:latin typeface="Courier"/>
-              </a:rPr>
-              <a:t> sd_length </a:t>
-            </a:r>
-            <a:r>
-              <a:rPr>
-                <a:solidFill>
-                  <a:srgbClr val="5E5E5E"/>
-                </a:solidFill>
-                <a:latin typeface="Courier"/>
-              </a:rPr>
-              <a:t>/</a:t>
-            </a:r>
-            <a:r>
-              <a:rPr>
-                <a:solidFill>
-                  <a:srgbClr val="003B4F"/>
-                </a:solidFill>
-                <a:latin typeface="Courier"/>
-              </a:rPr>
-              <a:t> </a:t>
-            </a:r>
-            <a:r>
-              <a:rPr>
-                <a:solidFill>
-                  <a:srgbClr val="4758AB"/>
-                </a:solidFill>
-                <a:latin typeface="Courier"/>
-              </a:rPr>
-              <a:t>sqrt</a:t>
-            </a:r>
-            <a:r>
-              <a:rPr>
-                <a:solidFill>
-                  <a:srgbClr val="003B4F"/>
-                </a:solidFill>
-                <a:latin typeface="Courier"/>
-              </a:rPr>
-              <a:t>(n)</a:t>
-            </a:r>
-            <a:br/>
-            <a:r>
-              <a:rPr>
-                <a:solidFill>
-                  <a:srgbClr val="003B4F"/>
-                </a:solidFill>
-                <a:latin typeface="Courier"/>
-              </a:rPr>
-              <a:t>  )</a:t>
-            </a:r>
-            <a:br/>
-            <a:br/>
-            <a:r>
-              <a:rPr>
-                <a:solidFill>
-                  <a:srgbClr val="4758AB"/>
-                </a:solidFill>
-                <a:latin typeface="Courier"/>
-              </a:rPr>
-              <a:t>print</a:t>
-            </a:r>
-            <a:r>
-              <a:rPr>
-                <a:solidFill>
-                  <a:srgbClr val="003B4F"/>
-                </a:solidFill>
-                <a:latin typeface="Courier"/>
-              </a:rPr>
-              <a:t>(pine_summary)</a:t>
-            </a:r>
-          </a:p>
-          <a:p>
-            <a:pPr lvl="0" indent="0">
-              <a:buNone/>
-            </a:pPr>
-            <a:r>
-              <a:rPr>
-                <a:latin typeface="Courier"/>
-              </a:rPr>
-              <a:t># A tibble: 1 × 4
-  mean_length sd_length     n se_length
-        &lt;dbl&gt;     &lt;dbl&gt; &lt;int&gt;     &lt;dbl&gt;
-1        17.7      3.53    48     0.509</a:t>
-            </a:r>
-          </a:p>
-          <a:p>
-            <a:pPr lvl="0" indent="0">
-              <a:buNone/>
-            </a:pPr>
-            <a:r>
-              <a:rPr>
-                <a:solidFill>
-                  <a:srgbClr val="5E5E5E"/>
-                </a:solidFill>
-                <a:latin typeface="Courier"/>
-              </a:rPr>
-              <a:t># Now calculate summary statistics by wind exposure</a:t>
-            </a:r>
-            <a:br/>
-            <a:r>
-              <a:rPr>
-                <a:solidFill>
-                  <a:srgbClr val="5E5E5E"/>
-                </a:solidFill>
-                <a:latin typeface="Courier"/>
-              </a:rPr>
-              <a:t># YOUR CODE HERE</a:t>
+            <a:pPr lvl="0" indent="0" marL="0">
+              <a:buNone/>
+            </a:pPr>
+            <a:r>
+              <a:rPr b="1"/>
+              <a:t>Part 1:</a:t>
+            </a:r>
+            <a:r>
+              <a:rPr/>
+              <a:t> Visualizing the Data</a:t>
+            </a:r>
+          </a:p>
+        </p:txBody>
+      </p:sp>
+      <p:sp>
+        <p:nvSpPr>
+          <p:cNvPr id="3" name="Content Placeholder 2"/>
+          <p:cNvSpPr>
+            <a:spLocks noGrp="1"/>
+          </p:cNvSpPr>
+          <p:nvPr>
+            <p:ph idx="1" sz="half"/>
+          </p:nvPr>
+        </p:nvSpPr>
+        <p:spPr/>
+        <p:txBody>
+          <a:bodyPr/>
+          <a:lstStyle/>
+          <a:p>
+            <a:pPr lvl="0" indent="0" marL="0">
+              <a:buNone/>
+            </a:pPr>
+            <a:r>
+              <a:rPr b="1"/>
+              <a:t>Activity: Create visualizations of pine needle length</a:t>
+            </a:r>
+          </a:p>
+          <a:p>
+            <a:pPr lvl="0" indent="0" marL="0">
+              <a:buNone/>
+            </a:pPr>
+            <a:r>
+              <a:rPr/>
+              <a:t>Create a histogram and a boxplot to visualize the distribution of pine needle length values.</a:t>
+            </a:r>
+          </a:p>
+        </p:txBody>
+      </p:sp>
+      <p:sp>
+        <p:nvSpPr>
+          <p:cNvPr id="4" name="Content Placeholder 3"/>
+          <p:cNvSpPr>
+            <a:spLocks noGrp="1"/>
+          </p:cNvSpPr>
+          <p:nvPr>
+            <p:ph idx="2" sz="half"/>
+          </p:nvPr>
+        </p:nvSpPr>
+        <p:spPr/>
+        <p:txBody>
+          <a:bodyPr/>
+          <a:lstStyle/>
+          <a:p>
+            <a:pPr lvl="0" indent="0" marL="0">
+              <a:buNone/>
+            </a:pPr>
+            <a:r>
+              <a:rPr/>
+              <a:t>Effective data visualization helps us understand:</a:t>
+            </a:r>
+          </a:p>
+          <a:p>
+            <a:pPr lvl="0"/>
+            <a:r>
+              <a:rPr/>
+              <a:t>The central tendency</a:t>
+            </a:r>
+          </a:p>
+          <a:p>
+            <a:pPr lvl="0"/>
+            <a:r>
+              <a:rPr/>
+              <a:t>The spread of the data</a:t>
+            </a:r>
+          </a:p>
+          <a:p>
+            <a:pPr lvl="0"/>
+            <a:r>
+              <a:rPr/>
+              <a:t>Potential outliers</a:t>
+            </a:r>
+          </a:p>
+          <a:p>
+            <a:pPr lvl="0"/>
+            <a:r>
+              <a:rPr/>
+              <a:t>Shape of distribution</a:t>
             </a:r>
           </a:p>
         </p:txBody>
@@ -6116,11 +6280,8 @@
         <p:spPr>
           <a:xfrm>
             <a:off x="0" y="0"/>
-            <a:ext cx="9144000" cy="602780"/>
+            <a:ext cx="9144000" cy="871538"/>
           </a:xfrm>
-          <a:solidFill>
-            <a:srgbClr val="70121D"/>
-          </a:solidFill>
         </p:spPr>
         <p:txBody>
           <a:bodyPr/>
@@ -6130,133 +6291,12 @@
               <a:buNone/>
             </a:pPr>
             <a:r>
-              <a:rPr b="1"/>
-              <a:t>Part 1:</a:t>
-            </a:r>
-            <a:r>
-              <a:rPr/>
-              <a:t> Visualizing the Data</a:t>
-            </a:r>
-          </a:p>
-        </p:txBody>
-      </p:sp>
-      <p:sp>
-        <p:nvSpPr>
-          <p:cNvPr id="3" name="Content Placeholder 2"/>
-          <p:cNvSpPr>
-            <a:spLocks noGrp="1"/>
-          </p:cNvSpPr>
-          <p:nvPr>
-            <p:ph idx="1" sz="half"/>
-          </p:nvPr>
-        </p:nvSpPr>
-        <p:spPr/>
-        <p:txBody>
-          <a:bodyPr/>
-          <a:lstStyle/>
-          <a:p>
-            <a:pPr lvl="0" indent="0" marL="0">
-              <a:buNone/>
-            </a:pPr>
-            <a:r>
-              <a:rPr b="1"/>
-              <a:t>Activity: Create visualizations of pine needle length</a:t>
-            </a:r>
-          </a:p>
-          <a:p>
-            <a:pPr lvl="0" indent="0" marL="0">
-              <a:buNone/>
-            </a:pPr>
-            <a:r>
-              <a:rPr/>
-              <a:t>Create a histogram and a boxplot to visualize the distribution of pine needle length values.</a:t>
-            </a:r>
-          </a:p>
-        </p:txBody>
-      </p:sp>
-      <p:sp>
-        <p:nvSpPr>
-          <p:cNvPr id="4" name="Content Placeholder 3"/>
-          <p:cNvSpPr>
-            <a:spLocks noGrp="1"/>
-          </p:cNvSpPr>
-          <p:nvPr>
-            <p:ph idx="2" sz="half"/>
-          </p:nvPr>
-        </p:nvSpPr>
-        <p:spPr/>
-        <p:txBody>
-          <a:bodyPr/>
-          <a:lstStyle/>
-          <a:p>
-            <a:pPr lvl="0" indent="0" marL="0">
-              <a:buNone/>
-            </a:pPr>
-            <a:r>
-              <a:rPr/>
-              <a:t>Effective data visualization helps us understand:</a:t>
-            </a:r>
-          </a:p>
-          <a:p>
-            <a:pPr lvl="0" indent="0" marL="0">
-              <a:buNone/>
-            </a:pPr>
-            <a:r>
-              <a:rPr/>
-              <a:t>- The central tendency</a:t>
-            </a:r>
-          </a:p>
-          <a:p>
-            <a:pPr lvl="0" indent="0" marL="0">
-              <a:buNone/>
-            </a:pPr>
-            <a:r>
-              <a:rPr/>
-              <a:t>- The spread of the data</a:t>
-            </a:r>
-          </a:p>
-          <a:p>
-            <a:pPr lvl="0" indent="0" marL="0">
-              <a:buNone/>
-            </a:pPr>
-            <a:r>
-              <a:rPr/>
-              <a:t>- Potential outliers</a:t>
-            </a:r>
-          </a:p>
-          <a:p>
-            <a:pPr lvl="0" indent="0" marL="0">
-              <a:buNone/>
-            </a:pPr>
-            <a:r>
-              <a:rPr/>
-              <a:t>- Shape of distribution</a:t>
-            </a:r>
-          </a:p>
-        </p:txBody>
-      </p:sp>
-    </p:spTree>
-  </p:cSld>
-</p:sld>
-</file>
-
-<file path=ppt/slides/slide26.xml><?xml version="1.0" encoding="utf-8"?>
-<p:sld xmlns:a="http://schemas.openxmlformats.org/drawingml/2006/main" xmlns:r="http://schemas.openxmlformats.org/officeDocument/2006/relationships" xmlns:p="http://schemas.openxmlformats.org/presentationml/2006/main">
-  <p:cSld>
-    <p:spTree>
-      <p:nvGrpSpPr>
-        <p:cNvPr id="1" name=""/>
-        <p:cNvGrpSpPr/>
-        <p:nvPr/>
-      </p:nvGrpSpPr>
-      <p:grpSpPr>
-        <a:xfrm>
-          <a:off x="0" y="0"/>
-          <a:ext cx="0" cy="0"/>
-          <a:chOff x="0" y="0"/>
-          <a:chExt cx="0" cy="0"/>
-        </a:xfrm>
-      </p:grpSpPr>
+              <a:rPr/>
+              <a:t>Your Task</a:t>
+            </a:r>
+          </a:p>
+        </p:txBody>
+      </p:sp>
       <p:sp>
         <p:nvSpPr>
           <p:cNvPr id="4" name="Text Placeholder 3"/>
@@ -6763,6 +6803,68 @@
 </p:sld>
 </file>
 
+<file path=ppt/slides/slide26.xml><?xml version="1.0" encoding="utf-8"?>
+<p:sld xmlns:a="http://schemas.openxmlformats.org/drawingml/2006/main" xmlns:r="http://schemas.openxmlformats.org/officeDocument/2006/relationships" xmlns:p="http://schemas.openxmlformats.org/presentationml/2006/main">
+  <p:cSld>
+    <p:spTree>
+      <p:nvGrpSpPr>
+        <p:cNvPr id="1" name=""/>
+        <p:cNvGrpSpPr/>
+        <p:nvPr/>
+      </p:nvGrpSpPr>
+      <p:grpSpPr>
+        <a:xfrm>
+          <a:off x="0" y="0"/>
+          <a:ext cx="0" cy="0"/>
+          <a:chOff x="0" y="0"/>
+          <a:chExt cx="0" cy="0"/>
+        </a:xfrm>
+      </p:grpSpPr>
+      <p:sp>
+        <p:nvSpPr>
+          <p:cNvPr id="3" name="Content Placeholder 2"/>
+          <p:cNvSpPr>
+            <a:spLocks noGrp="1"/>
+          </p:cNvSpPr>
+          <p:nvPr>
+            <p:ph idx="1"/>
+          </p:nvPr>
+        </p:nvSpPr>
+        <p:spPr/>
+        <p:txBody>
+          <a:bodyPr/>
+          <a:lstStyle/>
+          <a:p>
+            <a:pPr lvl="0" indent="0">
+              <a:buNone/>
+            </a:pPr>
+            <a:r>
+              <a:rPr>
+                <a:solidFill>
+                  <a:srgbClr val="5E5E5E"/>
+                </a:solidFill>
+                <a:latin typeface="Courier"/>
+              </a:rPr>
+              <a:t># Boxplot of pine needle length by wind exposure</a:t>
+            </a:r>
+            <a:br/>
+            <a:r>
+              <a:rPr>
+                <a:solidFill>
+                  <a:srgbClr val="5E5E5E"/>
+                </a:solidFill>
+                <a:latin typeface="Courier"/>
+              </a:rPr>
+              <a:t># YOUR CODE HERE</a:t>
+            </a:r>
+          </a:p>
+        </p:txBody>
+      </p:sp>
+    </p:spTree>
+  </p:cSld>
+</p:sld>
+</file>
+
 <file path=ppt/slides/slide27.xml><?xml version="1.0" encoding="utf-8"?>
 <p:sld xmlns:a="http://schemas.openxmlformats.org/drawingml/2006/main" xmlns:r="http://schemas.openxmlformats.org/officeDocument/2006/relationships" xmlns:p="http://schemas.openxmlformats.org/presentationml/2006/main">
   <p:cSld>
@@ -6782,40 +6884,135 @@
       </p:grpSpPr>
       <p:sp>
         <p:nvSpPr>
-          <p:cNvPr id="3" name="Content Placeholder 2"/>
-          <p:cNvSpPr>
-            <a:spLocks noGrp="1"/>
-          </p:cNvSpPr>
-          <p:nvPr>
-            <p:ph idx="1"/>
-          </p:nvPr>
-        </p:nvSpPr>
-        <p:spPr/>
+          <p:cNvPr id="2" name="Title 1"/>
+          <p:cNvSpPr>
+            <a:spLocks noGrp="1"/>
+          </p:cNvSpPr>
+          <p:nvPr>
+            <p:ph type="title"/>
+          </p:nvPr>
+        </p:nvSpPr>
+        <p:spPr>
+          <a:xfrm>
+            <a:off x="0" y="0"/>
+            <a:ext cx="9144000" cy="602780"/>
+          </a:xfrm>
+          <a:solidFill>
+            <a:srgbClr val="70121D"/>
+          </a:solidFill>
+        </p:spPr>
         <p:txBody>
           <a:bodyPr/>
           <a:lstStyle/>
           <a:p>
-            <a:pPr lvl="0" indent="0">
-              <a:buNone/>
-            </a:pPr>
-            <a:r>
-              <a:rPr>
-                <a:solidFill>
-                  <a:srgbClr val="5E5E5E"/>
-                </a:solidFill>
-                <a:latin typeface="Courier"/>
-              </a:rPr>
-              <a:t># Boxplot of pine needle length by wind exposure</a:t>
-            </a:r>
-            <a:br/>
-            <a:r>
-              <a:rPr>
-                <a:solidFill>
-                  <a:srgbClr val="5E5E5E"/>
-                </a:solidFill>
-                <a:latin typeface="Courier"/>
-              </a:rPr>
-              <a:t># YOUR CODE HERE</a:t>
+            <a:pPr lvl="0" indent="0" marL="0">
+              <a:buNone/>
+            </a:pPr>
+            <a:r>
+              <a:rPr b="1"/>
+              <a:t>Part 1:</a:t>
+            </a:r>
+            <a:r>
+              <a:rPr/>
+              <a:t> Single Sample T-Test</a:t>
+            </a:r>
+          </a:p>
+        </p:txBody>
+      </p:sp>
+      <p:sp>
+        <p:nvSpPr>
+          <p:cNvPr id="3" name="Content Placeholder 2"/>
+          <p:cNvSpPr>
+            <a:spLocks noGrp="1"/>
+          </p:cNvSpPr>
+          <p:nvPr>
+            <p:ph idx="1" sz="half"/>
+          </p:nvPr>
+        </p:nvSpPr>
+        <p:spPr/>
+        <p:txBody>
+          <a:bodyPr/>
+          <a:lstStyle/>
+          <a:p>
+            <a:pPr lvl="0" indent="0" marL="0">
+              <a:buNone/>
+            </a:pPr>
+            <a:r>
+              <a:rPr/>
+              <a:t>We want to test if the mean pine needle length on the windward side differs from 55mm.</a:t>
+            </a:r>
+          </a:p>
+          <a:p>
+            <a:pPr lvl="0" indent="0" marL="0">
+              <a:buNone/>
+            </a:pPr>
+            <a:r>
+              <a:rPr b="1"/>
+              <a:t>Activity: Define hypotheses and identify assumptions</a:t>
+            </a:r>
+          </a:p>
+          <a:p>
+            <a:pPr lvl="0" indent="0" marL="0">
+              <a:buNone/>
+            </a:pPr>
+            <a:r>
+              <a:rPr/>
+              <a:t>H₀: μ = 55 (The mean pine needle length on windward side is 55mm) H₁: μ ≠ 55 (The mean pine needle length on windward side is not 55mm)</a:t>
+            </a:r>
+          </a:p>
+        </p:txBody>
+      </p:sp>
+      <p:sp>
+        <p:nvSpPr>
+          <p:cNvPr id="4" name="Content Placeholder 3"/>
+          <p:cNvSpPr>
+            <a:spLocks noGrp="1"/>
+          </p:cNvSpPr>
+          <p:nvPr>
+            <p:ph idx="2" sz="half"/>
+          </p:nvPr>
+        </p:nvSpPr>
+        <p:spPr/>
+        <p:txBody>
+          <a:bodyPr/>
+          <a:lstStyle/>
+          <a:p>
+            <a:pPr lvl="0" indent="0" marL="0">
+              <a:spcBef>
+                <a:spcPts val="3000"/>
+              </a:spcBef>
+              <a:buNone/>
+            </a:pPr>
+            <a:r>
+              <a:rPr b="1"/>
+              <a:t>Assumptions for t-test:</a:t>
+            </a:r>
+          </a:p>
+          <a:p>
+            <a:pPr lvl="0" indent="-342900" marL="342900">
+              <a:buAutoNum type="arabicPeriod"/>
+            </a:pPr>
+            <a:r>
+              <a:rPr/>
+              <a:t>Data is normally distributed</a:t>
+            </a:r>
+          </a:p>
+          <a:p>
+            <a:pPr lvl="0" indent="-342900" marL="342900">
+              <a:buAutoNum type="arabicPeriod"/>
+            </a:pPr>
+            <a:r>
+              <a:rPr/>
+              <a:t>Observations are independent</a:t>
+            </a:r>
+          </a:p>
+          <a:p>
+            <a:pPr lvl="0" indent="-342900" marL="342900">
+              <a:buAutoNum type="arabicPeriod"/>
+            </a:pPr>
+            <a:r>
+              <a:rPr/>
+              <a:t>No significant outliers</a:t>
             </a:r>
           </a:p>
         </p:txBody>
@@ -6874,7 +7071,7 @@
             </a:r>
             <a:r>
               <a:rPr/>
-              <a:t> Single Sample T-Test</a:t>
+              <a:t> Testing Assumptions</a:t>
             </a:r>
           </a:p>
         </p:txBody>
@@ -6899,7 +7096,7 @@
             </a:pPr>
             <a:r>
               <a:rPr/>
-              <a:t>We want to test if the mean pine needle length on the windward side differs from 55mm.</a:t>
+              <a:t>Before conducting our t-test, we need to verify that our data meets the necessary assumptions.</a:t>
             </a:r>
           </a:p>
           <a:p>
@@ -6908,16 +7105,7 @@
             </a:pPr>
             <a:r>
               <a:rPr b="1"/>
-              <a:t>Activity: Define hypotheses and identify assumptions</a:t>
-            </a:r>
-          </a:p>
-          <a:p>
-            <a:pPr lvl="0" indent="0" marL="0">
-              <a:buNone/>
-            </a:pPr>
-            <a:r>
-              <a:rPr/>
-              <a:t>H₀: μ = 55 (The mean pine needle length on windward side is 55mm) H₁: μ ≠ 55 (The mean pine needle length on windward side is not 55mm)</a:t>
+              <a:t>Activity: Test the normality assumption</a:t>
             </a:r>
           </a:p>
         </p:txBody>
@@ -6938,41 +7126,39 @@
           <a:lstStyle/>
           <a:p>
             <a:pPr lvl="0" indent="0" marL="0">
-              <a:spcBef>
-                <a:spcPts val="3000"/>
-              </a:spcBef>
-              <a:buNone/>
-            </a:pPr>
-            <a:r>
-              <a:rPr b="1"/>
-              <a:t>Assumptions for t-test:</a:t>
-            </a:r>
-          </a:p>
-          <a:p>
-            <a:pPr lvl="0" indent="-342900" marL="342900">
-              <a:buAutoNum type="arabicPeriod"/>
-            </a:pPr>
-            <a:r>
-              <a:rPr/>
-              <a:t>Data is normally distributed</a:t>
-            </a:r>
-          </a:p>
-          <a:p>
-            <a:pPr lvl="0" indent="-342900" marL="342900">
-              <a:buAutoNum type="arabicPeriod"/>
-            </a:pPr>
-            <a:r>
-              <a:rPr/>
-              <a:t>Observations are independent</a:t>
-            </a:r>
-          </a:p>
-          <a:p>
-            <a:pPr lvl="0" indent="-342900" marL="342900">
-              <a:buAutoNum type="arabicPeriod"/>
-            </a:pPr>
-            <a:r>
-              <a:rPr/>
-              <a:t>No significant outliers</a:t>
+              <a:buNone/>
+            </a:pPr>
+            <a:r>
+              <a:rPr/>
+              <a:t>Methods to test normality:</a:t>
+            </a:r>
+          </a:p>
+          <a:p>
+            <a:pPr lvl="0"/>
+            <a:r>
+              <a:rPr/>
+              <a:t>Visual methods:</a:t>
+            </a:r>
+          </a:p>
+          <a:p>
+            <a:pPr lvl="1"/>
+            <a:r>
+              <a:rPr/>
+              <a:t>QQ plots or histograms</a:t>
+            </a:r>
+          </a:p>
+          <a:p>
+            <a:pPr lvl="1"/>
+            <a:r>
+              <a:rPr/>
+              <a:t>Statistical tests: Shapiro</a:t>
+            </a:r>
+          </a:p>
+          <a:p>
+            <a:pPr lvl="1"/>
+            <a:r>
+              <a:rPr/>
+              <a:t>Wilk test</a:t>
             </a:r>
           </a:p>
         </p:txBody>
@@ -7012,11 +7198,8 @@
         <p:spPr>
           <a:xfrm>
             <a:off x="0" y="0"/>
-            <a:ext cx="9144000" cy="602780"/>
+            <a:ext cx="9144000" cy="871538"/>
           </a:xfrm>
-          <a:solidFill>
-            <a:srgbClr val="70121D"/>
-          </a:solidFill>
         </p:spPr>
         <p:txBody>
           <a:bodyPr/>
@@ -7026,279 +7209,12 @@
               <a:buNone/>
             </a:pPr>
             <a:r>
-              <a:rPr b="1"/>
-              <a:t>Part 1:</a:t>
-            </a:r>
-            <a:r>
-              <a:rPr/>
-              <a:t> Testing Assumptions</a:t>
-            </a:r>
-          </a:p>
-        </p:txBody>
-      </p:sp>
-      <p:sp>
-        <p:nvSpPr>
-          <p:cNvPr id="3" name="Content Placeholder 2"/>
-          <p:cNvSpPr>
-            <a:spLocks noGrp="1"/>
-          </p:cNvSpPr>
-          <p:nvPr>
-            <p:ph idx="1" sz="half"/>
-          </p:nvPr>
-        </p:nvSpPr>
-        <p:spPr/>
-        <p:txBody>
-          <a:bodyPr/>
-          <a:lstStyle/>
-          <a:p>
-            <a:pPr lvl="0" indent="0" marL="0">
-              <a:buNone/>
-            </a:pPr>
-            <a:r>
-              <a:rPr/>
-              <a:t>Before conducting our t-test, we need to verify that our data meets the necessary assumptions.</a:t>
-            </a:r>
-          </a:p>
-          <a:p>
-            <a:pPr lvl="0" indent="0" marL="0">
-              <a:buNone/>
-            </a:pPr>
-            <a:r>
-              <a:rPr b="1"/>
-              <a:t>Activity: Test the normality assumption</a:t>
-            </a:r>
-          </a:p>
-        </p:txBody>
-      </p:sp>
-      <p:sp>
-        <p:nvSpPr>
-          <p:cNvPr id="4" name="Content Placeholder 3"/>
-          <p:cNvSpPr>
-            <a:spLocks noGrp="1"/>
-          </p:cNvSpPr>
-          <p:nvPr>
-            <p:ph idx="2" sz="half"/>
-          </p:nvPr>
-        </p:nvSpPr>
-        <p:spPr/>
-        <p:txBody>
-          <a:bodyPr/>
-          <a:lstStyle/>
-          <a:p>
-            <a:pPr lvl="0" indent="0" marL="0">
-              <a:buNone/>
-            </a:pPr>
-            <a:r>
-              <a:rPr/>
-              <a:t>Methods to test normality:</a:t>
-            </a:r>
-          </a:p>
-          <a:p>
-            <a:pPr lvl="0"/>
-            <a:r>
-              <a:rPr/>
-              <a:t>Visual methods:</a:t>
-            </a:r>
-          </a:p>
-          <a:p>
-            <a:pPr lvl="1"/>
-            <a:r>
-              <a:rPr/>
-              <a:t>QQ plots, histograms</a:t>
-            </a:r>
-          </a:p>
-          <a:p>
-            <a:pPr lvl="1"/>
-            <a:r>
-              <a:rPr/>
-              <a:t>Statistical tests: Shapiro</a:t>
-            </a:r>
-          </a:p>
-          <a:p>
-            <a:pPr lvl="1"/>
-            <a:r>
-              <a:rPr/>
-              <a:t>Wilk test</a:t>
-            </a:r>
-          </a:p>
-        </p:txBody>
-      </p:sp>
-    </p:spTree>
-  </p:cSld>
-</p:sld>
-</file>
-
-<file path=ppt/slides/slide3.xml><?xml version="1.0" encoding="utf-8"?>
-<p:sld xmlns:a="http://schemas.openxmlformats.org/drawingml/2006/main" xmlns:r="http://schemas.openxmlformats.org/officeDocument/2006/relationships" xmlns:p="http://schemas.openxmlformats.org/presentationml/2006/main">
-  <p:cSld>
-    <p:spTree>
-      <p:nvGrpSpPr>
-        <p:cNvPr id="1" name=""/>
-        <p:cNvGrpSpPr/>
-        <p:nvPr/>
-      </p:nvGrpSpPr>
-      <p:grpSpPr>
-        <a:xfrm>
-          <a:off x="0" y="0"/>
-          <a:ext cx="0" cy="0"/>
-          <a:chOff x="0" y="0"/>
-          <a:chExt cx="0" cy="0"/>
-        </a:xfrm>
-      </p:grpSpPr>
-      <p:sp>
-        <p:nvSpPr>
-          <p:cNvPr id="2" name="Title 1"/>
-          <p:cNvSpPr>
-            <a:spLocks noGrp="1"/>
-          </p:cNvSpPr>
-          <p:nvPr>
-            <p:ph type="title"/>
-          </p:nvPr>
-        </p:nvSpPr>
-        <p:spPr>
-          <a:xfrm>
-            <a:off x="0" y="0"/>
-            <a:ext cx="9144000" cy="602780"/>
-          </a:xfrm>
-          <a:solidFill>
-            <a:srgbClr val="70121D"/>
-          </a:solidFill>
-        </p:spPr>
-        <p:txBody>
-          <a:bodyPr/>
-          <a:lstStyle/>
-          <a:p>
-            <a:pPr lvl="0" indent="0" marL="0">
-              <a:buNone/>
-            </a:pPr>
-            <a:r>
-              <a:rPr b="1"/>
-              <a:t>Lecture 5:</a:t>
-            </a:r>
-            <a:r>
-              <a:rPr/>
-              <a:t> Overview</a:t>
-            </a:r>
-          </a:p>
-        </p:txBody>
-      </p:sp>
-      <p:sp>
-        <p:nvSpPr>
-          <p:cNvPr id="3" name="Content Placeholder 2"/>
-          <p:cNvSpPr>
-            <a:spLocks noGrp="1"/>
-          </p:cNvSpPr>
-          <p:nvPr>
-            <p:ph idx="1" sz="half"/>
-          </p:nvPr>
-        </p:nvSpPr>
-        <p:spPr/>
-        <p:txBody>
-          <a:bodyPr/>
-          <a:lstStyle/>
-          <a:p>
-            <a:pPr lvl="0" indent="0" marL="0">
-              <a:spcBef>
-                <a:spcPts val="3000"/>
-              </a:spcBef>
-              <a:buNone/>
-            </a:pPr>
-            <a:r>
-              <a:rPr b="1"/>
-              <a:t>The objectives:</a:t>
-            </a:r>
-          </a:p>
-          <a:p>
-            <a:pPr lvl="0"/>
-            <a:r>
-              <a:rPr/>
-              <a:t>p-values</a:t>
-            </a:r>
-          </a:p>
-          <a:p>
-            <a:pPr lvl="0"/>
-            <a:r>
-              <a:rPr/>
-              <a:t>Brief review</a:t>
-            </a:r>
-          </a:p>
-          <a:p>
-            <a:pPr lvl="0"/>
-            <a:r>
-              <a:rPr/>
-              <a:t>H test for a single population</a:t>
-            </a:r>
-          </a:p>
-          <a:p>
-            <a:pPr lvl="0"/>
-            <a:r>
-              <a:rPr/>
-              <a:t>1- and 2-sided tests</a:t>
-            </a:r>
-          </a:p>
-          <a:p>
-            <a:pPr lvl="0"/>
-            <a:r>
-              <a:rPr/>
-              <a:t>Hypothesis tests for two populations</a:t>
-            </a:r>
-          </a:p>
-          <a:p>
-            <a:pPr lvl="0"/>
-            <a:r>
-              <a:rPr/>
-              <a:t>Assumptions of parametric tests</a:t>
-            </a:r>
-          </a:p>
-        </p:txBody>
-      </p:sp>
-      <p:sp>
-        <p:nvSpPr>
-          <p:cNvPr id="4" name="Content Placeholder 3"/>
-          <p:cNvSpPr>
-            <a:spLocks noGrp="1"/>
-          </p:cNvSpPr>
-          <p:nvPr>
-            <p:ph idx="2" sz="half"/>
-          </p:nvPr>
-        </p:nvSpPr>
-        <p:spPr/>
-        <p:txBody>
-          <a:bodyPr/>
-          <a:lstStyle/>
-          <a:p>
-            <a:pPr lvl="0" indent="0" marL="0">
-              <a:buNone/>
-            </a:pPr>
-            <a:r>
-              <a:rPr/>
-              <a:t>asdfasfasd</a:t>
-            </a:r>
-          </a:p>
-        </p:txBody>
-      </p:sp>
-    </p:spTree>
-  </p:cSld>
-</p:sld>
-</file>
-
-<file path=ppt/slides/slide30.xml><?xml version="1.0" encoding="utf-8"?>
-<p:sld xmlns:a="http://schemas.openxmlformats.org/drawingml/2006/main" xmlns:r="http://schemas.openxmlformats.org/officeDocument/2006/relationships" xmlns:p="http://schemas.openxmlformats.org/presentationml/2006/main">
-  <p:cSld>
-    <p:spTree>
-      <p:nvGrpSpPr>
-        <p:cNvPr id="1" name=""/>
-        <p:cNvGrpSpPr/>
-        <p:nvPr/>
-      </p:nvGrpSpPr>
-      <p:grpSpPr>
-        <a:xfrm>
-          <a:off x="0" y="0"/>
-          <a:ext cx="0" cy="0"/>
-          <a:chOff x="0" y="0"/>
-          <a:chExt cx="0" cy="0"/>
-        </a:xfrm>
-      </p:grpSpPr>
+              <a:rPr/>
+              <a:t>Assumptions in R - qqplots</a:t>
+            </a:r>
+          </a:p>
+        </p:txBody>
+      </p:sp>
       <p:sp>
         <p:nvSpPr>
           <p:cNvPr id="4" name="Text Placeholder 3"/>
@@ -7624,6 +7540,343 @@
 </p:sld>
 </file>
 
+<file path=ppt/slides/slide3.xml><?xml version="1.0" encoding="utf-8"?>
+<p:sld xmlns:a="http://schemas.openxmlformats.org/drawingml/2006/main" xmlns:r="http://schemas.openxmlformats.org/officeDocument/2006/relationships" xmlns:p="http://schemas.openxmlformats.org/presentationml/2006/main">
+  <p:cSld>
+    <p:spTree>
+      <p:nvGrpSpPr>
+        <p:cNvPr id="1" name=""/>
+        <p:cNvGrpSpPr/>
+        <p:nvPr/>
+      </p:nvGrpSpPr>
+      <p:grpSpPr>
+        <a:xfrm>
+          <a:off x="0" y="0"/>
+          <a:ext cx="0" cy="0"/>
+          <a:chOff x="0" y="0"/>
+          <a:chExt cx="0" cy="0"/>
+        </a:xfrm>
+      </p:grpSpPr>
+      <p:sp>
+        <p:nvSpPr>
+          <p:cNvPr id="2" name="Title 1"/>
+          <p:cNvSpPr>
+            <a:spLocks noGrp="1"/>
+          </p:cNvSpPr>
+          <p:nvPr>
+            <p:ph type="title"/>
+          </p:nvPr>
+        </p:nvSpPr>
+        <p:spPr>
+          <a:xfrm>
+            <a:off x="0" y="0"/>
+            <a:ext cx="9144000" cy="602780"/>
+          </a:xfrm>
+          <a:solidFill>
+            <a:srgbClr val="70121D"/>
+          </a:solidFill>
+        </p:spPr>
+        <p:txBody>
+          <a:bodyPr/>
+          <a:lstStyle/>
+          <a:p>
+            <a:pPr lvl="0" indent="0" marL="0">
+              <a:buNone/>
+            </a:pPr>
+            <a:r>
+              <a:rPr b="1"/>
+              <a:t>Lecture 5:</a:t>
+            </a:r>
+            <a:r>
+              <a:rPr/>
+              <a:t> Overview</a:t>
+            </a:r>
+          </a:p>
+        </p:txBody>
+      </p:sp>
+      <p:sp>
+        <p:nvSpPr>
+          <p:cNvPr id="3" name="Content Placeholder 2"/>
+          <p:cNvSpPr>
+            <a:spLocks noGrp="1"/>
+          </p:cNvSpPr>
+          <p:nvPr>
+            <p:ph idx="1" sz="half"/>
+          </p:nvPr>
+        </p:nvSpPr>
+        <p:spPr/>
+        <p:txBody>
+          <a:bodyPr/>
+          <a:lstStyle/>
+          <a:p>
+            <a:pPr lvl="0" indent="0" marL="0">
+              <a:spcBef>
+                <a:spcPts val="3000"/>
+              </a:spcBef>
+              <a:buNone/>
+            </a:pPr>
+            <a:r>
+              <a:rPr b="1"/>
+              <a:t>The objectives:</a:t>
+            </a:r>
+          </a:p>
+          <a:p>
+            <a:pPr lvl="0"/>
+            <a:r>
+              <a:rPr/>
+              <a:t>p-values</a:t>
+            </a:r>
+          </a:p>
+          <a:p>
+            <a:pPr lvl="0"/>
+            <a:r>
+              <a:rPr/>
+              <a:t>Brief review</a:t>
+            </a:r>
+          </a:p>
+          <a:p>
+            <a:pPr lvl="0"/>
+            <a:r>
+              <a:rPr/>
+              <a:t>H test for a single population</a:t>
+            </a:r>
+          </a:p>
+          <a:p>
+            <a:pPr lvl="0"/>
+            <a:r>
+              <a:rPr/>
+              <a:t>1- and 2-sided tests</a:t>
+            </a:r>
+          </a:p>
+          <a:p>
+            <a:pPr lvl="0"/>
+            <a:r>
+              <a:rPr/>
+              <a:t>Hypothesis tests for two populations</a:t>
+            </a:r>
+          </a:p>
+          <a:p>
+            <a:pPr lvl="0"/>
+            <a:r>
+              <a:rPr/>
+              <a:t>Assumptions of parametric tests</a:t>
+            </a:r>
+          </a:p>
+        </p:txBody>
+      </p:sp>
+      <p:pic>
+        <p:nvPicPr>
+          <p:cNvPr descr="images/pine_needles.jpg" id="0" name="Picture 1"/>
+          <p:cNvPicPr>
+            <a:picLocks noGrp="1" noChangeAspect="1"/>
+          </p:cNvPicPr>
+          <p:nvPr/>
+        </p:nvPicPr>
+        <p:blipFill>
+          <a:blip r:embed="rId2"/>
+          <a:stretch>
+            <a:fillRect/>
+          </a:stretch>
+        </p:blipFill>
+        <p:spPr bwMode="auto">
+          <a:xfrm>
+            <a:off x="6121400" y="1041400"/>
+            <a:ext cx="2781300" cy="3708400"/>
+          </a:xfrm>
+          <a:prstGeom prst="rect">
+            <a:avLst/>
+          </a:prstGeom>
+          <a:noFill/>
+          <a:ln w="9525">
+            <a:noFill/>
+            <a:headEnd/>
+            <a:tailEnd/>
+          </a:ln>
+        </p:spPr>
+      </p:pic>
+    </p:spTree>
+  </p:cSld>
+</p:sld>
+</file>
+
+<file path=ppt/slides/slide30.xml><?xml version="1.0" encoding="utf-8"?>
+<p:sld xmlns:a="http://schemas.openxmlformats.org/drawingml/2006/main" xmlns:r="http://schemas.openxmlformats.org/officeDocument/2006/relationships" xmlns:p="http://schemas.openxmlformats.org/presentationml/2006/main">
+  <p:cSld>
+    <p:spTree>
+      <p:nvGrpSpPr>
+        <p:cNvPr id="1" name=""/>
+        <p:cNvGrpSpPr/>
+        <p:nvPr/>
+      </p:nvGrpSpPr>
+      <p:grpSpPr>
+        <a:xfrm>
+          <a:off x="0" y="0"/>
+          <a:ext cx="0" cy="0"/>
+          <a:chOff x="0" y="0"/>
+          <a:chExt cx="0" cy="0"/>
+        </a:xfrm>
+      </p:grpSpPr>
+      <p:sp>
+        <p:nvSpPr>
+          <p:cNvPr id="3" name="Content Placeholder 2"/>
+          <p:cNvSpPr>
+            <a:spLocks noGrp="1"/>
+          </p:cNvSpPr>
+          <p:nvPr>
+            <p:ph idx="1"/>
+          </p:nvPr>
+        </p:nvSpPr>
+        <p:spPr/>
+        <p:txBody>
+          <a:bodyPr/>
+          <a:lstStyle/>
+          <a:p>
+            <a:pPr lvl="0" indent="0">
+              <a:buNone/>
+            </a:pPr>
+            <a:r>
+              <a:rPr>
+                <a:latin typeface="Courier"/>
+              </a:rPr>
+              <a:t>[1] 21 22</a:t>
+            </a:r>
+          </a:p>
+          <a:p>
+            <a:pPr lvl="0" indent="0" marL="0">
+              <a:spcBef>
+                <a:spcPts val="3000"/>
+              </a:spcBef>
+              <a:buNone/>
+            </a:pPr>
+            <a:r>
+              <a:rPr b="1"/>
+              <a:t>Shapiro Wilk</a:t>
+            </a:r>
+          </a:p>
+          <a:p>
+            <a:pPr lvl="0" indent="0">
+              <a:buNone/>
+            </a:pPr>
+            <a:r>
+              <a:rPr>
+                <a:solidFill>
+                  <a:srgbClr val="5E5E5E"/>
+                </a:solidFill>
+                <a:latin typeface="Courier"/>
+              </a:rPr>
+              <a:t># Shapiro-Wilk test</a:t>
+            </a:r>
+            <a:br/>
+            <a:r>
+              <a:rPr>
+                <a:solidFill>
+                  <a:srgbClr val="003B4F"/>
+                </a:solidFill>
+                <a:latin typeface="Courier"/>
+              </a:rPr>
+              <a:t>shapiro_test &lt;- </a:t>
+            </a:r>
+            <a:r>
+              <a:rPr>
+                <a:solidFill>
+                  <a:srgbClr val="4758AB"/>
+                </a:solidFill>
+                <a:latin typeface="Courier"/>
+              </a:rPr>
+              <a:t>shapiro.test</a:t>
+            </a:r>
+            <a:r>
+              <a:rPr>
+                <a:solidFill>
+                  <a:srgbClr val="003B4F"/>
+                </a:solidFill>
+                <a:latin typeface="Courier"/>
+              </a:rPr>
+              <a:t>(windward_data</a:t>
+            </a:r>
+            <a:r>
+              <a:rPr>
+                <a:solidFill>
+                  <a:srgbClr val="5E5E5E"/>
+                </a:solidFill>
+                <a:latin typeface="Courier"/>
+              </a:rPr>
+              <a:t>$</a:t>
+            </a:r>
+            <a:r>
+              <a:rPr>
+                <a:solidFill>
+                  <a:srgbClr val="003B4F"/>
+                </a:solidFill>
+                <a:latin typeface="Courier"/>
+              </a:rPr>
+              <a:t>len_mm)</a:t>
+            </a:r>
+            <a:br/>
+            <a:r>
+              <a:rPr>
+                <a:solidFill>
+                  <a:srgbClr val="4758AB"/>
+                </a:solidFill>
+                <a:latin typeface="Courier"/>
+              </a:rPr>
+              <a:t>print</a:t>
+            </a:r>
+            <a:r>
+              <a:rPr>
+                <a:solidFill>
+                  <a:srgbClr val="003B4F"/>
+                </a:solidFill>
+                <a:latin typeface="Courier"/>
+              </a:rPr>
+              <a:t>(shapiro_test)</a:t>
+            </a:r>
+          </a:p>
+          <a:p>
+            <a:pPr lvl="0" indent="0">
+              <a:buNone/>
+            </a:pPr>
+            <a:r>
+              <a:rPr>
+                <a:latin typeface="Courier"/>
+              </a:rPr>
+              <a:t>
+    Shapiro-Wilk normality test
+data:  windward_data$len_mm
+W = 0.96062, p-value = 0.451</a:t>
+            </a:r>
+          </a:p>
+          <a:p>
+            <a:pPr lvl="0" indent="0">
+              <a:buNone/>
+            </a:pPr>
+            <a:r>
+              <a:rPr>
+                <a:solidFill>
+                  <a:srgbClr val="5E5E5E"/>
+                </a:solidFill>
+                <a:latin typeface="Courier"/>
+              </a:rPr>
+              <a:t># Check for outliers using boxplot</a:t>
+            </a:r>
+            <a:br/>
+            <a:r>
+              <a:rPr>
+                <a:solidFill>
+                  <a:srgbClr val="5E5E5E"/>
+                </a:solidFill>
+                <a:latin typeface="Courier"/>
+              </a:rPr>
+              <a:t># YOUR CODE HERE</a:t>
+            </a:r>
+          </a:p>
+        </p:txBody>
+      </p:sp>
+    </p:spTree>
+  </p:cSld>
+</p:sld>
+</file>
+
 <file path=ppt/slides/slide31.xml><?xml version="1.0" encoding="utf-8"?>
 <p:sld xmlns:a="http://schemas.openxmlformats.org/drawingml/2006/main" xmlns:r="http://schemas.openxmlformats.org/officeDocument/2006/relationships" xmlns:p="http://schemas.openxmlformats.org/presentationml/2006/main">
   <p:cSld>
@@ -7643,27 +7896,378 @@
       </p:grpSpPr>
       <p:sp>
         <p:nvSpPr>
-          <p:cNvPr id="3" name="Content Placeholder 2"/>
-          <p:cNvSpPr>
-            <a:spLocks noGrp="1"/>
-          </p:cNvSpPr>
-          <p:nvPr>
-            <p:ph idx="1"/>
-          </p:nvPr>
-        </p:nvSpPr>
-        <p:spPr/>
+          <p:cNvPr id="2" name="Title 1"/>
+          <p:cNvSpPr>
+            <a:spLocks noGrp="1"/>
+          </p:cNvSpPr>
+          <p:nvPr>
+            <p:ph type="title"/>
+          </p:nvPr>
+        </p:nvSpPr>
+        <p:spPr>
+          <a:xfrm>
+            <a:off x="0" y="0"/>
+            <a:ext cx="9144000" cy="582780"/>
+          </a:xfrm>
+        </p:spPr>
         <p:txBody>
           <a:bodyPr/>
           <a:lstStyle/>
           <a:p>
+            <a:pPr lvl="0" indent="0" marL="0">
+              <a:buNone/>
+            </a:pPr>
+            <a:r>
+              <a:rPr b="1"/>
+              <a:t>Part 1:</a:t>
+            </a:r>
+            <a:r>
+              <a:rPr/>
+              <a:t> Conducting the Single Sample T-Test</a:t>
+            </a:r>
+          </a:p>
+        </p:txBody>
+      </p:sp>
+      <p:sp>
+        <p:nvSpPr>
+          <p:cNvPr id="3" name="Content Placeholder 2"/>
+          <p:cNvSpPr>
+            <a:spLocks noGrp="1"/>
+          </p:cNvSpPr>
+          <p:nvPr>
+            <p:ph idx="1"/>
+          </p:nvPr>
+        </p:nvSpPr>
+        <p:spPr/>
+        <p:txBody>
+          <a:bodyPr/>
+          <a:lstStyle/>
+          <a:p>
+            <a:pPr lvl="0" indent="0" marL="0">
+              <a:buNone/>
+            </a:pPr>
+            <a:r>
+              <a:rPr/>
+              <a:t>Now that we’ve checked our assumptions, we can perform the single sample t-test.</a:t>
+            </a:r>
+          </a:p>
+          <a:p>
+            <a:pPr lvl="0" indent="0" marL="0">
+              <a:buNone/>
+            </a:pPr>
+            <a:r>
+              <a:rPr b="1"/>
+              <a:t>Activity: Conduct a single sample t-test to compare windward needle length to 55mm</a:t>
+            </a:r>
+            <a:r>
+              <a:rPr/>
+              <a:t> </a:t>
+            </a:r>
+            <a:r>
+              <a:rPr b="1"/>
+              <a:t>What is probability of getting sample at least as far from 55mm as our sample mean?</a:t>
+            </a:r>
+          </a:p>
+          <a:p>
+            <a:pPr lvl="0" indent="0" marL="0">
+              <a:buNone/>
+            </a:pPr>
+            <a:r>
+              <a:rPr/>
+              <a:t>This is our p-value, which helps us decide whether to reject the null hypothesis.</a:t>
+            </a:r>
+          </a:p>
+          <a:p>
             <a:pPr lvl="0" indent="0">
               <a:buNone/>
             </a:pPr>
             <a:r>
               <a:rPr>
-                <a:latin typeface="Courier"/>
-              </a:rPr>
-              <a:t>[1] 21 22</a:t>
+                <a:solidFill>
+                  <a:srgbClr val="5E5E5E"/>
+                </a:solidFill>
+                <a:latin typeface="Courier"/>
+              </a:rPr>
+              <a:t># Calculate summary statistics for windward needles</a:t>
+            </a:r>
+            <a:br/>
+            <a:r>
+              <a:rPr>
+                <a:solidFill>
+                  <a:srgbClr val="003B4F"/>
+                </a:solidFill>
+                <a:latin typeface="Courier"/>
+              </a:rPr>
+              <a:t>windward_summary &lt;- windward_data </a:t>
+            </a:r>
+            <a:r>
+              <a:rPr>
+                <a:solidFill>
+                  <a:srgbClr val="5E5E5E"/>
+                </a:solidFill>
+                <a:latin typeface="Courier"/>
+              </a:rPr>
+              <a:t>%&gt;%</a:t>
+            </a:r>
+            <a:br/>
+            <a:r>
+              <a:rPr>
+                <a:solidFill>
+                  <a:srgbClr val="003B4F"/>
+                </a:solidFill>
+                <a:latin typeface="Courier"/>
+              </a:rPr>
+              <a:t>  </a:t>
+            </a:r>
+            <a:r>
+              <a:rPr>
+                <a:solidFill>
+                  <a:srgbClr val="4758AB"/>
+                </a:solidFill>
+                <a:latin typeface="Courier"/>
+              </a:rPr>
+              <a:t>summarize</a:t>
+            </a:r>
+            <a:r>
+              <a:rPr>
+                <a:solidFill>
+                  <a:srgbClr val="003B4F"/>
+                </a:solidFill>
+                <a:latin typeface="Courier"/>
+              </a:rPr>
+              <a:t>(</a:t>
+            </a:r>
+            <a:br/>
+            <a:r>
+              <a:rPr>
+                <a:solidFill>
+                  <a:srgbClr val="003B4F"/>
+                </a:solidFill>
+                <a:latin typeface="Courier"/>
+              </a:rPr>
+              <a:t>    </a:t>
+            </a:r>
+            <a:r>
+              <a:rPr>
+                <a:solidFill>
+                  <a:srgbClr val="657422"/>
+                </a:solidFill>
+                <a:latin typeface="Courier"/>
+              </a:rPr>
+              <a:t>mean_length =</a:t>
+            </a:r>
+            <a:r>
+              <a:rPr>
+                <a:solidFill>
+                  <a:srgbClr val="003B4F"/>
+                </a:solidFill>
+                <a:latin typeface="Courier"/>
+              </a:rPr>
+              <a:t> </a:t>
+            </a:r>
+            <a:r>
+              <a:rPr>
+                <a:solidFill>
+                  <a:srgbClr val="4758AB"/>
+                </a:solidFill>
+                <a:latin typeface="Courier"/>
+              </a:rPr>
+              <a:t>mean</a:t>
+            </a:r>
+            <a:r>
+              <a:rPr>
+                <a:solidFill>
+                  <a:srgbClr val="003B4F"/>
+                </a:solidFill>
+                <a:latin typeface="Courier"/>
+              </a:rPr>
+              <a:t>(len_mm),</a:t>
+            </a:r>
+            <a:br/>
+            <a:r>
+              <a:rPr>
+                <a:solidFill>
+                  <a:srgbClr val="003B4F"/>
+                </a:solidFill>
+                <a:latin typeface="Courier"/>
+              </a:rPr>
+              <a:t>    </a:t>
+            </a:r>
+            <a:r>
+              <a:rPr>
+                <a:solidFill>
+                  <a:srgbClr val="657422"/>
+                </a:solidFill>
+                <a:latin typeface="Courier"/>
+              </a:rPr>
+              <a:t>sd_length =</a:t>
+            </a:r>
+            <a:r>
+              <a:rPr>
+                <a:solidFill>
+                  <a:srgbClr val="003B4F"/>
+                </a:solidFill>
+                <a:latin typeface="Courier"/>
+              </a:rPr>
+              <a:t> </a:t>
+            </a:r>
+            <a:r>
+              <a:rPr>
+                <a:solidFill>
+                  <a:srgbClr val="4758AB"/>
+                </a:solidFill>
+                <a:latin typeface="Courier"/>
+              </a:rPr>
+              <a:t>sd</a:t>
+            </a:r>
+            <a:r>
+              <a:rPr>
+                <a:solidFill>
+                  <a:srgbClr val="003B4F"/>
+                </a:solidFill>
+                <a:latin typeface="Courier"/>
+              </a:rPr>
+              <a:t>(len_mm),</a:t>
+            </a:r>
+            <a:br/>
+            <a:r>
+              <a:rPr>
+                <a:solidFill>
+                  <a:srgbClr val="003B4F"/>
+                </a:solidFill>
+                <a:latin typeface="Courier"/>
+              </a:rPr>
+              <a:t>    </a:t>
+            </a:r>
+            <a:r>
+              <a:rPr>
+                <a:solidFill>
+                  <a:srgbClr val="657422"/>
+                </a:solidFill>
+                <a:latin typeface="Courier"/>
+              </a:rPr>
+              <a:t>n =</a:t>
+            </a:r>
+            <a:r>
+              <a:rPr>
+                <a:solidFill>
+                  <a:srgbClr val="003B4F"/>
+                </a:solidFill>
+                <a:latin typeface="Courier"/>
+              </a:rPr>
+              <a:t> </a:t>
+            </a:r>
+            <a:r>
+              <a:rPr>
+                <a:solidFill>
+                  <a:srgbClr val="4758AB"/>
+                </a:solidFill>
+                <a:latin typeface="Courier"/>
+              </a:rPr>
+              <a:t>n</a:t>
+            </a:r>
+            <a:r>
+              <a:rPr>
+                <a:solidFill>
+                  <a:srgbClr val="003B4F"/>
+                </a:solidFill>
+                <a:latin typeface="Courier"/>
+              </a:rPr>
+              <a:t>(),</a:t>
+            </a:r>
+            <a:br/>
+            <a:r>
+              <a:rPr>
+                <a:solidFill>
+                  <a:srgbClr val="003B4F"/>
+                </a:solidFill>
+                <a:latin typeface="Courier"/>
+              </a:rPr>
+              <a:t>    </a:t>
+            </a:r>
+            <a:r>
+              <a:rPr>
+                <a:solidFill>
+                  <a:srgbClr val="657422"/>
+                </a:solidFill>
+                <a:latin typeface="Courier"/>
+              </a:rPr>
+              <a:t>se_length =</a:t>
+            </a:r>
+            <a:r>
+              <a:rPr>
+                <a:solidFill>
+                  <a:srgbClr val="003B4F"/>
+                </a:solidFill>
+                <a:latin typeface="Courier"/>
+              </a:rPr>
+              <a:t> sd_length </a:t>
+            </a:r>
+            <a:r>
+              <a:rPr>
+                <a:solidFill>
+                  <a:srgbClr val="5E5E5E"/>
+                </a:solidFill>
+                <a:latin typeface="Courier"/>
+              </a:rPr>
+              <a:t>/</a:t>
+            </a:r>
+            <a:r>
+              <a:rPr>
+                <a:solidFill>
+                  <a:srgbClr val="003B4F"/>
+                </a:solidFill>
+                <a:latin typeface="Courier"/>
+              </a:rPr>
+              <a:t> </a:t>
+            </a:r>
+            <a:r>
+              <a:rPr>
+                <a:solidFill>
+                  <a:srgbClr val="4758AB"/>
+                </a:solidFill>
+                <a:latin typeface="Courier"/>
+              </a:rPr>
+              <a:t>sqrt</a:t>
+            </a:r>
+            <a:r>
+              <a:rPr>
+                <a:solidFill>
+                  <a:srgbClr val="003B4F"/>
+                </a:solidFill>
+                <a:latin typeface="Courier"/>
+              </a:rPr>
+              <a:t>(n)</a:t>
+            </a:r>
+            <a:br/>
+            <a:r>
+              <a:rPr>
+                <a:solidFill>
+                  <a:srgbClr val="003B4F"/>
+                </a:solidFill>
+                <a:latin typeface="Courier"/>
+              </a:rPr>
+              <a:t>  )</a:t>
+            </a:r>
+            <a:br/>
+            <a:br/>
+            <a:r>
+              <a:rPr>
+                <a:solidFill>
+                  <a:srgbClr val="4758AB"/>
+                </a:solidFill>
+                <a:latin typeface="Courier"/>
+              </a:rPr>
+              <a:t>print</a:t>
+            </a:r>
+            <a:r>
+              <a:rPr>
+                <a:solidFill>
+                  <a:srgbClr val="003B4F"/>
+                </a:solidFill>
+                <a:latin typeface="Courier"/>
+              </a:rPr>
+              <a:t>(windward_summary)</a:t>
             </a:r>
           </a:p>
           <a:p>
@@ -7672,115 +8276,12 @@
             </a:pPr>
             <a:r>
               <a:rPr>
-                <a:solidFill>
-                  <a:srgbClr val="5E5E5E"/>
-                </a:solidFill>
-                <a:latin typeface="Courier"/>
-              </a:rPr>
-              <a:t># Shapiro-Wilk test</a:t>
-            </a:r>
-            <a:br/>
-            <a:r>
-              <a:rPr>
-                <a:solidFill>
-                  <a:srgbClr val="003B4F"/>
-                </a:solidFill>
-                <a:latin typeface="Courier"/>
-              </a:rPr>
-              <a:t>shapiro_test &lt;- </a:t>
-            </a:r>
-            <a:r>
-              <a:rPr>
-                <a:solidFill>
-                  <a:srgbClr val="4758AB"/>
-                </a:solidFill>
-                <a:latin typeface="Courier"/>
-              </a:rPr>
-              <a:t>shapiro.test</a:t>
-            </a:r>
-            <a:r>
-              <a:rPr>
-                <a:solidFill>
-                  <a:srgbClr val="003B4F"/>
-                </a:solidFill>
-                <a:latin typeface="Courier"/>
-              </a:rPr>
-              <a:t>(windward_data</a:t>
-            </a:r>
-            <a:r>
-              <a:rPr>
-                <a:solidFill>
-                  <a:srgbClr val="5E5E5E"/>
-                </a:solidFill>
-                <a:latin typeface="Courier"/>
-              </a:rPr>
-              <a:t>$</a:t>
-            </a:r>
-            <a:r>
-              <a:rPr>
-                <a:solidFill>
-                  <a:srgbClr val="003B4F"/>
-                </a:solidFill>
-                <a:latin typeface="Courier"/>
-              </a:rPr>
-              <a:t>len_mm)</a:t>
-            </a:r>
-            <a:br/>
-            <a:r>
-              <a:rPr>
-                <a:solidFill>
-                  <a:srgbClr val="4758AB"/>
-                </a:solidFill>
-                <a:latin typeface="Courier"/>
-              </a:rPr>
-              <a:t>print</a:t>
-            </a:r>
-            <a:r>
-              <a:rPr>
-                <a:solidFill>
-                  <a:srgbClr val="003B4F"/>
-                </a:solidFill>
-                <a:latin typeface="Courier"/>
-              </a:rPr>
-              <a:t>(shapiro_test)</a:t>
-            </a:r>
-          </a:p>
-          <a:p>
-            <a:pPr lvl="0" indent="0">
-              <a:buNone/>
-            </a:pPr>
-            <a:r>
-              <a:rPr>
-                <a:latin typeface="Courier"/>
-              </a:rPr>
-              <a:t>
-    Shapiro-Wilk normality test
-data:  windward_data$len_mm
-W = 0.96062, p-value = 0.451</a:t>
-            </a:r>
-          </a:p>
-          <a:p>
-            <a:pPr lvl="0" indent="0">
-              <a:buNone/>
-            </a:pPr>
-            <a:r>
-              <a:rPr>
-                <a:solidFill>
-                  <a:srgbClr val="5E5E5E"/>
-                </a:solidFill>
-                <a:latin typeface="Courier"/>
-              </a:rPr>
-              <a:t># Check for outliers using boxplot</a:t>
-            </a:r>
-            <a:br/>
-            <a:r>
-              <a:rPr>
-                <a:solidFill>
-                  <a:srgbClr val="5E5E5E"/>
-                </a:solidFill>
-                <a:latin typeface="Courier"/>
-              </a:rPr>
-              <a:t># YOUR CODE HERE</a:t>
+                <a:latin typeface="Courier"/>
+              </a:rPr>
+              <a:t># A tibble: 1 × 4
+  mean_length sd_length     n se_length
+        &lt;dbl&gt;     &lt;dbl&gt; &lt;int&gt;     &lt;dbl&gt;
+1        14.9      1.91    24     0.390</a:t>
             </a:r>
           </a:p>
         </p:txBody>
@@ -7820,11 +8321,8 @@
         <p:spPr>
           <a:xfrm>
             <a:off x="0" y="0"/>
-            <a:ext cx="9144000" cy="602780"/>
+            <a:ext cx="9144000" cy="582780"/>
           </a:xfrm>
-          <a:solidFill>
-            <a:srgbClr val="70121D"/>
-          </a:solidFill>
         </p:spPr>
         <p:txBody>
           <a:bodyPr/>
@@ -7834,12 +8332,8 @@
               <a:buNone/>
             </a:pPr>
             <a:r>
-              <a:rPr b="1"/>
-              <a:t>Part 1:</a:t>
-            </a:r>
-            <a:r>
-              <a:rPr/>
-              <a:t> Conducting the Single Sample T-Test</a:t>
+              <a:rPr/>
+              <a:t>Your Task</a:t>
             </a:r>
           </a:p>
         </p:txBody>
@@ -7851,7 +8345,7 @@
             <a:spLocks noGrp="1"/>
           </p:cNvSpPr>
           <p:nvPr>
-            <p:ph idx="1" sz="half"/>
+            <p:ph idx="1"/>
           </p:nvPr>
         </p:nvSpPr>
         <p:spPr/>
@@ -7859,55 +8353,227 @@
           <a:bodyPr/>
           <a:lstStyle/>
           <a:p>
-            <a:pPr lvl="0" indent="0" marL="0">
-              <a:buNone/>
-            </a:pPr>
-            <a:r>
-              <a:rPr/>
-              <a:t>Now that we’ve checked our assumptions, we can perform the single sample t-test.</a:t>
-            </a:r>
-          </a:p>
-          <a:p>
-            <a:pPr lvl="0" indent="0" marL="0">
-              <a:buNone/>
-            </a:pPr>
-            <a:r>
-              <a:rPr b="1"/>
-              <a:t>Activity: Conduct a single sample t-test to compare windward needle length to 55mm</a:t>
-            </a:r>
-          </a:p>
-        </p:txBody>
-      </p:sp>
-      <p:sp>
-        <p:nvSpPr>
-          <p:cNvPr id="4" name="Content Placeholder 3"/>
-          <p:cNvSpPr>
-            <a:spLocks noGrp="1"/>
-          </p:cNvSpPr>
-          <p:nvPr>
-            <p:ph idx="2" sz="half"/>
-          </p:nvPr>
-        </p:nvSpPr>
-        <p:spPr/>
-        <p:txBody>
-          <a:bodyPr/>
-          <a:lstStyle/>
-          <a:p>
-            <a:pPr lvl="0" indent="0" marL="0">
-              <a:buNone/>
-            </a:pPr>
-            <a:r>
-              <a:rPr b="1"/>
-              <a:t>What is probability of getting sample at least as far from 55mm as our sample mean?</a:t>
-            </a:r>
-          </a:p>
-          <a:p>
-            <a:pPr lvl="0" indent="0" marL="0">
-              <a:buNone/>
-            </a:pPr>
-            <a:r>
-              <a:rPr/>
-              <a:t>This is our p-value, which helps us decide whether to reject the null hypothesis.</a:t>
+            <a:pPr lvl="0" indent="0">
+              <a:buNone/>
+            </a:pPr>
+            <a:r>
+              <a:rPr>
+                <a:solidFill>
+                  <a:srgbClr val="5E5E5E"/>
+                </a:solidFill>
+                <a:latin typeface="Courier"/>
+              </a:rPr>
+              <a:t># YOUR </a:t>
+            </a:r>
+            <a:r>
+              <a:rPr>
+                <a:solidFill>
+                  <a:srgbClr val="AD0000"/>
+                </a:solidFill>
+                <a:latin typeface="Courier"/>
+              </a:rPr>
+              <a:t>TASK</a:t>
+            </a:r>
+            <a:r>
+              <a:rPr>
+                <a:solidFill>
+                  <a:srgbClr val="5E5E5E"/>
+                </a:solidFill>
+                <a:latin typeface="Courier"/>
+              </a:rPr>
+              <a:t>: Conduct a single sample t-test</a:t>
+            </a:r>
+            <a:br/>
+            <a:r>
+              <a:rPr>
+                <a:solidFill>
+                  <a:srgbClr val="003B4F"/>
+                </a:solidFill>
+                <a:latin typeface="Courier"/>
+              </a:rPr>
+              <a:t>t_test_result &lt;- </a:t>
+            </a:r>
+            <a:r>
+              <a:rPr>
+                <a:solidFill>
+                  <a:srgbClr val="4758AB"/>
+                </a:solidFill>
+                <a:latin typeface="Courier"/>
+              </a:rPr>
+              <a:t>t.test</a:t>
+            </a:r>
+            <a:r>
+              <a:rPr>
+                <a:solidFill>
+                  <a:srgbClr val="003B4F"/>
+                </a:solidFill>
+                <a:latin typeface="Courier"/>
+              </a:rPr>
+              <a:t>(windward_data</a:t>
+            </a:r>
+            <a:r>
+              <a:rPr>
+                <a:solidFill>
+                  <a:srgbClr val="5E5E5E"/>
+                </a:solidFill>
+                <a:latin typeface="Courier"/>
+              </a:rPr>
+              <a:t>$</a:t>
+            </a:r>
+            <a:r>
+              <a:rPr>
+                <a:solidFill>
+                  <a:srgbClr val="003B4F"/>
+                </a:solidFill>
+                <a:latin typeface="Courier"/>
+              </a:rPr>
+              <a:t>len_mm, </a:t>
+            </a:r>
+            <a:r>
+              <a:rPr>
+                <a:solidFill>
+                  <a:srgbClr val="657422"/>
+                </a:solidFill>
+                <a:latin typeface="Courier"/>
+              </a:rPr>
+              <a:t>mu =</a:t>
+            </a:r>
+            <a:r>
+              <a:rPr>
+                <a:solidFill>
+                  <a:srgbClr val="003B4F"/>
+                </a:solidFill>
+                <a:latin typeface="Courier"/>
+              </a:rPr>
+              <a:t> </a:t>
+            </a:r>
+            <a:r>
+              <a:rPr>
+                <a:solidFill>
+                  <a:srgbClr val="AD0000"/>
+                </a:solidFill>
+                <a:latin typeface="Courier"/>
+              </a:rPr>
+              <a:t>55</a:t>
+            </a:r>
+            <a:r>
+              <a:rPr>
+                <a:solidFill>
+                  <a:srgbClr val="003B4F"/>
+                </a:solidFill>
+                <a:latin typeface="Courier"/>
+              </a:rPr>
+              <a:t>, </a:t>
+            </a:r>
+            <a:r>
+              <a:rPr>
+                <a:solidFill>
+                  <a:srgbClr val="657422"/>
+                </a:solidFill>
+                <a:latin typeface="Courier"/>
+              </a:rPr>
+              <a:t>var.equal =</a:t>
+            </a:r>
+            <a:r>
+              <a:rPr>
+                <a:solidFill>
+                  <a:srgbClr val="003B4F"/>
+                </a:solidFill>
+                <a:latin typeface="Courier"/>
+              </a:rPr>
+              <a:t> </a:t>
+            </a:r>
+            <a:r>
+              <a:rPr>
+                <a:solidFill>
+                  <a:srgbClr val="8F5902"/>
+                </a:solidFill>
+                <a:latin typeface="Courier"/>
+              </a:rPr>
+              <a:t>TRUE</a:t>
+            </a:r>
+            <a:r>
+              <a:rPr>
+                <a:solidFill>
+                  <a:srgbClr val="003B4F"/>
+                </a:solidFill>
+                <a:latin typeface="Courier"/>
+              </a:rPr>
+              <a:t> )</a:t>
+            </a:r>
+            <a:br/>
+            <a:r>
+              <a:rPr>
+                <a:solidFill>
+                  <a:srgbClr val="4758AB"/>
+                </a:solidFill>
+                <a:latin typeface="Courier"/>
+              </a:rPr>
+              <a:t>print</a:t>
+            </a:r>
+            <a:r>
+              <a:rPr>
+                <a:solidFill>
+                  <a:srgbClr val="003B4F"/>
+                </a:solidFill>
+                <a:latin typeface="Courier"/>
+              </a:rPr>
+              <a:t>(t_test_result)</a:t>
+            </a:r>
+          </a:p>
+          <a:p>
+            <a:pPr lvl="0" indent="0">
+              <a:buNone/>
+            </a:pPr>
+            <a:r>
+              <a:rPr>
+                <a:latin typeface="Courier"/>
+              </a:rPr>
+              <a:t>
+    One Sample t-test
+data:  windward_data$len_mm
+t = -102.85, df = 23, p-value &lt; 2.2e-16
+alternative hypothesis: true mean is not equal to 55
+95 percent confidence interval:
+ 14.11050 15.72284
+sample estimates:
+mean of x 
+ 14.91667 </a:t>
+            </a:r>
+          </a:p>
+          <a:p>
+            <a:pPr lvl="0" indent="0">
+              <a:buNone/>
+            </a:pPr>
+            <a:r>
+              <a:rPr>
+                <a:solidFill>
+                  <a:srgbClr val="5E5E5E"/>
+                </a:solidFill>
+                <a:latin typeface="Courier"/>
+              </a:rPr>
+              <a:t># Calculate t-statistic manually </a:t>
+            </a:r>
+            <a:br/>
+            <a:r>
+              <a:rPr>
+                <a:solidFill>
+                  <a:srgbClr val="5E5E5E"/>
+                </a:solidFill>
+                <a:latin typeface="Courier"/>
+              </a:rPr>
+              <a:t># YOUR CODE HERE: t = (sample_mean - hypothesized_mean) / (sample_sd / sqrt(n))</a:t>
+            </a:r>
+            <a:br/>
+            <a:br/>
+            <a:r>
+              <a:rPr>
+                <a:solidFill>
+                  <a:srgbClr val="5E5E5E"/>
+                </a:solidFill>
+                <a:latin typeface="Courier"/>
+              </a:rPr>
+              <a:t># can you do this manually or manually with R?</a:t>
             </a:r>
           </a:p>
         </p:txBody>
@@ -7936,511 +8602,91 @@
       </p:grpSpPr>
       <p:sp>
         <p:nvSpPr>
-          <p:cNvPr id="3" name="Content Placeholder 2"/>
-          <p:cNvSpPr>
-            <a:spLocks noGrp="1"/>
-          </p:cNvSpPr>
-          <p:nvPr>
-            <p:ph idx="1"/>
-          </p:nvPr>
-        </p:nvSpPr>
-        <p:spPr/>
+          <p:cNvPr id="2" name="Title 1"/>
+          <p:cNvSpPr>
+            <a:spLocks noGrp="1"/>
+          </p:cNvSpPr>
+          <p:nvPr>
+            <p:ph type="title"/>
+          </p:nvPr>
+        </p:nvSpPr>
+        <p:spPr>
+          <a:xfrm>
+            <a:off x="0" y="0"/>
+            <a:ext cx="9144000" cy="582780"/>
+          </a:xfrm>
+        </p:spPr>
         <p:txBody>
           <a:bodyPr/>
           <a:lstStyle/>
           <a:p>
-            <a:pPr lvl="0" indent="0">
-              <a:buNone/>
-            </a:pPr>
-            <a:r>
-              <a:rPr>
-                <a:solidFill>
-                  <a:srgbClr val="5E5E5E"/>
-                </a:solidFill>
-                <a:latin typeface="Courier"/>
-              </a:rPr>
-              <a:t># Calculate summary statistics for windward needles</a:t>
-            </a:r>
-            <a:br/>
-            <a:r>
-              <a:rPr>
-                <a:solidFill>
-                  <a:srgbClr val="003B4F"/>
-                </a:solidFill>
-                <a:latin typeface="Courier"/>
-              </a:rPr>
-              <a:t>windward_summary &lt;- windward_data </a:t>
-            </a:r>
-            <a:r>
-              <a:rPr>
-                <a:solidFill>
-                  <a:srgbClr val="5E5E5E"/>
-                </a:solidFill>
-                <a:latin typeface="Courier"/>
-              </a:rPr>
-              <a:t>%&gt;%</a:t>
-            </a:r>
-            <a:br/>
-            <a:r>
-              <a:rPr>
-                <a:solidFill>
-                  <a:srgbClr val="003B4F"/>
-                </a:solidFill>
-                <a:latin typeface="Courier"/>
-              </a:rPr>
-              <a:t>  </a:t>
-            </a:r>
-            <a:r>
-              <a:rPr>
-                <a:solidFill>
-                  <a:srgbClr val="4758AB"/>
-                </a:solidFill>
-                <a:latin typeface="Courier"/>
-              </a:rPr>
-              <a:t>summarize</a:t>
-            </a:r>
-            <a:r>
-              <a:rPr>
-                <a:solidFill>
-                  <a:srgbClr val="003B4F"/>
-                </a:solidFill>
-                <a:latin typeface="Courier"/>
-              </a:rPr>
-              <a:t>(</a:t>
-            </a:r>
-            <a:br/>
-            <a:r>
-              <a:rPr>
-                <a:solidFill>
-                  <a:srgbClr val="003B4F"/>
-                </a:solidFill>
-                <a:latin typeface="Courier"/>
-              </a:rPr>
-              <a:t>    </a:t>
-            </a:r>
-            <a:r>
-              <a:rPr>
-                <a:solidFill>
-                  <a:srgbClr val="657422"/>
-                </a:solidFill>
-                <a:latin typeface="Courier"/>
-              </a:rPr>
-              <a:t>mean_length =</a:t>
-            </a:r>
-            <a:r>
-              <a:rPr>
-                <a:solidFill>
-                  <a:srgbClr val="003B4F"/>
-                </a:solidFill>
-                <a:latin typeface="Courier"/>
-              </a:rPr>
-              <a:t> </a:t>
-            </a:r>
-            <a:r>
-              <a:rPr>
-                <a:solidFill>
-                  <a:srgbClr val="4758AB"/>
-                </a:solidFill>
-                <a:latin typeface="Courier"/>
-              </a:rPr>
-              <a:t>mean</a:t>
-            </a:r>
-            <a:r>
-              <a:rPr>
-                <a:solidFill>
-                  <a:srgbClr val="003B4F"/>
-                </a:solidFill>
-                <a:latin typeface="Courier"/>
-              </a:rPr>
-              <a:t>(len_mm),</a:t>
-            </a:r>
-            <a:br/>
-            <a:r>
-              <a:rPr>
-                <a:solidFill>
-                  <a:srgbClr val="003B4F"/>
-                </a:solidFill>
-                <a:latin typeface="Courier"/>
-              </a:rPr>
-              <a:t>    </a:t>
-            </a:r>
-            <a:r>
-              <a:rPr>
-                <a:solidFill>
-                  <a:srgbClr val="657422"/>
-                </a:solidFill>
-                <a:latin typeface="Courier"/>
-              </a:rPr>
-              <a:t>sd_length =</a:t>
-            </a:r>
-            <a:r>
-              <a:rPr>
-                <a:solidFill>
-                  <a:srgbClr val="003B4F"/>
-                </a:solidFill>
-                <a:latin typeface="Courier"/>
-              </a:rPr>
-              <a:t> </a:t>
-            </a:r>
-            <a:r>
-              <a:rPr>
-                <a:solidFill>
-                  <a:srgbClr val="4758AB"/>
-                </a:solidFill>
-                <a:latin typeface="Courier"/>
-              </a:rPr>
-              <a:t>sd</a:t>
-            </a:r>
-            <a:r>
-              <a:rPr>
-                <a:solidFill>
-                  <a:srgbClr val="003B4F"/>
-                </a:solidFill>
-                <a:latin typeface="Courier"/>
-              </a:rPr>
-              <a:t>(len_mm),</a:t>
-            </a:r>
-            <a:br/>
-            <a:r>
-              <a:rPr>
-                <a:solidFill>
-                  <a:srgbClr val="003B4F"/>
-                </a:solidFill>
-                <a:latin typeface="Courier"/>
-              </a:rPr>
-              <a:t>    </a:t>
-            </a:r>
-            <a:r>
-              <a:rPr>
-                <a:solidFill>
-                  <a:srgbClr val="657422"/>
-                </a:solidFill>
-                <a:latin typeface="Courier"/>
-              </a:rPr>
-              <a:t>n =</a:t>
-            </a:r>
-            <a:r>
-              <a:rPr>
-                <a:solidFill>
-                  <a:srgbClr val="003B4F"/>
-                </a:solidFill>
-                <a:latin typeface="Courier"/>
-              </a:rPr>
-              <a:t> </a:t>
-            </a:r>
-            <a:r>
-              <a:rPr>
-                <a:solidFill>
-                  <a:srgbClr val="4758AB"/>
-                </a:solidFill>
-                <a:latin typeface="Courier"/>
-              </a:rPr>
-              <a:t>n</a:t>
-            </a:r>
-            <a:r>
-              <a:rPr>
-                <a:solidFill>
-                  <a:srgbClr val="003B4F"/>
-                </a:solidFill>
-                <a:latin typeface="Courier"/>
-              </a:rPr>
-              <a:t>(),</a:t>
-            </a:r>
-            <a:br/>
-            <a:r>
-              <a:rPr>
-                <a:solidFill>
-                  <a:srgbClr val="003B4F"/>
-                </a:solidFill>
-                <a:latin typeface="Courier"/>
-              </a:rPr>
-              <a:t>    </a:t>
-            </a:r>
-            <a:r>
-              <a:rPr>
-                <a:solidFill>
-                  <a:srgbClr val="657422"/>
-                </a:solidFill>
-                <a:latin typeface="Courier"/>
-              </a:rPr>
-              <a:t>se_length =</a:t>
-            </a:r>
-            <a:r>
-              <a:rPr>
-                <a:solidFill>
-                  <a:srgbClr val="003B4F"/>
-                </a:solidFill>
-                <a:latin typeface="Courier"/>
-              </a:rPr>
-              <a:t> sd_length </a:t>
-            </a:r>
-            <a:r>
-              <a:rPr>
-                <a:solidFill>
-                  <a:srgbClr val="5E5E5E"/>
-                </a:solidFill>
-                <a:latin typeface="Courier"/>
-              </a:rPr>
-              <a:t>/</a:t>
-            </a:r>
-            <a:r>
-              <a:rPr>
-                <a:solidFill>
-                  <a:srgbClr val="003B4F"/>
-                </a:solidFill>
-                <a:latin typeface="Courier"/>
-              </a:rPr>
-              <a:t> </a:t>
-            </a:r>
-            <a:r>
-              <a:rPr>
-                <a:solidFill>
-                  <a:srgbClr val="4758AB"/>
-                </a:solidFill>
-                <a:latin typeface="Courier"/>
-              </a:rPr>
-              <a:t>sqrt</a:t>
-            </a:r>
-            <a:r>
-              <a:rPr>
-                <a:solidFill>
-                  <a:srgbClr val="003B4F"/>
-                </a:solidFill>
-                <a:latin typeface="Courier"/>
-              </a:rPr>
-              <a:t>(n)</a:t>
-            </a:r>
-            <a:br/>
-            <a:r>
-              <a:rPr>
-                <a:solidFill>
-                  <a:srgbClr val="003B4F"/>
-                </a:solidFill>
-                <a:latin typeface="Courier"/>
-              </a:rPr>
-              <a:t>  )</a:t>
-            </a:r>
-            <a:br/>
-            <a:br/>
-            <a:r>
-              <a:rPr>
-                <a:solidFill>
-                  <a:srgbClr val="4758AB"/>
-                </a:solidFill>
-                <a:latin typeface="Courier"/>
-              </a:rPr>
-              <a:t>print</a:t>
-            </a:r>
-            <a:r>
-              <a:rPr>
-                <a:solidFill>
-                  <a:srgbClr val="003B4F"/>
-                </a:solidFill>
-                <a:latin typeface="Courier"/>
-              </a:rPr>
-              <a:t>(windward_summary)</a:t>
-            </a:r>
-          </a:p>
-          <a:p>
-            <a:pPr lvl="0" indent="0">
-              <a:buNone/>
-            </a:pPr>
-            <a:r>
-              <a:rPr>
-                <a:latin typeface="Courier"/>
-              </a:rPr>
-              <a:t># A tibble: 1 × 4
-  mean_length sd_length     n se_length
-        &lt;dbl&gt;     &lt;dbl&gt; &lt;int&gt;     &lt;dbl&gt;
-1        14.9      1.91    24     0.390</a:t>
-            </a:r>
-          </a:p>
-          <a:p>
-            <a:pPr lvl="0" indent="0">
-              <a:buNone/>
-            </a:pPr>
-            <a:r>
-              <a:rPr>
-                <a:solidFill>
-                  <a:srgbClr val="5E5E5E"/>
-                </a:solidFill>
-                <a:latin typeface="Courier"/>
-              </a:rPr>
-              <a:t># YOUR </a:t>
-            </a:r>
-            <a:r>
-              <a:rPr>
-                <a:solidFill>
-                  <a:srgbClr val="AD0000"/>
-                </a:solidFill>
-                <a:latin typeface="Courier"/>
-              </a:rPr>
-              <a:t>TASK</a:t>
-            </a:r>
-            <a:r>
-              <a:rPr>
-                <a:solidFill>
-                  <a:srgbClr val="5E5E5E"/>
-                </a:solidFill>
-                <a:latin typeface="Courier"/>
-              </a:rPr>
-              <a:t>: Conduct a single sample t-test</a:t>
-            </a:r>
-            <a:br/>
-            <a:r>
-              <a:rPr>
-                <a:solidFill>
-                  <a:srgbClr val="003B4F"/>
-                </a:solidFill>
-                <a:latin typeface="Courier"/>
-              </a:rPr>
-              <a:t>t_test_result &lt;- </a:t>
-            </a:r>
-            <a:r>
-              <a:rPr>
-                <a:solidFill>
-                  <a:srgbClr val="4758AB"/>
-                </a:solidFill>
-                <a:latin typeface="Courier"/>
-              </a:rPr>
-              <a:t>t.test</a:t>
-            </a:r>
-            <a:r>
-              <a:rPr>
-                <a:solidFill>
-                  <a:srgbClr val="003B4F"/>
-                </a:solidFill>
-                <a:latin typeface="Courier"/>
-              </a:rPr>
-              <a:t>(windward_data</a:t>
-            </a:r>
-            <a:r>
-              <a:rPr>
-                <a:solidFill>
-                  <a:srgbClr val="5E5E5E"/>
-                </a:solidFill>
-                <a:latin typeface="Courier"/>
-              </a:rPr>
-              <a:t>$</a:t>
-            </a:r>
-            <a:r>
-              <a:rPr>
-                <a:solidFill>
-                  <a:srgbClr val="003B4F"/>
-                </a:solidFill>
-                <a:latin typeface="Courier"/>
-              </a:rPr>
-              <a:t>len_mm, </a:t>
-            </a:r>
-            <a:r>
-              <a:rPr>
-                <a:solidFill>
-                  <a:srgbClr val="657422"/>
-                </a:solidFill>
-                <a:latin typeface="Courier"/>
-              </a:rPr>
-              <a:t>mu =</a:t>
-            </a:r>
-            <a:r>
-              <a:rPr>
-                <a:solidFill>
-                  <a:srgbClr val="003B4F"/>
-                </a:solidFill>
-                <a:latin typeface="Courier"/>
-              </a:rPr>
-              <a:t> </a:t>
-            </a:r>
-            <a:r>
-              <a:rPr>
-                <a:solidFill>
-                  <a:srgbClr val="AD0000"/>
-                </a:solidFill>
-                <a:latin typeface="Courier"/>
-              </a:rPr>
-              <a:t>55</a:t>
-            </a:r>
-            <a:r>
-              <a:rPr>
-                <a:solidFill>
-                  <a:srgbClr val="003B4F"/>
-                </a:solidFill>
-                <a:latin typeface="Courier"/>
-              </a:rPr>
-              <a:t>)</a:t>
-            </a:r>
-            <a:br/>
-            <a:r>
-              <a:rPr>
-                <a:solidFill>
-                  <a:srgbClr val="4758AB"/>
-                </a:solidFill>
-                <a:latin typeface="Courier"/>
-              </a:rPr>
-              <a:t>print</a:t>
-            </a:r>
-            <a:r>
-              <a:rPr>
-                <a:solidFill>
-                  <a:srgbClr val="003B4F"/>
-                </a:solidFill>
-                <a:latin typeface="Courier"/>
-              </a:rPr>
-              <a:t>(t_test_result)</a:t>
-            </a:r>
-          </a:p>
-          <a:p>
-            <a:pPr lvl="0" indent="0">
-              <a:buNone/>
-            </a:pPr>
-            <a:r>
-              <a:rPr>
-                <a:latin typeface="Courier"/>
-              </a:rPr>
-              <a:t>
-    One Sample t-test
-data:  windward_data$len_mm
-t = -102.85, df = 23, p-value &lt; 2.2e-16
-alternative hypothesis: true mean is not equal to 55
-95 percent confidence interval:
- 14.11050 15.72284
-sample estimates:
-mean of x 
- 14.91667 </a:t>
-            </a:r>
-          </a:p>
-          <a:p>
-            <a:pPr lvl="0" indent="0">
-              <a:buNone/>
-            </a:pPr>
-            <a:r>
-              <a:rPr>
-                <a:solidFill>
-                  <a:srgbClr val="5E5E5E"/>
-                </a:solidFill>
-                <a:latin typeface="Courier"/>
-              </a:rPr>
-              <a:t># Calculate t-statistic manually </a:t>
-            </a:r>
-            <a:br/>
-            <a:r>
-              <a:rPr>
-                <a:solidFill>
-                  <a:srgbClr val="5E5E5E"/>
-                </a:solidFill>
-                <a:latin typeface="Courier"/>
-              </a:rPr>
-              <a:t># YOUR CODE HERE: t = (sample_mean - hypothesized_mean) / (sample_sd / sqrt(n))</a:t>
-            </a:r>
-            <a:br/>
-            <a:br/>
-            <a:r>
-              <a:rPr>
-                <a:solidFill>
-                  <a:srgbClr val="5E5E5E"/>
-                </a:solidFill>
-                <a:latin typeface="Courier"/>
-              </a:rPr>
-              <a:t># can you do this manually or manually with R?</a:t>
+            <a:pPr lvl="0" indent="0" marL="0">
+              <a:buNone/>
+            </a:pPr>
+            <a:r>
+              <a:rPr b="1"/>
+              <a:t>Part 1:</a:t>
+            </a:r>
+            <a:r>
+              <a:rPr/>
+              <a:t> Interpreting and Reporting Results</a:t>
+            </a:r>
+          </a:p>
+        </p:txBody>
+      </p:sp>
+      <p:sp>
+        <p:nvSpPr>
+          <p:cNvPr id="3" name="Content Placeholder 2"/>
+          <p:cNvSpPr>
+            <a:spLocks noGrp="1"/>
+          </p:cNvSpPr>
+          <p:nvPr>
+            <p:ph idx="1"/>
+          </p:nvPr>
+        </p:nvSpPr>
+        <p:spPr/>
+        <p:txBody>
+          <a:bodyPr/>
+          <a:lstStyle/>
+          <a:p>
+            <a:pPr lvl="0" indent="0" marL="0">
+              <a:buNone/>
+            </a:pPr>
+            <a:r>
+              <a:rPr b="1"/>
+              <a:t>Activity: Interpret the t-test results</a:t>
+            </a:r>
+          </a:p>
+          <a:p>
+            <a:pPr lvl="0"/>
+            <a:r>
+              <a:rPr/>
+              <a:t>What does the p-value tell us?</a:t>
+            </a:r>
+          </a:p>
+          <a:p>
+            <a:pPr lvl="0"/>
+            <a:r>
+              <a:rPr/>
+              <a:t>Should we reject or fail to reject the null hypothesis?</a:t>
+            </a:r>
+          </a:p>
+          <a:p>
+            <a:pPr lvl="0" indent="0" marL="0">
+              <a:buNone/>
+            </a:pPr>
+            <a:r>
+              <a:rPr b="1"/>
+              <a:t>How to report this result in a scientific paper:</a:t>
+            </a:r>
+          </a:p>
+          <a:p>
+            <a:pPr lvl="0" indent="0" marL="0">
+              <a:buNone/>
+            </a:pPr>
+            <a:r>
+              <a:rPr/>
+              <a:t>“A two-tailed, one-sample t-test at α=0.05 showed that the mean pine needle length on the windward side (… mm, SD = …) [was/was not] significantly different from the expected 55 mm, t(…) = …, p = …”</a:t>
             </a:r>
           </a:p>
         </p:txBody>
@@ -8480,11 +8726,8 @@
         <p:spPr>
           <a:xfrm>
             <a:off x="0" y="0"/>
-            <a:ext cx="9144000" cy="602780"/>
+            <a:ext cx="9144000" cy="582780"/>
           </a:xfrm>
-          <a:solidFill>
-            <a:srgbClr val="70121D"/>
-          </a:solidFill>
         </p:spPr>
         <p:txBody>
           <a:bodyPr/>
@@ -8495,204 +8738,11 @@
             </a:pPr>
             <a:r>
               <a:rPr b="1"/>
-              <a:t>Part 1:</a:t>
-            </a:r>
-            <a:r>
-              <a:rPr/>
-              <a:t> Interpreting and Reporting Results</a:t>
-            </a:r>
-          </a:p>
-        </p:txBody>
-      </p:sp>
-      <p:sp>
-        <p:nvSpPr>
-          <p:cNvPr id="3" name="Content Placeholder 2"/>
-          <p:cNvSpPr>
-            <a:spLocks noGrp="1"/>
-          </p:cNvSpPr>
-          <p:nvPr>
-            <p:ph idx="1" sz="half"/>
-          </p:nvPr>
-        </p:nvSpPr>
-        <p:spPr/>
-        <p:txBody>
-          <a:bodyPr/>
-          <a:lstStyle/>
-          <a:p>
-            <a:pPr lvl="0" indent="0" marL="0">
-              <a:buNone/>
-            </a:pPr>
-            <a:r>
-              <a:rPr b="1"/>
-              <a:t>Activity: Interpret the t-test results</a:t>
-            </a:r>
-          </a:p>
-          <a:p>
-            <a:pPr lvl="0"/>
-            <a:r>
-              <a:rPr/>
-              <a:t>What does the p-value tell us?</a:t>
-            </a:r>
-          </a:p>
-          <a:p>
-            <a:pPr lvl="0"/>
-            <a:r>
-              <a:rPr/>
-              <a:t>Should we reject or fail to reject the null hypothesis?</a:t>
-            </a:r>
-          </a:p>
-          <a:p>
-            <a:pPr lvl="0" indent="0" marL="0">
-              <a:buNone/>
-            </a:pPr>
-            <a:r>
-              <a:rPr b="1"/>
-              <a:t>How to report this result in a scientific paper:</a:t>
-            </a:r>
-          </a:p>
-          <a:p>
-            <a:pPr lvl="0" indent="0" marL="0">
-              <a:buNone/>
-            </a:pPr>
-            <a:r>
-              <a:rPr/>
-              <a:t>“A two-tailed, one-sample t-test at α=0.05 showed that the mean pine needle length on the windward side (… mm, SD = …) [was/was not] significantly different from the expected 55 mm, t(…) = …, p = …”</a:t>
-            </a:r>
-          </a:p>
-        </p:txBody>
-      </p:sp>
-      <p:pic>
-        <p:nvPicPr>
-          <p:cNvPr descr="images/clipboard-682106476.png" id="0" name="Picture 1"/>
-          <p:cNvPicPr>
-            <a:picLocks noGrp="1" noChangeAspect="1"/>
-          </p:cNvPicPr>
-          <p:nvPr/>
-        </p:nvPicPr>
-        <p:blipFill>
-          <a:blip r:embed="rId2"/>
-          <a:stretch>
-            <a:fillRect/>
-          </a:stretch>
-        </p:blipFill>
-        <p:spPr bwMode="auto">
-          <a:xfrm>
-            <a:off x="6121400" y="2197100"/>
-            <a:ext cx="2781300" cy="1409700"/>
-          </a:xfrm>
-          <a:prstGeom prst="rect">
-            <a:avLst/>
-          </a:prstGeom>
-          <a:noFill/>
-          <a:ln w="9525">
-            <a:noFill/>
-            <a:headEnd/>
-            <a:tailEnd/>
-          </a:ln>
-        </p:spPr>
-      </p:pic>
-    </p:spTree>
-  </p:cSld>
-</p:sld>
-</file>
-
-<file path=ppt/slides/slide35.xml><?xml version="1.0" encoding="utf-8"?>
-<p:sld xmlns:a="http://schemas.openxmlformats.org/drawingml/2006/main" xmlns:r="http://schemas.openxmlformats.org/officeDocument/2006/relationships" xmlns:p="http://schemas.openxmlformats.org/presentationml/2006/main">
-  <p:cSld>
-    <p:spTree>
-      <p:nvGrpSpPr>
-        <p:cNvPr id="1" name=""/>
-        <p:cNvGrpSpPr/>
-        <p:nvPr/>
-      </p:nvGrpSpPr>
-      <p:grpSpPr>
-        <a:xfrm>
-          <a:off x="0" y="0"/>
-          <a:ext cx="0" cy="0"/>
-          <a:chOff x="0" y="0"/>
-          <a:chExt cx="0" cy="0"/>
-        </a:xfrm>
-      </p:grpSpPr>
-      <p:sp>
-        <p:nvSpPr>
-          <p:cNvPr id="2" name="Title 1"/>
-          <p:cNvSpPr>
-            <a:spLocks noGrp="1"/>
-          </p:cNvSpPr>
-          <p:nvPr>
-            <p:ph type="title"/>
-          </p:nvPr>
-        </p:nvSpPr>
-        <p:spPr>
-          <a:xfrm>
-            <a:off x="0" y="0"/>
-            <a:ext cx="9144000" cy="602780"/>
-          </a:xfrm>
-          <a:solidFill>
-            <a:srgbClr val="70121D"/>
-          </a:solidFill>
-        </p:spPr>
-        <p:txBody>
-          <a:bodyPr/>
-          <a:lstStyle/>
-          <a:p>
-            <a:pPr lvl="0" indent="0" marL="0">
-              <a:buNone/>
-            </a:pPr>
-            <a:r>
-              <a:rPr b="1"/>
               <a:t>Part 2:</a:t>
             </a:r>
             <a:r>
               <a:rPr/>
               <a:t> Two Sample T-Test</a:t>
-            </a:r>
-          </a:p>
-        </p:txBody>
-      </p:sp>
-      <p:sp>
-        <p:nvSpPr>
-          <p:cNvPr id="3" name="Content Placeholder 2"/>
-          <p:cNvSpPr>
-            <a:spLocks noGrp="1"/>
-          </p:cNvSpPr>
-          <p:nvPr>
-            <p:ph idx="1" sz="half"/>
-          </p:nvPr>
-        </p:nvSpPr>
-        <p:spPr/>
-        <p:txBody>
-          <a:bodyPr/>
-          <a:lstStyle/>
-          <a:p>
-            <a:pPr lvl="0" indent="0" marL="0">
-              <a:buNone/>
-            </a:pPr>
-            <a:r>
-              <a:rPr/>
-              <a:t>Now, let’s compare pine needle lengths between windward and leeward sides of trees.</a:t>
-            </a:r>
-          </a:p>
-          <a:p>
-            <a:pPr lvl="0" indent="0" marL="0">
-              <a:buNone/>
-            </a:pPr>
-            <a:r>
-              <a:rPr/>
-              <a:t>Question: </a:t>
-            </a:r>
-            <a:r>
-              <a:rPr b="1"/>
-              <a:t>Is there a significant difference in needle length between the windward and leeward sides?</a:t>
-            </a:r>
-          </a:p>
-          <a:p>
-            <a:pPr lvl="0" indent="0" marL="0">
-              <a:buNone/>
-            </a:pPr>
-            <a:r>
-              <a:rPr/>
-              <a:t>This requires a two-sample t-test.</a:t>
             </a:r>
           </a:p>
         </p:txBody>
@@ -8701,18 +8751,49 @@
         <mc:Choice xmlns:a14="http://schemas.microsoft.com/office/drawing/2010/main" Requires="a14">
           <p:sp>
             <p:nvSpPr>
-              <p:cNvPr id="4" name="Content Placeholder 3"/>
+              <p:cNvPr id="3" name="Content Placeholder 2"/>
               <p:cNvSpPr>
                 <a:spLocks noGrp="1"/>
               </p:cNvSpPr>
               <p:nvPr>
-                <p:ph idx="2" sz="half"/>
+                <p:ph idx="1"/>
               </p:nvPr>
             </p:nvSpPr>
             <p:spPr/>
             <p:txBody>
               <a:bodyPr/>
               <a:lstStyle/>
+              <a:p>
+                <a:pPr lvl="0" indent="0" marL="0">
+                  <a:buNone/>
+                </a:pPr>
+                <a:r>
+                  <a:rPr/>
+                  <a:t>Now, let’s compare pine needle lengths between windward and leeward sides of trees.</a:t>
+                </a:r>
+              </a:p>
+              <a:p>
+                <a:pPr lvl="0" indent="0" marL="0">
+                  <a:buNone/>
+                </a:pPr>
+                <a:r>
+                  <a:rPr/>
+                  <a:t>Question: </a:t>
+                </a:r>
+                <a:r>
+                  <a:rPr b="1"/>
+                  <a:t>Is there a significant difference in needle length between the windward and leeward sides?</a:t>
+                </a:r>
+              </a:p>
+              <a:p>
+                <a:pPr lvl="0" indent="0" marL="0">
+                  <a:buNone/>
+                </a:pPr>
+                <a:r>
+                  <a:rPr/>
+                  <a:t>This requires a two-sample t-test.</a:t>
+                </a:r>
+              </a:p>
               <a:p>
                 <a:pPr lvl="0" indent="0" marL="0">
                   <a:buNone/>
@@ -8883,14 +8964,14 @@
                 <a:pPr lvl="0"/>
                 <a:r>
                   <a:rPr/>
-                  <a:t>x̄₁ and x̄₂: These represent the sample means of the two groups you’re comparing. </a:t>
+                  <a:t>x̄₁ and x̄₂: These represent the sample means of the two groups you’re comparing </a:t>
                 </a:r>
               </a:p>
               <a:p>
                 <a:pPr lvl="0"/>
                 <a:r>
                   <a:rPr/>
-                  <a:t>s²ₚ: This is the pooled variance, calculated as: s²ₚ = [(n₁ - 1)s₁² + (n₂ - 1)s₂²] / (n₁ + n₂ - 2), where s₁² and s₂² are the sample variances of the two groups. </a:t>
+                  <a:t>s²ₚ: This is the pooled variance, calculated as: s²ₚ = [(n₁ - 1)s₁² + (n₂ - 1)s₂²] / (n₁ + n₂ - 2), where s₁² and s₂² are the sample variances of the two groups.</a:t>
                 </a:r>
               </a:p>
               <a:p>
@@ -8901,7 +8982,7 @@
                 </a:r>
                 <a:r>
                   <a:rPr/>
-                  <a:t> These are the sample sizes of the two groups. </a:t>
+                  <a:t> These are the sample sizes of the two groups.</a:t>
                 </a:r>
               </a:p>
               <a:p>
@@ -8912,13 +8993,472 @@
                 </a:r>
                 <a:r>
                   <a:rPr/>
-                  <a:t> This represents the pooled standard error. </a:t>
+                  <a:t> This represents the pooled standard error.</a:t>
                 </a:r>
               </a:p>
             </p:txBody>
           </p:sp>
         </mc:Choice>
       </mc:AlternateContent>
+    </p:spTree>
+  </p:cSld>
+</p:sld>
+</file>
+
+<file path=ppt/slides/slide35.xml><?xml version="1.0" encoding="utf-8"?>
+<p:sld xmlns:a="http://schemas.openxmlformats.org/drawingml/2006/main" xmlns:r="http://schemas.openxmlformats.org/officeDocument/2006/relationships" xmlns:p="http://schemas.openxmlformats.org/presentationml/2006/main">
+  <p:cSld>
+    <p:spTree>
+      <p:nvGrpSpPr>
+        <p:cNvPr id="1" name=""/>
+        <p:cNvGrpSpPr/>
+        <p:nvPr/>
+      </p:nvGrpSpPr>
+      <p:grpSpPr>
+        <a:xfrm>
+          <a:off x="0" y="0"/>
+          <a:ext cx="0" cy="0"/>
+          <a:chOff x="0" y="0"/>
+          <a:chExt cx="0" cy="0"/>
+        </a:xfrm>
+      </p:grpSpPr>
+      <p:sp>
+        <p:nvSpPr>
+          <p:cNvPr id="2" name="Title 1"/>
+          <p:cNvSpPr>
+            <a:spLocks noGrp="1"/>
+          </p:cNvSpPr>
+          <p:nvPr>
+            <p:ph type="title"/>
+          </p:nvPr>
+        </p:nvSpPr>
+        <p:spPr>
+          <a:xfrm>
+            <a:off x="0" y="0"/>
+            <a:ext cx="9144000" cy="582780"/>
+          </a:xfrm>
+        </p:spPr>
+        <p:txBody>
+          <a:bodyPr/>
+          <a:lstStyle/>
+          <a:p>
+            <a:pPr lvl="0" indent="0" marL="0">
+              <a:buNone/>
+            </a:pPr>
+            <a:r>
+              <a:rPr b="1"/>
+              <a:t>Part 2:</a:t>
+            </a:r>
+            <a:r>
+              <a:rPr/>
+              <a:t> Exploratory Data Analysis by Group</a:t>
+            </a:r>
+          </a:p>
+        </p:txBody>
+      </p:sp>
+      <p:sp>
+        <p:nvSpPr>
+          <p:cNvPr id="3" name="Content Placeholder 2"/>
+          <p:cNvSpPr>
+            <a:spLocks noGrp="1"/>
+          </p:cNvSpPr>
+          <p:nvPr>
+            <p:ph idx="1"/>
+          </p:nvPr>
+        </p:nvSpPr>
+        <p:spPr/>
+        <p:txBody>
+          <a:bodyPr/>
+          <a:lstStyle/>
+          <a:p>
+            <a:pPr lvl="0" indent="0" marL="0">
+              <a:buNone/>
+            </a:pPr>
+            <a:r>
+              <a:rPr b="1"/>
+              <a:t>Activity: Calculate summary statistics grouped by wind exposure</a:t>
+            </a:r>
+            <a:r>
+              <a:rPr/>
+              <a:t> Before conducting the test, we need to understand the data for each group.</a:t>
+            </a:r>
+          </a:p>
+          <a:p>
+            <a:pPr lvl="0" indent="0">
+              <a:buNone/>
+            </a:pPr>
+            <a:r>
+              <a:rPr>
+                <a:solidFill>
+                  <a:srgbClr val="5E5E5E"/>
+                </a:solidFill>
+                <a:latin typeface="Courier"/>
+              </a:rPr>
+              <a:t># YOUR </a:t>
+            </a:r>
+            <a:r>
+              <a:rPr>
+                <a:solidFill>
+                  <a:srgbClr val="AD0000"/>
+                </a:solidFill>
+                <a:latin typeface="Courier"/>
+              </a:rPr>
+              <a:t>TASK</a:t>
+            </a:r>
+            <a:r>
+              <a:rPr>
+                <a:solidFill>
+                  <a:srgbClr val="5E5E5E"/>
+                </a:solidFill>
+                <a:latin typeface="Courier"/>
+              </a:rPr>
+              <a:t>: Calculate summary statistics by wind exposure</a:t>
+            </a:r>
+            <a:br/>
+            <a:r>
+              <a:rPr>
+                <a:solidFill>
+                  <a:srgbClr val="5E5E5E"/>
+                </a:solidFill>
+                <a:latin typeface="Courier"/>
+              </a:rPr>
+              <a:t># Hint: Use group_by() and summarize()</a:t>
+            </a:r>
+            <a:br/>
+            <a:br/>
+            <a:r>
+              <a:rPr>
+                <a:solidFill>
+                  <a:srgbClr val="003B4F"/>
+                </a:solidFill>
+                <a:latin typeface="Courier"/>
+              </a:rPr>
+              <a:t>group_summary &lt;- pine_data </a:t>
+            </a:r>
+            <a:r>
+              <a:rPr>
+                <a:solidFill>
+                  <a:srgbClr val="5E5E5E"/>
+                </a:solidFill>
+                <a:latin typeface="Courier"/>
+              </a:rPr>
+              <a:t>%&gt;%</a:t>
+            </a:r>
+            <a:br/>
+            <a:r>
+              <a:rPr>
+                <a:solidFill>
+                  <a:srgbClr val="003B4F"/>
+                </a:solidFill>
+                <a:latin typeface="Courier"/>
+              </a:rPr>
+              <a:t>  </a:t>
+            </a:r>
+            <a:r>
+              <a:rPr>
+                <a:solidFill>
+                  <a:srgbClr val="4758AB"/>
+                </a:solidFill>
+                <a:latin typeface="Courier"/>
+              </a:rPr>
+              <a:t>group_by</a:t>
+            </a:r>
+            <a:r>
+              <a:rPr>
+                <a:solidFill>
+                  <a:srgbClr val="003B4F"/>
+                </a:solidFill>
+                <a:latin typeface="Courier"/>
+              </a:rPr>
+              <a:t>(wind) </a:t>
+            </a:r>
+            <a:r>
+              <a:rPr>
+                <a:solidFill>
+                  <a:srgbClr val="5E5E5E"/>
+                </a:solidFill>
+                <a:latin typeface="Courier"/>
+              </a:rPr>
+              <a:t>%&gt;%</a:t>
+            </a:r>
+            <a:br/>
+            <a:r>
+              <a:rPr>
+                <a:solidFill>
+                  <a:srgbClr val="003B4F"/>
+                </a:solidFill>
+                <a:latin typeface="Courier"/>
+              </a:rPr>
+              <a:t>  </a:t>
+            </a:r>
+            <a:r>
+              <a:rPr>
+                <a:solidFill>
+                  <a:srgbClr val="4758AB"/>
+                </a:solidFill>
+                <a:latin typeface="Courier"/>
+              </a:rPr>
+              <a:t>summarize</a:t>
+            </a:r>
+            <a:r>
+              <a:rPr>
+                <a:solidFill>
+                  <a:srgbClr val="003B4F"/>
+                </a:solidFill>
+                <a:latin typeface="Courier"/>
+              </a:rPr>
+              <a:t>(</a:t>
+            </a:r>
+            <a:br/>
+            <a:r>
+              <a:rPr>
+                <a:solidFill>
+                  <a:srgbClr val="003B4F"/>
+                </a:solidFill>
+                <a:latin typeface="Courier"/>
+              </a:rPr>
+              <a:t>    </a:t>
+            </a:r>
+            <a:r>
+              <a:rPr>
+                <a:solidFill>
+                  <a:srgbClr val="657422"/>
+                </a:solidFill>
+                <a:latin typeface="Courier"/>
+              </a:rPr>
+              <a:t>mean_length =</a:t>
+            </a:r>
+            <a:r>
+              <a:rPr>
+                <a:solidFill>
+                  <a:srgbClr val="003B4F"/>
+                </a:solidFill>
+                <a:latin typeface="Courier"/>
+              </a:rPr>
+              <a:t> </a:t>
+            </a:r>
+            <a:r>
+              <a:rPr>
+                <a:solidFill>
+                  <a:srgbClr val="4758AB"/>
+                </a:solidFill>
+                <a:latin typeface="Courier"/>
+              </a:rPr>
+              <a:t>mean</a:t>
+            </a:r>
+            <a:r>
+              <a:rPr>
+                <a:solidFill>
+                  <a:srgbClr val="003B4F"/>
+                </a:solidFill>
+                <a:latin typeface="Courier"/>
+              </a:rPr>
+              <a:t>(len_mm),</a:t>
+            </a:r>
+            <a:br/>
+            <a:r>
+              <a:rPr>
+                <a:solidFill>
+                  <a:srgbClr val="003B4F"/>
+                </a:solidFill>
+                <a:latin typeface="Courier"/>
+              </a:rPr>
+              <a:t>    </a:t>
+            </a:r>
+            <a:r>
+              <a:rPr>
+                <a:solidFill>
+                  <a:srgbClr val="657422"/>
+                </a:solidFill>
+                <a:latin typeface="Courier"/>
+              </a:rPr>
+              <a:t>sd_length =</a:t>
+            </a:r>
+            <a:r>
+              <a:rPr>
+                <a:solidFill>
+                  <a:srgbClr val="003B4F"/>
+                </a:solidFill>
+                <a:latin typeface="Courier"/>
+              </a:rPr>
+              <a:t> </a:t>
+            </a:r>
+            <a:r>
+              <a:rPr>
+                <a:solidFill>
+                  <a:srgbClr val="4758AB"/>
+                </a:solidFill>
+                <a:latin typeface="Courier"/>
+              </a:rPr>
+              <a:t>sd</a:t>
+            </a:r>
+            <a:r>
+              <a:rPr>
+                <a:solidFill>
+                  <a:srgbClr val="003B4F"/>
+                </a:solidFill>
+                <a:latin typeface="Courier"/>
+              </a:rPr>
+              <a:t>(len_mm),</a:t>
+            </a:r>
+            <a:br/>
+            <a:r>
+              <a:rPr>
+                <a:solidFill>
+                  <a:srgbClr val="003B4F"/>
+                </a:solidFill>
+                <a:latin typeface="Courier"/>
+              </a:rPr>
+              <a:t>    </a:t>
+            </a:r>
+            <a:r>
+              <a:rPr>
+                <a:solidFill>
+                  <a:srgbClr val="657422"/>
+                </a:solidFill>
+                <a:latin typeface="Courier"/>
+              </a:rPr>
+              <a:t>n =</a:t>
+            </a:r>
+            <a:r>
+              <a:rPr>
+                <a:solidFill>
+                  <a:srgbClr val="003B4F"/>
+                </a:solidFill>
+                <a:latin typeface="Courier"/>
+              </a:rPr>
+              <a:t> </a:t>
+            </a:r>
+            <a:r>
+              <a:rPr>
+                <a:solidFill>
+                  <a:srgbClr val="4758AB"/>
+                </a:solidFill>
+                <a:latin typeface="Courier"/>
+              </a:rPr>
+              <a:t>n</a:t>
+            </a:r>
+            <a:r>
+              <a:rPr>
+                <a:solidFill>
+                  <a:srgbClr val="003B4F"/>
+                </a:solidFill>
+                <a:latin typeface="Courier"/>
+              </a:rPr>
+              <a:t>(),</a:t>
+            </a:r>
+            <a:br/>
+            <a:r>
+              <a:rPr>
+                <a:solidFill>
+                  <a:srgbClr val="003B4F"/>
+                </a:solidFill>
+                <a:latin typeface="Courier"/>
+              </a:rPr>
+              <a:t>    </a:t>
+            </a:r>
+            <a:r>
+              <a:rPr>
+                <a:solidFill>
+                  <a:srgbClr val="657422"/>
+                </a:solidFill>
+                <a:latin typeface="Courier"/>
+              </a:rPr>
+              <a:t>se_length =</a:t>
+            </a:r>
+            <a:r>
+              <a:rPr>
+                <a:solidFill>
+                  <a:srgbClr val="003B4F"/>
+                </a:solidFill>
+                <a:latin typeface="Courier"/>
+              </a:rPr>
+              <a:t> sd_length </a:t>
+            </a:r>
+            <a:r>
+              <a:rPr>
+                <a:solidFill>
+                  <a:srgbClr val="5E5E5E"/>
+                </a:solidFill>
+                <a:latin typeface="Courier"/>
+              </a:rPr>
+              <a:t>/</a:t>
+            </a:r>
+            <a:r>
+              <a:rPr>
+                <a:solidFill>
+                  <a:srgbClr val="003B4F"/>
+                </a:solidFill>
+                <a:latin typeface="Courier"/>
+              </a:rPr>
+              <a:t> </a:t>
+            </a:r>
+            <a:r>
+              <a:rPr>
+                <a:solidFill>
+                  <a:srgbClr val="4758AB"/>
+                </a:solidFill>
+                <a:latin typeface="Courier"/>
+              </a:rPr>
+              <a:t>sqrt</a:t>
+            </a:r>
+            <a:r>
+              <a:rPr>
+                <a:solidFill>
+                  <a:srgbClr val="003B4F"/>
+                </a:solidFill>
+                <a:latin typeface="Courier"/>
+              </a:rPr>
+              <a:t>(n)</a:t>
+            </a:r>
+            <a:br/>
+            <a:r>
+              <a:rPr>
+                <a:solidFill>
+                  <a:srgbClr val="003B4F"/>
+                </a:solidFill>
+                <a:latin typeface="Courier"/>
+              </a:rPr>
+              <a:t>  )</a:t>
+            </a:r>
+            <a:br/>
+            <a:br/>
+            <a:r>
+              <a:rPr>
+                <a:solidFill>
+                  <a:srgbClr val="4758AB"/>
+                </a:solidFill>
+                <a:latin typeface="Courier"/>
+              </a:rPr>
+              <a:t>print</a:t>
+            </a:r>
+            <a:r>
+              <a:rPr>
+                <a:solidFill>
+                  <a:srgbClr val="003B4F"/>
+                </a:solidFill>
+                <a:latin typeface="Courier"/>
+              </a:rPr>
+              <a:t>(group_summary)</a:t>
+            </a:r>
+          </a:p>
+          <a:p>
+            <a:pPr lvl="0" indent="0">
+              <a:buNone/>
+            </a:pPr>
+            <a:r>
+              <a:rPr>
+                <a:latin typeface="Courier"/>
+              </a:rPr>
+              <a:t># A tibble: 2 × 5
+  wind  mean_length sd_length     n se_length
+  &lt;chr&gt;       &lt;dbl&gt;     &lt;dbl&gt; &lt;int&gt;     &lt;dbl&gt;
+1 lee          20.4      2.45    24     0.500
+2 wind         14.9      1.91    24     0.390</a:t>
+            </a:r>
+          </a:p>
+        </p:txBody>
+      </p:sp>
     </p:spTree>
   </p:cSld>
 </p:sld>
@@ -8965,12 +9505,8 @@
               <a:buNone/>
             </a:pPr>
             <a:r>
-              <a:rPr b="1"/>
-              <a:t>Part 2:</a:t>
-            </a:r>
-            <a:r>
-              <a:rPr/>
-              <a:t> Exploratory Data Analysis by Group</a:t>
+              <a:rPr/>
+              <a:t>Alternative 1</a:t>
             </a:r>
           </a:p>
         </p:txBody>
@@ -8990,21 +9526,207 @@
           <a:bodyPr/>
           <a:lstStyle/>
           <a:p>
-            <a:pPr lvl="0" indent="0" marL="0">
-              <a:buNone/>
-            </a:pPr>
-            <a:r>
-              <a:rPr b="1"/>
-              <a:t>Activity: Calculate summary statistics grouped by wind exposure</a:t>
-            </a:r>
-          </a:p>
-          <a:p>
-            <a:pPr lvl="0" indent="0" marL="0">
-              <a:buNone/>
-            </a:pPr>
-            <a:r>
-              <a:rPr/>
-              <a:t>Before conducting the test, we need to understand the data for each group.</a:t>
+            <a:pPr lvl="0" indent="0">
+              <a:buNone/>
+            </a:pPr>
+            <a:r>
+              <a:rPr>
+                <a:solidFill>
+                  <a:srgbClr val="5E5E5E"/>
+                </a:solidFill>
+                <a:latin typeface="Courier"/>
+              </a:rPr>
+              <a:t># Calculate the difference in means</a:t>
+            </a:r>
+            <a:br/>
+            <a:r>
+              <a:rPr>
+                <a:solidFill>
+                  <a:srgbClr val="5E5E5E"/>
+                </a:solidFill>
+                <a:latin typeface="Courier"/>
+              </a:rPr>
+              <a:t># YOUR CODE HERE</a:t>
+            </a:r>
+            <a:br/>
+            <a:br/>
+            <a:r>
+              <a:rPr>
+                <a:solidFill>
+                  <a:srgbClr val="5E5E5E"/>
+                </a:solidFill>
+                <a:latin typeface="Courier"/>
+              </a:rPr>
+              <a:t># Assuming your dataframe is called df</a:t>
+            </a:r>
+            <a:br/>
+            <a:r>
+              <a:rPr>
+                <a:solidFill>
+                  <a:srgbClr val="003B4F"/>
+                </a:solidFill>
+                <a:latin typeface="Courier"/>
+              </a:rPr>
+              <a:t>group_summary </a:t>
+            </a:r>
+            <a:r>
+              <a:rPr>
+                <a:solidFill>
+                  <a:srgbClr val="5E5E5E"/>
+                </a:solidFill>
+                <a:latin typeface="Courier"/>
+              </a:rPr>
+              <a:t>%&gt;%</a:t>
+            </a:r>
+            <a:br/>
+            <a:r>
+              <a:rPr>
+                <a:solidFill>
+                  <a:srgbClr val="003B4F"/>
+                </a:solidFill>
+                <a:latin typeface="Courier"/>
+              </a:rPr>
+              <a:t>  </a:t>
+            </a:r>
+            <a:r>
+              <a:rPr>
+                <a:solidFill>
+                  <a:srgbClr val="4758AB"/>
+                </a:solidFill>
+                <a:latin typeface="Courier"/>
+              </a:rPr>
+              <a:t>summarize</a:t>
+            </a:r>
+            <a:r>
+              <a:rPr>
+                <a:solidFill>
+                  <a:srgbClr val="003B4F"/>
+                </a:solidFill>
+                <a:latin typeface="Courier"/>
+              </a:rPr>
+              <a:t>(</a:t>
+            </a:r>
+            <a:r>
+              <a:rPr>
+                <a:solidFill>
+                  <a:srgbClr val="657422"/>
+                </a:solidFill>
+                <a:latin typeface="Courier"/>
+              </a:rPr>
+              <a:t>difference =</a:t>
+            </a:r>
+            <a:r>
+              <a:rPr>
+                <a:solidFill>
+                  <a:srgbClr val="003B4F"/>
+                </a:solidFill>
+                <a:latin typeface="Courier"/>
+              </a:rPr>
+              <a:t> mean_length[wind </a:t>
+            </a:r>
+            <a:r>
+              <a:rPr>
+                <a:solidFill>
+                  <a:srgbClr val="5E5E5E"/>
+                </a:solidFill>
+                <a:latin typeface="Courier"/>
+              </a:rPr>
+              <a:t>==</a:t>
+            </a:r>
+            <a:r>
+              <a:rPr>
+                <a:solidFill>
+                  <a:srgbClr val="003B4F"/>
+                </a:solidFill>
+                <a:latin typeface="Courier"/>
+              </a:rPr>
+              <a:t> </a:t>
+            </a:r>
+            <a:r>
+              <a:rPr>
+                <a:solidFill>
+                  <a:srgbClr val="20794D"/>
+                </a:solidFill>
+                <a:latin typeface="Courier"/>
+              </a:rPr>
+              <a:t>"wind"</a:t>
+            </a:r>
+            <a:r>
+              <a:rPr>
+                <a:solidFill>
+                  <a:srgbClr val="003B4F"/>
+                </a:solidFill>
+                <a:latin typeface="Courier"/>
+              </a:rPr>
+              <a:t>] </a:t>
+            </a:r>
+            <a:r>
+              <a:rPr>
+                <a:solidFill>
+                  <a:srgbClr val="5E5E5E"/>
+                </a:solidFill>
+                <a:latin typeface="Courier"/>
+              </a:rPr>
+              <a:t>-</a:t>
+            </a:r>
+            <a:r>
+              <a:rPr>
+                <a:solidFill>
+                  <a:srgbClr val="003B4F"/>
+                </a:solidFill>
+                <a:latin typeface="Courier"/>
+              </a:rPr>
+              <a:t> mean_length[wind </a:t>
+            </a:r>
+            <a:r>
+              <a:rPr>
+                <a:solidFill>
+                  <a:srgbClr val="5E5E5E"/>
+                </a:solidFill>
+                <a:latin typeface="Courier"/>
+              </a:rPr>
+              <a:t>==</a:t>
+            </a:r>
+            <a:r>
+              <a:rPr>
+                <a:solidFill>
+                  <a:srgbClr val="003B4F"/>
+                </a:solidFill>
+                <a:latin typeface="Courier"/>
+              </a:rPr>
+              <a:t> </a:t>
+            </a:r>
+            <a:r>
+              <a:rPr>
+                <a:solidFill>
+                  <a:srgbClr val="20794D"/>
+                </a:solidFill>
+                <a:latin typeface="Courier"/>
+              </a:rPr>
+              <a:t>"lee"</a:t>
+            </a:r>
+            <a:r>
+              <a:rPr>
+                <a:solidFill>
+                  <a:srgbClr val="003B4F"/>
+                </a:solidFill>
+                <a:latin typeface="Courier"/>
+              </a:rPr>
+              <a:t>])</a:t>
+            </a:r>
+          </a:p>
+          <a:p>
+            <a:pPr lvl="0" indent="0">
+              <a:buNone/>
+            </a:pPr>
+            <a:r>
+              <a:rPr>
+                <a:latin typeface="Courier"/>
+              </a:rPr>
+              <a:t># A tibble: 1 × 1
+  difference
+       &lt;dbl&gt;
+1       -5.5</a:t>
             </a:r>
           </a:p>
         </p:txBody>
@@ -9033,19 +9755,49 @@
       </p:grpSpPr>
       <p:sp>
         <p:nvSpPr>
-          <p:cNvPr id="3" name="Content Placeholder 2"/>
-          <p:cNvSpPr>
-            <a:spLocks noGrp="1"/>
-          </p:cNvSpPr>
-          <p:nvPr>
-            <p:ph idx="1"/>
-          </p:nvPr>
-        </p:nvSpPr>
-        <p:spPr/>
+          <p:cNvPr id="2" name="Title 1"/>
+          <p:cNvSpPr>
+            <a:spLocks noGrp="1"/>
+          </p:cNvSpPr>
+          <p:nvPr>
+            <p:ph type="title"/>
+          </p:nvPr>
+        </p:nvSpPr>
+        <p:spPr>
+          <a:xfrm>
+            <a:off x="0" y="0"/>
+            <a:ext cx="9144000" cy="582780"/>
+          </a:xfrm>
+        </p:spPr>
         <p:txBody>
           <a:bodyPr/>
           <a:lstStyle/>
           <a:p>
+            <a:pPr lvl="0" indent="0" marL="0">
+              <a:buNone/>
+            </a:pPr>
+            <a:r>
+              <a:rPr/>
+              <a:t>Alternative 2</a:t>
+            </a:r>
+          </a:p>
+        </p:txBody>
+      </p:sp>
+      <p:sp>
+        <p:nvSpPr>
+          <p:cNvPr id="3" name="Content Placeholder 2"/>
+          <p:cNvSpPr>
+            <a:spLocks noGrp="1"/>
+          </p:cNvSpPr>
+          <p:nvPr>
+            <p:ph idx="1"/>
+          </p:nvPr>
+        </p:nvSpPr>
+        <p:spPr/>
+        <p:txBody>
+          <a:bodyPr/>
+          <a:lstStyle/>
+          <a:p>
             <a:pPr lvl="0" indent="0">
               <a:buNone/>
             </a:pPr>
@@ -9056,16 +9808,17 @@
                 </a:solidFill>
                 <a:latin typeface="Courier"/>
               </a:rPr>
-              <a:t># YOUR </a:t>
-            </a:r>
-            <a:r>
-              <a:rPr>
-                <a:solidFill>
-                  <a:srgbClr val="AD0000"/>
-                </a:solidFill>
-                <a:latin typeface="Courier"/>
-              </a:rPr>
-              <a:t>TASK</a:t>
+              <a:t># Or alternatively using filter and pull:</a:t>
+            </a:r>
+            <a:br/>
+            <a:r>
+              <a:rPr>
+                <a:solidFill>
+                  <a:srgbClr val="003B4F"/>
+                </a:solidFill>
+                <a:latin typeface="Courier"/>
+              </a:rPr>
+              <a:t>lee_mean &lt;- group_summary </a:t>
             </a:r>
             <a:r>
               <a:rPr>
@@ -9074,19 +9827,253 @@
                 </a:solidFill>
                 <a:latin typeface="Courier"/>
               </a:rPr>
-              <a:t>: Calculate summary statistics by wind exposure</a:t>
+              <a:t>%&gt;%</a:t>
+            </a:r>
+            <a:r>
+              <a:rPr>
+                <a:solidFill>
+                  <a:srgbClr val="003B4F"/>
+                </a:solidFill>
+                <a:latin typeface="Courier"/>
+              </a:rPr>
+              <a:t> </a:t>
+            </a:r>
+            <a:r>
+              <a:rPr>
+                <a:solidFill>
+                  <a:srgbClr val="4758AB"/>
+                </a:solidFill>
+                <a:latin typeface="Courier"/>
+              </a:rPr>
+              <a:t>filter</a:t>
+            </a:r>
+            <a:r>
+              <a:rPr>
+                <a:solidFill>
+                  <a:srgbClr val="003B4F"/>
+                </a:solidFill>
+                <a:latin typeface="Courier"/>
+              </a:rPr>
+              <a:t>(wind </a:t>
+            </a:r>
+            <a:r>
+              <a:rPr>
+                <a:solidFill>
+                  <a:srgbClr val="5E5E5E"/>
+                </a:solidFill>
+                <a:latin typeface="Courier"/>
+              </a:rPr>
+              <a:t>==</a:t>
+            </a:r>
+            <a:r>
+              <a:rPr>
+                <a:solidFill>
+                  <a:srgbClr val="003B4F"/>
+                </a:solidFill>
+                <a:latin typeface="Courier"/>
+              </a:rPr>
+              <a:t> </a:t>
+            </a:r>
+            <a:r>
+              <a:rPr>
+                <a:solidFill>
+                  <a:srgbClr val="20794D"/>
+                </a:solidFill>
+                <a:latin typeface="Courier"/>
+              </a:rPr>
+              <a:t>"lee"</a:t>
+            </a:r>
+            <a:r>
+              <a:rPr>
+                <a:solidFill>
+                  <a:srgbClr val="003B4F"/>
+                </a:solidFill>
+                <a:latin typeface="Courier"/>
+              </a:rPr>
+              <a:t>) </a:t>
+            </a:r>
+            <a:r>
+              <a:rPr>
+                <a:solidFill>
+                  <a:srgbClr val="5E5E5E"/>
+                </a:solidFill>
+                <a:latin typeface="Courier"/>
+              </a:rPr>
+              <a:t>%&gt;%</a:t>
+            </a:r>
+            <a:r>
+              <a:rPr>
+                <a:solidFill>
+                  <a:srgbClr val="003B4F"/>
+                </a:solidFill>
+                <a:latin typeface="Courier"/>
+              </a:rPr>
+              <a:t> </a:t>
+            </a:r>
+            <a:r>
+              <a:rPr>
+                <a:solidFill>
+                  <a:srgbClr val="4758AB"/>
+                </a:solidFill>
+                <a:latin typeface="Courier"/>
+              </a:rPr>
+              <a:t>pull</a:t>
+            </a:r>
+            <a:r>
+              <a:rPr>
+                <a:solidFill>
+                  <a:srgbClr val="003B4F"/>
+                </a:solidFill>
+                <a:latin typeface="Courier"/>
+              </a:rPr>
+              <a:t>(mean_length)</a:t>
             </a:r>
             <a:br/>
             <a:r>
               <a:rPr>
                 <a:solidFill>
+                  <a:srgbClr val="003B4F"/>
+                </a:solidFill>
+                <a:latin typeface="Courier"/>
+              </a:rPr>
+              <a:t>wind_mean &lt;- group_summary </a:t>
+            </a:r>
+            <a:r>
+              <a:rPr>
+                <a:solidFill>
                   <a:srgbClr val="5E5E5E"/>
                 </a:solidFill>
                 <a:latin typeface="Courier"/>
               </a:rPr>
-              <a:t># Hint: Use group_by() and summarize()</a:t>
+              <a:t>%&gt;%</a:t>
+            </a:r>
+            <a:r>
+              <a:rPr>
+                <a:solidFill>
+                  <a:srgbClr val="003B4F"/>
+                </a:solidFill>
+                <a:latin typeface="Courier"/>
+              </a:rPr>
+              <a:t> </a:t>
+            </a:r>
+            <a:r>
+              <a:rPr>
+                <a:solidFill>
+                  <a:srgbClr val="4758AB"/>
+                </a:solidFill>
+                <a:latin typeface="Courier"/>
+              </a:rPr>
+              <a:t>filter</a:t>
+            </a:r>
+            <a:r>
+              <a:rPr>
+                <a:solidFill>
+                  <a:srgbClr val="003B4F"/>
+                </a:solidFill>
+                <a:latin typeface="Courier"/>
+              </a:rPr>
+              <a:t>(wind </a:t>
+            </a:r>
+            <a:r>
+              <a:rPr>
+                <a:solidFill>
+                  <a:srgbClr val="5E5E5E"/>
+                </a:solidFill>
+                <a:latin typeface="Courier"/>
+              </a:rPr>
+              <a:t>==</a:t>
+            </a:r>
+            <a:r>
+              <a:rPr>
+                <a:solidFill>
+                  <a:srgbClr val="003B4F"/>
+                </a:solidFill>
+                <a:latin typeface="Courier"/>
+              </a:rPr>
+              <a:t> </a:t>
+            </a:r>
+            <a:r>
+              <a:rPr>
+                <a:solidFill>
+                  <a:srgbClr val="20794D"/>
+                </a:solidFill>
+                <a:latin typeface="Courier"/>
+              </a:rPr>
+              <a:t>"wind"</a:t>
+            </a:r>
+            <a:r>
+              <a:rPr>
+                <a:solidFill>
+                  <a:srgbClr val="003B4F"/>
+                </a:solidFill>
+                <a:latin typeface="Courier"/>
+              </a:rPr>
+              <a:t>) </a:t>
+            </a:r>
+            <a:r>
+              <a:rPr>
+                <a:solidFill>
+                  <a:srgbClr val="5E5E5E"/>
+                </a:solidFill>
+                <a:latin typeface="Courier"/>
+              </a:rPr>
+              <a:t>%&gt;%</a:t>
+            </a:r>
+            <a:r>
+              <a:rPr>
+                <a:solidFill>
+                  <a:srgbClr val="003B4F"/>
+                </a:solidFill>
+                <a:latin typeface="Courier"/>
+              </a:rPr>
+              <a:t> </a:t>
+            </a:r>
+            <a:r>
+              <a:rPr>
+                <a:solidFill>
+                  <a:srgbClr val="4758AB"/>
+                </a:solidFill>
+                <a:latin typeface="Courier"/>
+              </a:rPr>
+              <a:t>pull</a:t>
+            </a:r>
+            <a:r>
+              <a:rPr>
+                <a:solidFill>
+                  <a:srgbClr val="003B4F"/>
+                </a:solidFill>
+                <a:latin typeface="Courier"/>
+              </a:rPr>
+              <a:t>(mean_length)</a:t>
             </a:r>
             <a:br/>
+            <a:r>
+              <a:rPr>
+                <a:solidFill>
+                  <a:srgbClr val="003B4F"/>
+                </a:solidFill>
+                <a:latin typeface="Courier"/>
+              </a:rPr>
+              <a:t>difference &lt;- wind_mean </a:t>
+            </a:r>
+            <a:r>
+              <a:rPr>
+                <a:solidFill>
+                  <a:srgbClr val="5E5E5E"/>
+                </a:solidFill>
+                <a:latin typeface="Courier"/>
+              </a:rPr>
+              <a:t>-</a:t>
+            </a:r>
+            <a:r>
+              <a:rPr>
+                <a:solidFill>
+                  <a:srgbClr val="003B4F"/>
+                </a:solidFill>
+                <a:latin typeface="Courier"/>
+              </a:rPr>
+              <a:t> lee_mean</a:t>
+            </a:r>
             <a:br/>
             <a:r>
               <a:rPr>
@@ -9095,313 +10082,7 @@
                 </a:solidFill>
                 <a:latin typeface="Courier"/>
               </a:rPr>
-              <a:t>group_summary &lt;- pine_data </a:t>
-            </a:r>
-            <a:r>
-              <a:rPr>
-                <a:solidFill>
-                  <a:srgbClr val="5E5E5E"/>
-                </a:solidFill>
-                <a:latin typeface="Courier"/>
-              </a:rPr>
-              <a:t>%&gt;%</a:t>
-            </a:r>
-            <a:br/>
-            <a:r>
-              <a:rPr>
-                <a:solidFill>
-                  <a:srgbClr val="003B4F"/>
-                </a:solidFill>
-                <a:latin typeface="Courier"/>
-              </a:rPr>
-              <a:t>  </a:t>
-            </a:r>
-            <a:r>
-              <a:rPr>
-                <a:solidFill>
-                  <a:srgbClr val="4758AB"/>
-                </a:solidFill>
-                <a:latin typeface="Courier"/>
-              </a:rPr>
-              <a:t>group_by</a:t>
-            </a:r>
-            <a:r>
-              <a:rPr>
-                <a:solidFill>
-                  <a:srgbClr val="003B4F"/>
-                </a:solidFill>
-                <a:latin typeface="Courier"/>
-              </a:rPr>
-              <a:t>(wind) </a:t>
-            </a:r>
-            <a:r>
-              <a:rPr>
-                <a:solidFill>
-                  <a:srgbClr val="5E5E5E"/>
-                </a:solidFill>
-                <a:latin typeface="Courier"/>
-              </a:rPr>
-              <a:t>%&gt;%</a:t>
-            </a:r>
-            <a:br/>
-            <a:r>
-              <a:rPr>
-                <a:solidFill>
-                  <a:srgbClr val="003B4F"/>
-                </a:solidFill>
-                <a:latin typeface="Courier"/>
-              </a:rPr>
-              <a:t>  </a:t>
-            </a:r>
-            <a:r>
-              <a:rPr>
-                <a:solidFill>
-                  <a:srgbClr val="4758AB"/>
-                </a:solidFill>
-                <a:latin typeface="Courier"/>
-              </a:rPr>
-              <a:t>summarize</a:t>
-            </a:r>
-            <a:r>
-              <a:rPr>
-                <a:solidFill>
-                  <a:srgbClr val="003B4F"/>
-                </a:solidFill>
-                <a:latin typeface="Courier"/>
-              </a:rPr>
-              <a:t>(</a:t>
-            </a:r>
-            <a:br/>
-            <a:r>
-              <a:rPr>
-                <a:solidFill>
-                  <a:srgbClr val="003B4F"/>
-                </a:solidFill>
-                <a:latin typeface="Courier"/>
-              </a:rPr>
-              <a:t>    </a:t>
-            </a:r>
-            <a:r>
-              <a:rPr>
-                <a:solidFill>
-                  <a:srgbClr val="657422"/>
-                </a:solidFill>
-                <a:latin typeface="Courier"/>
-              </a:rPr>
-              <a:t>mean_length =</a:t>
-            </a:r>
-            <a:r>
-              <a:rPr>
-                <a:solidFill>
-                  <a:srgbClr val="003B4F"/>
-                </a:solidFill>
-                <a:latin typeface="Courier"/>
-              </a:rPr>
-              <a:t> </a:t>
-            </a:r>
-            <a:r>
-              <a:rPr>
-                <a:solidFill>
-                  <a:srgbClr val="4758AB"/>
-                </a:solidFill>
-                <a:latin typeface="Courier"/>
-              </a:rPr>
-              <a:t>mean</a:t>
-            </a:r>
-            <a:r>
-              <a:rPr>
-                <a:solidFill>
-                  <a:srgbClr val="003B4F"/>
-                </a:solidFill>
-                <a:latin typeface="Courier"/>
-              </a:rPr>
-              <a:t>(len_mm),</a:t>
-            </a:r>
-            <a:br/>
-            <a:r>
-              <a:rPr>
-                <a:solidFill>
-                  <a:srgbClr val="003B4F"/>
-                </a:solidFill>
-                <a:latin typeface="Courier"/>
-              </a:rPr>
-              <a:t>    </a:t>
-            </a:r>
-            <a:r>
-              <a:rPr>
-                <a:solidFill>
-                  <a:srgbClr val="657422"/>
-                </a:solidFill>
-                <a:latin typeface="Courier"/>
-              </a:rPr>
-              <a:t>sd_length =</a:t>
-            </a:r>
-            <a:r>
-              <a:rPr>
-                <a:solidFill>
-                  <a:srgbClr val="003B4F"/>
-                </a:solidFill>
-                <a:latin typeface="Courier"/>
-              </a:rPr>
-              <a:t> </a:t>
-            </a:r>
-            <a:r>
-              <a:rPr>
-                <a:solidFill>
-                  <a:srgbClr val="4758AB"/>
-                </a:solidFill>
-                <a:latin typeface="Courier"/>
-              </a:rPr>
-              <a:t>sd</a:t>
-            </a:r>
-            <a:r>
-              <a:rPr>
-                <a:solidFill>
-                  <a:srgbClr val="003B4F"/>
-                </a:solidFill>
-                <a:latin typeface="Courier"/>
-              </a:rPr>
-              <a:t>(len_mm),</a:t>
-            </a:r>
-            <a:br/>
-            <a:r>
-              <a:rPr>
-                <a:solidFill>
-                  <a:srgbClr val="003B4F"/>
-                </a:solidFill>
-                <a:latin typeface="Courier"/>
-              </a:rPr>
-              <a:t>    </a:t>
-            </a:r>
-            <a:r>
-              <a:rPr>
-                <a:solidFill>
-                  <a:srgbClr val="657422"/>
-                </a:solidFill>
-                <a:latin typeface="Courier"/>
-              </a:rPr>
-              <a:t>n =</a:t>
-            </a:r>
-            <a:r>
-              <a:rPr>
-                <a:solidFill>
-                  <a:srgbClr val="003B4F"/>
-                </a:solidFill>
-                <a:latin typeface="Courier"/>
-              </a:rPr>
-              <a:t> </a:t>
-            </a:r>
-            <a:r>
-              <a:rPr>
-                <a:solidFill>
-                  <a:srgbClr val="4758AB"/>
-                </a:solidFill>
-                <a:latin typeface="Courier"/>
-              </a:rPr>
-              <a:t>n</a:t>
-            </a:r>
-            <a:r>
-              <a:rPr>
-                <a:solidFill>
-                  <a:srgbClr val="003B4F"/>
-                </a:solidFill>
-                <a:latin typeface="Courier"/>
-              </a:rPr>
-              <a:t>(),</a:t>
-            </a:r>
-            <a:br/>
-            <a:r>
-              <a:rPr>
-                <a:solidFill>
-                  <a:srgbClr val="003B4F"/>
-                </a:solidFill>
-                <a:latin typeface="Courier"/>
-              </a:rPr>
-              <a:t>    </a:t>
-            </a:r>
-            <a:r>
-              <a:rPr>
-                <a:solidFill>
-                  <a:srgbClr val="657422"/>
-                </a:solidFill>
-                <a:latin typeface="Courier"/>
-              </a:rPr>
-              <a:t>se_length =</a:t>
-            </a:r>
-            <a:r>
-              <a:rPr>
-                <a:solidFill>
-                  <a:srgbClr val="003B4F"/>
-                </a:solidFill>
-                <a:latin typeface="Courier"/>
-              </a:rPr>
-              <a:t> sd_length </a:t>
-            </a:r>
-            <a:r>
-              <a:rPr>
-                <a:solidFill>
-                  <a:srgbClr val="5E5E5E"/>
-                </a:solidFill>
-                <a:latin typeface="Courier"/>
-              </a:rPr>
-              <a:t>/</a:t>
-            </a:r>
-            <a:r>
-              <a:rPr>
-                <a:solidFill>
-                  <a:srgbClr val="003B4F"/>
-                </a:solidFill>
-                <a:latin typeface="Courier"/>
-              </a:rPr>
-              <a:t> </a:t>
-            </a:r>
-            <a:r>
-              <a:rPr>
-                <a:solidFill>
-                  <a:srgbClr val="4758AB"/>
-                </a:solidFill>
-                <a:latin typeface="Courier"/>
-              </a:rPr>
-              <a:t>sqrt</a:t>
-            </a:r>
-            <a:r>
-              <a:rPr>
-                <a:solidFill>
-                  <a:srgbClr val="003B4F"/>
-                </a:solidFill>
-                <a:latin typeface="Courier"/>
-              </a:rPr>
-              <a:t>(n)</a:t>
-            </a:r>
-            <a:br/>
-            <a:r>
-              <a:rPr>
-                <a:solidFill>
-                  <a:srgbClr val="003B4F"/>
-                </a:solidFill>
-                <a:latin typeface="Courier"/>
-              </a:rPr>
-              <a:t>  )</a:t>
-            </a:r>
-            <a:br/>
-            <a:br/>
-            <a:r>
-              <a:rPr>
-                <a:solidFill>
-                  <a:srgbClr val="4758AB"/>
-                </a:solidFill>
-                <a:latin typeface="Courier"/>
-              </a:rPr>
-              <a:t>print</a:t>
-            </a:r>
-            <a:r>
-              <a:rPr>
-                <a:solidFill>
-                  <a:srgbClr val="003B4F"/>
-                </a:solidFill>
-                <a:latin typeface="Courier"/>
-              </a:rPr>
-              <a:t>(group_summary)</a:t>
+              <a:t>difference</a:t>
             </a:r>
           </a:p>
           <a:p>
@@ -9412,35 +10093,7 @@
               <a:rPr>
                 <a:latin typeface="Courier"/>
               </a:rPr>
-              <a:t># A tibble: 2 × 5
-  wind  mean_length sd_length     n se_length
-  &lt;chr&gt;       &lt;dbl&gt;     &lt;dbl&gt; &lt;int&gt;     &lt;dbl&gt;
-1 lee          20.4      2.45    24     0.500
-2 wind         14.9      1.91    24     0.390</a:t>
-            </a:r>
-          </a:p>
-          <a:p>
-            <a:pPr lvl="0" indent="0">
-              <a:buNone/>
-            </a:pPr>
-            <a:r>
-              <a:rPr>
-                <a:solidFill>
-                  <a:srgbClr val="5E5E5E"/>
-                </a:solidFill>
-                <a:latin typeface="Courier"/>
-              </a:rPr>
-              <a:t># Calculate the difference in means</a:t>
-            </a:r>
-            <a:br/>
-            <a:r>
-              <a:rPr>
-                <a:solidFill>
-                  <a:srgbClr val="5E5E5E"/>
-                </a:solidFill>
-                <a:latin typeface="Courier"/>
-              </a:rPr>
-              <a:t># YOUR CODE HERE</a:t>
+              <a:t>[1] -5.5</a:t>
             </a:r>
           </a:p>
         </p:txBody>
@@ -9480,11 +10133,8 @@
         <p:spPr>
           <a:xfrm>
             <a:off x="0" y="0"/>
-            <a:ext cx="9144000" cy="602780"/>
+            <a:ext cx="9144000" cy="871538"/>
           </a:xfrm>
-          <a:solidFill>
-            <a:srgbClr val="70121D"/>
-          </a:solidFill>
         </p:spPr>
         <p:txBody>
           <a:bodyPr/>
@@ -9506,12 +10156,12 @@
       </p:sp>
       <p:sp>
         <p:nvSpPr>
-          <p:cNvPr id="3" name="Content Placeholder 2"/>
-          <p:cNvSpPr>
-            <a:spLocks noGrp="1"/>
-          </p:cNvSpPr>
-          <p:nvPr>
-            <p:ph idx="1" sz="half"/>
+          <p:cNvPr id="4" name="Text Placeholder 3"/>
+          <p:cNvSpPr>
+            <a:spLocks noGrp="1"/>
+          </p:cNvSpPr>
+          <p:nvPr>
+            <p:ph idx="2" sz="half" type="body"/>
           </p:nvPr>
         </p:nvSpPr>
         <p:spPr/>
@@ -9526,106 +10176,32 @@
               <a:rPr b="1"/>
               <a:t>Activity: Create visualizations to compare the groups</a:t>
             </a:r>
-          </a:p>
-          <a:p>
-            <a:pPr lvl="0" indent="0" marL="0">
-              <a:buNone/>
-            </a:pPr>
-            <a:r>
-              <a:rPr/>
-              <a:t>Visualizing the data can help us understand the differences between groups.</a:t>
-            </a:r>
-          </a:p>
-        </p:txBody>
-      </p:sp>
-      <p:sp>
-        <p:nvSpPr>
-          <p:cNvPr id="4" name="Content Placeholder 3"/>
-          <p:cNvSpPr>
-            <a:spLocks noGrp="1"/>
-          </p:cNvSpPr>
-          <p:nvPr>
-            <p:ph idx="2" sz="half"/>
-          </p:nvPr>
-        </p:nvSpPr>
-        <p:spPr/>
-        <p:txBody>
-          <a:bodyPr/>
-          <a:lstStyle/>
-          <a:p>
-            <a:pPr lvl="0" indent="0" marL="0">
-              <a:buNone/>
-            </a:pPr>
-            <a:r>
-              <a:rPr/>
-              <a:t>Effective visualizations for group comparisons:</a:t>
-            </a:r>
-          </a:p>
-          <a:p>
-            <a:pPr lvl="0" indent="0" marL="0">
-              <a:buNone/>
-            </a:pPr>
-            <a:r>
-              <a:rPr/>
-              <a:t>- Side-by-side boxplots</a:t>
-            </a:r>
-          </a:p>
-          <a:p>
-            <a:pPr lvl="0" indent="0" marL="0">
-              <a:buNone/>
-            </a:pPr>
-            <a:r>
-              <a:rPr/>
-              <a:t>- Violin plots</a:t>
-            </a:r>
-          </a:p>
-          <a:p>
-            <a:pPr lvl="0" indent="0" marL="0">
-              <a:buNone/>
-            </a:pPr>
-            <a:r>
-              <a:rPr/>
-              <a:t>- Error bar plots</a:t>
-            </a:r>
-          </a:p>
-        </p:txBody>
-      </p:sp>
-    </p:spTree>
-  </p:cSld>
-</p:sld>
-</file>
-
-<file path=ppt/slides/slide39.xml><?xml version="1.0" encoding="utf-8"?>
-<p:sld xmlns:a="http://schemas.openxmlformats.org/drawingml/2006/main" xmlns:r="http://schemas.openxmlformats.org/officeDocument/2006/relationships" xmlns:p="http://schemas.openxmlformats.org/presentationml/2006/main">
-  <p:cSld>
-    <p:spTree>
-      <p:nvGrpSpPr>
-        <p:cNvPr id="1" name=""/>
-        <p:cNvGrpSpPr/>
-        <p:nvPr/>
-      </p:nvGrpSpPr>
-      <p:grpSpPr>
-        <a:xfrm>
-          <a:off x="0" y="0"/>
-          <a:ext cx="0" cy="0"/>
-          <a:chOff x="0" y="0"/>
-          <a:chExt cx="0" cy="0"/>
-        </a:xfrm>
-      </p:grpSpPr>
-      <p:sp>
-        <p:nvSpPr>
-          <p:cNvPr id="4" name="Text Placeholder 3"/>
-          <p:cNvSpPr>
-            <a:spLocks noGrp="1"/>
-          </p:cNvSpPr>
-          <p:nvPr>
-            <p:ph idx="2" sz="half" type="body"/>
-          </p:nvPr>
-        </p:nvSpPr>
-        <p:spPr/>
-        <p:txBody>
-          <a:bodyPr/>
-          <a:lstStyle/>
+            <a:r>
+              <a:rPr/>
+              <a:t> Effective visualizations for group comparisons:</a:t>
+            </a:r>
+          </a:p>
+          <a:p>
+            <a:pPr lvl="0"/>
+            <a:r>
+              <a:rPr/>
+              <a:t>Side-by-side boxplots</a:t>
+            </a:r>
+          </a:p>
+          <a:p>
+            <a:pPr lvl="0"/>
+            <a:r>
+              <a:rPr/>
+              <a:t>Violin plots</a:t>
+            </a:r>
+          </a:p>
+          <a:p>
+            <a:pPr lvl="0"/>
+            <a:r>
+              <a:rPr/>
+              <a:t>Error bar plots</a:t>
+            </a:r>
+          </a:p>
           <a:p>
             <a:pPr lvl="0" indent="0">
               <a:buNone/>
@@ -10025,6 +10601,58 @@
 </p:sld>
 </file>
 
+<file path=ppt/slides/slide39.xml><?xml version="1.0" encoding="utf-8"?>
+<p:sld xmlns:a="http://schemas.openxmlformats.org/drawingml/2006/main" xmlns:r="http://schemas.openxmlformats.org/officeDocument/2006/relationships" xmlns:p="http://schemas.openxmlformats.org/presentationml/2006/main">
+  <p:cSld>
+    <p:spTree>
+      <p:nvGrpSpPr>
+        <p:cNvPr id="1" name=""/>
+        <p:cNvGrpSpPr/>
+        <p:nvPr/>
+      </p:nvGrpSpPr>
+      <p:grpSpPr>
+        <a:xfrm>
+          <a:off x="0" y="0"/>
+          <a:ext cx="0" cy="0"/>
+          <a:chOff x="0" y="0"/>
+          <a:chExt cx="0" cy="0"/>
+        </a:xfrm>
+      </p:grpSpPr>
+      <p:sp>
+        <p:nvSpPr>
+          <p:cNvPr id="3" name="Content Placeholder 2"/>
+          <p:cNvSpPr>
+            <a:spLocks noGrp="1"/>
+          </p:cNvSpPr>
+          <p:nvPr>
+            <p:ph idx="1"/>
+          </p:nvPr>
+        </p:nvSpPr>
+        <p:spPr/>
+        <p:txBody>
+          <a:bodyPr/>
+          <a:lstStyle/>
+          <a:p>
+            <a:pPr lvl="0" indent="0">
+              <a:buNone/>
+            </a:pPr>
+            <a:r>
+              <a:rPr>
+                <a:solidFill>
+                  <a:srgbClr val="5E5E5E"/>
+                </a:solidFill>
+                <a:latin typeface="Courier"/>
+              </a:rPr>
+              <a:t># how can you do this by wind to see both plots</a:t>
+            </a:r>
+          </a:p>
+        </p:txBody>
+      </p:sp>
+    </p:spTree>
+  </p:cSld>
+</p:sld>
+</file>
+
 <file path=ppt/slides/slide4.xml><?xml version="1.0" encoding="utf-8"?>
 <p:sld xmlns:a="http://schemas.openxmlformats.org/drawingml/2006/main" xmlns:r="http://schemas.openxmlformats.org/officeDocument/2006/relationships" xmlns:p="http://schemas.openxmlformats.org/presentationml/2006/main">
   <p:cSld>
@@ -10151,31 +10779,36 @@
           </a:p>
         </p:txBody>
       </p:sp>
-      <p:sp>
-        <p:nvSpPr>
-          <p:cNvPr id="4" name="Content Placeholder 3"/>
-          <p:cNvSpPr>
-            <a:spLocks noGrp="1"/>
-          </p:cNvSpPr>
-          <p:nvPr>
-            <p:ph idx="2" sz="half"/>
-          </p:nvPr>
-        </p:nvSpPr>
-        <p:spPr/>
-        <p:txBody>
-          <a:bodyPr/>
-          <a:lstStyle/>
-          <a:p>
-            <a:pPr lvl="0" indent="0" marL="0">
-              <a:buNone/>
-            </a:pPr>
-            <a:r>
-              <a:rPr/>
-              <a:t>asdfasfasd</a:t>
-            </a:r>
-          </a:p>
-        </p:txBody>
-      </p:sp>
+      <p:pic>
+        <p:nvPicPr>
+          <p:cNvPr descr="images/pine_tree.png" id="0" name="Picture 1"/>
+          <p:cNvPicPr>
+            <a:picLocks noGrp="1" noChangeAspect="1"/>
+          </p:cNvPicPr>
+          <p:nvPr/>
+        </p:nvPicPr>
+        <p:blipFill>
+          <a:blip r:embed="rId2"/>
+          <a:stretch>
+            <a:fillRect/>
+          </a:stretch>
+        </p:blipFill>
+        <p:spPr bwMode="auto">
+          <a:xfrm>
+            <a:off x="6121400" y="1511300"/>
+            <a:ext cx="2781300" cy="2781300"/>
+          </a:xfrm>
+          <a:prstGeom prst="rect">
+            <a:avLst/>
+          </a:prstGeom>
+          <a:noFill/>
+          <a:ln w="9525">
+            <a:noFill/>
+            <a:headEnd/>
+            <a:tailEnd/>
+          </a:ln>
+        </p:spPr>
+      </p:pic>
     </p:spTree>
   </p:cSld>
 </p:sld>
@@ -10200,19 +10833,49 @@
       </p:grpSpPr>
       <p:sp>
         <p:nvSpPr>
-          <p:cNvPr id="4" name="Text Placeholder 3"/>
-          <p:cNvSpPr>
-            <a:spLocks noGrp="1"/>
-          </p:cNvSpPr>
-          <p:nvPr>
-            <p:ph idx="2" sz="half" type="body"/>
-          </p:nvPr>
-        </p:nvSpPr>
-        <p:spPr/>
+          <p:cNvPr id="2" name="Title 1"/>
+          <p:cNvSpPr>
+            <a:spLocks noGrp="1"/>
+          </p:cNvSpPr>
+          <p:nvPr>
+            <p:ph type="title"/>
+          </p:nvPr>
+        </p:nvSpPr>
+        <p:spPr>
+          <a:xfrm>
+            <a:off x="0" y="0"/>
+            <a:ext cx="9144000" cy="871538"/>
+          </a:xfrm>
+        </p:spPr>
         <p:txBody>
           <a:bodyPr/>
           <a:lstStyle/>
           <a:p>
+            <a:pPr lvl="0" indent="0" marL="0">
+              <a:buNone/>
+            </a:pPr>
+            <a:r>
+              <a:rPr/>
+              <a:t>your task</a:t>
+            </a:r>
+          </a:p>
+        </p:txBody>
+      </p:sp>
+      <p:sp>
+        <p:nvSpPr>
+          <p:cNvPr id="4" name="Text Placeholder 3"/>
+          <p:cNvSpPr>
+            <a:spLocks noGrp="1"/>
+          </p:cNvSpPr>
+          <p:nvPr>
+            <p:ph idx="2" sz="half" type="body"/>
+          </p:nvPr>
+        </p:nvSpPr>
+        <p:spPr/>
+        <p:txBody>
+          <a:bodyPr/>
+          <a:lstStyle/>
+          <a:p>
             <a:pPr lvl="0" indent="0">
               <a:buNone/>
             </a:pPr>
@@ -10323,7 +10986,7 @@
                 </a:solidFill>
                 <a:latin typeface="Courier"/>
               </a:rPr>
-              <a:t>fill =</a:t>
+              <a:t>color =</a:t>
             </a:r>
             <a:r>
               <a:rPr>
@@ -10414,7 +11077,7 @@
                 </a:solidFill>
                 <a:latin typeface="Courier"/>
               </a:rPr>
-              <a:t>"bar"</a:t>
+              <a:t>"point"</a:t>
             </a:r>
             <a:r>
               <a:rPr>
@@ -10759,7 +11422,7 @@
       </p:sp>
       <p:pic>
         <p:nvPicPr>
-          <p:cNvPr descr="05_01_lecture_powerpoint_files/figure-pptx/unnamed-chunk-4-1.png" id="0" name="Picture 1"/>
+          <p:cNvPr descr="05_01_lecture_powerpoint_files/figure-pptx/unnamed-chunk-8-1.png" id="0" name="Picture 1"/>
           <p:cNvPicPr>
             <a:picLocks noGrp="1" noChangeAspect="1"/>
           </p:cNvPicPr>
@@ -10822,11 +11485,8 @@
         <p:spPr>
           <a:xfrm>
             <a:off x="0" y="0"/>
-            <a:ext cx="9144000" cy="602780"/>
+            <a:ext cx="9144000" cy="582780"/>
           </a:xfrm>
-          <a:solidFill>
-            <a:srgbClr val="70121D"/>
-          </a:solidFill>
         </p:spPr>
         <p:txBody>
           <a:bodyPr/>
@@ -10853,7 +11513,7 @@
             <a:spLocks noGrp="1"/>
           </p:cNvSpPr>
           <p:nvPr>
-            <p:ph idx="1" sz="half"/>
+            <p:ph idx="1"/>
           </p:nvPr>
         </p:nvSpPr>
         <p:spPr/>
@@ -10879,73 +11539,53 @@
             </a:r>
           </a:p>
           <a:p>
+            <a:pPr lvl="0" indent="-342900" marL="342900">
+              <a:buAutoNum type="arabicPeriod"/>
+            </a:pPr>
+            <a:r>
+              <a:rPr/>
+              <a:t>Normality within each group</a:t>
+            </a:r>
+          </a:p>
+          <a:p>
+            <a:pPr lvl="0" indent="-342900" marL="342900">
+              <a:buAutoNum type="arabicPeriod"/>
+            </a:pPr>
+            <a:r>
+              <a:rPr/>
+              <a:t>Equal variances between groups (for standard t-test)</a:t>
+            </a:r>
+          </a:p>
+          <a:p>
+            <a:pPr lvl="0" indent="-342900" marL="342900">
+              <a:buAutoNum type="arabicPeriod"/>
+            </a:pPr>
+            <a:r>
+              <a:rPr/>
+              <a:t>Independent observations</a:t>
+            </a:r>
+          </a:p>
+          <a:p>
             <a:pPr lvl="0" indent="0" marL="0">
               <a:buNone/>
             </a:pPr>
             <a:r>
               <a:rPr/>
-              <a:t>1. Normality within each group</a:t>
-            </a:r>
-          </a:p>
-          <a:p>
-            <a:pPr lvl="0" indent="0" marL="0">
-              <a:buNone/>
-            </a:pPr>
-            <a:r>
-              <a:rPr/>
-              <a:t>2. Equal variances between groups (for standard t-test)</a:t>
-            </a:r>
-          </a:p>
-          <a:p>
-            <a:pPr lvl="0" indent="0" marL="0">
-              <a:buNone/>
-            </a:pPr>
-            <a:r>
-              <a:rPr/>
-              <a:t>3. Independent observations</a:t>
-            </a:r>
-          </a:p>
-        </p:txBody>
-      </p:sp>
-      <p:sp>
-        <p:nvSpPr>
-          <p:cNvPr id="4" name="Content Placeholder 3"/>
-          <p:cNvSpPr>
-            <a:spLocks noGrp="1"/>
-          </p:cNvSpPr>
-          <p:nvPr>
-            <p:ph idx="2" sz="half"/>
-          </p:nvPr>
-        </p:nvSpPr>
-        <p:spPr/>
-        <p:txBody>
-          <a:bodyPr/>
-          <a:lstStyle/>
-          <a:p>
-            <a:pPr lvl="0" indent="0" marL="0">
-              <a:buNone/>
-            </a:pPr>
-            <a:r>
-              <a:rPr/>
               <a:t>If assumptions are violated:</a:t>
             </a:r>
           </a:p>
           <a:p>
-            <a:pPr lvl="0" indent="0" marL="0">
-              <a:buNone/>
-            </a:pPr>
-            <a:r>
-              <a:rPr/>
-              <a:t>- Welch’s t-test (unequal variances)</a:t>
-            </a:r>
-          </a:p>
-          <a:p>
-            <a:pPr lvl="0" indent="0" marL="0">
-              <a:buNone/>
-            </a:pPr>
-            <a:r>
-              <a:rPr/>
-              <a:t>- Non-parametric alternatives (Mann-Whitney U test)</a:t>
+            <a:pPr lvl="0"/>
+            <a:r>
+              <a:rPr/>
+              <a:t>Welch’s t-test (unequal variances)</a:t>
+            </a:r>
+          </a:p>
+          <a:p>
+            <a:pPr lvl="0"/>
+            <a:r>
+              <a:rPr/>
+              <a:t>Non-parametric alternatives (Mann-Whitney U test)</a:t>
             </a:r>
           </a:p>
         </p:txBody>
@@ -10974,19 +11614,49 @@
       </p:grpSpPr>
       <p:sp>
         <p:nvSpPr>
-          <p:cNvPr id="4" name="Text Placeholder 3"/>
-          <p:cNvSpPr>
-            <a:spLocks noGrp="1"/>
-          </p:cNvSpPr>
-          <p:nvPr>
-            <p:ph idx="2" sz="half" type="body"/>
-          </p:nvPr>
-        </p:nvSpPr>
-        <p:spPr/>
+          <p:cNvPr id="2" name="Title 1"/>
+          <p:cNvSpPr>
+            <a:spLocks noGrp="1"/>
+          </p:cNvSpPr>
+          <p:nvPr>
+            <p:ph type="title"/>
+          </p:nvPr>
+        </p:nvSpPr>
+        <p:spPr>
+          <a:xfrm>
+            <a:off x="0" y="0"/>
+            <a:ext cx="9144000" cy="871538"/>
+          </a:xfrm>
+        </p:spPr>
         <p:txBody>
           <a:bodyPr/>
           <a:lstStyle/>
           <a:p>
+            <a:pPr lvl="0" indent="0" marL="0">
+              <a:buNone/>
+            </a:pPr>
+            <a:r>
+              <a:rPr/>
+              <a:t>your task</a:t>
+            </a:r>
+          </a:p>
+        </p:txBody>
+      </p:sp>
+      <p:sp>
+        <p:nvSpPr>
+          <p:cNvPr id="4" name="Text Placeholder 3"/>
+          <p:cNvSpPr>
+            <a:spLocks noGrp="1"/>
+          </p:cNvSpPr>
+          <p:nvPr>
+            <p:ph idx="2" sz="half" type="body"/>
+          </p:nvPr>
+        </p:nvSpPr>
+        <p:spPr/>
+        <p:txBody>
+          <a:bodyPr/>
+          <a:lstStyle/>
+          <a:p>
             <a:pPr lvl="0" indent="0">
               <a:buNone/>
             </a:pPr>
@@ -11161,7 +11831,7 @@
       </p:sp>
       <p:pic>
         <p:nvPicPr>
-          <p:cNvPr descr="05_01_lecture_powerpoint_files/figure-pptx/unnamed-chunk-5-1.png" id="0" name="Picture 1"/>
+          <p:cNvPr descr="05_01_lecture_powerpoint_files/figure-pptx/unnamed-chunk-9-1.png" id="0" name="Picture 1"/>
           <p:cNvPicPr>
             <a:picLocks noGrp="1" noChangeAspect="1"/>
           </p:cNvPicPr>
@@ -11473,193 +12143,6 @@
 W = 0.95477, p-value = 0.3425</a:t>
             </a:r>
           </a:p>
-          <a:p>
-            <a:pPr lvl="0" indent="0">
-              <a:buNone/>
-            </a:pPr>
-            <a:r>
-              <a:rPr>
-                <a:solidFill>
-                  <a:srgbClr val="5E5E5E"/>
-                </a:solidFill>
-                <a:latin typeface="Courier"/>
-              </a:rPr>
-              <a:t># Windward group</a:t>
-            </a:r>
-            <a:br/>
-            <a:r>
-              <a:rPr>
-                <a:solidFill>
-                  <a:srgbClr val="5E5E5E"/>
-                </a:solidFill>
-                <a:latin typeface="Courier"/>
-              </a:rPr>
-              <a:t># YOUR CODE HERE for windward group normality test</a:t>
-            </a:r>
-          </a:p>
-          <a:p>
-            <a:pPr lvl="0" indent="0">
-              <a:buNone/>
-            </a:pPr>
-            <a:r>
-              <a:rPr>
-                <a:solidFill>
-                  <a:srgbClr val="5E5E5E"/>
-                </a:solidFill>
-                <a:latin typeface="Courier"/>
-              </a:rPr>
-              <a:t># Test for equal variances</a:t>
-            </a:r>
-            <a:br/>
-            <a:r>
-              <a:rPr>
-                <a:solidFill>
-                  <a:srgbClr val="5E5E5E"/>
-                </a:solidFill>
-                <a:latin typeface="Courier"/>
-              </a:rPr>
-              <a:t># YOUR </a:t>
-            </a:r>
-            <a:r>
-              <a:rPr>
-                <a:solidFill>
-                  <a:srgbClr val="AD0000"/>
-                </a:solidFill>
-                <a:latin typeface="Courier"/>
-              </a:rPr>
-              <a:t>TASK</a:t>
-            </a:r>
-            <a:r>
-              <a:rPr>
-                <a:solidFill>
-                  <a:srgbClr val="5E5E5E"/>
-                </a:solidFill>
-                <a:latin typeface="Courier"/>
-              </a:rPr>
-              <a:t>: Conduct Levene's test for equality of variances</a:t>
-            </a:r>
-            <a:br/>
-            <a:r>
-              <a:rPr>
-                <a:solidFill>
-                  <a:srgbClr val="003B4F"/>
-                </a:solidFill>
-                <a:latin typeface="Courier"/>
-              </a:rPr>
-              <a:t>levene_test &lt;- </a:t>
-            </a:r>
-            <a:r>
-              <a:rPr>
-                <a:solidFill>
-                  <a:srgbClr val="4758AB"/>
-                </a:solidFill>
-                <a:latin typeface="Courier"/>
-              </a:rPr>
-              <a:t>leveneTest</a:t>
-            </a:r>
-            <a:r>
-              <a:rPr>
-                <a:solidFill>
-                  <a:srgbClr val="003B4F"/>
-                </a:solidFill>
-                <a:latin typeface="Courier"/>
-              </a:rPr>
-              <a:t>(len_mm </a:t>
-            </a:r>
-            <a:r>
-              <a:rPr>
-                <a:solidFill>
-                  <a:srgbClr val="5E5E5E"/>
-                </a:solidFill>
-                <a:latin typeface="Courier"/>
-              </a:rPr>
-              <a:t>~</a:t>
-            </a:r>
-            <a:r>
-              <a:rPr>
-                <a:solidFill>
-                  <a:srgbClr val="003B4F"/>
-                </a:solidFill>
-                <a:latin typeface="Courier"/>
-              </a:rPr>
-              <a:t> wind, </a:t>
-            </a:r>
-            <a:r>
-              <a:rPr>
-                <a:solidFill>
-                  <a:srgbClr val="657422"/>
-                </a:solidFill>
-                <a:latin typeface="Courier"/>
-              </a:rPr>
-              <a:t>data =</a:t>
-            </a:r>
-            <a:r>
-              <a:rPr>
-                <a:solidFill>
-                  <a:srgbClr val="003B4F"/>
-                </a:solidFill>
-                <a:latin typeface="Courier"/>
-              </a:rPr>
-              <a:t> pine_data)</a:t>
-            </a:r>
-            <a:br/>
-            <a:r>
-              <a:rPr>
-                <a:solidFill>
-                  <a:srgbClr val="4758AB"/>
-                </a:solidFill>
-                <a:latin typeface="Courier"/>
-              </a:rPr>
-              <a:t>print</a:t>
-            </a:r>
-            <a:r>
-              <a:rPr>
-                <a:solidFill>
-                  <a:srgbClr val="003B4F"/>
-                </a:solidFill>
-                <a:latin typeface="Courier"/>
-              </a:rPr>
-              <a:t>(levene_test)</a:t>
-            </a:r>
-          </a:p>
-          <a:p>
-            <a:pPr lvl="0" indent="0">
-              <a:buNone/>
-            </a:pPr>
-            <a:r>
-              <a:rPr>
-                <a:latin typeface="Courier"/>
-              </a:rPr>
-              <a:t>Levene's Test for Homogeneity of Variance (center = median)
-      Df F value Pr(&gt;F)
-group  1  1.2004 0.2789
-      46               </a:t>
-            </a:r>
-          </a:p>
-          <a:p>
-            <a:pPr lvl="0" indent="0">
-              <a:buNone/>
-            </a:pPr>
-            <a:r>
-              <a:rPr>
-                <a:solidFill>
-                  <a:srgbClr val="5E5E5E"/>
-                </a:solidFill>
-                <a:latin typeface="Courier"/>
-              </a:rPr>
-              <a:t># Visual check for normality with QQ plots</a:t>
-            </a:r>
-            <a:br/>
-            <a:r>
-              <a:rPr>
-                <a:solidFill>
-                  <a:srgbClr val="5E5E5E"/>
-                </a:solidFill>
-                <a:latin typeface="Courier"/>
-              </a:rPr>
-              <a:t># YOUR CODE HERE</a:t>
-            </a:r>
-          </a:p>
         </p:txBody>
       </p:sp>
     </p:spTree>
@@ -11697,11 +12180,8 @@
         <p:spPr>
           <a:xfrm>
             <a:off x="0" y="0"/>
-            <a:ext cx="9144000" cy="602780"/>
+            <a:ext cx="9144000" cy="582780"/>
           </a:xfrm>
-          <a:solidFill>
-            <a:srgbClr val="70121D"/>
-          </a:solidFill>
         </p:spPr>
         <p:txBody>
           <a:bodyPr/>
@@ -11711,12 +12191,8 @@
               <a:buNone/>
             </a:pPr>
             <a:r>
-              <a:rPr b="1"/>
-              <a:t>Part 2:</a:t>
-            </a:r>
-            <a:r>
-              <a:rPr/>
-              <a:t> Conducting the Two-Sample T-Test</a:t>
+              <a:rPr/>
+              <a:t>windward group</a:t>
             </a:r>
           </a:p>
         </p:txBody>
@@ -11728,7 +12204,7 @@
             <a:spLocks noGrp="1"/>
           </p:cNvSpPr>
           <p:nvPr>
-            <p:ph idx="1" sz="half"/>
+            <p:ph idx="1"/>
           </p:nvPr>
         </p:nvSpPr>
         <p:spPr/>
@@ -11736,91 +12212,27 @@
           <a:bodyPr/>
           <a:lstStyle/>
           <a:p>
-            <a:pPr lvl="0" indent="0" marL="0">
-              <a:buNone/>
-            </a:pPr>
-            <a:r>
-              <a:rPr b="1"/>
-              <a:t>Activity: Conduct a two-sample t-test</a:t>
-            </a:r>
-          </a:p>
-          <a:p>
-            <a:pPr lvl="0" indent="0" marL="0">
-              <a:buNone/>
-            </a:pPr>
-            <a:r>
-              <a:rPr/>
-              <a:t>Now we can compare the mean pine needle lengths between windward and leeward sides.</a:t>
-            </a:r>
-          </a:p>
-          <a:p>
-            <a:pPr lvl="0" indent="0" marL="0">
-              <a:buNone/>
-            </a:pPr>
-            <a:r>
-              <a:rPr/>
-              <a:t>H₀: μ₁ = μ₂ (The mean needle lengths are equal)</a:t>
-            </a:r>
-          </a:p>
-          <a:p>
-            <a:pPr lvl="0" indent="0" marL="0">
-              <a:buNone/>
-            </a:pPr>
-            <a:r>
-              <a:rPr/>
-              <a:t>H₁: μ₁ ≠ μ₂ (The mean needle lengths are different)</a:t>
-            </a:r>
-          </a:p>
-        </p:txBody>
-      </p:sp>
-      <p:sp>
-        <p:nvSpPr>
-          <p:cNvPr id="4" name="Content Placeholder 3"/>
-          <p:cNvSpPr>
-            <a:spLocks noGrp="1"/>
-          </p:cNvSpPr>
-          <p:nvPr>
-            <p:ph idx="2" sz="half"/>
-          </p:nvPr>
-        </p:nvSpPr>
-        <p:spPr/>
-        <p:txBody>
-          <a:bodyPr/>
-          <a:lstStyle/>
-          <a:p>
-            <a:pPr lvl="0" indent="0" marL="0">
-              <a:buNone/>
-            </a:pPr>
-            <a:r>
-              <a:rPr/>
-              <a:t>Deciding between:</a:t>
-            </a:r>
-          </a:p>
-          <a:p>
-            <a:pPr lvl="0" indent="0" marL="0">
-              <a:buNone/>
-            </a:pPr>
-            <a:r>
-              <a:rPr/>
-              <a:t>- Standard t-test (equal variances)</a:t>
-            </a:r>
-          </a:p>
-          <a:p>
-            <a:pPr lvl="0" indent="0" marL="0">
-              <a:buNone/>
-            </a:pPr>
-            <a:r>
-              <a:rPr/>
-              <a:t>- Welch’s t-test (unequal variances)</a:t>
-            </a:r>
-          </a:p>
-          <a:p>
-            <a:pPr lvl="0" indent="0" marL="0">
-              <a:buNone/>
-            </a:pPr>
-            <a:r>
-              <a:rPr/>
-              <a:t>Based on our Levene’s test result.</a:t>
+            <a:pPr lvl="0" indent="0">
+              <a:buNone/>
+            </a:pPr>
+            <a:r>
+              <a:rPr>
+                <a:solidFill>
+                  <a:srgbClr val="5E5E5E"/>
+                </a:solidFill>
+                <a:latin typeface="Courier"/>
+              </a:rPr>
+              <a:t># Windward group</a:t>
+            </a:r>
+            <a:br/>
+            <a:r>
+              <a:rPr>
+                <a:solidFill>
+                  <a:srgbClr val="5E5E5E"/>
+                </a:solidFill>
+                <a:latin typeface="Courier"/>
+              </a:rPr>
+              <a:t># YOUR CODE HERE for windward group normality test</a:t>
             </a:r>
           </a:p>
         </p:txBody>
@@ -11849,6 +12261,876 @@
       </p:grpSpPr>
       <p:sp>
         <p:nvSpPr>
+          <p:cNvPr id="2" name="Title 1"/>
+          <p:cNvSpPr>
+            <a:spLocks noGrp="1"/>
+          </p:cNvSpPr>
+          <p:nvPr>
+            <p:ph type="title"/>
+          </p:nvPr>
+        </p:nvSpPr>
+        <p:spPr>
+          <a:xfrm>
+            <a:off x="0" y="0"/>
+            <a:ext cx="9144000" cy="582780"/>
+          </a:xfrm>
+        </p:spPr>
+        <p:txBody>
+          <a:bodyPr/>
+          <a:lstStyle/>
+          <a:p>
+            <a:pPr lvl="0" indent="0" marL="0">
+              <a:buNone/>
+            </a:pPr>
+            <a:r>
+              <a:rPr/>
+              <a:t>Remember you can always do it in one go</a:t>
+            </a:r>
+          </a:p>
+        </p:txBody>
+      </p:sp>
+      <p:sp>
+        <p:nvSpPr>
+          <p:cNvPr id="3" name="Content Placeholder 2"/>
+          <p:cNvSpPr>
+            <a:spLocks noGrp="1"/>
+          </p:cNvSpPr>
+          <p:nvPr>
+            <p:ph idx="1"/>
+          </p:nvPr>
+        </p:nvSpPr>
+        <p:spPr/>
+        <p:txBody>
+          <a:bodyPr/>
+          <a:lstStyle/>
+          <a:p>
+            <a:pPr lvl="0" indent="0">
+              <a:buNone/>
+            </a:pPr>
+            <a:r>
+              <a:rPr>
+                <a:solidFill>
+                  <a:srgbClr val="5E5E5E"/>
+                </a:solidFill>
+                <a:latin typeface="Courier"/>
+              </a:rPr>
+              <a:t># there are always two ways</a:t>
+            </a:r>
+            <a:br/>
+            <a:r>
+              <a:rPr>
+                <a:solidFill>
+                  <a:srgbClr val="5E5E5E"/>
+                </a:solidFill>
+                <a:latin typeface="Courier"/>
+              </a:rPr>
+              <a:t># Test for normality using Shapiro-Wilk test for each wind group</a:t>
+            </a:r>
+            <a:br/>
+            <a:r>
+              <a:rPr>
+                <a:solidFill>
+                  <a:srgbClr val="5E5E5E"/>
+                </a:solidFill>
+                <a:latin typeface="Courier"/>
+              </a:rPr>
+              <a:t># All in one pipeline using tidyverse approach</a:t>
+            </a:r>
+            <a:br/>
+            <a:r>
+              <a:rPr>
+                <a:solidFill>
+                  <a:srgbClr val="003B4F"/>
+                </a:solidFill>
+                <a:latin typeface="Courier"/>
+              </a:rPr>
+              <a:t>normality_results &lt;- pine_data </a:t>
+            </a:r>
+            <a:r>
+              <a:rPr>
+                <a:solidFill>
+                  <a:srgbClr val="5E5E5E"/>
+                </a:solidFill>
+                <a:latin typeface="Courier"/>
+              </a:rPr>
+              <a:t>%&gt;%</a:t>
+            </a:r>
+            <a:br/>
+            <a:r>
+              <a:rPr>
+                <a:solidFill>
+                  <a:srgbClr val="003B4F"/>
+                </a:solidFill>
+                <a:latin typeface="Courier"/>
+              </a:rPr>
+              <a:t>  </a:t>
+            </a:r>
+            <a:r>
+              <a:rPr>
+                <a:solidFill>
+                  <a:srgbClr val="4758AB"/>
+                </a:solidFill>
+                <a:latin typeface="Courier"/>
+              </a:rPr>
+              <a:t>group_by</a:t>
+            </a:r>
+            <a:r>
+              <a:rPr>
+                <a:solidFill>
+                  <a:srgbClr val="003B4F"/>
+                </a:solidFill>
+                <a:latin typeface="Courier"/>
+              </a:rPr>
+              <a:t>(wind) </a:t>
+            </a:r>
+            <a:r>
+              <a:rPr>
+                <a:solidFill>
+                  <a:srgbClr val="5E5E5E"/>
+                </a:solidFill>
+                <a:latin typeface="Courier"/>
+              </a:rPr>
+              <a:t>%&gt;%</a:t>
+            </a:r>
+            <a:br/>
+            <a:r>
+              <a:rPr>
+                <a:solidFill>
+                  <a:srgbClr val="003B4F"/>
+                </a:solidFill>
+                <a:latin typeface="Courier"/>
+              </a:rPr>
+              <a:t>  </a:t>
+            </a:r>
+            <a:r>
+              <a:rPr>
+                <a:solidFill>
+                  <a:srgbClr val="4758AB"/>
+                </a:solidFill>
+                <a:latin typeface="Courier"/>
+              </a:rPr>
+              <a:t>summarize</a:t>
+            </a:r>
+            <a:r>
+              <a:rPr>
+                <a:solidFill>
+                  <a:srgbClr val="003B4F"/>
+                </a:solidFill>
+                <a:latin typeface="Courier"/>
+              </a:rPr>
+              <a:t>(</a:t>
+            </a:r>
+            <a:br/>
+            <a:r>
+              <a:rPr>
+                <a:solidFill>
+                  <a:srgbClr val="003B4F"/>
+                </a:solidFill>
+                <a:latin typeface="Courier"/>
+              </a:rPr>
+              <a:t>    </a:t>
+            </a:r>
+            <a:r>
+              <a:rPr>
+                <a:solidFill>
+                  <a:srgbClr val="657422"/>
+                </a:solidFill>
+                <a:latin typeface="Courier"/>
+              </a:rPr>
+              <a:t>shapiro_stat =</a:t>
+            </a:r>
+            <a:r>
+              <a:rPr>
+                <a:solidFill>
+                  <a:srgbClr val="003B4F"/>
+                </a:solidFill>
+                <a:latin typeface="Courier"/>
+              </a:rPr>
+              <a:t> </a:t>
+            </a:r>
+            <a:r>
+              <a:rPr>
+                <a:solidFill>
+                  <a:srgbClr val="4758AB"/>
+                </a:solidFill>
+                <a:latin typeface="Courier"/>
+              </a:rPr>
+              <a:t>shapiro.test</a:t>
+            </a:r>
+            <a:r>
+              <a:rPr>
+                <a:solidFill>
+                  <a:srgbClr val="003B4F"/>
+                </a:solidFill>
+                <a:latin typeface="Courier"/>
+              </a:rPr>
+              <a:t>(len_mm)</a:t>
+            </a:r>
+            <a:r>
+              <a:rPr>
+                <a:solidFill>
+                  <a:srgbClr val="5E5E5E"/>
+                </a:solidFill>
+                <a:latin typeface="Courier"/>
+              </a:rPr>
+              <a:t>$</a:t>
+            </a:r>
+            <a:r>
+              <a:rPr>
+                <a:solidFill>
+                  <a:srgbClr val="003B4F"/>
+                </a:solidFill>
+                <a:latin typeface="Courier"/>
+              </a:rPr>
+              <a:t>statistic,</a:t>
+            </a:r>
+            <a:br/>
+            <a:r>
+              <a:rPr>
+                <a:solidFill>
+                  <a:srgbClr val="003B4F"/>
+                </a:solidFill>
+                <a:latin typeface="Courier"/>
+              </a:rPr>
+              <a:t>    </a:t>
+            </a:r>
+            <a:r>
+              <a:rPr>
+                <a:solidFill>
+                  <a:srgbClr val="657422"/>
+                </a:solidFill>
+                <a:latin typeface="Courier"/>
+              </a:rPr>
+              <a:t>shapiro_p_value =</a:t>
+            </a:r>
+            <a:r>
+              <a:rPr>
+                <a:solidFill>
+                  <a:srgbClr val="003B4F"/>
+                </a:solidFill>
+                <a:latin typeface="Courier"/>
+              </a:rPr>
+              <a:t> </a:t>
+            </a:r>
+            <a:r>
+              <a:rPr>
+                <a:solidFill>
+                  <a:srgbClr val="4758AB"/>
+                </a:solidFill>
+                <a:latin typeface="Courier"/>
+              </a:rPr>
+              <a:t>shapiro.test</a:t>
+            </a:r>
+            <a:r>
+              <a:rPr>
+                <a:solidFill>
+                  <a:srgbClr val="003B4F"/>
+                </a:solidFill>
+                <a:latin typeface="Courier"/>
+              </a:rPr>
+              <a:t>(len_mm)</a:t>
+            </a:r>
+            <a:r>
+              <a:rPr>
+                <a:solidFill>
+                  <a:srgbClr val="5E5E5E"/>
+                </a:solidFill>
+                <a:latin typeface="Courier"/>
+              </a:rPr>
+              <a:t>$</a:t>
+            </a:r>
+            <a:r>
+              <a:rPr>
+                <a:solidFill>
+                  <a:srgbClr val="003B4F"/>
+                </a:solidFill>
+                <a:latin typeface="Courier"/>
+              </a:rPr>
+              <a:t>p.value,</a:t>
+            </a:r>
+            <a:br/>
+            <a:r>
+              <a:rPr>
+                <a:solidFill>
+                  <a:srgbClr val="003B4F"/>
+                </a:solidFill>
+                <a:latin typeface="Courier"/>
+              </a:rPr>
+              <a:t>    </a:t>
+            </a:r>
+            <a:r>
+              <a:rPr>
+                <a:solidFill>
+                  <a:srgbClr val="657422"/>
+                </a:solidFill>
+                <a:latin typeface="Courier"/>
+              </a:rPr>
+              <a:t>normal_distribution =</a:t>
+            </a:r>
+            <a:r>
+              <a:rPr>
+                <a:solidFill>
+                  <a:srgbClr val="003B4F"/>
+                </a:solidFill>
+                <a:latin typeface="Courier"/>
+              </a:rPr>
+              <a:t> </a:t>
+            </a:r>
+            <a:r>
+              <a:rPr>
+                <a:solidFill>
+                  <a:srgbClr val="4758AB"/>
+                </a:solidFill>
+                <a:latin typeface="Courier"/>
+              </a:rPr>
+              <a:t>if_else</a:t>
+            </a:r>
+            <a:r>
+              <a:rPr>
+                <a:solidFill>
+                  <a:srgbClr val="003B4F"/>
+                </a:solidFill>
+                <a:latin typeface="Courier"/>
+              </a:rPr>
+              <a:t>(shapiro_p_value </a:t>
+            </a:r>
+            <a:r>
+              <a:rPr>
+                <a:solidFill>
+                  <a:srgbClr val="5E5E5E"/>
+                </a:solidFill>
+                <a:latin typeface="Courier"/>
+              </a:rPr>
+              <a:t>&gt;</a:t>
+            </a:r>
+            <a:r>
+              <a:rPr>
+                <a:solidFill>
+                  <a:srgbClr val="003B4F"/>
+                </a:solidFill>
+                <a:latin typeface="Courier"/>
+              </a:rPr>
+              <a:t> </a:t>
+            </a:r>
+            <a:r>
+              <a:rPr>
+                <a:solidFill>
+                  <a:srgbClr val="AD0000"/>
+                </a:solidFill>
+                <a:latin typeface="Courier"/>
+              </a:rPr>
+              <a:t>0.05</a:t>
+            </a:r>
+            <a:r>
+              <a:rPr>
+                <a:solidFill>
+                  <a:srgbClr val="003B4F"/>
+                </a:solidFill>
+                <a:latin typeface="Courier"/>
+              </a:rPr>
+              <a:t>, </a:t>
+            </a:r>
+            <a:r>
+              <a:rPr>
+                <a:solidFill>
+                  <a:srgbClr val="20794D"/>
+                </a:solidFill>
+                <a:latin typeface="Courier"/>
+              </a:rPr>
+              <a:t>"Normal"</a:t>
+            </a:r>
+            <a:r>
+              <a:rPr>
+                <a:solidFill>
+                  <a:srgbClr val="003B4F"/>
+                </a:solidFill>
+                <a:latin typeface="Courier"/>
+              </a:rPr>
+              <a:t>, </a:t>
+            </a:r>
+            <a:r>
+              <a:rPr>
+                <a:solidFill>
+                  <a:srgbClr val="20794D"/>
+                </a:solidFill>
+                <a:latin typeface="Courier"/>
+              </a:rPr>
+              <a:t>"Non-normal"</a:t>
+            </a:r>
+            <a:r>
+              <a:rPr>
+                <a:solidFill>
+                  <a:srgbClr val="003B4F"/>
+                </a:solidFill>
+                <a:latin typeface="Courier"/>
+              </a:rPr>
+              <a:t>)</a:t>
+            </a:r>
+            <a:br/>
+            <a:r>
+              <a:rPr>
+                <a:solidFill>
+                  <a:srgbClr val="003B4F"/>
+                </a:solidFill>
+                <a:latin typeface="Courier"/>
+              </a:rPr>
+              <a:t>  )</a:t>
+            </a:r>
+            <a:br/>
+            <a:br/>
+            <a:r>
+              <a:rPr>
+                <a:solidFill>
+                  <a:srgbClr val="5E5E5E"/>
+                </a:solidFill>
+                <a:latin typeface="Courier"/>
+              </a:rPr>
+              <a:t># Print the results</a:t>
+            </a:r>
+            <a:br/>
+            <a:r>
+              <a:rPr>
+                <a:solidFill>
+                  <a:srgbClr val="4758AB"/>
+                </a:solidFill>
+                <a:latin typeface="Courier"/>
+              </a:rPr>
+              <a:t>print</a:t>
+            </a:r>
+            <a:r>
+              <a:rPr>
+                <a:solidFill>
+                  <a:srgbClr val="003B4F"/>
+                </a:solidFill>
+                <a:latin typeface="Courier"/>
+              </a:rPr>
+              <a:t>(normality_results)</a:t>
+            </a:r>
+          </a:p>
+          <a:p>
+            <a:pPr lvl="0" indent="0">
+              <a:buNone/>
+            </a:pPr>
+            <a:r>
+              <a:rPr>
+                <a:latin typeface="Courier"/>
+              </a:rPr>
+              <a:t># A tibble: 2 × 4
+  wind  shapiro_stat shapiro_p_value normal_distribution
+  &lt;chr&gt;        &lt;dbl&gt;           &lt;dbl&gt; &lt;chr&gt;              
+1 lee          0.955           0.343 Normal             
+2 wind         0.961           0.451 Normal             </a:t>
+            </a:r>
+          </a:p>
+        </p:txBody>
+      </p:sp>
+    </p:spTree>
+  </p:cSld>
+</p:sld>
+</file>
+
+<file path=ppt/slides/slide46.xml><?xml version="1.0" encoding="utf-8"?>
+<p:sld xmlns:a="http://schemas.openxmlformats.org/drawingml/2006/main" xmlns:r="http://schemas.openxmlformats.org/officeDocument/2006/relationships" xmlns:p="http://schemas.openxmlformats.org/presentationml/2006/main">
+  <p:cSld>
+    <p:spTree>
+      <p:nvGrpSpPr>
+        <p:cNvPr id="1" name=""/>
+        <p:cNvGrpSpPr/>
+        <p:nvPr/>
+      </p:nvGrpSpPr>
+      <p:grpSpPr>
+        <a:xfrm>
+          <a:off x="0" y="0"/>
+          <a:ext cx="0" cy="0"/>
+          <a:chOff x="0" y="0"/>
+          <a:chExt cx="0" cy="0"/>
+        </a:xfrm>
+      </p:grpSpPr>
+      <p:sp>
+        <p:nvSpPr>
+          <p:cNvPr id="2" name="Title 1"/>
+          <p:cNvSpPr>
+            <a:spLocks noGrp="1"/>
+          </p:cNvSpPr>
+          <p:nvPr>
+            <p:ph type="title"/>
+          </p:nvPr>
+        </p:nvSpPr>
+        <p:spPr>
+          <a:xfrm>
+            <a:off x="0" y="0"/>
+            <a:ext cx="9144000" cy="582780"/>
+          </a:xfrm>
+        </p:spPr>
+        <p:txBody>
+          <a:bodyPr/>
+          <a:lstStyle/>
+          <a:p>
+            <a:pPr lvl="0" indent="0" marL="0">
+              <a:buNone/>
+            </a:pPr>
+            <a:r>
+              <a:rPr/>
+              <a:t>Conduct a Levenes Test</a:t>
+            </a:r>
+          </a:p>
+        </p:txBody>
+      </p:sp>
+      <p:sp>
+        <p:nvSpPr>
+          <p:cNvPr id="3" name="Content Placeholder 2"/>
+          <p:cNvSpPr>
+            <a:spLocks noGrp="1"/>
+          </p:cNvSpPr>
+          <p:nvPr>
+            <p:ph idx="1"/>
+          </p:nvPr>
+        </p:nvSpPr>
+        <p:spPr/>
+        <p:txBody>
+          <a:bodyPr/>
+          <a:lstStyle/>
+          <a:p>
+            <a:pPr lvl="0" indent="0">
+              <a:buNone/>
+            </a:pPr>
+            <a:r>
+              <a:rPr>
+                <a:solidFill>
+                  <a:srgbClr val="5E5E5E"/>
+                </a:solidFill>
+                <a:latin typeface="Courier"/>
+              </a:rPr>
+              <a:t># Test for equal variances</a:t>
+            </a:r>
+            <a:br/>
+            <a:r>
+              <a:rPr>
+                <a:solidFill>
+                  <a:srgbClr val="5E5E5E"/>
+                </a:solidFill>
+                <a:latin typeface="Courier"/>
+              </a:rPr>
+              <a:t># YOUR </a:t>
+            </a:r>
+            <a:r>
+              <a:rPr>
+                <a:solidFill>
+                  <a:srgbClr val="AD0000"/>
+                </a:solidFill>
+                <a:latin typeface="Courier"/>
+              </a:rPr>
+              <a:t>TASK</a:t>
+            </a:r>
+            <a:r>
+              <a:rPr>
+                <a:solidFill>
+                  <a:srgbClr val="5E5E5E"/>
+                </a:solidFill>
+                <a:latin typeface="Courier"/>
+              </a:rPr>
+              <a:t>: Conduct Levene's test for equality of variances</a:t>
+            </a:r>
+            <a:br/>
+            <a:r>
+              <a:rPr>
+                <a:solidFill>
+                  <a:srgbClr val="003B4F"/>
+                </a:solidFill>
+                <a:latin typeface="Courier"/>
+              </a:rPr>
+              <a:t>levene_test &lt;- </a:t>
+            </a:r>
+            <a:r>
+              <a:rPr>
+                <a:solidFill>
+                  <a:srgbClr val="4758AB"/>
+                </a:solidFill>
+                <a:latin typeface="Courier"/>
+              </a:rPr>
+              <a:t>leveneTest</a:t>
+            </a:r>
+            <a:r>
+              <a:rPr>
+                <a:solidFill>
+                  <a:srgbClr val="003B4F"/>
+                </a:solidFill>
+                <a:latin typeface="Courier"/>
+              </a:rPr>
+              <a:t>(len_mm </a:t>
+            </a:r>
+            <a:r>
+              <a:rPr>
+                <a:solidFill>
+                  <a:srgbClr val="5E5E5E"/>
+                </a:solidFill>
+                <a:latin typeface="Courier"/>
+              </a:rPr>
+              <a:t>~</a:t>
+            </a:r>
+            <a:r>
+              <a:rPr>
+                <a:solidFill>
+                  <a:srgbClr val="003B4F"/>
+                </a:solidFill>
+                <a:latin typeface="Courier"/>
+              </a:rPr>
+              <a:t> wind, </a:t>
+            </a:r>
+            <a:r>
+              <a:rPr>
+                <a:solidFill>
+                  <a:srgbClr val="657422"/>
+                </a:solidFill>
+                <a:latin typeface="Courier"/>
+              </a:rPr>
+              <a:t>data =</a:t>
+            </a:r>
+            <a:r>
+              <a:rPr>
+                <a:solidFill>
+                  <a:srgbClr val="003B4F"/>
+                </a:solidFill>
+                <a:latin typeface="Courier"/>
+              </a:rPr>
+              <a:t> pine_data)</a:t>
+            </a:r>
+            <a:br/>
+            <a:r>
+              <a:rPr>
+                <a:solidFill>
+                  <a:srgbClr val="4758AB"/>
+                </a:solidFill>
+                <a:latin typeface="Courier"/>
+              </a:rPr>
+              <a:t>print</a:t>
+            </a:r>
+            <a:r>
+              <a:rPr>
+                <a:solidFill>
+                  <a:srgbClr val="003B4F"/>
+                </a:solidFill>
+                <a:latin typeface="Courier"/>
+              </a:rPr>
+              <a:t>(levene_test)</a:t>
+            </a:r>
+          </a:p>
+          <a:p>
+            <a:pPr lvl="0" indent="0">
+              <a:buNone/>
+            </a:pPr>
+            <a:r>
+              <a:rPr>
+                <a:latin typeface="Courier"/>
+              </a:rPr>
+              <a:t>Levene's Test for Homogeneity of Variance (center = median)
+      Df F value Pr(&gt;F)
+group  1  1.2004 0.2789
+      46               </a:t>
+            </a:r>
+          </a:p>
+          <a:p>
+            <a:pPr lvl="0" indent="0">
+              <a:buNone/>
+            </a:pPr>
+            <a:r>
+              <a:rPr>
+                <a:solidFill>
+                  <a:srgbClr val="5E5E5E"/>
+                </a:solidFill>
+                <a:latin typeface="Courier"/>
+              </a:rPr>
+              <a:t># Visual check for normality with QQ plots</a:t>
+            </a:r>
+            <a:br/>
+            <a:r>
+              <a:rPr>
+                <a:solidFill>
+                  <a:srgbClr val="5E5E5E"/>
+                </a:solidFill>
+                <a:latin typeface="Courier"/>
+              </a:rPr>
+              <a:t># YOUR CODE HERE</a:t>
+            </a:r>
+          </a:p>
+        </p:txBody>
+      </p:sp>
+    </p:spTree>
+  </p:cSld>
+</p:sld>
+</file>
+
+<file path=ppt/slides/slide47.xml><?xml version="1.0" encoding="utf-8"?>
+<p:sld xmlns:a="http://schemas.openxmlformats.org/drawingml/2006/main" xmlns:r="http://schemas.openxmlformats.org/officeDocument/2006/relationships" xmlns:p="http://schemas.openxmlformats.org/presentationml/2006/main">
+  <p:cSld>
+    <p:spTree>
+      <p:nvGrpSpPr>
+        <p:cNvPr id="1" name=""/>
+        <p:cNvGrpSpPr/>
+        <p:nvPr/>
+      </p:nvGrpSpPr>
+      <p:grpSpPr>
+        <a:xfrm>
+          <a:off x="0" y="0"/>
+          <a:ext cx="0" cy="0"/>
+          <a:chOff x="0" y="0"/>
+          <a:chExt cx="0" cy="0"/>
+        </a:xfrm>
+      </p:grpSpPr>
+      <p:sp>
+        <p:nvSpPr>
+          <p:cNvPr id="2" name="Title 1"/>
+          <p:cNvSpPr>
+            <a:spLocks noGrp="1"/>
+          </p:cNvSpPr>
+          <p:nvPr>
+            <p:ph type="title"/>
+          </p:nvPr>
+        </p:nvSpPr>
+        <p:spPr>
+          <a:xfrm>
+            <a:off x="0" y="0"/>
+            <a:ext cx="9144000" cy="582780"/>
+          </a:xfrm>
+        </p:spPr>
+        <p:txBody>
+          <a:bodyPr/>
+          <a:lstStyle/>
+          <a:p>
+            <a:pPr lvl="0" indent="0" marL="0">
+              <a:buNone/>
+            </a:pPr>
+            <a:r>
+              <a:rPr b="1"/>
+              <a:t>Part 2:</a:t>
+            </a:r>
+            <a:r>
+              <a:rPr/>
+              <a:t> Conducting the Two-Sample T-Test</a:t>
+            </a:r>
+          </a:p>
+        </p:txBody>
+      </p:sp>
+      <p:sp>
+        <p:nvSpPr>
+          <p:cNvPr id="3" name="Content Placeholder 2"/>
+          <p:cNvSpPr>
+            <a:spLocks noGrp="1"/>
+          </p:cNvSpPr>
+          <p:nvPr>
+            <p:ph idx="1"/>
+          </p:nvPr>
+        </p:nvSpPr>
+        <p:spPr/>
+        <p:txBody>
+          <a:bodyPr/>
+          <a:lstStyle/>
+          <a:p>
+            <a:pPr lvl="0" indent="0" marL="0">
+              <a:buNone/>
+            </a:pPr>
+            <a:r>
+              <a:rPr b="1"/>
+              <a:t>Activity: Conduct a two-sample t-test</a:t>
+            </a:r>
+          </a:p>
+          <a:p>
+            <a:pPr lvl="0" indent="0" marL="0">
+              <a:buNone/>
+            </a:pPr>
+            <a:r>
+              <a:rPr/>
+              <a:t>Now we can compare the mean pine needle lengths between windward and leeward sides.</a:t>
+            </a:r>
+          </a:p>
+          <a:p>
+            <a:pPr lvl="0" indent="0" marL="0">
+              <a:buNone/>
+            </a:pPr>
+            <a:r>
+              <a:rPr/>
+              <a:t>H₀: μ₁ = μ₂ (The mean needle lengths are equal) H₁: μ₁ ≠ μ₂ (The mean needle lengths are different)</a:t>
+            </a:r>
+          </a:p>
+          <a:p>
+            <a:pPr lvl="0" indent="0" marL="0">
+              <a:buNone/>
+            </a:pPr>
+            <a:r>
+              <a:rPr/>
+              <a:t>Deciding between:</a:t>
+            </a:r>
+          </a:p>
+          <a:p>
+            <a:pPr lvl="0"/>
+            <a:r>
+              <a:rPr/>
+              <a:t>Standard t-test (equal variances)</a:t>
+            </a:r>
+          </a:p>
+          <a:p>
+            <a:pPr lvl="0"/>
+            <a:r>
+              <a:rPr/>
+              <a:t>Welch’s t-test (unequal variances)</a:t>
+            </a:r>
+          </a:p>
+        </p:txBody>
+      </p:sp>
+    </p:spTree>
+  </p:cSld>
+</p:sld>
+</file>
+
+<file path=ppt/slides/slide48.xml><?xml version="1.0" encoding="utf-8"?>
+<p:sld xmlns:a="http://schemas.openxmlformats.org/drawingml/2006/main" xmlns:r="http://schemas.openxmlformats.org/officeDocument/2006/relationships" xmlns:p="http://schemas.openxmlformats.org/presentationml/2006/main">
+  <p:cSld>
+    <p:spTree>
+      <p:nvGrpSpPr>
+        <p:cNvPr id="1" name=""/>
+        <p:cNvGrpSpPr/>
+        <p:nvPr/>
+      </p:nvGrpSpPr>
+      <p:grpSpPr>
+        <a:xfrm>
+          <a:off x="0" y="0"/>
+          <a:ext cx="0" cy="0"/>
+          <a:chOff x="0" y="0"/>
+          <a:chExt cx="0" cy="0"/>
+        </a:xfrm>
+      </p:grpSpPr>
+      <p:sp>
+        <p:nvSpPr>
+          <p:cNvPr id="2" name="Title 1"/>
+          <p:cNvSpPr>
+            <a:spLocks noGrp="1"/>
+          </p:cNvSpPr>
+          <p:nvPr>
+            <p:ph type="title"/>
+          </p:nvPr>
+        </p:nvSpPr>
+        <p:spPr>
+          <a:xfrm>
+            <a:off x="0" y="0"/>
+            <a:ext cx="9144000" cy="582780"/>
+          </a:xfrm>
+        </p:spPr>
+        <p:txBody>
+          <a:bodyPr/>
+          <a:lstStyle/>
+          <a:p>
+            <a:pPr lvl="0" indent="0" marL="0">
+              <a:buNone/>
+            </a:pPr>
+            <a:r>
+              <a:rPr/>
+              <a:t>Based on our Levene’s test result.</a:t>
+            </a:r>
+          </a:p>
+        </p:txBody>
+      </p:sp>
+      <p:sp>
+        <p:nvSpPr>
           <p:cNvPr id="3" name="Content Placeholder 2"/>
           <p:cNvSpPr>
             <a:spLocks noGrp="1"/>
@@ -12157,7 +13439,7 @@
 </p:sld>
 </file>
 
-<file path=ppt/slides/slide46.xml><?xml version="1.0" encoding="utf-8"?>
+<file path=ppt/slides/slide49.xml><?xml version="1.0" encoding="utf-8"?>
 <p:sld xmlns:a="http://schemas.openxmlformats.org/drawingml/2006/main" xmlns:r="http://schemas.openxmlformats.org/officeDocument/2006/relationships" xmlns:p="http://schemas.openxmlformats.org/presentationml/2006/main">
   <p:cSld>
     <p:spTree>
@@ -12298,7 +13580,7 @@
 </p:sld>
 </file>
 
-<file path=ppt/slides/slide47.xml><?xml version="1.0" encoding="utf-8"?>
+<file path=ppt/slides/slide5.xml><?xml version="1.0" encoding="utf-8"?>
 <p:sld xmlns:a="http://schemas.openxmlformats.org/drawingml/2006/main" xmlns:r="http://schemas.openxmlformats.org/officeDocument/2006/relationships" xmlns:p="http://schemas.openxmlformats.org/presentationml/2006/main">
   <p:cSld>
     <p:spTree>
@@ -12343,11 +13625,11 @@
             </a:pPr>
             <a:r>
               <a:rPr b="1"/>
-              <a:t>Part 3:</a:t>
-            </a:r>
-            <a:r>
-              <a:rPr/>
-              <a:t> Paired T-Test (Extended Activity)</a:t>
+              <a:t>Lecture 5:</a:t>
+            </a:r>
+            <a:r>
+              <a:rPr/>
+              <a:t> Statistical hypothesis testing</a:t>
             </a:r>
           </a:p>
         </p:txBody>
@@ -12372,43 +13654,138 @@
             </a:pPr>
             <a:r>
               <a:rPr/>
-              <a:t>If we collected data in pairs (same tree, different sides), we would use a paired t-test.</a:t>
-            </a:r>
-          </a:p>
+              <a:t>Useful hypotheses: - Rely on specifying - null hypothesis (Ho) - alternate hypothesis (Ha)</a:t>
+            </a:r>
+          </a:p>
+          <a:p>
+            <a:pPr lvl="0"/>
+            <a:r>
+              <a:rPr/>
+              <a:t>Ho is the hypothesis of “no effect”</a:t>
+            </a:r>
+          </a:p>
+          <a:p>
+            <a:pPr lvl="1"/>
+            <a:r>
+              <a:rPr/>
+              <a:t>two samples from population with same mean</a:t>
+            </a:r>
+          </a:p>
+          <a:p>
+            <a:pPr lvl="1"/>
+            <a:r>
+              <a:rPr/>
+              <a:t>sample is from population of mean = 0</a:t>
+            </a:r>
+            <a:br/>
+          </a:p>
+          <a:p>
+            <a:pPr lvl="0"/>
+            <a:r>
+              <a:rPr/>
+              <a:t>Ha (research hypothesis)</a:t>
+            </a:r>
+          </a:p>
+          <a:p>
+            <a:pPr lvl="1"/>
+            <a:r>
+              <a:rPr/>
+              <a:t>is the opposite of the Ho</a:t>
+            </a:r>
+          </a:p>
+          <a:p>
+            <a:pPr lvl="1"/>
+            <a:r>
+              <a:rPr/>
+              <a:t>or predicts that there is an effect of x on y</a:t>
+            </a:r>
+          </a:p>
+          <a:p>
+            <a:pPr lvl="1"/>
+            <a:r>
+              <a:rPr i="1"/>
+              <a:t>but does NOT suggest a direction</a:t>
+            </a:r>
+          </a:p>
+        </p:txBody>
+      </p:sp>
+      <p:sp>
+        <p:nvSpPr>
+          <p:cNvPr id="4" name="Content Placeholder 3"/>
+          <p:cNvSpPr>
+            <a:spLocks noGrp="1"/>
+          </p:cNvSpPr>
+          <p:nvPr>
+            <p:ph idx="2" sz="half"/>
+          </p:nvPr>
+        </p:nvSpPr>
+        <p:spPr/>
+        <p:txBody>
+          <a:bodyPr/>
+          <a:lstStyle/>
           <a:p>
             <a:pPr lvl="0" indent="0" marL="0">
               <a:buNone/>
             </a:pPr>
             <a:r>
+              <a:rPr/>
+              <a:t>-</a:t>
+            </a:r>
+          </a:p>
+        </p:txBody>
+      </p:sp>
+    </p:spTree>
+  </p:cSld>
+</p:sld>
+</file>
+
+<file path=ppt/slides/slide50.xml><?xml version="1.0" encoding="utf-8"?>
+<p:sld xmlns:a="http://schemas.openxmlformats.org/drawingml/2006/main" xmlns:r="http://schemas.openxmlformats.org/officeDocument/2006/relationships" xmlns:p="http://schemas.openxmlformats.org/presentationml/2006/main">
+  <p:cSld>
+    <p:spTree>
+      <p:nvGrpSpPr>
+        <p:cNvPr id="1" name=""/>
+        <p:cNvGrpSpPr/>
+        <p:nvPr/>
+      </p:nvGrpSpPr>
+      <p:grpSpPr>
+        <a:xfrm>
+          <a:off x="0" y="0"/>
+          <a:ext cx="0" cy="0"/>
+          <a:chOff x="0" y="0"/>
+          <a:chExt cx="0" cy="0"/>
+        </a:xfrm>
+      </p:grpSpPr>
+      <p:sp>
+        <p:nvSpPr>
+          <p:cNvPr id="2" name="Title 1"/>
+          <p:cNvSpPr>
+            <a:spLocks noGrp="1"/>
+          </p:cNvSpPr>
+          <p:nvPr>
+            <p:ph type="title"/>
+          </p:nvPr>
+        </p:nvSpPr>
+        <p:spPr>
+          <a:xfrm>
+            <a:off x="0" y="0"/>
+            <a:ext cx="9144000" cy="582780"/>
+          </a:xfrm>
+        </p:spPr>
+        <p:txBody>
+          <a:bodyPr/>
+          <a:lstStyle/>
+          <a:p>
+            <a:pPr lvl="0" indent="0" marL="0">
+              <a:buNone/>
+            </a:pPr>
+            <a:r>
               <a:rPr b="1"/>
-              <a:t>How would the analysis differ?</a:t>
-            </a:r>
-          </a:p>
-          <a:p>
-            <a:pPr lvl="0" indent="-342900" marL="342900">
-              <a:buAutoNum type="arabicPeriod"/>
-            </a:pPr>
-            <a:r>
-              <a:rPr/>
-              <a:t>We’d calculate the difference for each pair</a:t>
-            </a:r>
-          </a:p>
-          <a:p>
-            <a:pPr lvl="0" indent="-342900" marL="342900">
-              <a:buAutoNum type="arabicPeriod"/>
-            </a:pPr>
-            <a:r>
-              <a:rPr/>
-              <a:t>Test if the mean difference equals zero</a:t>
-            </a:r>
-          </a:p>
-          <a:p>
-            <a:pPr lvl="0" indent="-342900" marL="342900">
-              <a:buAutoNum type="arabicPeriod"/>
-            </a:pPr>
-            <a:r>
-              <a:rPr/>
-              <a:t>The paired approach often has more statistical power</a:t>
+              <a:t>Part 3:</a:t>
+            </a:r>
+            <a:r>
+              <a:rPr/>
+              <a:t> Paired T-Test (Extended Activity)</a:t>
             </a:r>
           </a:p>
         </p:txBody>
@@ -12417,18 +13794,58 @@
         <mc:Choice xmlns:a14="http://schemas.microsoft.com/office/drawing/2010/main" Requires="a14">
           <p:sp>
             <p:nvSpPr>
-              <p:cNvPr id="4" name="Content Placeholder 3"/>
+              <p:cNvPr id="3" name="Content Placeholder 2"/>
               <p:cNvSpPr>
                 <a:spLocks noGrp="1"/>
               </p:cNvSpPr>
               <p:nvPr>
-                <p:ph idx="2" sz="half"/>
+                <p:ph idx="1"/>
               </p:nvPr>
             </p:nvSpPr>
             <p:spPr/>
             <p:txBody>
               <a:bodyPr/>
               <a:lstStyle/>
+              <a:p>
+                <a:pPr lvl="0" indent="0" marL="0">
+                  <a:buNone/>
+                </a:pPr>
+                <a:r>
+                  <a:rPr/>
+                  <a:t>If we collected data in pairs (same tree, different sides), we would use a paired t-test. </a:t>
+                </a:r>
+                <a:r>
+                  <a:rPr b="1"/>
+                  <a:t>How would the analysis differ?</a:t>
+                </a:r>
+              </a:p>
+              <a:p>
+                <a:pPr lvl="0" indent="-342900" marL="342900">
+                  <a:buAutoNum type="arabicPeriod"/>
+                </a:pPr>
+                <a:r>
+                  <a:rPr/>
+                  <a:t>We’d calculate the difference for each pair</a:t>
+                </a:r>
+              </a:p>
+              <a:p>
+                <a:pPr lvl="0" indent="-342900" marL="342900">
+                  <a:buAutoNum type="arabicPeriod"/>
+                </a:pPr>
+                <a:r>
+                  <a:rPr/>
+                  <a:t>Test if the mean difference equals zero</a:t>
+                </a:r>
+              </a:p>
+              <a:p>
+                <a:pPr lvl="0" indent="-342900" marL="342900">
+                  <a:buAutoNum type="arabicPeriod"/>
+                </a:pPr>
+                <a:r>
+                  <a:rPr/>
+                  <a:t>The paired approach often has more statistical power</a:t>
+                </a:r>
+              </a:p>
               <a:p>
                 <a:pPr lvl="0" indent="0" marL="0">
                   <a:buNone/>
@@ -12518,10 +13935,6 @@
               </a:p>
               <a:p>
                 <a:pPr lvl="0"/>
-                <a:r>
-                  <a:rPr/>
-                  <a:t>- </a:t>
-                </a:r>
                 <a14:m>
                   <m:oMath xmlns:m="http://schemas.openxmlformats.org/officeDocument/2006/math">
                     <m:acc>
@@ -12543,10 +13956,6 @@
               </a:p>
               <a:p>
                 <a:pPr lvl="0"/>
-                <a:r>
-                  <a:rPr/>
-                  <a:t>- </a:t>
-                </a:r>
                 <a14:m>
                   <m:oMath xmlns:m="http://schemas.openxmlformats.org/officeDocument/2006/math">
                     <m:sSub>
@@ -12570,10 +13979,6 @@
               </a:p>
               <a:p>
                 <a:pPr lvl="0"/>
-                <a:r>
-                  <a:rPr/>
-                  <a:t>- </a:t>
-                </a:r>
                 <a14:m>
                   <m:oMath xmlns:m="http://schemas.openxmlformats.org/officeDocument/2006/math">
                     <m:r>
@@ -12595,7 +14000,7 @@
 </p:sld>
 </file>
 
-<file path=ppt/slides/slide48.xml><?xml version="1.0" encoding="utf-8"?>
+<file path=ppt/slides/slide51.xml><?xml version="1.0" encoding="utf-8"?>
 <p:sld xmlns:a="http://schemas.openxmlformats.org/drawingml/2006/main" xmlns:r="http://schemas.openxmlformats.org/officeDocument/2006/relationships" xmlns:p="http://schemas.openxmlformats.org/presentationml/2006/main">
   <p:cSld>
     <p:spTree>
@@ -12746,21 +14151,21 @@
             <a:pPr lvl="0"/>
             <a:r>
               <a:rPr/>
-              <a:t>- Data transformation (log, square root, etc.)</a:t>
+              <a:t>Data transformation (log, square root, etc.)</a:t>
             </a:r>
           </a:p>
           <a:p>
             <a:pPr lvl="0"/>
             <a:r>
               <a:rPr/>
-              <a:t>- Non-parametric tests</a:t>
+              <a:t>Non-parametric tests</a:t>
             </a:r>
           </a:p>
           <a:p>
             <a:pPr lvl="0"/>
             <a:r>
               <a:rPr/>
-              <a:t>- Bootstrapping approaches</a:t>
+              <a:t>Bootstrapping approaches</a:t>
             </a:r>
           </a:p>
         </p:txBody>
@@ -12770,7 +14175,7 @@
 </p:sld>
 </file>
 
-<file path=ppt/slides/slide49.xml><?xml version="1.0" encoding="utf-8"?>
+<file path=ppt/slides/slide52.xml><?xml version="1.0" encoding="utf-8"?>
 <p:sld xmlns:a="http://schemas.openxmlformats.org/drawingml/2006/main" xmlns:r="http://schemas.openxmlformats.org/officeDocument/2006/relationships" xmlns:p="http://schemas.openxmlformats.org/presentationml/2006/main">
   <p:cSld>
     <p:spTree>
@@ -12800,11 +14205,8 @@
         <p:spPr>
           <a:xfrm>
             <a:off x="0" y="0"/>
-            <a:ext cx="9144000" cy="602780"/>
+            <a:ext cx="9144000" cy="582780"/>
           </a:xfrm>
-          <a:solidFill>
-            <a:srgbClr val="70121D"/>
-          </a:solidFill>
         </p:spPr>
         <p:txBody>
           <a:bodyPr/>
@@ -12827,7 +14229,7 @@
             <a:spLocks noGrp="1"/>
           </p:cNvSpPr>
           <p:nvPr>
-            <p:ph idx="1" sz="half"/>
+            <p:ph idx="1"/>
           </p:nvPr>
         </p:nvSpPr>
         <p:spPr/>
@@ -12888,22 +14290,6 @@
               <a:t>Learned how to interpret and report t-test results</a:t>
             </a:r>
           </a:p>
-        </p:txBody>
-      </p:sp>
-      <p:sp>
-        <p:nvSpPr>
-          <p:cNvPr id="4" name="Content Placeholder 3"/>
-          <p:cNvSpPr>
-            <a:spLocks noGrp="1"/>
-          </p:cNvSpPr>
-          <p:nvPr>
-            <p:ph idx="2" sz="half"/>
-          </p:nvPr>
-        </p:nvSpPr>
-        <p:spPr/>
-        <p:txBody>
-          <a:bodyPr/>
-          <a:lstStyle/>
           <a:p>
             <a:pPr lvl="0" indent="0" marL="0">
               <a:buNone/>
@@ -12939,165 +14325,6 @@
             <a:r>
               <a:rPr/>
               <a:t>Consider alternatives when assumptions are violated</a:t>
-            </a:r>
-          </a:p>
-        </p:txBody>
-      </p:sp>
-    </p:spTree>
-  </p:cSld>
-</p:sld>
-</file>
-
-<file path=ppt/slides/slide5.xml><?xml version="1.0" encoding="utf-8"?>
-<p:sld xmlns:a="http://schemas.openxmlformats.org/drawingml/2006/main" xmlns:r="http://schemas.openxmlformats.org/officeDocument/2006/relationships" xmlns:p="http://schemas.openxmlformats.org/presentationml/2006/main">
-  <p:cSld>
-    <p:spTree>
-      <p:nvGrpSpPr>
-        <p:cNvPr id="1" name=""/>
-        <p:cNvGrpSpPr/>
-        <p:nvPr/>
-      </p:nvGrpSpPr>
-      <p:grpSpPr>
-        <a:xfrm>
-          <a:off x="0" y="0"/>
-          <a:ext cx="0" cy="0"/>
-          <a:chOff x="0" y="0"/>
-          <a:chExt cx="0" cy="0"/>
-        </a:xfrm>
-      </p:grpSpPr>
-      <p:sp>
-        <p:nvSpPr>
-          <p:cNvPr id="2" name="Title 1"/>
-          <p:cNvSpPr>
-            <a:spLocks noGrp="1"/>
-          </p:cNvSpPr>
-          <p:nvPr>
-            <p:ph type="title"/>
-          </p:nvPr>
-        </p:nvSpPr>
-        <p:spPr>
-          <a:xfrm>
-            <a:off x="0" y="0"/>
-            <a:ext cx="9144000" cy="602780"/>
-          </a:xfrm>
-          <a:solidFill>
-            <a:srgbClr val="70121D"/>
-          </a:solidFill>
-        </p:spPr>
-        <p:txBody>
-          <a:bodyPr/>
-          <a:lstStyle/>
-          <a:p>
-            <a:pPr lvl="0" indent="0" marL="0">
-              <a:buNone/>
-            </a:pPr>
-            <a:r>
-              <a:rPr b="1"/>
-              <a:t>Lecture 5:</a:t>
-            </a:r>
-            <a:r>
-              <a:rPr/>
-              <a:t> Statistical hypothesis testing</a:t>
-            </a:r>
-          </a:p>
-        </p:txBody>
-      </p:sp>
-      <p:sp>
-        <p:nvSpPr>
-          <p:cNvPr id="3" name="Content Placeholder 2"/>
-          <p:cNvSpPr>
-            <a:spLocks noGrp="1"/>
-          </p:cNvSpPr>
-          <p:nvPr>
-            <p:ph idx="1" sz="half"/>
-          </p:nvPr>
-        </p:nvSpPr>
-        <p:spPr/>
-        <p:txBody>
-          <a:bodyPr/>
-          <a:lstStyle/>
-          <a:p>
-            <a:pPr lvl="0" indent="0" marL="0">
-              <a:buNone/>
-            </a:pPr>
-            <a:r>
-              <a:rPr/>
-              <a:t>Useful hypotheses: - Rely on specifying - null hypothesis (Ho) - alternate hypothesis (Ha)</a:t>
-            </a:r>
-          </a:p>
-          <a:p>
-            <a:pPr lvl="0"/>
-            <a:r>
-              <a:rPr/>
-              <a:t>Ho is the hypothesis of “no effect”</a:t>
-            </a:r>
-          </a:p>
-          <a:p>
-            <a:pPr lvl="1"/>
-            <a:r>
-              <a:rPr/>
-              <a:t>two samples from population with same mean</a:t>
-            </a:r>
-          </a:p>
-          <a:p>
-            <a:pPr lvl="1"/>
-            <a:r>
-              <a:rPr/>
-              <a:t>sample is from population of mean = 0</a:t>
-            </a:r>
-            <a:br/>
-          </a:p>
-          <a:p>
-            <a:pPr lvl="0"/>
-            <a:r>
-              <a:rPr/>
-              <a:t>Ha (research hypothesis)</a:t>
-            </a:r>
-          </a:p>
-          <a:p>
-            <a:pPr lvl="1"/>
-            <a:r>
-              <a:rPr/>
-              <a:t>is the opposite of the Ho</a:t>
-            </a:r>
-          </a:p>
-          <a:p>
-            <a:pPr lvl="1"/>
-            <a:r>
-              <a:rPr/>
-              <a:t>or predicts that there is an effect of x on y</a:t>
-            </a:r>
-          </a:p>
-          <a:p>
-            <a:pPr lvl="1"/>
-            <a:r>
-              <a:rPr i="1"/>
-              <a:t>but does NOT suggest a direction</a:t>
-            </a:r>
-          </a:p>
-        </p:txBody>
-      </p:sp>
-      <p:sp>
-        <p:nvSpPr>
-          <p:cNvPr id="4" name="Content Placeholder 3"/>
-          <p:cNvSpPr>
-            <a:spLocks noGrp="1"/>
-          </p:cNvSpPr>
-          <p:nvPr>
-            <p:ph idx="2" sz="half"/>
-          </p:nvPr>
-        </p:nvSpPr>
-        <p:spPr/>
-        <p:txBody>
-          <a:bodyPr/>
-          <a:lstStyle/>
-          <a:p>
-            <a:pPr lvl="0" indent="0" marL="0">
-              <a:buNone/>
-            </a:pPr>
-            <a:r>
-              <a:rPr/>
-              <a:t>asdfasfasd</a:t>
             </a:r>
           </a:p>
         </p:txBody>
@@ -13185,109 +14412,101 @@
             </a:r>
           </a:p>
           <a:p>
-            <a:pPr lvl="0" indent="0" marL="0">
-              <a:buNone/>
-            </a:pPr>
-            <a:r>
-              <a:rPr/>
-              <a:t>- For Example:</a:t>
+            <a:pPr lvl="0"/>
+            <a:r>
+              <a:rPr/>
+              <a:t>For Example:</a:t>
             </a:r>
             <a:br/>
-            <a:r>
-              <a:rPr/>
-              <a:t>- Ho: µ=0, Ha: µ ≠ 0</a:t>
-            </a:r>
-          </a:p>
-          <a:p>
-            <a:pPr lvl="0" indent="0" marL="0">
-              <a:buNone/>
-            </a:pPr>
-            <a:r>
-              <a:rPr/>
-              <a:t>- mean equals 0 or mean does not equal 0</a:t>
-            </a:r>
-          </a:p>
-          <a:p>
-            <a:pPr lvl="0" indent="0" marL="0">
-              <a:buNone/>
-            </a:pPr>
-            <a:r>
-              <a:rPr/>
-              <a:t>- Ho: µ=3700, Ha: µ ≠ 3700</a:t>
-            </a:r>
-          </a:p>
-          <a:p>
-            <a:pPr lvl="0" indent="0" marL="0">
-              <a:buNone/>
-            </a:pPr>
-            <a:r>
-              <a:rPr/>
-              <a:t>- mean equals 3700 or mean does not equal 3700</a:t>
-            </a:r>
-          </a:p>
-          <a:p>
-            <a:pPr lvl="0" indent="0" marL="0">
-              <a:buNone/>
-            </a:pPr>
-            <a:r>
-              <a:rPr/>
-              <a:t>- Ho: µ1 = µ2, Ha: µ1 ≠ µ2</a:t>
-            </a:r>
-          </a:p>
-          <a:p>
-            <a:pPr lvl="0" indent="0" marL="0">
-              <a:buNone/>
-            </a:pPr>
-            <a:r>
-              <a:rPr/>
-              <a:t>- mean of population 1 equals mean of population 2 or it does not</a:t>
-            </a:r>
-          </a:p>
-          <a:p>
-            <a:pPr lvl="0" indent="0" marL="0">
-              <a:buNone/>
-            </a:pPr>
-            <a:r>
-              <a:rPr/>
-              <a:t>- Ho: µ &gt; 0, Ha: µ ≤ 0</a:t>
-            </a:r>
-          </a:p>
-          <a:p>
-            <a:pPr lvl="0" indent="0" marL="0">
-              <a:buNone/>
-            </a:pPr>
-            <a:r>
-              <a:rPr/>
-              <a:t>- can be directional mean is greater than 0 or mean is not equal or less than 0</a:t>
-            </a:r>
-          </a:p>
-        </p:txBody>
-      </p:sp>
-      <p:sp>
-        <p:nvSpPr>
-          <p:cNvPr id="4" name="Content Placeholder 3"/>
-          <p:cNvSpPr>
-            <a:spLocks noGrp="1"/>
-          </p:cNvSpPr>
-          <p:nvPr>
-            <p:ph idx="2" sz="half"/>
-          </p:nvPr>
-        </p:nvSpPr>
-        <p:spPr/>
-        <p:txBody>
-          <a:bodyPr/>
-          <a:lstStyle/>
-          <a:p>
-            <a:pPr lvl="0" indent="0" marL="0">
-              <a:buNone/>
-            </a:pPr>
-            <a:r>
-              <a:rPr/>
-              <a:t>asdfasfasd</a:t>
-            </a:r>
-          </a:p>
-        </p:txBody>
-      </p:sp>
+          </a:p>
+          <a:p>
+            <a:pPr lvl="0"/>
+            <a:r>
+              <a:rPr/>
+              <a:t>Ho: µ=0, Ha: µ ≠ 0</a:t>
+            </a:r>
+          </a:p>
+          <a:p>
+            <a:pPr lvl="1"/>
+            <a:r>
+              <a:rPr/>
+              <a:t>mean equals 0 or mean does not equal 0</a:t>
+            </a:r>
+          </a:p>
+          <a:p>
+            <a:pPr lvl="0"/>
+            <a:r>
+              <a:rPr/>
+              <a:t>Ho: µ=35, Ha: µ ≠ 35</a:t>
+            </a:r>
+          </a:p>
+          <a:p>
+            <a:pPr lvl="1"/>
+            <a:r>
+              <a:rPr/>
+              <a:t>mean equals 35 or mean does not equal 35</a:t>
+            </a:r>
+          </a:p>
+          <a:p>
+            <a:pPr lvl="1"/>
+            <a:r>
+              <a:rPr/>
+              <a:t>Ho: µ1 = µ2, Ha: µ1 ≠ µ2</a:t>
+            </a:r>
+          </a:p>
+          <a:p>
+            <a:pPr lvl="1"/>
+            <a:r>
+              <a:rPr/>
+              <a:t>mean of population 1 equals mean of population 2 or it does not</a:t>
+            </a:r>
+          </a:p>
+          <a:p>
+            <a:pPr lvl="1"/>
+            <a:r>
+              <a:rPr/>
+              <a:t>Ho: µ &gt; 0, Ha: µ ≤ 0</a:t>
+            </a:r>
+          </a:p>
+          <a:p>
+            <a:pPr lvl="1"/>
+            <a:r>
+              <a:rPr/>
+              <a:t>can be directional mean is greater than 0 or mean is not equal or less than 0</a:t>
+            </a:r>
+          </a:p>
+        </p:txBody>
+      </p:sp>
+      <p:pic>
+        <p:nvPicPr>
+          <p:cNvPr descr="images/two_branches.jpg" id="0" name="Picture 1"/>
+          <p:cNvPicPr>
+            <a:picLocks noGrp="1" noChangeAspect="1"/>
+          </p:cNvPicPr>
+          <p:nvPr/>
+        </p:nvPicPr>
+        <p:blipFill>
+          <a:blip r:embed="rId2"/>
+          <a:stretch>
+            <a:fillRect/>
+          </a:stretch>
+        </p:blipFill>
+        <p:spPr bwMode="auto">
+          <a:xfrm>
+            <a:off x="6121400" y="1498600"/>
+            <a:ext cx="2781300" cy="2781300"/>
+          </a:xfrm>
+          <a:prstGeom prst="rect">
+            <a:avLst/>
+          </a:prstGeom>
+          <a:noFill/>
+          <a:ln w="9525">
+            <a:noFill/>
+            <a:headEnd/>
+            <a:tailEnd/>
+          </a:ln>
+        </p:spPr>
+      </p:pic>
     </p:spTree>
   </p:cSld>
 </p:sld>
@@ -13420,7 +14639,7 @@
             </a:pPr>
             <a:r>
               <a:rPr/>
-              <a:t>asdfasfasd</a:t>
+              <a:t>-</a:t>
             </a:r>
           </a:p>
         </p:txBody>
@@ -13599,7 +14818,7 @@
             </a:pPr>
             <a:r>
               <a:rPr/>
-              <a:t>asdfasfasd</a:t>
+              <a:t>-</a:t>
             </a:r>
           </a:p>
         </p:txBody>
@@ -13683,7 +14902,25 @@
             </a:pPr>
             <a:r>
               <a:rPr/>
-              <a:t>Statistical test results: - p = 0.3 means that if I repeated the study 100 times, I would get this (or more extreme) result due to chance 30 times - p = 0.03 means that if I repeated the study 100 times, I would get this (or more extreme) result due to chance 3 times</a:t>
+              <a:t>Statistical test results:</a:t>
+            </a:r>
+          </a:p>
+          <a:p>
+            <a:pPr lvl="0" indent="0" marL="0">
+              <a:buNone/>
+            </a:pPr>
+            <a:r>
+              <a:rPr/>
+              <a:t>p = 0.3 means that if I repeated the study 100 times, I would get this (or more extreme) result due to chance 30 times</a:t>
+            </a:r>
+          </a:p>
+          <a:p>
+            <a:pPr lvl="0" indent="0" marL="0">
+              <a:buNone/>
+            </a:pPr>
+            <a:r>
+              <a:rPr/>
+              <a:t>p = 0.03 means that if I repeated the study 100 times, I would get this (or more extreme) result due to chance 3 times</a:t>
             </a:r>
           </a:p>
           <a:p>
@@ -13697,31 +14934,36 @@
           </a:p>
         </p:txBody>
       </p:sp>
-      <p:sp>
-        <p:nvSpPr>
-          <p:cNvPr id="4" name="Content Placeholder 3"/>
-          <p:cNvSpPr>
-            <a:spLocks noGrp="1"/>
-          </p:cNvSpPr>
-          <p:nvPr>
-            <p:ph idx="2" sz="half"/>
-          </p:nvPr>
-        </p:nvSpPr>
-        <p:spPr/>
-        <p:txBody>
-          <a:bodyPr/>
-          <a:lstStyle/>
-          <a:p>
-            <a:pPr lvl="0" indent="0" marL="0">
-              <a:buNone/>
-            </a:pPr>
-            <a:r>
-              <a:rPr/>
-              <a:t>asdfasfasd</a:t>
-            </a:r>
-          </a:p>
-        </p:txBody>
-      </p:sp>
+      <p:pic>
+        <p:nvPicPr>
+          <p:cNvPr descr="images/two_branches.jpg" id="0" name="Picture 1"/>
+          <p:cNvPicPr>
+            <a:picLocks noGrp="1" noChangeAspect="1"/>
+          </p:cNvPicPr>
+          <p:nvPr/>
+        </p:nvPicPr>
+        <p:blipFill>
+          <a:blip r:embed="rId2"/>
+          <a:stretch>
+            <a:fillRect/>
+          </a:stretch>
+        </p:blipFill>
+        <p:spPr bwMode="auto">
+          <a:xfrm>
+            <a:off x="6121400" y="1498600"/>
+            <a:ext cx="2781300" cy="2781300"/>
+          </a:xfrm>
+          <a:prstGeom prst="rect">
+            <a:avLst/>
+          </a:prstGeom>
+          <a:noFill/>
+          <a:ln w="9525">
+            <a:noFill/>
+            <a:headEnd/>
+            <a:tailEnd/>
+          </a:ln>
+        </p:spPr>
+      </p:pic>
     </p:spTree>
   </p:cSld>
 </p:sld>

--- a/docs/lectures/lecture_05/05_01_lecture_powerpoint.pptx
+++ b/docs/lectures/lecture_05/05_01_lecture_powerpoint.pptx
@@ -4923,16 +4923,60 @@
             </a:pPr>
             <a:r>
               <a:rPr/>
-              <a:t>Covered - - Introduction to hypothesis testing - The standard normal distribution - Standard error - Confidence intervals - Student’s t-distribution - H testing - </a:t>
-            </a:r>
+              <a:t>Covered</a:t>
+            </a:r>
+          </a:p>
+          <a:p>
+            <a:pPr lvl="0"/>
+            <a:r>
+              <a:rPr/>
+              <a:t>Introduction to hypothesis testing</a:t>
+            </a:r>
+          </a:p>
+          <a:p>
+            <a:pPr lvl="0"/>
+            <a:r>
+              <a:rPr/>
+              <a:t>The standard normal distribution</a:t>
+            </a:r>
+          </a:p>
+          <a:p>
+            <a:pPr lvl="0"/>
+            <a:r>
+              <a:rPr/>
+              <a:t>Standard error</a:t>
+            </a:r>
+          </a:p>
+          <a:p>
+            <a:pPr lvl="0"/>
+            <a:r>
+              <a:rPr/>
+              <a:t>Confidence intervals</a:t>
+            </a:r>
+          </a:p>
+          <a:p>
+            <a:pPr lvl="0"/>
+            <a:r>
+              <a:rPr/>
+              <a:t>Student’s t-distribution</a:t>
+            </a:r>
+          </a:p>
+          <a:p>
+            <a:pPr lvl="0"/>
+            <a:r>
+              <a:rPr/>
+              <a:t>H testing</a:t>
+            </a:r>
+          </a:p>
+          <a:p>
+            <a:pPr lvl="0"/>
             <a:r>
               <a:rPr b="1"/>
               <a:t>One and Two Sample T Test</a:t>
             </a:r>
-            <a:r>
-              <a:rPr/>
-              <a:t> - </a:t>
-            </a:r>
+          </a:p>
+          <a:p>
+            <a:pPr lvl="0"/>
             <a:r>
               <a:rPr b="1"/>
               <a:t>p-values</a:t>

--- a/docs/lectures/lecture_05/05_01_lecture_powerpoint.pptx
+++ b/docs/lectures/lecture_05/05_01_lecture_powerpoint.pptx
@@ -3803,7 +3803,7 @@
               <a:rPr sz="2000">
                 <a:latin typeface="Courier"/>
               </a:rPr>
-              <a:t>Mean: 257.7 mm</a:t>
+              <a:t>Mean: 270.1 mm</a:t>
             </a:r>
           </a:p>
           <a:p>
@@ -3814,7 +3814,7 @@
               <a:rPr sz="2000">
                 <a:latin typeface="Courier"/>
               </a:rPr>
-              <a:t>Standard deviation: 33.23 mm</a:t>
+              <a:t>Standard deviation: 33.99 mm</a:t>
             </a:r>
           </a:p>
           <a:p>
@@ -3825,7 +3825,7 @@
               <a:rPr sz="2000">
                 <a:latin typeface="Courier"/>
               </a:rPr>
-              <a:t>Standard error: 10.51 mm</a:t>
+              <a:t>Standard error: 10.75 mm</a:t>
             </a:r>
           </a:p>
           <a:p>
@@ -3836,7 +3836,7 @@
               <a:rPr sz="2000">
                 <a:latin typeface="Courier"/>
               </a:rPr>
-              <a:t>95% CI using z: 237.1 to 278.3 mm</a:t>
+              <a:t>95% CI using z: 249 to 291.2 mm</a:t>
             </a:r>
           </a:p>
           <a:p>
@@ -3847,7 +3847,7 @@
               <a:rPr sz="2000">
                 <a:latin typeface="Courier"/>
               </a:rPr>
-              <a:t>95% CI using t: 233.9 to 281.5 mm</a:t>
+              <a:t>95% CI using t: 245.8 to 294.4 mm</a:t>
             </a:r>
           </a:p>
           <a:p>
@@ -5262,7 +5262,7 @@
               </a:rPr>
               <a:t>
     Shapiro-Wilk normality test
-data:  i3_df$total_length_mm
+data:  i3_df$length_mm
 W = 0.91051, p-value = 0.0001623</a:t>
             </a:r>
           </a:p>
@@ -5403,7 +5403,7 @@
               </a:rPr>
               <a:t>
     One Sample t-test
-data:  i3_df$total_length_mm
+data:  i3_df$length_mm
 t = 7.3497, df = 65, p-value = 4.17e-10
 alternative hypothesis: true mean is not equal to 240
 95 percent confidence interval:
@@ -6056,7 +6056,7 @@
             </a:r>
             <a:r>
               <a:rPr/>
-              <a:t> Next steps - two sample TTests</a:t>
+              <a:t> Next steps - two sample T Tests</a:t>
             </a:r>
           </a:p>
         </p:txBody>
@@ -6940,7 +6940,7 @@
             </a:pPr>
             <a:r>
               <a:rPr sz="2000"/>
-              <a:t>GGplot also has code to make the mean and standard error plots we are interested in along wiht a lot of others</a:t>
+              <a:t>GGplot also has code to make the mean and standard error plots we are interested in along whit a lot of others</a:t>
             </a:r>
           </a:p>
           <a:p>
@@ -7169,14 +7169,14 @@
                 <a:latin typeface="Courier"/>
               </a:rPr>
               <a:t># A tibble: 6 × 6
-  date    group       n_s   wind  tree_no len_mm
-  &lt;chr&gt;   &lt;chr&gt;       &lt;chr&gt; &lt;chr&gt;   &lt;dbl&gt;  &lt;dbl&gt;
-1 3/20/25 cephalopods n     lee         1     20
-2 3/20/25 cephalopods n     lee         1     21
-3 3/20/25 cephalopods n     lee         1     23
-4 3/20/25 cephalopods n     lee         1     25
-5 3/20/25 cephalopods n     lee         1     21
-6 3/20/25 cephalopods n     lee         1     16</a:t>
+  date    group       n_s   wind  tree_no length_mm
+  &lt;chr&gt;   &lt;chr&gt;       &lt;chr&gt; &lt;chr&gt;   &lt;dbl&gt;     &lt;dbl&gt;
+1 3/20/25 cephalopods n     lee         1        20
+2 3/20/25 cephalopods n     lee         1        21
+3 3/20/25 cephalopods n     lee         1        23
+4 3/20/25 cephalopods n     lee         1        25
+5 3/20/25 cephalopods n     lee         1        21
+6 3/20/25 cephalopods n     lee         1        16</a:t>
             </a:r>
           </a:p>
           <a:p>
@@ -7270,7 +7270,7 @@
               </a:rPr>
               <a:t>
     Shapiro-Wilk normality test
-data:  windward_data$len_mm
+data:  windward_data$length_mm
 W = 0.96062, p-value = 0.451</a:t>
             </a:r>
           </a:p>
@@ -7365,7 +7365,7 @@
               </a:rPr>
               <a:t>
     Shapiro-Wilk normality test
-data:  leeward_data$len_mm
+data:  leeward_data$length_mm
 W = 0.95477, p-value = 0.3425</a:t>
             </a:r>
           </a:p>
@@ -7757,7 +7757,7 @@
               </a:rPr>
               <a:t>
     Two Sample t-test
-data:  len_mm by wind
+data:  length_mm by wind
 t = 8.6792, df = 46, p-value = 3.01e-11
 alternative hypothesis: true difference in means between group lee and group wind is not equal to 0
 95 percent confidence interval:

--- a/docs/lectures/lecture_05/05_01_lecture_powerpoint.pptx
+++ b/docs/lectures/lecture_05/05_01_lecture_powerpoint.pptx
@@ -41,10 +41,6 @@
     <p:sldId id="289" r:id="rId35"/>
     <p:sldId id="290" r:id="rId36"/>
     <p:sldId id="291" r:id="rId37"/>
-    <p:sldId id="292" r:id="rId38"/>
-    <p:sldId id="293" r:id="rId39"/>
-    <p:sldId id="294" r:id="rId40"/>
-    <p:sldId id="295" r:id="rId41"/>
   </p:sldIdLst>
   <p:sldSz cx="9144000" cy="5143500" type="screen16x9"/>
   <p:notesSz cx="6858000" cy="9144000"/>
@@ -3393,482 +3389,110 @@
       </p:grpSpPr>
       <p:sp>
         <p:nvSpPr>
-          <p:cNvPr id="2" name="Title 1"/>
-          <p:cNvSpPr>
-            <a:spLocks noGrp="1"/>
-          </p:cNvSpPr>
-          <p:nvPr>
-            <p:ph type="title"/>
-          </p:nvPr>
-        </p:nvSpPr>
-        <p:spPr>
-          <a:xfrm>
-            <a:off x="0" y="0"/>
-            <a:ext cx="9144000" cy="602780"/>
-          </a:xfrm>
-          <a:solidFill>
-            <a:srgbClr val="70121D"/>
-          </a:solidFill>
-        </p:spPr>
+          <p:cNvPr id="3" name="Content Placeholder 2"/>
+          <p:cNvSpPr>
+            <a:spLocks noGrp="1"/>
+          </p:cNvSpPr>
+          <p:nvPr>
+            <p:ph idx="1"/>
+          </p:nvPr>
+        </p:nvSpPr>
+        <p:spPr/>
         <p:txBody>
           <a:bodyPr/>
           <a:lstStyle/>
           <a:p>
-            <a:pPr lvl="0" indent="0" marL="0">
-              <a:buNone/>
-            </a:pPr>
-            <a:r>
-              <a:rPr b="1"/>
-              <a:t>Lecture 5:</a:t>
-            </a:r>
-            <a:r>
-              <a:rPr/>
-              <a:t> Understanding t-distribution</a:t>
-            </a:r>
-          </a:p>
-        </p:txBody>
-      </p:sp>
-      <p:sp>
-        <p:nvSpPr>
-          <p:cNvPr id="3" name="Content Placeholder 2"/>
-          <p:cNvSpPr>
-            <a:spLocks noGrp="1"/>
-          </p:cNvSpPr>
-          <p:nvPr>
-            <p:ph idx="1" sz="half"/>
-          </p:nvPr>
-        </p:nvSpPr>
-        <p:spPr/>
-        <p:txBody>
-          <a:bodyPr/>
-          <a:lstStyle/>
-          <a:p>
-            <a:pPr lvl="0" indent="0" marL="0">
-              <a:buNone/>
-            </a:pPr>
-            <a:r>
-              <a:rPr/>
-              <a:t>When sample sizes are small, the </a:t>
-            </a:r>
-            <a:r>
-              <a:rPr b="1"/>
-              <a:t>t-distribution</a:t>
-            </a:r>
-            <a:r>
-              <a:rPr/>
-              <a:t> is more appropriate than the normal distribution.</a:t>
-            </a:r>
-          </a:p>
-          <a:p>
-            <a:pPr lvl="0"/>
-            <a:r>
-              <a:rPr/>
-              <a:t>Similar to normal distribution but with heavier tails</a:t>
-            </a:r>
-          </a:p>
-          <a:p>
-            <a:pPr lvl="0"/>
-            <a:r>
-              <a:rPr/>
-              <a:t>Shape depends on </a:t>
-            </a:r>
-            <a:r>
-              <a:rPr b="1"/>
-              <a:t>degrees of freedom</a:t>
-            </a:r>
-            <a:r>
-              <a:rPr/>
-              <a:t> (df = n-1)</a:t>
-            </a:r>
-          </a:p>
-          <a:p>
-            <a:pPr lvl="0"/>
-            <a:r>
-              <a:rPr/>
-              <a:t>With large df (&gt;30), approaches the normal distribution</a:t>
-            </a:r>
-          </a:p>
-          <a:p>
-            <a:pPr lvl="0"/>
-            <a:r>
-              <a:rPr/>
-              <a:t>Used for:</a:t>
-            </a:r>
-          </a:p>
-          <a:p>
-            <a:pPr lvl="1"/>
-            <a:r>
-              <a:rPr/>
-              <a:t>Small sample sizes</a:t>
-            </a:r>
-          </a:p>
-          <a:p>
-            <a:pPr lvl="1"/>
-            <a:r>
-              <a:rPr/>
-              <a:t>When population standard deviation is unknown</a:t>
-            </a:r>
-          </a:p>
-          <a:p>
-            <a:pPr lvl="1"/>
-            <a:r>
-              <a:rPr/>
-              <a:t>Calculating confidence intervals</a:t>
-            </a:r>
-          </a:p>
-          <a:p>
-            <a:pPr lvl="1"/>
-            <a:r>
-              <a:rPr/>
-              <a:t>Conducting t-tests</a:t>
-            </a:r>
-          </a:p>
-        </p:txBody>
-      </p:sp>
-      <p:pic>
-        <p:nvPicPr>
-          <p:cNvPr descr="05_01_lecture_powerpoint_files/figure-pptx/unnamed-chunk-3-1.png" id="0" name="Picture 1"/>
-          <p:cNvPicPr>
-            <a:picLocks noGrp="1" noChangeAspect="1"/>
-          </p:cNvPicPr>
-          <p:nvPr/>
-        </p:nvPicPr>
-        <p:blipFill>
-          <a:blip r:embed="rId2"/>
-          <a:stretch>
-            <a:fillRect/>
-          </a:stretch>
-        </p:blipFill>
-        <p:spPr bwMode="auto">
-          <a:xfrm>
-            <a:off x="6121400" y="1333500"/>
-            <a:ext cx="2781300" cy="3124200"/>
-          </a:xfrm>
-          <a:prstGeom prst="rect">
-            <a:avLst/>
-          </a:prstGeom>
-          <a:noFill/>
-          <a:ln w="9525">
-            <a:noFill/>
-            <a:headEnd/>
-            <a:tailEnd/>
-          </a:ln>
-        </p:spPr>
-      </p:pic>
+            <a:pPr lvl="0" indent="0" marL="1270000">
+              <a:buNone/>
+            </a:pPr>
+            <a:r>
+              <a:rPr sz="2000" b="1"/>
+              <a:t>Practice Exercise 4: Using the t-distribution</a:t>
+            </a:r>
+          </a:p>
+          <a:p>
+            <a:pPr lvl="0" indent="0" marL="1270000">
+              <a:buNone/>
+            </a:pPr>
+            <a:r>
+              <a:rPr sz="2000"/>
+              <a:t>Let’s compare confidence intervals using the normal approximation (z) versus the t-distribution for our fish data.</a:t>
+            </a:r>
+          </a:p>
+          <a:p>
+            <a:pPr lvl="0" indent="0">
+              <a:buNone/>
+            </a:pPr>
+            <a:r>
+              <a:rPr sz="2000">
+                <a:latin typeface="Courier"/>
+              </a:rPr>
+              <a:t>Mean: 257.4 mm</a:t>
+            </a:r>
+          </a:p>
+          <a:p>
+            <a:pPr lvl="0" indent="0">
+              <a:buNone/>
+            </a:pPr>
+            <a:r>
+              <a:rPr sz="2000">
+                <a:latin typeface="Courier"/>
+              </a:rPr>
+              <a:t>Standard deviation: 26.44 mm</a:t>
+            </a:r>
+          </a:p>
+          <a:p>
+            <a:pPr lvl="0" indent="0">
+              <a:buNone/>
+            </a:pPr>
+            <a:r>
+              <a:rPr sz="2000">
+                <a:latin typeface="Courier"/>
+              </a:rPr>
+              <a:t>Standard error: 8.36 mm</a:t>
+            </a:r>
+          </a:p>
+          <a:p>
+            <a:pPr lvl="0" indent="0">
+              <a:buNone/>
+            </a:pPr>
+            <a:r>
+              <a:rPr sz="2000">
+                <a:latin typeface="Courier"/>
+              </a:rPr>
+              <a:t>95% CI using z: 241 to 273.8 mm</a:t>
+            </a:r>
+          </a:p>
+          <a:p>
+            <a:pPr lvl="0" indent="0">
+              <a:buNone/>
+            </a:pPr>
+            <a:r>
+              <a:rPr sz="2000">
+                <a:latin typeface="Courier"/>
+              </a:rPr>
+              <a:t>95% CI using t: 238.5 to 276.3 mm</a:t>
+            </a:r>
+          </a:p>
+          <a:p>
+            <a:pPr lvl="0" indent="0">
+              <a:buNone/>
+            </a:pPr>
+            <a:r>
+              <a:rPr sz="2000">
+                <a:latin typeface="Courier"/>
+              </a:rPr>
+              <a:t>t critical value: 2.262 vs z critical value: 1.96</a:t>
+            </a:r>
+          </a:p>
+        </p:txBody>
+      </p:sp>
     </p:spTree>
   </p:cSld>
 </p:sld>
 </file>
 
 <file path=ppt/slides/slide11.xml><?xml version="1.0" encoding="utf-8"?>
-<p:sld xmlns:a="http://schemas.openxmlformats.org/drawingml/2006/main" xmlns:r="http://schemas.openxmlformats.org/officeDocument/2006/relationships" xmlns:p="http://schemas.openxmlformats.org/presentationml/2006/main">
-  <p:cSld>
-    <p:spTree>
-      <p:nvGrpSpPr>
-        <p:cNvPr id="1" name=""/>
-        <p:cNvGrpSpPr/>
-        <p:nvPr/>
-      </p:nvGrpSpPr>
-      <p:grpSpPr>
-        <a:xfrm>
-          <a:off x="0" y="0"/>
-          <a:ext cx="0" cy="0"/>
-          <a:chOff x="0" y="0"/>
-          <a:chExt cx="0" cy="0"/>
-        </a:xfrm>
-      </p:grpSpPr>
-      <p:sp>
-        <p:nvSpPr>
-          <p:cNvPr id="2" name="Title 1"/>
-          <p:cNvSpPr>
-            <a:spLocks noGrp="1"/>
-          </p:cNvSpPr>
-          <p:nvPr>
-            <p:ph type="title"/>
-          </p:nvPr>
-        </p:nvSpPr>
-        <p:spPr>
-          <a:xfrm>
-            <a:off x="0" y="0"/>
-            <a:ext cx="9144000" cy="602780"/>
-          </a:xfrm>
-          <a:solidFill>
-            <a:srgbClr val="70121D"/>
-          </a:solidFill>
-        </p:spPr>
-        <p:txBody>
-          <a:bodyPr/>
-          <a:lstStyle/>
-          <a:p>
-            <a:pPr lvl="0" indent="0" marL="0">
-              <a:buNone/>
-            </a:pPr>
-            <a:r>
-              <a:rPr b="1"/>
-              <a:t>Lecture 5:</a:t>
-            </a:r>
-            <a:r>
-              <a:rPr/>
-              <a:t> Understanding t-distribution</a:t>
-            </a:r>
-          </a:p>
-        </p:txBody>
-      </p:sp>
-      <p:sp>
-        <p:nvSpPr>
-          <p:cNvPr id="3" name="Content Placeholder 2"/>
-          <p:cNvSpPr>
-            <a:spLocks noGrp="1"/>
-          </p:cNvSpPr>
-          <p:nvPr>
-            <p:ph idx="1" sz="half"/>
-          </p:nvPr>
-        </p:nvSpPr>
-        <p:spPr/>
-        <p:txBody>
-          <a:bodyPr/>
-          <a:lstStyle/>
-          <a:p>
-            <a:pPr lvl="0" indent="0" marL="0">
-              <a:buNone/>
-            </a:pPr>
-            <a:r>
-              <a:rPr/>
-              <a:t>When sample sizes are small, the </a:t>
-            </a:r>
-            <a:r>
-              <a:rPr b="1"/>
-              <a:t>t-distribution</a:t>
-            </a:r>
-            <a:r>
-              <a:rPr/>
-              <a:t> is more appropriate than the normal distribution.</a:t>
-            </a:r>
-          </a:p>
-          <a:p>
-            <a:pPr lvl="0"/>
-            <a:r>
-              <a:rPr/>
-              <a:t>Similar to normal distribution (1.96 = 2.5% tails) but with heavier tails</a:t>
-            </a:r>
-          </a:p>
-          <a:p>
-            <a:pPr lvl="0"/>
-            <a:r>
-              <a:rPr/>
-              <a:t>Shape depends on </a:t>
-            </a:r>
-            <a:r>
-              <a:rPr b="1"/>
-              <a:t>degrees of freedom</a:t>
-            </a:r>
-            <a:r>
-              <a:rPr/>
-              <a:t> (df = n-1)</a:t>
-            </a:r>
-          </a:p>
-          <a:p>
-            <a:pPr lvl="0"/>
-            <a:r>
-              <a:rPr/>
-              <a:t>With large df (&gt;30), approaches the normal distribution</a:t>
-            </a:r>
-          </a:p>
-          <a:p>
-            <a:pPr lvl="0"/>
-            <a:r>
-              <a:rPr/>
-              <a:t>Used for:</a:t>
-            </a:r>
-          </a:p>
-          <a:p>
-            <a:pPr lvl="1"/>
-            <a:r>
-              <a:rPr/>
-              <a:t>Small sample sizes</a:t>
-            </a:r>
-          </a:p>
-          <a:p>
-            <a:pPr lvl="1"/>
-            <a:r>
-              <a:rPr/>
-              <a:t>When population standard deviation is unknown</a:t>
-            </a:r>
-          </a:p>
-          <a:p>
-            <a:pPr lvl="1"/>
-            <a:r>
-              <a:rPr/>
-              <a:t>Calculating confidence intervals</a:t>
-            </a:r>
-          </a:p>
-          <a:p>
-            <a:pPr lvl="1"/>
-            <a:r>
-              <a:rPr/>
-              <a:t>Conducting t-tests</a:t>
-            </a:r>
-          </a:p>
-        </p:txBody>
-      </p:sp>
-      <p:pic>
-        <p:nvPicPr>
-          <p:cNvPr descr="images/clipboard-3203878802.png" id="0" name="Picture 1"/>
-          <p:cNvPicPr>
-            <a:picLocks noGrp="1" noChangeAspect="1"/>
-          </p:cNvPicPr>
-          <p:nvPr/>
-        </p:nvPicPr>
-        <p:blipFill>
-          <a:blip r:embed="rId2"/>
-          <a:stretch>
-            <a:fillRect/>
-          </a:stretch>
-        </p:blipFill>
-        <p:spPr bwMode="auto">
-          <a:xfrm>
-            <a:off x="6121400" y="1562100"/>
-            <a:ext cx="2781300" cy="2667000"/>
-          </a:xfrm>
-          <a:prstGeom prst="rect">
-            <a:avLst/>
-          </a:prstGeom>
-          <a:noFill/>
-          <a:ln w="9525">
-            <a:noFill/>
-            <a:headEnd/>
-            <a:tailEnd/>
-          </a:ln>
-        </p:spPr>
-      </p:pic>
-    </p:spTree>
-  </p:cSld>
-</p:sld>
-</file>
-
-<file path=ppt/slides/slide12.xml><?xml version="1.0" encoding="utf-8"?>
-<p:sld xmlns:a="http://schemas.openxmlformats.org/drawingml/2006/main" xmlns:r="http://schemas.openxmlformats.org/officeDocument/2006/relationships" xmlns:p="http://schemas.openxmlformats.org/presentationml/2006/main">
-  <p:cSld>
-    <p:spTree>
-      <p:nvGrpSpPr>
-        <p:cNvPr id="1" name=""/>
-        <p:cNvGrpSpPr/>
-        <p:nvPr/>
-      </p:nvGrpSpPr>
-      <p:grpSpPr>
-        <a:xfrm>
-          <a:off x="0" y="0"/>
-          <a:ext cx="0" cy="0"/>
-          <a:chOff x="0" y="0"/>
-          <a:chExt cx="0" cy="0"/>
-        </a:xfrm>
-      </p:grpSpPr>
-      <p:sp>
-        <p:nvSpPr>
-          <p:cNvPr id="3" name="Content Placeholder 2"/>
-          <p:cNvSpPr>
-            <a:spLocks noGrp="1"/>
-          </p:cNvSpPr>
-          <p:nvPr>
-            <p:ph idx="1"/>
-          </p:nvPr>
-        </p:nvSpPr>
-        <p:spPr/>
-        <p:txBody>
-          <a:bodyPr/>
-          <a:lstStyle/>
-          <a:p>
-            <a:pPr lvl="0" indent="0" marL="1270000">
-              <a:buNone/>
-            </a:pPr>
-            <a:r>
-              <a:rPr sz="2000" b="1"/>
-              <a:t>Practice Exercise 4: Using the t-distribution</a:t>
-            </a:r>
-          </a:p>
-          <a:p>
-            <a:pPr lvl="0" indent="0" marL="1270000">
-              <a:buNone/>
-            </a:pPr>
-            <a:r>
-              <a:rPr sz="2000"/>
-              <a:t>Let’s compare confidence intervals using the normal approximation (z) versus the t-distribution for our fish data.</a:t>
-            </a:r>
-          </a:p>
-          <a:p>
-            <a:pPr lvl="0" indent="0">
-              <a:buNone/>
-            </a:pPr>
-            <a:r>
-              <a:rPr sz="2000">
-                <a:latin typeface="Courier"/>
-              </a:rPr>
-              <a:t>Mean: 270.1 mm</a:t>
-            </a:r>
-          </a:p>
-          <a:p>
-            <a:pPr lvl="0" indent="0">
-              <a:buNone/>
-            </a:pPr>
-            <a:r>
-              <a:rPr sz="2000">
-                <a:latin typeface="Courier"/>
-              </a:rPr>
-              <a:t>Standard deviation: 33.99 mm</a:t>
-            </a:r>
-          </a:p>
-          <a:p>
-            <a:pPr lvl="0" indent="0">
-              <a:buNone/>
-            </a:pPr>
-            <a:r>
-              <a:rPr sz="2000">
-                <a:latin typeface="Courier"/>
-              </a:rPr>
-              <a:t>Standard error: 10.75 mm</a:t>
-            </a:r>
-          </a:p>
-          <a:p>
-            <a:pPr lvl="0" indent="0">
-              <a:buNone/>
-            </a:pPr>
-            <a:r>
-              <a:rPr sz="2000">
-                <a:latin typeface="Courier"/>
-              </a:rPr>
-              <a:t>95% CI using z: 249 to 291.2 mm</a:t>
-            </a:r>
-          </a:p>
-          <a:p>
-            <a:pPr lvl="0" indent="0">
-              <a:buNone/>
-            </a:pPr>
-            <a:r>
-              <a:rPr sz="2000">
-                <a:latin typeface="Courier"/>
-              </a:rPr>
-              <a:t>95% CI using t: 245.8 to 294.4 mm</a:t>
-            </a:r>
-          </a:p>
-          <a:p>
-            <a:pPr lvl="0" indent="0">
-              <a:buNone/>
-            </a:pPr>
-            <a:r>
-              <a:rPr sz="2000">
-                <a:latin typeface="Courier"/>
-              </a:rPr>
-              <a:t>t critical value: 2.262 vs z critical value: 1.96</a:t>
-            </a:r>
-          </a:p>
-        </p:txBody>
-      </p:sp>
-    </p:spTree>
-  </p:cSld>
-</p:sld>
-</file>
-
-<file path=ppt/slides/slide13.xml><?xml version="1.0" encoding="utf-8"?>
 <p:sld xmlns:a="http://schemas.openxmlformats.org/drawingml/2006/main" xmlns:r="http://schemas.openxmlformats.org/officeDocument/2006/relationships" xmlns:p="http://schemas.openxmlformats.org/presentationml/2006/main">
   <p:cSld>
     <p:spTree>
@@ -4099,7 +3723,7 @@
 </p:sld>
 </file>
 
-<file path=ppt/slides/slide14.xml><?xml version="1.0" encoding="utf-8"?>
+<file path=ppt/slides/slide12.xml><?xml version="1.0" encoding="utf-8"?>
 <p:sld xmlns:a="http://schemas.openxmlformats.org/drawingml/2006/main" xmlns:r="http://schemas.openxmlformats.org/officeDocument/2006/relationships" xmlns:p="http://schemas.openxmlformats.org/presentationml/2006/main">
   <p:cSld>
     <p:spTree>
@@ -4241,7 +3865,7 @@
 </p:sld>
 </file>
 
-<file path=ppt/slides/slide15.xml><?xml version="1.0" encoding="utf-8"?>
+<file path=ppt/slides/slide13.xml><?xml version="1.0" encoding="utf-8"?>
 <p:sld xmlns:a="http://schemas.openxmlformats.org/drawingml/2006/main" xmlns:r="http://schemas.openxmlformats.org/officeDocument/2006/relationships" xmlns:p="http://schemas.openxmlformats.org/presentationml/2006/main">
   <p:cSld>
     <p:spTree>
@@ -4369,7 +3993,7 @@
 </p:sld>
 </file>
 
-<file path=ppt/slides/slide16.xml><?xml version="1.0" encoding="utf-8"?>
+<file path=ppt/slides/slide14.xml><?xml version="1.0" encoding="utf-8"?>
 <p:sld xmlns:a="http://schemas.openxmlformats.org/drawingml/2006/main" xmlns:r="http://schemas.openxmlformats.org/officeDocument/2006/relationships" xmlns:p="http://schemas.openxmlformats.org/presentationml/2006/main">
   <p:cSld>
     <p:spTree>
@@ -4497,7 +4121,7 @@
 </p:sld>
 </file>
 
-<file path=ppt/slides/slide17.xml><?xml version="1.0" encoding="utf-8"?>
+<file path=ppt/slides/slide15.xml><?xml version="1.0" encoding="utf-8"?>
 <p:sld xmlns:a="http://schemas.openxmlformats.org/drawingml/2006/main" xmlns:r="http://schemas.openxmlformats.org/officeDocument/2006/relationships" xmlns:p="http://schemas.openxmlformats.org/presentationml/2006/main">
   <p:cSld>
     <p:spTree>
@@ -4713,7 +4337,7 @@
 </p:sld>
 </file>
 
-<file path=ppt/slides/slide18.xml><?xml version="1.0" encoding="utf-8"?>
+<file path=ppt/slides/slide16.xml><?xml version="1.0" encoding="utf-8"?>
 <p:sld xmlns:a="http://schemas.openxmlformats.org/drawingml/2006/main" xmlns:r="http://schemas.openxmlformats.org/officeDocument/2006/relationships" xmlns:p="http://schemas.openxmlformats.org/presentationml/2006/main">
   <p:cSld>
     <p:spTree>
@@ -4822,7 +4446,7 @@
 </p:sld>
 </file>
 
-<file path=ppt/slides/slide19.xml><?xml version="1.0" encoding="utf-8"?>
+<file path=ppt/slides/slide17.xml><?xml version="1.0" encoding="utf-8"?>
 <p:sld xmlns:a="http://schemas.openxmlformats.org/drawingml/2006/main" xmlns:r="http://schemas.openxmlformats.org/officeDocument/2006/relationships" xmlns:p="http://schemas.openxmlformats.org/presentationml/2006/main">
   <p:cSld>
     <p:spTree>
@@ -4852,11 +4476,8 @@
         <p:spPr>
           <a:xfrm>
             <a:off x="0" y="0"/>
-            <a:ext cx="9144000" cy="602780"/>
+            <a:ext cx="9144000" cy="582780"/>
           </a:xfrm>
-          <a:solidFill>
-            <a:srgbClr val="70121D"/>
-          </a:solidFill>
         </p:spPr>
         <p:txBody>
           <a:bodyPr/>
@@ -4883,7 +4504,7 @@
             <a:spLocks noGrp="1"/>
           </p:cNvSpPr>
           <p:nvPr>
-            <p:ph idx="1" sz="half"/>
+            <p:ph idx="1"/>
           </p:nvPr>
         </p:nvSpPr>
         <p:spPr/>
@@ -4926,22 +4547,6 @@
               <a:t>H₁: μ ≠ 240 (The mean fish length in I3 is not 55mm)</a:t>
             </a:r>
           </a:p>
-        </p:txBody>
-      </p:sp>
-      <p:sp>
-        <p:nvSpPr>
-          <p:cNvPr id="4" name="Content Placeholder 3"/>
-          <p:cNvSpPr>
-            <a:spLocks noGrp="1"/>
-          </p:cNvSpPr>
-          <p:nvPr>
-            <p:ph idx="2" sz="half"/>
-          </p:nvPr>
-        </p:nvSpPr>
-        <p:spPr/>
-        <p:txBody>
-          <a:bodyPr/>
-          <a:lstStyle/>
           <a:p>
             <a:pPr lvl="0" indent="0" marL="0">
               <a:spcBef>
@@ -4988,135 +4593,7 @@
 </p:sld>
 </file>
 
-<file path=ppt/slides/slide2.xml><?xml version="1.0" encoding="utf-8"?>
-<p:sld xmlns:a="http://schemas.openxmlformats.org/drawingml/2006/main" xmlns:r="http://schemas.openxmlformats.org/officeDocument/2006/relationships" xmlns:p="http://schemas.openxmlformats.org/presentationml/2006/main">
-  <p:cSld>
-    <p:spTree>
-      <p:nvGrpSpPr>
-        <p:cNvPr id="1" name=""/>
-        <p:cNvGrpSpPr/>
-        <p:nvPr/>
-      </p:nvGrpSpPr>
-      <p:grpSpPr>
-        <a:xfrm>
-          <a:off x="0" y="0"/>
-          <a:ext cx="0" cy="0"/>
-          <a:chOff x="0" y="0"/>
-          <a:chExt cx="0" cy="0"/>
-        </a:xfrm>
-      </p:grpSpPr>
-      <p:sp>
-        <p:nvSpPr>
-          <p:cNvPr id="2" name="Title 1"/>
-          <p:cNvSpPr>
-            <a:spLocks noGrp="1"/>
-          </p:cNvSpPr>
-          <p:nvPr>
-            <p:ph type="title"/>
-          </p:nvPr>
-        </p:nvSpPr>
-        <p:spPr>
-          <a:xfrm>
-            <a:off x="0" y="0"/>
-            <a:ext cx="9144000" cy="602780"/>
-          </a:xfrm>
-          <a:solidFill>
-            <a:srgbClr val="70121D"/>
-          </a:solidFill>
-        </p:spPr>
-        <p:txBody>
-          <a:bodyPr/>
-          <a:lstStyle/>
-          <a:p>
-            <a:pPr lvl="0" indent="0" marL="0">
-              <a:buNone/>
-            </a:pPr>
-            <a:r>
-              <a:rPr b="1"/>
-              <a:t>Lecture 4: Review</a:t>
-            </a:r>
-          </a:p>
-        </p:txBody>
-      </p:sp>
-      <p:sp>
-        <p:nvSpPr>
-          <p:cNvPr id="3" name="Content Placeholder 2"/>
-          <p:cNvSpPr>
-            <a:spLocks noGrp="1"/>
-          </p:cNvSpPr>
-          <p:nvPr>
-            <p:ph idx="1" sz="half"/>
-          </p:nvPr>
-        </p:nvSpPr>
-        <p:spPr/>
-        <p:txBody>
-          <a:bodyPr/>
-          <a:lstStyle/>
-          <a:p>
-            <a:pPr lvl="0"/>
-            <a:r>
-              <a:rPr/>
-              <a:t>Introduction to histograms or frequency distributions</a:t>
-            </a:r>
-          </a:p>
-          <a:p>
-            <a:pPr lvl="0"/>
-            <a:r>
-              <a:rPr/>
-              <a:t>Probability Distribution Functions (PDF)</a:t>
-            </a:r>
-          </a:p>
-          <a:p>
-            <a:pPr lvl="0"/>
-            <a:r>
-              <a:rPr/>
-              <a:t>Descriptive Statistics</a:t>
-            </a:r>
-          </a:p>
-          <a:p>
-            <a:pPr lvl="1"/>
-            <a:r>
-              <a:rPr/>
-              <a:t>Center - mean, median, mode</a:t>
-            </a:r>
-          </a:p>
-          <a:p>
-            <a:pPr lvl="1"/>
-            <a:r>
-              <a:rPr/>
-              <a:t>Spread - range, variance, standard deviation</a:t>
-            </a:r>
-          </a:p>
-        </p:txBody>
-      </p:sp>
-      <p:sp>
-        <p:nvSpPr>
-          <p:cNvPr id="4" name="Content Placeholder 3"/>
-          <p:cNvSpPr>
-            <a:spLocks noGrp="1"/>
-          </p:cNvSpPr>
-          <p:nvPr>
-            <p:ph idx="2" sz="half"/>
-          </p:nvPr>
-        </p:nvSpPr>
-        <p:spPr/>
-        <p:txBody>
-          <a:bodyPr/>
-          <a:lstStyle/>
-          <a:p>
-            <a:pPr lvl="0" indent="0" marL="0">
-              <a:buNone/>
-            </a:pPr>
-            <a:br/>
-          </a:p>
-        </p:txBody>
-      </p:sp>
-    </p:spTree>
-  </p:cSld>
-</p:sld>
-</file>
-
-<file path=ppt/slides/slide20.xml><?xml version="1.0" encoding="utf-8"?>
+<file path=ppt/slides/slide18.xml><?xml version="1.0" encoding="utf-8"?>
 <p:sld xmlns:a="http://schemas.openxmlformats.org/drawingml/2006/main" xmlns:r="http://schemas.openxmlformats.org/officeDocument/2006/relationships" xmlns:p="http://schemas.openxmlformats.org/presentationml/2006/main">
   <p:cSld>
     <p:spTree>
@@ -5198,7 +4675,7 @@
 </p:sld>
 </file>
 
-<file path=ppt/slides/slide21.xml><?xml version="1.0" encoding="utf-8"?>
+<file path=ppt/slides/slide19.xml><?xml version="1.0" encoding="utf-8"?>
 <p:sld xmlns:a="http://schemas.openxmlformats.org/drawingml/2006/main" xmlns:r="http://schemas.openxmlformats.org/officeDocument/2006/relationships" xmlns:p="http://schemas.openxmlformats.org/presentationml/2006/main">
   <p:cSld>
     <p:spTree>
@@ -5303,7 +4780,7 @@
 </p:sld>
 </file>
 
-<file path=ppt/slides/slide22.xml><?xml version="1.0" encoding="utf-8"?>
+<file path=ppt/slides/slide2.xml><?xml version="1.0" encoding="utf-8"?>
 <p:sld xmlns:a="http://schemas.openxmlformats.org/drawingml/2006/main" xmlns:r="http://schemas.openxmlformats.org/officeDocument/2006/relationships" xmlns:p="http://schemas.openxmlformats.org/presentationml/2006/main">
   <p:cSld>
     <p:spTree>
@@ -5333,8 +4810,11 @@
         <p:spPr>
           <a:xfrm>
             <a:off x="0" y="0"/>
-            <a:ext cx="9144000" cy="582780"/>
+            <a:ext cx="9144000" cy="602780"/>
           </a:xfrm>
+          <a:solidFill>
+            <a:srgbClr val="70121D"/>
+          </a:solidFill>
         </p:spPr>
         <p:txBody>
           <a:bodyPr/>
@@ -5344,8 +4824,8 @@
               <a:buNone/>
             </a:pPr>
             <a:r>
-              <a:rPr/>
-              <a:t>Now for Practice</a:t>
+              <a:rPr b="1"/>
+              <a:t>Lecture 4: Review</a:t>
             </a:r>
           </a:p>
         </p:txBody>
@@ -5357,7 +4837,7 @@
             <a:spLocks noGrp="1"/>
           </p:cNvSpPr>
           <p:nvPr>
-            <p:ph idx="1"/>
+            <p:ph idx="1" sz="half"/>
           </p:nvPr>
         </p:nvSpPr>
         <p:spPr/>
@@ -5365,107 +4845,61 @@
           <a:bodyPr/>
           <a:lstStyle/>
           <a:p>
-            <a:pPr lvl="0" indent="0" marL="1270000">
-              <a:buNone/>
-            </a:pPr>
-            <a:r>
-              <a:rPr sz="2000" b="1"/>
-              <a:t>Practice Exercise 1: One-Sample t-Test</a:t>
-            </a:r>
-          </a:p>
-          <a:p>
-            <a:pPr lvl="0" indent="0" marL="1270000">
-              <a:buNone/>
-            </a:pPr>
-            <a:r>
-              <a:rPr sz="2000"/>
-              <a:t>Let’s perform a one-sample t-test to determine if the mean fish length in I3 Lake differs from 240 mm:</a:t>
-            </a:r>
-          </a:p>
-          <a:p>
-            <a:pPr lvl="0" indent="0">
-              <a:buNone/>
-            </a:pPr>
-            <a:r>
-              <a:rPr sz="2000">
-                <a:latin typeface="Courier"/>
-              </a:rPr>
-              <a:t>Mean: 265.6 mm</a:t>
-            </a:r>
-          </a:p>
-          <a:p>
-            <a:pPr lvl="0" indent="0">
-              <a:buNone/>
-            </a:pPr>
-            <a:r>
-              <a:rPr sz="2000">
-                <a:latin typeface="Courier"/>
-              </a:rPr>
-              <a:t>
-    One Sample t-test
-data:  i3_df$length_mm
-t = 7.3497, df = 65, p-value = 4.17e-10
-alternative hypothesis: true mean is not equal to 240
-95 percent confidence interval:
- 258.6481 272.5640
-sample estimates:
-mean of x 
- 265.6061 </a:t>
-            </a:r>
-          </a:p>
-          <a:p>
-            <a:pPr lvl="0" indent="0" marL="1270000">
-              <a:buNone/>
-            </a:pPr>
-            <a:r>
-              <a:rPr sz="2000"/>
-              <a:t>Interpret this test result by answering these questions:</a:t>
-            </a:r>
-          </a:p>
-          <a:p>
-            <a:pPr lvl="0" indent="-342900" marL="342900">
-              <a:buAutoNum type="arabicPeriod"/>
-            </a:pPr>
-            <a:r>
-              <a:rPr sz="2000"/>
-              <a:t>What was the null hypothesis?</a:t>
-            </a:r>
-          </a:p>
-          <a:p>
-            <a:pPr lvl="0" indent="-342900" marL="342900">
-              <a:buAutoNum type="arabicPeriod"/>
-            </a:pPr>
-            <a:r>
-              <a:rPr sz="2000"/>
-              <a:t>What was the alternative hypothesis?</a:t>
-            </a:r>
-          </a:p>
-          <a:p>
-            <a:pPr lvl="0" indent="-342900" marL="342900">
-              <a:buAutoNum type="arabicPeriod"/>
-            </a:pPr>
-            <a:r>
-              <a:rPr sz="2000"/>
-              <a:t>What does the p-value tell us?</a:t>
-            </a:r>
-          </a:p>
-          <a:p>
-            <a:pPr lvl="0" indent="-342900" marL="342900">
-              <a:buAutoNum type="arabicPeriod"/>
-            </a:pPr>
-            <a:r>
-              <a:rPr sz="2000"/>
-              <a:t>Should we reject or fail to reject the null hypothesis at α = 0.05?</a:t>
-            </a:r>
-          </a:p>
-          <a:p>
-            <a:pPr lvl="0" indent="-342900" marL="342900">
-              <a:buAutoNum type="arabicPeriod"/>
-            </a:pPr>
-            <a:r>
-              <a:rPr sz="2000"/>
-              <a:t>What is the practical interpretation of this result for fish biologists?</a:t>
-            </a:r>
+            <a:pPr lvl="0"/>
+            <a:r>
+              <a:rPr/>
+              <a:t>Introduction to histograms or frequency distributions</a:t>
+            </a:r>
+          </a:p>
+          <a:p>
+            <a:pPr lvl="0"/>
+            <a:r>
+              <a:rPr/>
+              <a:t>Probability Distribution Functions (PDF)</a:t>
+            </a:r>
+          </a:p>
+          <a:p>
+            <a:pPr lvl="0"/>
+            <a:r>
+              <a:rPr/>
+              <a:t>Descriptive Statistics</a:t>
+            </a:r>
+          </a:p>
+          <a:p>
+            <a:pPr lvl="1"/>
+            <a:r>
+              <a:rPr/>
+              <a:t>Center - mean, median, mode</a:t>
+            </a:r>
+          </a:p>
+          <a:p>
+            <a:pPr lvl="1"/>
+            <a:r>
+              <a:rPr/>
+              <a:t>Spread - range, variance, standard deviation</a:t>
+            </a:r>
+          </a:p>
+        </p:txBody>
+      </p:sp>
+      <p:sp>
+        <p:nvSpPr>
+          <p:cNvPr id="4" name="Content Placeholder 3"/>
+          <p:cNvSpPr>
+            <a:spLocks noGrp="1"/>
+          </p:cNvSpPr>
+          <p:nvPr>
+            <p:ph idx="2" sz="half"/>
+          </p:nvPr>
+        </p:nvSpPr>
+        <p:spPr/>
+        <p:txBody>
+          <a:bodyPr/>
+          <a:lstStyle/>
+          <a:p>
+            <a:pPr lvl="0" indent="0" marL="0">
+              <a:buNone/>
+            </a:pPr>
+            <a:br/>
           </a:p>
         </p:txBody>
       </p:sp>
@@ -5474,7 +4908,7 @@
 </p:sld>
 </file>
 
-<file path=ppt/slides/slide23.xml><?xml version="1.0" encoding="utf-8"?>
+<file path=ppt/slides/slide20.xml><?xml version="1.0" encoding="utf-8"?>
 <p:sld xmlns:a="http://schemas.openxmlformats.org/drawingml/2006/main" xmlns:r="http://schemas.openxmlformats.org/officeDocument/2006/relationships" xmlns:p="http://schemas.openxmlformats.org/presentationml/2006/main">
   <p:cSld>
     <p:spTree>
@@ -5491,12 +4925,161 @@
           <a:chExt cx="0" cy="0"/>
         </a:xfrm>
       </p:grpSpPr>
+      <p:sp>
+        <p:nvSpPr>
+          <p:cNvPr id="2" name="Title 1"/>
+          <p:cNvSpPr>
+            <a:spLocks noGrp="1"/>
+          </p:cNvSpPr>
+          <p:nvPr>
+            <p:ph type="title"/>
+          </p:nvPr>
+        </p:nvSpPr>
+        <p:spPr>
+          <a:xfrm>
+            <a:off x="0" y="0"/>
+            <a:ext cx="9144000" cy="582780"/>
+          </a:xfrm>
+        </p:spPr>
+        <p:txBody>
+          <a:bodyPr/>
+          <a:lstStyle/>
+          <a:p>
+            <a:pPr lvl="0" indent="0" marL="0">
+              <a:buNone/>
+            </a:pPr>
+            <a:r>
+              <a:rPr/>
+              <a:t>Now for Practice</a:t>
+            </a:r>
+          </a:p>
+        </p:txBody>
+      </p:sp>
+      <p:sp>
+        <p:nvSpPr>
+          <p:cNvPr id="3" name="Content Placeholder 2"/>
+          <p:cNvSpPr>
+            <a:spLocks noGrp="1"/>
+          </p:cNvSpPr>
+          <p:nvPr>
+            <p:ph idx="1"/>
+          </p:nvPr>
+        </p:nvSpPr>
+        <p:spPr/>
+        <p:txBody>
+          <a:bodyPr/>
+          <a:lstStyle/>
+          <a:p>
+            <a:pPr lvl="0" indent="0" marL="1270000">
+              <a:buNone/>
+            </a:pPr>
+            <a:r>
+              <a:rPr sz="2000" b="1"/>
+              <a:t>Practice Exercise 1: One-Sample t-Test</a:t>
+            </a:r>
+          </a:p>
+          <a:p>
+            <a:pPr lvl="0" indent="0" marL="1270000">
+              <a:buNone/>
+            </a:pPr>
+            <a:r>
+              <a:rPr sz="2000"/>
+              <a:t>Let’s perform a one-sample t-test to determine if the mean fish length in I3 Lake differs from 240 mm:</a:t>
+            </a:r>
+          </a:p>
+          <a:p>
+            <a:pPr lvl="0" indent="0">
+              <a:buNone/>
+            </a:pPr>
+            <a:r>
+              <a:rPr sz="2000">
+                <a:latin typeface="Courier"/>
+              </a:rPr>
+              <a:t>Mean: 265.6 mm</a:t>
+            </a:r>
+          </a:p>
+          <a:p>
+            <a:pPr lvl="0" indent="0">
+              <a:buNone/>
+            </a:pPr>
+            <a:r>
+              <a:rPr sz="2000">
+                <a:latin typeface="Courier"/>
+              </a:rPr>
+              <a:t>
+    One Sample t-test
+data:  i3_df$length_mm
+t = 7.3497, df = 65, p-value = 4.17e-10
+alternative hypothesis: true mean is not equal to 240
+95 percent confidence interval:
+ 258.6481 272.5640
+sample estimates:
+mean of x 
+ 265.6061 </a:t>
+            </a:r>
+          </a:p>
+          <a:p>
+            <a:pPr lvl="0" indent="0" marL="1270000">
+              <a:buNone/>
+            </a:pPr>
+            <a:r>
+              <a:rPr sz="2000"/>
+              <a:t>Interpret this test result by answering these questions:</a:t>
+            </a:r>
+          </a:p>
+          <a:p>
+            <a:pPr lvl="0" indent="-342900" marL="342900">
+              <a:buAutoNum type="arabicPeriod"/>
+            </a:pPr>
+            <a:r>
+              <a:rPr sz="2000"/>
+              <a:t>What was the null hypothesis?</a:t>
+            </a:r>
+          </a:p>
+          <a:p>
+            <a:pPr lvl="0" indent="-342900" marL="342900">
+              <a:buAutoNum type="arabicPeriod"/>
+            </a:pPr>
+            <a:r>
+              <a:rPr sz="2000"/>
+              <a:t>What was the alternative hypothesis?</a:t>
+            </a:r>
+          </a:p>
+          <a:p>
+            <a:pPr lvl="0" indent="-342900" marL="342900">
+              <a:buAutoNum type="arabicPeriod"/>
+            </a:pPr>
+            <a:r>
+              <a:rPr sz="2000"/>
+              <a:t>What does the p-value tell us?</a:t>
+            </a:r>
+          </a:p>
+          <a:p>
+            <a:pPr lvl="0" indent="-342900" marL="342900">
+              <a:buAutoNum type="arabicPeriod"/>
+            </a:pPr>
+            <a:r>
+              <a:rPr sz="2000"/>
+              <a:t>Should we reject or fail to reject the null hypothesis at α = 0.05?</a:t>
+            </a:r>
+          </a:p>
+          <a:p>
+            <a:pPr lvl="0" indent="-342900" marL="342900">
+              <a:buAutoNum type="arabicPeriod"/>
+            </a:pPr>
+            <a:r>
+              <a:rPr sz="2000"/>
+              <a:t>What is the practical interpretation of this result for fish biologists?</a:t>
+            </a:r>
+          </a:p>
+        </p:txBody>
+      </p:sp>
     </p:spTree>
   </p:cSld>
 </p:sld>
 </file>
 
-<file path=ppt/slides/slide24.xml><?xml version="1.0" encoding="utf-8"?>
+<file path=ppt/slides/slide21.xml><?xml version="1.0" encoding="utf-8"?>
 <p:sld xmlns:a="http://schemas.openxmlformats.org/drawingml/2006/main" xmlns:r="http://schemas.openxmlformats.org/officeDocument/2006/relationships" xmlns:p="http://schemas.openxmlformats.org/presentationml/2006/main">
   <p:cSld>
     <p:spTree>
@@ -5697,7 +5280,7 @@
 </p:sld>
 </file>
 
-<file path=ppt/slides/slide25.xml><?xml version="1.0" encoding="utf-8"?>
+<file path=ppt/slides/slide22.xml><?xml version="1.0" encoding="utf-8"?>
 <p:sld xmlns:a="http://schemas.openxmlformats.org/drawingml/2006/main" xmlns:r="http://schemas.openxmlformats.org/officeDocument/2006/relationships" xmlns:p="http://schemas.openxmlformats.org/presentationml/2006/main">
   <p:cSld>
     <p:spTree>
@@ -5898,7 +5481,7 @@
 </p:sld>
 </file>
 
-<file path=ppt/slides/slide26.xml><?xml version="1.0" encoding="utf-8"?>
+<file path=ppt/slides/slide23.xml><?xml version="1.0" encoding="utf-8"?>
 <p:sld xmlns:a="http://schemas.openxmlformats.org/drawingml/2006/main" xmlns:r="http://schemas.openxmlformats.org/officeDocument/2006/relationships" xmlns:p="http://schemas.openxmlformats.org/presentationml/2006/main">
   <p:cSld>
     <p:spTree>
@@ -6007,7 +5590,7 @@
 </p:sld>
 </file>
 
-<file path=ppt/slides/slide27.xml><?xml version="1.0" encoding="utf-8"?>
+<file path=ppt/slides/slide24.xml><?xml version="1.0" encoding="utf-8"?>
 <p:sld xmlns:a="http://schemas.openxmlformats.org/drawingml/2006/main" xmlns:r="http://schemas.openxmlformats.org/officeDocument/2006/relationships" xmlns:p="http://schemas.openxmlformats.org/presentationml/2006/main">
   <p:cSld>
     <p:spTree>
@@ -6146,7 +5729,7 @@
 </p:sld>
 </file>
 
-<file path=ppt/slides/slide28.xml><?xml version="1.0" encoding="utf-8"?>
+<file path=ppt/slides/slide25.xml><?xml version="1.0" encoding="utf-8"?>
 <p:sld xmlns:a="http://schemas.openxmlformats.org/drawingml/2006/main" xmlns:r="http://schemas.openxmlformats.org/officeDocument/2006/relationships" xmlns:p="http://schemas.openxmlformats.org/presentationml/2006/main">
   <p:cSld>
     <p:spTree>
@@ -6276,7 +5859,7 @@
 </p:sld>
 </file>
 
-<file path=ppt/slides/slide29.xml><?xml version="1.0" encoding="utf-8"?>
+<file path=ppt/slides/slide26.xml><?xml version="1.0" encoding="utf-8"?>
 <p:sld xmlns:a="http://schemas.openxmlformats.org/drawingml/2006/main" xmlns:r="http://schemas.openxmlformats.org/officeDocument/2006/relationships" xmlns:p="http://schemas.openxmlformats.org/presentationml/2006/main">
   <p:cSld>
     <p:spTree>
@@ -6368,57 +5951,7 @@
 </p:sld>
 </file>
 
-<file path=ppt/slides/slide3.xml><?xml version="1.0" encoding="utf-8"?>
-<p:sld xmlns:a="http://schemas.openxmlformats.org/drawingml/2006/main" xmlns:r="http://schemas.openxmlformats.org/officeDocument/2006/relationships" xmlns:p="http://schemas.openxmlformats.org/presentationml/2006/main">
-  <p:cSld>
-    <p:spTree>
-      <p:nvGrpSpPr>
-        <p:cNvPr id="1" name=""/>
-        <p:cNvGrpSpPr/>
-        <p:nvPr/>
-      </p:nvGrpSpPr>
-      <p:grpSpPr>
-        <a:xfrm>
-          <a:off x="0" y="0"/>
-          <a:ext cx="0" cy="0"/>
-          <a:chOff x="0" y="0"/>
-          <a:chExt cx="0" cy="0"/>
-        </a:xfrm>
-      </p:grpSpPr>
-      <p:sp>
-        <p:nvSpPr>
-          <p:cNvPr id="3" name="Content Placeholder 2"/>
-          <p:cNvSpPr>
-            <a:spLocks noGrp="1"/>
-          </p:cNvSpPr>
-          <p:nvPr>
-            <p:ph idx="1"/>
-          </p:nvPr>
-        </p:nvSpPr>
-        <p:spPr/>
-        <p:txBody>
-          <a:bodyPr/>
-          <a:lstStyle/>
-          <a:p>
-            <a:pPr lvl="0" indent="0" marL="0">
-              <a:spcBef>
-                <a:spcPts val="3000"/>
-              </a:spcBef>
-              <a:buNone/>
-            </a:pPr>
-            <a:r>
-              <a:rPr b="1"/>
-              <a:t>Lecture 4: Review</a:t>
-            </a:r>
-          </a:p>
-        </p:txBody>
-      </p:sp>
-    </p:spTree>
-  </p:cSld>
-</p:sld>
-</file>
-
-<file path=ppt/slides/slide30.xml><?xml version="1.0" encoding="utf-8"?>
+<file path=ppt/slides/slide27.xml><?xml version="1.0" encoding="utf-8"?>
 <p:sld xmlns:a="http://schemas.openxmlformats.org/drawingml/2006/main" xmlns:r="http://schemas.openxmlformats.org/officeDocument/2006/relationships" xmlns:p="http://schemas.openxmlformats.org/presentationml/2006/main">
   <p:cSld>
     <p:spTree>
@@ -6862,6 +6395,788 @@
 </p:sld>
 </file>
 
+<file path=ppt/slides/slide28.xml><?xml version="1.0" encoding="utf-8"?>
+<p:sld xmlns:a="http://schemas.openxmlformats.org/drawingml/2006/main" xmlns:r="http://schemas.openxmlformats.org/officeDocument/2006/relationships" xmlns:p="http://schemas.openxmlformats.org/presentationml/2006/main">
+  <p:cSld>
+    <p:spTree>
+      <p:nvGrpSpPr>
+        <p:cNvPr id="1" name=""/>
+        <p:cNvGrpSpPr/>
+        <p:nvPr/>
+      </p:nvGrpSpPr>
+      <p:grpSpPr>
+        <a:xfrm>
+          <a:off x="0" y="0"/>
+          <a:ext cx="0" cy="0"/>
+          <a:chOff x="0" y="0"/>
+          <a:chExt cx="0" cy="0"/>
+        </a:xfrm>
+      </p:grpSpPr>
+      <p:sp>
+        <p:nvSpPr>
+          <p:cNvPr id="3" name="Content Placeholder 2"/>
+          <p:cNvSpPr>
+            <a:spLocks noGrp="1"/>
+          </p:cNvSpPr>
+          <p:nvPr>
+            <p:ph idx="1"/>
+          </p:nvPr>
+        </p:nvSpPr>
+        <p:spPr/>
+        <p:txBody>
+          <a:bodyPr/>
+          <a:lstStyle/>
+          <a:p>
+            <a:pPr lvl="0" indent="0" marL="1270000">
+              <a:buNone/>
+            </a:pPr>
+            <a:r>
+              <a:rPr sz="2000" b="1"/>
+              <a:t>Practice Exercise 4: Effect size</a:t>
+            </a:r>
+          </a:p>
+          <a:p>
+            <a:pPr lvl="0" indent="0" marL="1270000">
+              <a:buNone/>
+            </a:pPr>
+            <a:r>
+              <a:rPr sz="2000"/>
+              <a:t>We could also look at the difference in means… some cool code here</a:t>
+            </a:r>
+          </a:p>
+          <a:p>
+            <a:pPr lvl="0" indent="0">
+              <a:buNone/>
+            </a:pPr>
+            <a:r>
+              <a:rPr sz="2000">
+                <a:latin typeface="Courier"/>
+              </a:rPr>
+              <a:t># A tibble: 1 × 1
+  difference
+       &lt;dbl&gt;
+1       -5.5</a:t>
+            </a:r>
+          </a:p>
+          <a:p>
+            <a:pPr lvl="0" indent="0" marL="1270000">
+              <a:buNone/>
+            </a:pPr>
+            <a:r>
+              <a:rPr sz="2000" b="1"/>
+              <a:t>Practice Exercise 5: Using GGPLOT to get summary stats</a:t>
+            </a:r>
+          </a:p>
+          <a:p>
+            <a:pPr lvl="0" indent="0" marL="1270000">
+              <a:buNone/>
+            </a:pPr>
+            <a:r>
+              <a:rPr sz="2000"/>
+              <a:t>GGplot also has code to make the mean and standard error plots we are interested in along whit a lot of others</a:t>
+            </a:r>
+          </a:p>
+          <a:p>
+            <a:pPr lvl="0" indent="0" marL="1270000">
+              <a:buNone/>
+            </a:pPr>
+          </a:p>
+        </p:txBody>
+      </p:sp>
+    </p:spTree>
+  </p:cSld>
+</p:sld>
+</file>
+
+<file path=ppt/slides/slide29.xml><?xml version="1.0" encoding="utf-8"?>
+<p:sld xmlns:a="http://schemas.openxmlformats.org/drawingml/2006/main" xmlns:r="http://schemas.openxmlformats.org/officeDocument/2006/relationships" xmlns:p="http://schemas.openxmlformats.org/presentationml/2006/main">
+  <p:cSld>
+    <p:spTree>
+      <p:nvGrpSpPr>
+        <p:cNvPr id="1" name=""/>
+        <p:cNvGrpSpPr/>
+        <p:nvPr/>
+      </p:nvGrpSpPr>
+      <p:grpSpPr>
+        <a:xfrm>
+          <a:off x="0" y="0"/>
+          <a:ext cx="0" cy="0"/>
+          <a:chOff x="0" y="0"/>
+          <a:chExt cx="0" cy="0"/>
+        </a:xfrm>
+      </p:grpSpPr>
+      <p:sp>
+        <p:nvSpPr>
+          <p:cNvPr id="2" name="Title 1"/>
+          <p:cNvSpPr>
+            <a:spLocks noGrp="1"/>
+          </p:cNvSpPr>
+          <p:nvPr>
+            <p:ph type="title"/>
+          </p:nvPr>
+        </p:nvSpPr>
+        <p:spPr>
+          <a:xfrm>
+            <a:off x="0" y="0"/>
+            <a:ext cx="9144000" cy="582780"/>
+          </a:xfrm>
+        </p:spPr>
+        <p:txBody>
+          <a:bodyPr/>
+          <a:lstStyle/>
+          <a:p>
+            <a:pPr lvl="0" indent="0" marL="0">
+              <a:buNone/>
+            </a:pPr>
+            <a:r>
+              <a:rPr b="1"/>
+              <a:t>Lecture 5:</a:t>
+            </a:r>
+            <a:r>
+              <a:rPr/>
+              <a:t> Testing Assumptions for Two-Sample T-Test</a:t>
+            </a:r>
+          </a:p>
+        </p:txBody>
+      </p:sp>
+      <p:sp>
+        <p:nvSpPr>
+          <p:cNvPr id="3" name="Content Placeholder 2"/>
+          <p:cNvSpPr>
+            <a:spLocks noGrp="1"/>
+          </p:cNvSpPr>
+          <p:nvPr>
+            <p:ph idx="1"/>
+          </p:nvPr>
+        </p:nvSpPr>
+        <p:spPr/>
+        <p:txBody>
+          <a:bodyPr/>
+          <a:lstStyle/>
+          <a:p>
+            <a:pPr lvl="0" indent="0" marL="0">
+              <a:buNone/>
+            </a:pPr>
+            <a:r>
+              <a:rPr/>
+              <a:t>For a two-sample t-test, we need to check:</a:t>
+            </a:r>
+          </a:p>
+          <a:p>
+            <a:pPr lvl="0" indent="-342900" marL="342900">
+              <a:buAutoNum type="arabicPeriod"/>
+            </a:pPr>
+            <a:r>
+              <a:rPr/>
+              <a:t>Normality within each group</a:t>
+            </a:r>
+          </a:p>
+          <a:p>
+            <a:pPr lvl="0" indent="-342900" marL="342900">
+              <a:buAutoNum type="arabicPeriod"/>
+            </a:pPr>
+            <a:r>
+              <a:rPr/>
+              <a:t>Equal variances between groups (for standard t-test)</a:t>
+            </a:r>
+          </a:p>
+          <a:p>
+            <a:pPr lvl="0" indent="-342900" marL="342900">
+              <a:buAutoNum type="arabicPeriod"/>
+            </a:pPr>
+            <a:r>
+              <a:rPr/>
+              <a:t>Independent observations</a:t>
+            </a:r>
+          </a:p>
+          <a:p>
+            <a:pPr lvl="0" indent="0" marL="0">
+              <a:buNone/>
+            </a:pPr>
+            <a:r>
+              <a:rPr/>
+              <a:t>If assumptions are violated:</a:t>
+            </a:r>
+          </a:p>
+          <a:p>
+            <a:pPr lvl="0"/>
+            <a:r>
+              <a:rPr/>
+              <a:t>Welch’s t-test (unequal variances)</a:t>
+            </a:r>
+          </a:p>
+          <a:p>
+            <a:pPr lvl="0"/>
+            <a:r>
+              <a:rPr/>
+              <a:t>Non-parametric alternatives (Mann-Whitney U test)</a:t>
+            </a:r>
+          </a:p>
+          <a:p>
+            <a:pPr lvl="0" indent="0" marL="1270000">
+              <a:buNone/>
+            </a:pPr>
+            <a:r>
+              <a:rPr sz="2000" b="1"/>
+              <a:t>Practice Exercise 6: Test normality of windward pine needle lengths</a:t>
+            </a:r>
+          </a:p>
+          <a:p>
+            <a:pPr lvl="0" indent="0" marL="1270000">
+              <a:buNone/>
+            </a:pPr>
+            <a:r>
+              <a:rPr sz="2000"/>
+              <a:t>qqplots</a:t>
+            </a:r>
+          </a:p>
+          <a:p>
+            <a:pPr lvl="0" indent="0" marL="1270000">
+              <a:buNone/>
+            </a:pPr>
+            <a:r>
+              <a:rPr sz="2000"/>
+              <a:t>Note you need to test each groups separately…</a:t>
+            </a:r>
+          </a:p>
+          <a:p>
+            <a:pPr lvl="0" indent="0" marL="1270000">
+              <a:buNone/>
+            </a:pPr>
+          </a:p>
+          <a:p>
+            <a:pPr lvl="0" indent="0" marL="1270000">
+              <a:buNone/>
+            </a:pPr>
+            <a:r>
+              <a:rPr sz="2000" b="1"/>
+              <a:t>Practice Exercise 7: Test normality of windward pine needle lengths</a:t>
+            </a:r>
+          </a:p>
+          <a:p>
+            <a:pPr lvl="0" indent="0" marL="1270000">
+              <a:buNone/>
+            </a:pPr>
+            <a:r>
+              <a:rPr sz="2000"/>
+              <a:t>qqplots</a:t>
+            </a:r>
+          </a:p>
+          <a:p>
+            <a:pPr lvl="0" indent="0" marL="1270000">
+              <a:buNone/>
+            </a:pPr>
+            <a:r>
+              <a:rPr sz="2000"/>
+              <a:t>Note you need to test each groups separately…</a:t>
+            </a:r>
+          </a:p>
+          <a:p>
+            <a:pPr lvl="0" indent="0">
+              <a:buNone/>
+            </a:pPr>
+            <a:r>
+              <a:rPr sz="2000">
+                <a:latin typeface="Courier"/>
+              </a:rPr>
+              <a:t># A tibble: 6 × 6
+  date    group       n_s   wind  tree_no length_mm
+  &lt;chr&gt;   &lt;chr&gt;       &lt;chr&gt; &lt;chr&gt;   &lt;dbl&gt;     &lt;dbl&gt;
+1 3/20/25 cephalopods n     lee         1        20
+2 3/20/25 cephalopods n     lee         1        21
+3 3/20/25 cephalopods n     lee         1        23
+4 3/20/25 cephalopods n     lee         1        25
+5 3/20/25 cephalopods n     lee         1        21
+6 3/20/25 cephalopods n     lee         1        16</a:t>
+            </a:r>
+          </a:p>
+          <a:p>
+            <a:pPr lvl="0" indent="0" marL="1270000">
+              <a:buNone/>
+            </a:pPr>
+            <a:r>
+              <a:rPr sz="2000" b="1"/>
+              <a:t>Practice Exercise 8: Test normality of windward pine needle lengths</a:t>
+            </a:r>
+          </a:p>
+          <a:p>
+            <a:pPr lvl="0" indent="0" marL="1270000">
+              <a:buNone/>
+            </a:pPr>
+            <a:r>
+              <a:rPr sz="2000"/>
+              <a:t>qqplots</a:t>
+            </a:r>
+          </a:p>
+          <a:p>
+            <a:pPr lvl="0" indent="0" marL="1270000">
+              <a:buNone/>
+            </a:pPr>
+            <a:r>
+              <a:rPr sz="2000"/>
+              <a:t>Note you need to test each groups separately…</a:t>
+            </a:r>
+          </a:p>
+          <a:p>
+            <a:pPr lvl="0" indent="0" marL="1270000">
+              <a:buNone/>
+            </a:pPr>
+          </a:p>
+          <a:p>
+            <a:pPr lvl="0" indent="0">
+              <a:buNone/>
+            </a:pPr>
+            <a:r>
+              <a:rPr sz="2000">
+                <a:latin typeface="Courier"/>
+              </a:rPr>
+              <a:t>[1] 21 22</a:t>
+            </a:r>
+          </a:p>
+          <a:p>
+            <a:pPr lvl="0" indent="0" marL="1270000">
+              <a:buNone/>
+            </a:pPr>
+            <a:r>
+              <a:rPr sz="2000" b="1"/>
+              <a:t>Practice Exercise 9: Test normality of windward pine needle lengths</a:t>
+            </a:r>
+          </a:p>
+          <a:p>
+            <a:pPr lvl="0" indent="0" marL="1270000">
+              <a:buNone/>
+            </a:pPr>
+            <a:r>
+              <a:rPr sz="2000"/>
+              <a:t>Shapiro-Wilk test</a:t>
+            </a:r>
+          </a:p>
+          <a:p>
+            <a:pPr lvl="0" indent="0" marL="1270000">
+              <a:buNone/>
+            </a:pPr>
+            <a:r>
+              <a:rPr sz="2000"/>
+              <a:t>Note you need to test each groups separately…</a:t>
+            </a:r>
+          </a:p>
+          <a:p>
+            <a:pPr lvl="0" indent="0">
+              <a:buNone/>
+            </a:pPr>
+            <a:r>
+              <a:rPr sz="2000">
+                <a:latin typeface="Courier"/>
+              </a:rPr>
+              <a:t>[1] "Shapiro-Wilk test for windward data:"</a:t>
+            </a:r>
+          </a:p>
+          <a:p>
+            <a:pPr lvl="0" indent="0">
+              <a:buNone/>
+            </a:pPr>
+            <a:r>
+              <a:rPr sz="2000">
+                <a:latin typeface="Courier"/>
+              </a:rPr>
+              <a:t>
+    Shapiro-Wilk normality test
+data:  windward_data$length_mm
+W = 0.96062, p-value = 0.451</a:t>
+            </a:r>
+          </a:p>
+          <a:p>
+            <a:pPr lvl="0" indent="0" marL="1270000">
+              <a:buNone/>
+            </a:pPr>
+            <a:r>
+              <a:rPr sz="2000" b="1"/>
+              <a:t>Practice Exercise 10: Test normality of windward pine needle lengths</a:t>
+            </a:r>
+          </a:p>
+          <a:p>
+            <a:pPr lvl="0" indent="0" marL="1270000">
+              <a:buNone/>
+            </a:pPr>
+            <a:r>
+              <a:rPr sz="2000"/>
+              <a:t>qqplots</a:t>
+            </a:r>
+          </a:p>
+          <a:p>
+            <a:pPr lvl="0" indent="0" marL="1270000">
+              <a:buNone/>
+            </a:pPr>
+            <a:r>
+              <a:rPr sz="2000"/>
+              <a:t>Note you need to test each groups separately…</a:t>
+            </a:r>
+          </a:p>
+          <a:p>
+            <a:pPr lvl="0" indent="0" marL="1270000">
+              <a:buNone/>
+            </a:pPr>
+          </a:p>
+          <a:p>
+            <a:pPr lvl="0" indent="0">
+              <a:buNone/>
+            </a:pPr>
+            <a:r>
+              <a:rPr sz="2000">
+                <a:latin typeface="Courier"/>
+              </a:rPr>
+              <a:t>[1]  4 16</a:t>
+            </a:r>
+          </a:p>
+          <a:p>
+            <a:pPr lvl="0" indent="0" marL="1270000">
+              <a:buNone/>
+            </a:pPr>
+            <a:r>
+              <a:rPr sz="2000" b="1"/>
+              <a:t>Practice Exercise 11: Test normality of windward pine needle lengths</a:t>
+            </a:r>
+          </a:p>
+          <a:p>
+            <a:pPr lvl="0" indent="0" marL="1270000">
+              <a:buNone/>
+            </a:pPr>
+            <a:r>
+              <a:rPr sz="2000"/>
+              <a:t>Shapiro-Wilk test</a:t>
+            </a:r>
+          </a:p>
+          <a:p>
+            <a:pPr lvl="0" indent="0" marL="1270000">
+              <a:buNone/>
+            </a:pPr>
+            <a:r>
+              <a:rPr sz="2000"/>
+              <a:t>Note you need to test each groups separately…</a:t>
+            </a:r>
+          </a:p>
+          <a:p>
+            <a:pPr lvl="0" indent="0">
+              <a:buNone/>
+            </a:pPr>
+            <a:r>
+              <a:rPr sz="2000">
+                <a:latin typeface="Courier"/>
+              </a:rPr>
+              <a:t>[1] "Shapiro-Wilk test for leeward data:"</a:t>
+            </a:r>
+          </a:p>
+          <a:p>
+            <a:pPr lvl="0" indent="0">
+              <a:buNone/>
+            </a:pPr>
+            <a:r>
+              <a:rPr sz="2000">
+                <a:latin typeface="Courier"/>
+              </a:rPr>
+              <a:t>
+    Shapiro-Wilk normality test
+data:  leeward_data$length_mm
+W = 0.95477, p-value = 0.3425</a:t>
+            </a:r>
+          </a:p>
+          <a:p>
+            <a:pPr lvl="0" indent="0" marL="1270000">
+              <a:buNone/>
+            </a:pPr>
+            <a:r>
+              <a:rPr sz="2000" b="1"/>
+              <a:t>Practice Exercise 12: Test Normality at one time</a:t>
+            </a:r>
+          </a:p>
+          <a:p>
+            <a:pPr lvl="0" indent="0" marL="1270000">
+              <a:buNone/>
+            </a:pPr>
+            <a:r>
+              <a:rPr sz="2000"/>
+              <a:t>There are always a lot of ways to do this in R</a:t>
+            </a:r>
+          </a:p>
+          <a:p>
+            <a:pPr lvl="0" indent="0">
+              <a:buNone/>
+            </a:pPr>
+            <a:r>
+              <a:rPr sz="2000">
+                <a:latin typeface="Courier"/>
+              </a:rPr>
+              <a:t># A tibble: 2 × 4
+  wind  shapiro_stat shapiro_p_value normal_distribution
+  &lt;chr&gt;        &lt;dbl&gt;           &lt;dbl&gt; &lt;chr&gt;              
+1 lee          0.955           0.343 Normal             
+2 wind         0.961           0.451 Normal             </a:t>
+            </a:r>
+          </a:p>
+          <a:p>
+            <a:pPr lvl="0" indent="0" marL="1270000">
+              <a:buNone/>
+            </a:pPr>
+            <a:r>
+              <a:rPr sz="2000" b="1"/>
+              <a:t>Practice Exercise 13: Test equal variances</a:t>
+            </a:r>
+          </a:p>
+          <a:p>
+            <a:pPr lvl="0" indent="0" marL="1270000">
+              <a:buNone/>
+            </a:pPr>
+            <a:r>
+              <a:rPr sz="2000"/>
+              <a:t>Levenes test can be done on the original dataframe</a:t>
+            </a:r>
+          </a:p>
+          <a:p>
+            <a:pPr lvl="0" indent="0">
+              <a:buNone/>
+            </a:pPr>
+            <a:r>
+              <a:rPr sz="2000">
+                <a:latin typeface="Courier"/>
+              </a:rPr>
+              <a:t>[1] "Levene's Test for Homogeneity of Variance:"</a:t>
+            </a:r>
+          </a:p>
+          <a:p>
+            <a:pPr lvl="0" indent="0">
+              <a:buNone/>
+            </a:pPr>
+            <a:r>
+              <a:rPr sz="2000">
+                <a:latin typeface="Courier"/>
+              </a:rPr>
+              <a:t>Levene's Test for Homogeneity of Variance (center = median)
+      Df F value Pr(&gt;F)
+group  1  1.2004 0.2789
+      46               </a:t>
+            </a:r>
+          </a:p>
+        </p:txBody>
+      </p:sp>
+    </p:spTree>
+  </p:cSld>
+</p:sld>
+</file>
+
+<file path=ppt/slides/slide3.xml><?xml version="1.0" encoding="utf-8"?>
+<p:sld xmlns:a="http://schemas.openxmlformats.org/drawingml/2006/main" xmlns:r="http://schemas.openxmlformats.org/officeDocument/2006/relationships" xmlns:p="http://schemas.openxmlformats.org/presentationml/2006/main">
+  <p:cSld>
+    <p:spTree>
+      <p:nvGrpSpPr>
+        <p:cNvPr id="1" name=""/>
+        <p:cNvGrpSpPr/>
+        <p:nvPr/>
+      </p:nvGrpSpPr>
+      <p:grpSpPr>
+        <a:xfrm>
+          <a:off x="0" y="0"/>
+          <a:ext cx="0" cy="0"/>
+          <a:chOff x="0" y="0"/>
+          <a:chExt cx="0" cy="0"/>
+        </a:xfrm>
+      </p:grpSpPr>
+      <p:sp>
+        <p:nvSpPr>
+          <p:cNvPr id="3" name="Content Placeholder 2"/>
+          <p:cNvSpPr>
+            <a:spLocks noGrp="1"/>
+          </p:cNvSpPr>
+          <p:nvPr>
+            <p:ph idx="1"/>
+          </p:nvPr>
+        </p:nvSpPr>
+        <p:spPr/>
+        <p:txBody>
+          <a:bodyPr/>
+          <a:lstStyle/>
+          <a:p>
+            <a:pPr lvl="0" indent="0" marL="0">
+              <a:spcBef>
+                <a:spcPts val="3000"/>
+              </a:spcBef>
+              <a:buNone/>
+            </a:pPr>
+            <a:r>
+              <a:rPr b="1"/>
+              <a:t>Lecture 4: Review</a:t>
+            </a:r>
+          </a:p>
+        </p:txBody>
+      </p:sp>
+    </p:spTree>
+  </p:cSld>
+</p:sld>
+</file>
+
+<file path=ppt/slides/slide30.xml><?xml version="1.0" encoding="utf-8"?>
+<p:sld xmlns:a="http://schemas.openxmlformats.org/drawingml/2006/main" xmlns:r="http://schemas.openxmlformats.org/officeDocument/2006/relationships" xmlns:p="http://schemas.openxmlformats.org/presentationml/2006/main">
+  <p:cSld>
+    <p:spTree>
+      <p:nvGrpSpPr>
+        <p:cNvPr id="1" name=""/>
+        <p:cNvGrpSpPr/>
+        <p:nvPr/>
+      </p:nvGrpSpPr>
+      <p:grpSpPr>
+        <a:xfrm>
+          <a:off x="0" y="0"/>
+          <a:ext cx="0" cy="0"/>
+          <a:chOff x="0" y="0"/>
+          <a:chExt cx="0" cy="0"/>
+        </a:xfrm>
+      </p:grpSpPr>
+      <p:sp>
+        <p:nvSpPr>
+          <p:cNvPr id="2" name="Title 1"/>
+          <p:cNvSpPr>
+            <a:spLocks noGrp="1"/>
+          </p:cNvSpPr>
+          <p:nvPr>
+            <p:ph type="title"/>
+          </p:nvPr>
+        </p:nvSpPr>
+        <p:spPr>
+          <a:xfrm>
+            <a:off x="0" y="0"/>
+            <a:ext cx="9144000" cy="602780"/>
+          </a:xfrm>
+          <a:solidFill>
+            <a:srgbClr val="70121D"/>
+          </a:solidFill>
+        </p:spPr>
+        <p:txBody>
+          <a:bodyPr/>
+          <a:lstStyle/>
+          <a:p>
+            <a:pPr lvl="0" indent="0" marL="0">
+              <a:buNone/>
+            </a:pPr>
+            <a:r>
+              <a:rPr b="1"/>
+              <a:t>Lecture 5:</a:t>
+            </a:r>
+            <a:r>
+              <a:rPr/>
+              <a:t> Conducting the Two-Sample T-Test</a:t>
+            </a:r>
+          </a:p>
+        </p:txBody>
+      </p:sp>
+      <p:sp>
+        <p:nvSpPr>
+          <p:cNvPr id="3" name="Content Placeholder 2"/>
+          <p:cNvSpPr>
+            <a:spLocks noGrp="1"/>
+          </p:cNvSpPr>
+          <p:nvPr>
+            <p:ph idx="1" sz="half"/>
+          </p:nvPr>
+        </p:nvSpPr>
+        <p:spPr/>
+        <p:txBody>
+          <a:bodyPr/>
+          <a:lstStyle/>
+          <a:p>
+            <a:pPr lvl="0" indent="0" marL="0">
+              <a:buNone/>
+            </a:pPr>
+            <a:r>
+              <a:rPr/>
+              <a:t>Now we can compare the mean pine needle lengths between windward and leeward sides.</a:t>
+            </a:r>
+          </a:p>
+          <a:p>
+            <a:pPr lvl="0" indent="0" marL="0">
+              <a:buNone/>
+            </a:pPr>
+            <a:r>
+              <a:rPr/>
+              <a:t>Ho: μ₁ = μ₂ (The mean needle lengths are equal)</a:t>
+            </a:r>
+          </a:p>
+          <a:p>
+            <a:pPr lvl="0" indent="0" marL="0">
+              <a:buNone/>
+            </a:pPr>
+            <a:r>
+              <a:rPr/>
+              <a:t>Ha: μ₁ ≠ μ₂ (The mean needle lengths are different)</a:t>
+            </a:r>
+          </a:p>
+          <a:p>
+            <a:pPr lvl="0" indent="0" marL="0">
+              <a:buNone/>
+            </a:pPr>
+            <a:r>
+              <a:rPr/>
+              <a:t>Deciding between:</a:t>
+            </a:r>
+          </a:p>
+          <a:p>
+            <a:pPr lvl="0"/>
+            <a:r>
+              <a:rPr/>
+              <a:t>Standard t-test (equal variances)</a:t>
+            </a:r>
+          </a:p>
+          <a:p>
+            <a:pPr lvl="0"/>
+            <a:r>
+              <a:rPr/>
+              <a:t>Welch’s t-test (unequal variances)</a:t>
+            </a:r>
+          </a:p>
+          <a:p>
+            <a:pPr lvl="0" indent="0" marL="0">
+              <a:buNone/>
+            </a:pPr>
+            <a:r>
+              <a:rPr b="1"/>
+              <a:t>Note the Levenes Test should be NOT SIGNIFICANT - What is the null hypothesis</a:t>
+            </a:r>
+          </a:p>
+        </p:txBody>
+      </p:sp>
+      <p:sp>
+        <p:nvSpPr>
+          <p:cNvPr id="4" name="Content Placeholder 3"/>
+          <p:cNvSpPr>
+            <a:spLocks noGrp="1"/>
+          </p:cNvSpPr>
+          <p:nvPr>
+            <p:ph idx="2" sz="half"/>
+          </p:nvPr>
+        </p:nvSpPr>
+        <p:spPr/>
+        <p:txBody>
+          <a:bodyPr/>
+          <a:lstStyle/>
+          <a:p>
+            <a:pPr lvl="0" indent="0">
+              <a:buNone/>
+            </a:pPr>
+            <a:r>
+              <a:rPr>
+                <a:latin typeface="Courier"/>
+              </a:rPr>
+              <a:t>Levene's Test for Homogeneity of Variance (center = median)
+      Df F value Pr(&gt;F)
+group  1  1.2004 0.2789
+      46               </a:t>
+            </a:r>
+          </a:p>
+        </p:txBody>
+      </p:sp>
+    </p:spTree>
+  </p:cSld>
+</p:sld>
+</file>
+
 <file path=ppt/slides/slide31.xml><?xml version="1.0" encoding="utf-8"?>
 <p:sld xmlns:a="http://schemas.openxmlformats.org/drawingml/2006/main" xmlns:r="http://schemas.openxmlformats.org/officeDocument/2006/relationships" xmlns:p="http://schemas.openxmlformats.org/presentationml/2006/main">
   <p:cSld>
@@ -6881,121 +7196,6 @@
       </p:grpSpPr>
       <p:sp>
         <p:nvSpPr>
-          <p:cNvPr id="3" name="Content Placeholder 2"/>
-          <p:cNvSpPr>
-            <a:spLocks noGrp="1"/>
-          </p:cNvSpPr>
-          <p:nvPr>
-            <p:ph idx="1"/>
-          </p:nvPr>
-        </p:nvSpPr>
-        <p:spPr/>
-        <p:txBody>
-          <a:bodyPr/>
-          <a:lstStyle/>
-          <a:p>
-            <a:pPr lvl="0" indent="0" marL="1270000">
-              <a:buNone/>
-            </a:pPr>
-            <a:r>
-              <a:rPr sz="2000" b="1"/>
-              <a:t>Practice Exercise 4: Effect size</a:t>
-            </a:r>
-          </a:p>
-          <a:p>
-            <a:pPr lvl="0" indent="0" marL="1270000">
-              <a:buNone/>
-            </a:pPr>
-            <a:r>
-              <a:rPr sz="2000"/>
-              <a:t>We could also look at the difference in means… some cool code here</a:t>
-            </a:r>
-          </a:p>
-          <a:p>
-            <a:pPr lvl="0" indent="0">
-              <a:buNone/>
-            </a:pPr>
-            <a:r>
-              <a:rPr sz="2000">
-                <a:latin typeface="Courier"/>
-              </a:rPr>
-              <a:t># A tibble: 1 × 1
-  difference
-       &lt;dbl&gt;
-1       -5.5</a:t>
-            </a:r>
-          </a:p>
-          <a:p>
-            <a:pPr lvl="0" indent="0" marL="1270000">
-              <a:buNone/>
-            </a:pPr>
-            <a:r>
-              <a:rPr sz="2000" b="1"/>
-              <a:t>Practice Exercise 5: Using GGPLOT to get summary stats</a:t>
-            </a:r>
-          </a:p>
-          <a:p>
-            <a:pPr lvl="0" indent="0" marL="1270000">
-              <a:buNone/>
-            </a:pPr>
-            <a:r>
-              <a:rPr sz="2000"/>
-              <a:t>GGplot also has code to make the mean and standard error plots we are interested in along whit a lot of others</a:t>
-            </a:r>
-          </a:p>
-          <a:p>
-            <a:pPr lvl="0" indent="0" marL="1270000">
-              <a:buNone/>
-            </a:pPr>
-          </a:p>
-        </p:txBody>
-      </p:sp>
-    </p:spTree>
-  </p:cSld>
-</p:sld>
-</file>
-
-<file path=ppt/slides/slide32.xml><?xml version="1.0" encoding="utf-8"?>
-<p:sld xmlns:a="http://schemas.openxmlformats.org/drawingml/2006/main" xmlns:r="http://schemas.openxmlformats.org/officeDocument/2006/relationships" xmlns:p="http://schemas.openxmlformats.org/presentationml/2006/main">
-  <p:cSld>
-    <p:spTree>
-      <p:nvGrpSpPr>
-        <p:cNvPr id="1" name=""/>
-        <p:cNvGrpSpPr/>
-        <p:nvPr/>
-      </p:nvGrpSpPr>
-      <p:grpSpPr>
-        <a:xfrm>
-          <a:off x="0" y="0"/>
-          <a:ext cx="0" cy="0"/>
-          <a:chOff x="0" y="0"/>
-          <a:chExt cx="0" cy="0"/>
-        </a:xfrm>
-      </p:grpSpPr>
-    </p:spTree>
-  </p:cSld>
-</p:sld>
-</file>
-
-<file path=ppt/slides/slide33.xml><?xml version="1.0" encoding="utf-8"?>
-<p:sld xmlns:a="http://schemas.openxmlformats.org/drawingml/2006/main" xmlns:r="http://schemas.openxmlformats.org/officeDocument/2006/relationships" xmlns:p="http://schemas.openxmlformats.org/presentationml/2006/main">
-  <p:cSld>
-    <p:spTree>
-      <p:nvGrpSpPr>
-        <p:cNvPr id="1" name=""/>
-        <p:cNvGrpSpPr/>
-        <p:nvPr/>
-      </p:nvGrpSpPr>
-      <p:grpSpPr>
-        <a:xfrm>
-          <a:off x="0" y="0"/>
-          <a:ext cx="0" cy="0"/>
-          <a:chOff x="0" y="0"/>
-          <a:chExt cx="0" cy="0"/>
-        </a:xfrm>
-      </p:grpSpPr>
-      <p:sp>
-        <p:nvSpPr>
           <p:cNvPr id="2" name="Title 1"/>
           <p:cNvSpPr>
             <a:spLocks noGrp="1"/>
@@ -7023,7 +7223,7 @@
             </a:r>
             <a:r>
               <a:rPr/>
-              <a:t> Testing Assumptions for Two-Sample T-Test</a:t>
+              <a:t> Conducting the Two-Sample T-Test</a:t>
             </a:r>
           </a:p>
         </p:txBody>
@@ -7048,34 +7248,7 @@
             </a:pPr>
             <a:r>
               <a:rPr/>
-              <a:t>For a two-sample t-test, we need to check:</a:t>
-            </a:r>
-          </a:p>
-          <a:p>
-            <a:pPr lvl="0" indent="-342900" marL="342900">
-              <a:buAutoNum type="arabicPeriod"/>
-            </a:pPr>
-            <a:r>
-              <a:rPr/>
-              <a:t>Normality within each group</a:t>
-            </a:r>
-          </a:p>
-          <a:p>
-            <a:pPr lvl="0" indent="-342900" marL="342900">
-              <a:buAutoNum type="arabicPeriod"/>
-            </a:pPr>
-            <a:r>
-              <a:rPr/>
-              <a:t>Equal variances between groups (for standard t-test)</a:t>
-            </a:r>
-          </a:p>
-          <a:p>
-            <a:pPr lvl="0" indent="-342900" marL="342900">
-              <a:buAutoNum type="arabicPeriod"/>
-            </a:pPr>
-            <a:r>
-              <a:rPr/>
-              <a:t>Independent observations</a:t>
+              <a:t>Now we can do a two sample TTEST</a:t>
             </a:r>
           </a:p>
           <a:p>
@@ -7084,21 +7257,25 @@
             </a:pPr>
             <a:r>
               <a:rPr/>
-              <a:t>If assumptions are violated:</a:t>
-            </a:r>
-          </a:p>
-          <a:p>
-            <a:pPr lvl="0"/>
-            <a:r>
-              <a:rPr/>
-              <a:t>Welch’s t-test (unequal variances)</a:t>
-            </a:r>
-          </a:p>
-          <a:p>
-            <a:pPr lvl="0"/>
-            <a:r>
-              <a:rPr/>
-              <a:t>Non-parametric alternatives (Mann-Whitney U test)</a:t>
+              <a:t>Calculate t-statistic manually (optional)</a:t>
+            </a:r>
+          </a:p>
+          <a:p>
+            <a:pPr lvl="0" indent="0" marL="0">
+              <a:buNone/>
+            </a:pPr>
+            <a:r>
+              <a:rPr/>
+              <a:t>YOUR CODE HERE:</a:t>
+            </a:r>
+          </a:p>
+          <a:p>
+            <a:pPr lvl="0" indent="0" marL="0">
+              <a:buNone/>
+            </a:pPr>
+            <a:r>
+              <a:rPr/>
+              <a:t>t = (mean1 - mean2) / sqrt((s1^2/n1) + (s2^2/n2))</a:t>
             </a:r>
           </a:p>
           <a:p>
@@ -7107,57 +7284,7 @@
             </a:pPr>
             <a:r>
               <a:rPr sz="2000" b="1"/>
-              <a:t>Practice Exercise 6: Test normality of windward pine needle lengths</a:t>
-            </a:r>
-          </a:p>
-          <a:p>
-            <a:pPr lvl="0" indent="0" marL="1270000">
-              <a:buNone/>
-            </a:pPr>
-            <a:r>
-              <a:rPr sz="2000"/>
-              <a:t>qqplots</a:t>
-            </a:r>
-          </a:p>
-          <a:p>
-            <a:pPr lvl="0" indent="0" marL="1270000">
-              <a:buNone/>
-            </a:pPr>
-            <a:r>
-              <a:rPr sz="2000"/>
-              <a:t>Note you need to test each groups separately…</a:t>
-            </a:r>
-          </a:p>
-          <a:p>
-            <a:pPr lvl="0" indent="0" marL="1270000">
-              <a:buNone/>
-            </a:pPr>
-          </a:p>
-          <a:p>
-            <a:pPr lvl="0" indent="0" marL="1270000">
-              <a:buNone/>
-            </a:pPr>
-            <a:r>
-              <a:rPr sz="2000" b="1"/>
-              <a:t>Practice Exercise 7: Test normality of windward pine needle lengths</a:t>
-            </a:r>
-          </a:p>
-          <a:p>
-            <a:pPr lvl="0" indent="0" marL="1270000">
-              <a:buNone/>
-            </a:pPr>
-            <a:r>
-              <a:rPr sz="2000"/>
-              <a:t>qqplots</a:t>
-            </a:r>
-          </a:p>
-          <a:p>
-            <a:pPr lvl="0" indent="0" marL="1270000">
-              <a:buNone/>
-            </a:pPr>
-            <a:r>
-              <a:rPr sz="2000"/>
-              <a:t>Note you need to test each groups separately…</a:t>
+              <a:t>Tip</a:t>
             </a:r>
           </a:p>
           <a:p>
@@ -7168,48 +7295,8 @@
               <a:rPr sz="2000">
                 <a:latin typeface="Courier"/>
               </a:rPr>
-              <a:t># A tibble: 6 × 6
-  date    group       n_s   wind  tree_no length_mm
-  &lt;chr&gt;   &lt;chr&gt;       &lt;chr&gt; &lt;chr&gt;   &lt;dbl&gt;     &lt;dbl&gt;
-1 3/20/25 cephalopods n     lee         1        20
-2 3/20/25 cephalopods n     lee         1        21
-3 3/20/25 cephalopods n     lee         1        23
-4 3/20/25 cephalopods n     lee         1        25
-5 3/20/25 cephalopods n     lee         1        21
-6 3/20/25 cephalopods n     lee         1        16</a:t>
-            </a:r>
-          </a:p>
-          <a:p>
-            <a:pPr lvl="0" indent="0" marL="1270000">
-              <a:buNone/>
-            </a:pPr>
-            <a:r>
-              <a:rPr sz="2000" b="1"/>
-              <a:t>Practice Exercise 8: Test normality of windward pine needle lengths</a:t>
-            </a:r>
-          </a:p>
-          <a:p>
-            <a:pPr lvl="0" indent="0" marL="1270000">
-              <a:buNone/>
-            </a:pPr>
-            <a:r>
-              <a:rPr sz="2000"/>
-              <a:t>qqplots</a:t>
-            </a:r>
-          </a:p>
-          <a:p>
-            <a:pPr lvl="0" indent="0" marL="1270000">
-              <a:buNone/>
-            </a:pPr>
-            <a:r>
-              <a:rPr sz="2000"/>
-              <a:t>Note you need to test each groups separately…</a:t>
-            </a:r>
-          </a:p>
-          <a:p>
-            <a:pPr lvl="0" indent="0" marL="1270000">
-              <a:buNone/>
-            </a:pPr>
+              <a:t>[1] "Standard two-sample t-test:"</a:t>
+            </a:r>
           </a:p>
           <a:p>
             <a:pPr lvl="0" indent="0">
@@ -7217,542 +7304,6 @@
             </a:pPr>
             <a:r>
               <a:rPr sz="2000">
-                <a:latin typeface="Courier"/>
-              </a:rPr>
-              <a:t>[1] 21 22</a:t>
-            </a:r>
-          </a:p>
-          <a:p>
-            <a:pPr lvl="0" indent="0" marL="1270000">
-              <a:buNone/>
-            </a:pPr>
-            <a:r>
-              <a:rPr sz="2000" b="1"/>
-              <a:t>Practice Exercise 9: Test normality of windward pine needle lengths</a:t>
-            </a:r>
-          </a:p>
-          <a:p>
-            <a:pPr lvl="0" indent="0" marL="1270000">
-              <a:buNone/>
-            </a:pPr>
-            <a:r>
-              <a:rPr sz="2000"/>
-              <a:t>Shapiro-Wilk test</a:t>
-            </a:r>
-          </a:p>
-          <a:p>
-            <a:pPr lvl="0" indent="0" marL="1270000">
-              <a:buNone/>
-            </a:pPr>
-            <a:r>
-              <a:rPr sz="2000"/>
-              <a:t>Note you need to test each groups separately…</a:t>
-            </a:r>
-          </a:p>
-          <a:p>
-            <a:pPr lvl="0" indent="0">
-              <a:buNone/>
-            </a:pPr>
-            <a:r>
-              <a:rPr sz="2000">
-                <a:latin typeface="Courier"/>
-              </a:rPr>
-              <a:t>[1] "Shapiro-Wilk test for windward data:"</a:t>
-            </a:r>
-          </a:p>
-          <a:p>
-            <a:pPr lvl="0" indent="0">
-              <a:buNone/>
-            </a:pPr>
-            <a:r>
-              <a:rPr sz="2000">
-                <a:latin typeface="Courier"/>
-              </a:rPr>
-              <a:t>
-    Shapiro-Wilk normality test
-data:  windward_data$length_mm
-W = 0.96062, p-value = 0.451</a:t>
-            </a:r>
-          </a:p>
-          <a:p>
-            <a:pPr lvl="0" indent="0" marL="1270000">
-              <a:buNone/>
-            </a:pPr>
-            <a:r>
-              <a:rPr sz="2000" b="1"/>
-              <a:t>Practice Exercise 10: Test normality of windward pine needle lengths</a:t>
-            </a:r>
-          </a:p>
-          <a:p>
-            <a:pPr lvl="0" indent="0" marL="1270000">
-              <a:buNone/>
-            </a:pPr>
-            <a:r>
-              <a:rPr sz="2000"/>
-              <a:t>qqplots</a:t>
-            </a:r>
-          </a:p>
-          <a:p>
-            <a:pPr lvl="0" indent="0" marL="1270000">
-              <a:buNone/>
-            </a:pPr>
-            <a:r>
-              <a:rPr sz="2000"/>
-              <a:t>Note you need to test each groups separately…</a:t>
-            </a:r>
-          </a:p>
-          <a:p>
-            <a:pPr lvl="0" indent="0" marL="1270000">
-              <a:buNone/>
-            </a:pPr>
-          </a:p>
-          <a:p>
-            <a:pPr lvl="0" indent="0">
-              <a:buNone/>
-            </a:pPr>
-            <a:r>
-              <a:rPr sz="2000">
-                <a:latin typeface="Courier"/>
-              </a:rPr>
-              <a:t>[1]  4 16</a:t>
-            </a:r>
-          </a:p>
-          <a:p>
-            <a:pPr lvl="0" indent="0" marL="1270000">
-              <a:buNone/>
-            </a:pPr>
-            <a:r>
-              <a:rPr sz="2000" b="1"/>
-              <a:t>Practice Exercise 11: Test normality of windward pine needle lengths</a:t>
-            </a:r>
-          </a:p>
-          <a:p>
-            <a:pPr lvl="0" indent="0" marL="1270000">
-              <a:buNone/>
-            </a:pPr>
-            <a:r>
-              <a:rPr sz="2000"/>
-              <a:t>Shapiro-Wilk test</a:t>
-            </a:r>
-          </a:p>
-          <a:p>
-            <a:pPr lvl="0" indent="0" marL="1270000">
-              <a:buNone/>
-            </a:pPr>
-            <a:r>
-              <a:rPr sz="2000"/>
-              <a:t>Note you need to test each groups separately…</a:t>
-            </a:r>
-          </a:p>
-          <a:p>
-            <a:pPr lvl="0" indent="0">
-              <a:buNone/>
-            </a:pPr>
-            <a:r>
-              <a:rPr sz="2000">
-                <a:latin typeface="Courier"/>
-              </a:rPr>
-              <a:t>[1] "Shapiro-Wilk test for leeward data:"</a:t>
-            </a:r>
-          </a:p>
-          <a:p>
-            <a:pPr lvl="0" indent="0">
-              <a:buNone/>
-            </a:pPr>
-            <a:r>
-              <a:rPr sz="2000">
-                <a:latin typeface="Courier"/>
-              </a:rPr>
-              <a:t>
-    Shapiro-Wilk normality test
-data:  leeward_data$length_mm
-W = 0.95477, p-value = 0.3425</a:t>
-            </a:r>
-          </a:p>
-          <a:p>
-            <a:pPr lvl="0" indent="0" marL="1270000">
-              <a:buNone/>
-            </a:pPr>
-            <a:r>
-              <a:rPr sz="2000" b="1"/>
-              <a:t>Practice Exercise 12: Test Normality at one time</a:t>
-            </a:r>
-          </a:p>
-          <a:p>
-            <a:pPr lvl="0" indent="0" marL="1270000">
-              <a:buNone/>
-            </a:pPr>
-            <a:r>
-              <a:rPr sz="2000"/>
-              <a:t>There are always a lot of ways to do this in R</a:t>
-            </a:r>
-          </a:p>
-          <a:p>
-            <a:pPr lvl="0" indent="0">
-              <a:buNone/>
-            </a:pPr>
-            <a:r>
-              <a:rPr sz="2000">
-                <a:latin typeface="Courier"/>
-              </a:rPr>
-              <a:t># A tibble: 2 × 4
-  wind  shapiro_stat shapiro_p_value normal_distribution
-  &lt;chr&gt;        &lt;dbl&gt;           &lt;dbl&gt; &lt;chr&gt;              
-1 lee          0.955           0.343 Normal             
-2 wind         0.961           0.451 Normal             </a:t>
-            </a:r>
-          </a:p>
-          <a:p>
-            <a:pPr lvl="0" indent="0" marL="1270000">
-              <a:buNone/>
-            </a:pPr>
-            <a:r>
-              <a:rPr sz="2000" b="1"/>
-              <a:t>Practice Exercise 13: Test equal variances</a:t>
-            </a:r>
-          </a:p>
-          <a:p>
-            <a:pPr lvl="0" indent="0" marL="1270000">
-              <a:buNone/>
-            </a:pPr>
-            <a:r>
-              <a:rPr sz="2000"/>
-              <a:t>Levenes test can be done on the original dataframe</a:t>
-            </a:r>
-          </a:p>
-          <a:p>
-            <a:pPr lvl="0" indent="0">
-              <a:buNone/>
-            </a:pPr>
-            <a:r>
-              <a:rPr sz="2000">
-                <a:latin typeface="Courier"/>
-              </a:rPr>
-              <a:t>[1] "Levene's Test for Homogeneity of Variance:"</a:t>
-            </a:r>
-          </a:p>
-          <a:p>
-            <a:pPr lvl="0" indent="0">
-              <a:buNone/>
-            </a:pPr>
-            <a:r>
-              <a:rPr sz="2000">
-                <a:latin typeface="Courier"/>
-              </a:rPr>
-              <a:t>Levene's Test for Homogeneity of Variance (center = median)
-      Df F value Pr(&gt;F)
-group  1  1.2004 0.2789
-      46               </a:t>
-            </a:r>
-          </a:p>
-        </p:txBody>
-      </p:sp>
-    </p:spTree>
-  </p:cSld>
-</p:sld>
-</file>
-
-<file path=ppt/slides/slide34.xml><?xml version="1.0" encoding="utf-8"?>
-<p:sld xmlns:a="http://schemas.openxmlformats.org/drawingml/2006/main" xmlns:r="http://schemas.openxmlformats.org/officeDocument/2006/relationships" xmlns:p="http://schemas.openxmlformats.org/presentationml/2006/main">
-  <p:cSld>
-    <p:spTree>
-      <p:nvGrpSpPr>
-        <p:cNvPr id="1" name=""/>
-        <p:cNvGrpSpPr/>
-        <p:nvPr/>
-      </p:nvGrpSpPr>
-      <p:grpSpPr>
-        <a:xfrm>
-          <a:off x="0" y="0"/>
-          <a:ext cx="0" cy="0"/>
-          <a:chOff x="0" y="0"/>
-          <a:chExt cx="0" cy="0"/>
-        </a:xfrm>
-      </p:grpSpPr>
-      <p:sp>
-        <p:nvSpPr>
-          <p:cNvPr id="2" name="Title 1"/>
-          <p:cNvSpPr>
-            <a:spLocks noGrp="1"/>
-          </p:cNvSpPr>
-          <p:nvPr>
-            <p:ph type="title"/>
-          </p:nvPr>
-        </p:nvSpPr>
-        <p:spPr>
-          <a:xfrm>
-            <a:off x="0" y="0"/>
-            <a:ext cx="9144000" cy="602780"/>
-          </a:xfrm>
-          <a:solidFill>
-            <a:srgbClr val="70121D"/>
-          </a:solidFill>
-        </p:spPr>
-        <p:txBody>
-          <a:bodyPr/>
-          <a:lstStyle/>
-          <a:p>
-            <a:pPr lvl="0" indent="0" marL="0">
-              <a:buNone/>
-            </a:pPr>
-            <a:r>
-              <a:rPr b="1"/>
-              <a:t>Lecture 5:</a:t>
-            </a:r>
-            <a:r>
-              <a:rPr/>
-              <a:t> Conducting the Two-Sample T-Test</a:t>
-            </a:r>
-          </a:p>
-        </p:txBody>
-      </p:sp>
-      <p:sp>
-        <p:nvSpPr>
-          <p:cNvPr id="3" name="Content Placeholder 2"/>
-          <p:cNvSpPr>
-            <a:spLocks noGrp="1"/>
-          </p:cNvSpPr>
-          <p:nvPr>
-            <p:ph idx="1" sz="half"/>
-          </p:nvPr>
-        </p:nvSpPr>
-        <p:spPr/>
-        <p:txBody>
-          <a:bodyPr/>
-          <a:lstStyle/>
-          <a:p>
-            <a:pPr lvl="0" indent="0" marL="0">
-              <a:buNone/>
-            </a:pPr>
-            <a:r>
-              <a:rPr/>
-              <a:t>Now we can compare the mean pine needle lengths between windward and leeward sides.</a:t>
-            </a:r>
-          </a:p>
-          <a:p>
-            <a:pPr lvl="0" indent="0" marL="0">
-              <a:buNone/>
-            </a:pPr>
-            <a:r>
-              <a:rPr/>
-              <a:t>Ho: μ₁ = μ₂ (The mean needle lengths are equal)</a:t>
-            </a:r>
-          </a:p>
-          <a:p>
-            <a:pPr lvl="0" indent="0" marL="0">
-              <a:buNone/>
-            </a:pPr>
-            <a:r>
-              <a:rPr/>
-              <a:t>Ha: μ₁ ≠ μ₂ (The mean needle lengths are different)</a:t>
-            </a:r>
-          </a:p>
-          <a:p>
-            <a:pPr lvl="0" indent="0" marL="0">
-              <a:buNone/>
-            </a:pPr>
-            <a:r>
-              <a:rPr/>
-              <a:t>Deciding between:</a:t>
-            </a:r>
-          </a:p>
-          <a:p>
-            <a:pPr lvl="0"/>
-            <a:r>
-              <a:rPr/>
-              <a:t>Standard t-test (equal variances)</a:t>
-            </a:r>
-          </a:p>
-          <a:p>
-            <a:pPr lvl="0"/>
-            <a:r>
-              <a:rPr/>
-              <a:t>Welch’s t-test (unequal variances)</a:t>
-            </a:r>
-          </a:p>
-          <a:p>
-            <a:pPr lvl="0" indent="0" marL="0">
-              <a:buNone/>
-            </a:pPr>
-            <a:r>
-              <a:rPr b="1"/>
-              <a:t>Note the Levenes Test should be NOT SIGNIFICANT - What is the null hypothesis</a:t>
-            </a:r>
-          </a:p>
-        </p:txBody>
-      </p:sp>
-      <p:sp>
-        <p:nvSpPr>
-          <p:cNvPr id="4" name="Content Placeholder 3"/>
-          <p:cNvSpPr>
-            <a:spLocks noGrp="1"/>
-          </p:cNvSpPr>
-          <p:nvPr>
-            <p:ph idx="2" sz="half"/>
-          </p:nvPr>
-        </p:nvSpPr>
-        <p:spPr/>
-        <p:txBody>
-          <a:bodyPr/>
-          <a:lstStyle/>
-          <a:p>
-            <a:pPr lvl="0" indent="0">
-              <a:buNone/>
-            </a:pPr>
-            <a:r>
-              <a:rPr>
-                <a:latin typeface="Courier"/>
-              </a:rPr>
-              <a:t>Levene's Test for Homogeneity of Variance (center = median)
-      Df F value Pr(&gt;F)
-group  1  1.2004 0.2789
-      46               </a:t>
-            </a:r>
-          </a:p>
-        </p:txBody>
-      </p:sp>
-    </p:spTree>
-  </p:cSld>
-</p:sld>
-</file>
-
-<file path=ppt/slides/slide35.xml><?xml version="1.0" encoding="utf-8"?>
-<p:sld xmlns:a="http://schemas.openxmlformats.org/drawingml/2006/main" xmlns:r="http://schemas.openxmlformats.org/officeDocument/2006/relationships" xmlns:p="http://schemas.openxmlformats.org/presentationml/2006/main">
-  <p:cSld>
-    <p:spTree>
-      <p:nvGrpSpPr>
-        <p:cNvPr id="1" name=""/>
-        <p:cNvGrpSpPr/>
-        <p:nvPr/>
-      </p:nvGrpSpPr>
-      <p:grpSpPr>
-        <a:xfrm>
-          <a:off x="0" y="0"/>
-          <a:ext cx="0" cy="0"/>
-          <a:chOff x="0" y="0"/>
-          <a:chExt cx="0" cy="0"/>
-        </a:xfrm>
-      </p:grpSpPr>
-      <p:sp>
-        <p:nvSpPr>
-          <p:cNvPr id="2" name="Title 1"/>
-          <p:cNvSpPr>
-            <a:spLocks noGrp="1"/>
-          </p:cNvSpPr>
-          <p:nvPr>
-            <p:ph type="title"/>
-          </p:nvPr>
-        </p:nvSpPr>
-        <p:spPr>
-          <a:xfrm>
-            <a:off x="0" y="0"/>
-            <a:ext cx="9144000" cy="602780"/>
-          </a:xfrm>
-          <a:solidFill>
-            <a:srgbClr val="70121D"/>
-          </a:solidFill>
-        </p:spPr>
-        <p:txBody>
-          <a:bodyPr/>
-          <a:lstStyle/>
-          <a:p>
-            <a:pPr lvl="0" indent="0" marL="0">
-              <a:buNone/>
-            </a:pPr>
-            <a:r>
-              <a:rPr b="1"/>
-              <a:t>Lecture 5:</a:t>
-            </a:r>
-            <a:r>
-              <a:rPr/>
-              <a:t> Conducting the Two-Sample T-Test</a:t>
-            </a:r>
-          </a:p>
-        </p:txBody>
-      </p:sp>
-      <p:sp>
-        <p:nvSpPr>
-          <p:cNvPr id="3" name="Content Placeholder 2"/>
-          <p:cNvSpPr>
-            <a:spLocks noGrp="1"/>
-          </p:cNvSpPr>
-          <p:nvPr>
-            <p:ph idx="1" sz="half"/>
-          </p:nvPr>
-        </p:nvSpPr>
-        <p:spPr/>
-        <p:txBody>
-          <a:bodyPr/>
-          <a:lstStyle/>
-          <a:p>
-            <a:pPr lvl="0" indent="0" marL="0">
-              <a:buNone/>
-            </a:pPr>
-            <a:r>
-              <a:rPr/>
-              <a:t>Now we can do a two sample TTEST</a:t>
-            </a:r>
-          </a:p>
-          <a:p>
-            <a:pPr lvl="0" indent="0" marL="0">
-              <a:buNone/>
-            </a:pPr>
-            <a:r>
-              <a:rPr/>
-              <a:t>Calculate t-statistic manually (optional)</a:t>
-            </a:r>
-          </a:p>
-          <a:p>
-            <a:pPr lvl="0" indent="0" marL="0">
-              <a:buNone/>
-            </a:pPr>
-            <a:r>
-              <a:rPr/>
-              <a:t>YOUR CODE HERE:</a:t>
-            </a:r>
-          </a:p>
-          <a:p>
-            <a:pPr lvl="0" indent="0" marL="0">
-              <a:buNone/>
-            </a:pPr>
-            <a:r>
-              <a:rPr/>
-              <a:t>t = (mean1 - mean2) / sqrt((s1^2/n1) + (s2^2/n2))</a:t>
-            </a:r>
-          </a:p>
-        </p:txBody>
-      </p:sp>
-      <p:sp>
-        <p:nvSpPr>
-          <p:cNvPr id="4" name="Content Placeholder 3"/>
-          <p:cNvSpPr>
-            <a:spLocks noGrp="1"/>
-          </p:cNvSpPr>
-          <p:nvPr>
-            <p:ph idx="2" sz="half"/>
-          </p:nvPr>
-        </p:nvSpPr>
-        <p:spPr/>
-        <p:txBody>
-          <a:bodyPr/>
-          <a:lstStyle/>
-          <a:p>
-            <a:pPr lvl="0" indent="0">
-              <a:buNone/>
-            </a:pPr>
-            <a:r>
-              <a:rPr>
-                <a:latin typeface="Courier"/>
-              </a:rPr>
-              <a:t>[1] "Standard two-sample t-test:"</a:t>
-            </a:r>
-          </a:p>
-          <a:p>
-            <a:pPr lvl="0" indent="0">
-              <a:buNone/>
-            </a:pPr>
-            <a:r>
-              <a:rPr>
                 <a:latin typeface="Courier"/>
               </a:rPr>
               <a:t>
@@ -7774,7 +7325,7 @@
 </p:sld>
 </file>
 
-<file path=ppt/slides/slide36.xml><?xml version="1.0" encoding="utf-8"?>
+<file path=ppt/slides/slide32.xml><?xml version="1.0" encoding="utf-8"?>
 <p:sld xmlns:a="http://schemas.openxmlformats.org/drawingml/2006/main" xmlns:r="http://schemas.openxmlformats.org/officeDocument/2006/relationships" xmlns:p="http://schemas.openxmlformats.org/presentationml/2006/main">
   <p:cSld>
     <p:spTree>
@@ -7915,7 +7466,7 @@
 </p:sld>
 </file>
 
-<file path=ppt/slides/slide37.xml><?xml version="1.0" encoding="utf-8"?>
+<file path=ppt/slides/slide33.xml><?xml version="1.0" encoding="utf-8"?>
 <p:sld xmlns:a="http://schemas.openxmlformats.org/drawingml/2006/main" xmlns:r="http://schemas.openxmlformats.org/officeDocument/2006/relationships" xmlns:p="http://schemas.openxmlformats.org/presentationml/2006/main">
   <p:cSld>
     <p:spTree>
@@ -8056,7 +7607,7 @@
 </p:sld>
 </file>
 
-<file path=ppt/slides/slide38.xml><?xml version="1.0" encoding="utf-8"?>
+<file path=ppt/slides/slide34.xml><?xml version="1.0" encoding="utf-8"?>
 <p:sld xmlns:a="http://schemas.openxmlformats.org/drawingml/2006/main" xmlns:r="http://schemas.openxmlformats.org/officeDocument/2006/relationships" xmlns:p="http://schemas.openxmlformats.org/presentationml/2006/main">
   <p:cSld>
     <p:spTree>
@@ -8086,11 +7637,8 @@
         <p:spPr>
           <a:xfrm>
             <a:off x="0" y="0"/>
-            <a:ext cx="9144000" cy="602780"/>
+            <a:ext cx="9144000" cy="582780"/>
           </a:xfrm>
-          <a:solidFill>
-            <a:srgbClr val="70121D"/>
-          </a:solidFill>
         </p:spPr>
         <p:txBody>
           <a:bodyPr/>
@@ -8117,7 +7665,7 @@
             <a:spLocks noGrp="1"/>
           </p:cNvSpPr>
           <p:nvPr>
-            <p:ph idx="1" sz="half"/>
+            <p:ph idx="1"/>
           </p:nvPr>
         </p:nvSpPr>
         <p:spPr/>
@@ -8178,22 +7726,6 @@
               <a:t>What can we do if our data violates these assumptions?</a:t>
             </a:r>
           </a:p>
-        </p:txBody>
-      </p:sp>
-      <p:sp>
-        <p:nvSpPr>
-          <p:cNvPr id="4" name="Content Placeholder 3"/>
-          <p:cNvSpPr>
-            <a:spLocks noGrp="1"/>
-          </p:cNvSpPr>
-          <p:nvPr>
-            <p:ph idx="2" sz="half"/>
-          </p:nvPr>
-        </p:nvSpPr>
-        <p:spPr/>
-        <p:txBody>
-          <a:bodyPr/>
-          <a:lstStyle/>
           <a:p>
             <a:pPr lvl="0" indent="0" marL="0">
               <a:buNone/>
@@ -8224,7 +7756,7 @@
 </p:sld>
 </file>
 
-<file path=ppt/slides/slide39.xml><?xml version="1.0" encoding="utf-8"?>
+<file path=ppt/slides/slide35.xml><?xml version="1.0" encoding="utf-8"?>
 <p:sld xmlns:a="http://schemas.openxmlformats.org/drawingml/2006/main" xmlns:r="http://schemas.openxmlformats.org/officeDocument/2006/relationships" xmlns:p="http://schemas.openxmlformats.org/presentationml/2006/main">
   <p:cSld>
     <p:spTree>
@@ -8378,6 +7910,28 @@
           </a:p>
         </p:txBody>
       </p:sp>
+    </p:spTree>
+  </p:cSld>
+</p:sld>
+</file>
+
+<file path=ppt/slides/slide36.xml><?xml version="1.0" encoding="utf-8"?>
+<p:sld xmlns:a="http://schemas.openxmlformats.org/drawingml/2006/main" xmlns:r="http://schemas.openxmlformats.org/officeDocument/2006/relationships" xmlns:p="http://schemas.openxmlformats.org/presentationml/2006/main">
+  <p:cSld>
+    <p:spTree>
+      <p:nvGrpSpPr>
+        <p:cNvPr id="1" name=""/>
+        <p:cNvGrpSpPr/>
+        <p:nvPr/>
+      </p:nvGrpSpPr>
+      <p:grpSpPr>
+        <a:xfrm>
+          <a:off x="0" y="0"/>
+          <a:ext cx="0" cy="0"/>
+          <a:chOff x="0" y="0"/>
+          <a:chExt cx="0" cy="0"/>
+        </a:xfrm>
+      </p:grpSpPr>
     </p:spTree>
   </p:cSld>
 </p:sld>
@@ -8508,28 +8062,6 @@
 </p:sld>
 </file>
 
-<file path=ppt/slides/slide40.xml><?xml version="1.0" encoding="utf-8"?>
-<p:sld xmlns:a="http://schemas.openxmlformats.org/drawingml/2006/main" xmlns:r="http://schemas.openxmlformats.org/officeDocument/2006/relationships" xmlns:p="http://schemas.openxmlformats.org/presentationml/2006/main">
-  <p:cSld>
-    <p:spTree>
-      <p:nvGrpSpPr>
-        <p:cNvPr id="1" name=""/>
-        <p:cNvGrpSpPr/>
-        <p:nvPr/>
-      </p:nvGrpSpPr>
-      <p:grpSpPr>
-        <a:xfrm>
-          <a:off x="0" y="0"/>
-          <a:ext cx="0" cy="0"/>
-          <a:chOff x="0" y="0"/>
-          <a:chExt cx="0" cy="0"/>
-        </a:xfrm>
-      </p:grpSpPr>
-    </p:spTree>
-  </p:cSld>
-</p:sld>
-</file>
-
 <file path=ppt/slides/slide5.xml><?xml version="1.0" encoding="utf-8"?>
 <p:sld xmlns:a="http://schemas.openxmlformats.org/drawingml/2006/main" xmlns:r="http://schemas.openxmlformats.org/officeDocument/2006/relationships" xmlns:p="http://schemas.openxmlformats.org/presentationml/2006/main">
   <p:cSld>
@@ -8573,6 +8105,1017 @@
               <a:t>Lecture 4: Review</a:t>
             </a:r>
           </a:p>
+          <a:p>
+            <a:pPr lvl="0"/>
+            <a:r>
+              <a:rPr/>
+              <a:t>Introduction to histograms or frequency distributions</a:t>
+            </a:r>
+          </a:p>
+          <a:p>
+            <a:pPr lvl="0"/>
+            <a:r>
+              <a:rPr/>
+              <a:t>Probability Distribution Functions (PDF)</a:t>
+            </a:r>
+          </a:p>
+          <a:p>
+            <a:pPr lvl="0"/>
+            <a:r>
+              <a:rPr/>
+              <a:t>Descriptive Statistics</a:t>
+            </a:r>
+          </a:p>
+          <a:p>
+            <a:pPr lvl="1"/>
+            <a:r>
+              <a:rPr/>
+              <a:t>Center - mean, median, mode</a:t>
+            </a:r>
+          </a:p>
+          <a:p>
+            <a:pPr lvl="1"/>
+            <a:r>
+              <a:rPr/>
+              <a:t>Spread - range, variance, standard deviation</a:t>
+            </a:r>
+          </a:p>
+        </p:txBody>
+      </p:sp>
+      <p:graphicFrame xmlns:a="http://schemas.openxmlformats.org/drawingml/2006/main" xmlns:r="http://schemas.openxmlformats.org/officeDocument/2006/relationships" xmlns:p="http://schemas.openxmlformats.org/presentationml/2006/main">
+        <p:nvGraphicFramePr>
+          <p:cNvPr id="727165567" name=""/>
+          <p:cNvGraphicFramePr>
+            <a:graphicFrameLocks noGrp="true"/>
+          </p:cNvGraphicFramePr>
+          <p:nvPr/>
+        </p:nvGraphicFramePr>
+        <p:xfrm rot="0">
+          <a:off x="914400" y="1828800"/>
+          <a:ext cx="9144000" cy="5486400"/>
+        </p:xfrm>
+        <a:graphic>
+          <a:graphicData uri="http://schemas.openxmlformats.org/drawingml/2006/table">
+            <a:tbl>
+              <a:tblPr/>
+              <a:tblGrid>
+                <a:gridCol w="685800"/>
+                <a:gridCol w="685800"/>
+                <a:gridCol w="685800"/>
+                <a:gridCol w="685800"/>
+                <a:gridCol w="685800"/>
+              </a:tblGrid>
+              <a:tr h="228600">
+                <a:tc>
+                  <a:txBody>
+                    <a:bodyPr/>
+                    <a:lstStyle/>
+                    <a:p>
+                      <a:pPr algn="l" marL="63500" marR="63500">
+                        <a:lnSpc>
+                          <a:spcPct val="100000"/>
+                        </a:lnSpc>
+                        <a:spcBef>
+                          <a:spcPts val="500"/>
+                        </a:spcBef>
+                        <a:spcAft>
+                          <a:spcPts val="500"/>
+                        </a:spcAft>
+                        <a:buNone/>
+                      </a:pPr>
+                      <a:r>
+                        <a:rPr cap="none" sz="1100" i="0" b="0" u="none">
+                          <a:solidFill>
+                            <a:srgbClr val="000000">
+                              <a:alpha val="100000"/>
+                            </a:srgbClr>
+                          </a:solidFill>
+                          <a:latin typeface="Helvetica"/>
+                          <a:cs typeface="Helvetica"/>
+                          <a:ea typeface="Helvetica"/>
+                          <a:sym typeface="Helvetica"/>
+                        </a:rPr>
+                        <a:t>lake</a:t>
+                      </a:r>
+                    </a:p>
+                  </a:txBody>
+                  <a:tcPr anchor="ctr" marB="63500" marT="63500" marR="0" marL="0">
+                    <a:lnL algn="ctr" cmpd="sng" cap="flat" w="0">
+                      <a:noFill/>
+                      <a:prstDash val="solid"/>
+                    </a:lnL>
+                    <a:lnR algn="ctr" cmpd="sng" cap="flat" w="0">
+                      <a:noFill/>
+                      <a:prstDash val="solid"/>
+                    </a:lnR>
+                    <a:lnT algn="ctr" cmpd="sng" cap="flat" w="19050">
+                      <a:solidFill>
+                        <a:srgbClr val="666666">
+                          <a:alpha val="100000"/>
+                        </a:srgbClr>
+                      </a:solidFill>
+                      <a:prstDash val="solid"/>
+                    </a:lnT>
+                    <a:lnB algn="ctr" cmpd="sng" cap="flat" w="19050">
+                      <a:solidFill>
+                        <a:srgbClr val="666666">
+                          <a:alpha val="100000"/>
+                        </a:srgbClr>
+                      </a:solidFill>
+                      <a:prstDash val="solid"/>
+                    </a:lnB>
+                    <a:solidFill>
+                      <a:srgbClr val="FFFFFF">
+                        <a:alpha val="0"/>
+                      </a:srgbClr>
+                    </a:solidFill>
+                  </a:tcPr>
+                </a:tc>
+                <a:tc>
+                  <a:txBody>
+                    <a:bodyPr/>
+                    <a:lstStyle/>
+                    <a:p>
+                      <a:pPr algn="r" marL="63500" marR="63500">
+                        <a:lnSpc>
+                          <a:spcPct val="100000"/>
+                        </a:lnSpc>
+                        <a:spcBef>
+                          <a:spcPts val="500"/>
+                        </a:spcBef>
+                        <a:spcAft>
+                          <a:spcPts val="500"/>
+                        </a:spcAft>
+                        <a:buNone/>
+                      </a:pPr>
+                      <a:r>
+                        <a:rPr cap="none" sz="1100" i="0" b="0" u="none">
+                          <a:solidFill>
+                            <a:srgbClr val="000000">
+                              <a:alpha val="100000"/>
+                            </a:srgbClr>
+                          </a:solidFill>
+                          <a:latin typeface="Helvetica"/>
+                          <a:cs typeface="Helvetica"/>
+                          <a:ea typeface="Helvetica"/>
+                          <a:sym typeface="Helvetica"/>
+                        </a:rPr>
+                        <a:t>mean_length</a:t>
+                      </a:r>
+                    </a:p>
+                  </a:txBody>
+                  <a:tcPr anchor="ctr" marB="63500" marT="63500" marR="0" marL="0">
+                    <a:lnL algn="ctr" cmpd="sng" cap="flat" w="0">
+                      <a:noFill/>
+                      <a:prstDash val="solid"/>
+                    </a:lnL>
+                    <a:lnR algn="ctr" cmpd="sng" cap="flat" w="0">
+                      <a:noFill/>
+                      <a:prstDash val="solid"/>
+                    </a:lnR>
+                    <a:lnT algn="ctr" cmpd="sng" cap="flat" w="19050">
+                      <a:solidFill>
+                        <a:srgbClr val="666666">
+                          <a:alpha val="100000"/>
+                        </a:srgbClr>
+                      </a:solidFill>
+                      <a:prstDash val="solid"/>
+                    </a:lnT>
+                    <a:lnB algn="ctr" cmpd="sng" cap="flat" w="19050">
+                      <a:solidFill>
+                        <a:srgbClr val="666666">
+                          <a:alpha val="100000"/>
+                        </a:srgbClr>
+                      </a:solidFill>
+                      <a:prstDash val="solid"/>
+                    </a:lnB>
+                    <a:solidFill>
+                      <a:srgbClr val="FFFFFF">
+                        <a:alpha val="0"/>
+                      </a:srgbClr>
+                    </a:solidFill>
+                  </a:tcPr>
+                </a:tc>
+                <a:tc>
+                  <a:txBody>
+                    <a:bodyPr/>
+                    <a:lstStyle/>
+                    <a:p>
+                      <a:pPr algn="r" marL="63500" marR="63500">
+                        <a:lnSpc>
+                          <a:spcPct val="100000"/>
+                        </a:lnSpc>
+                        <a:spcBef>
+                          <a:spcPts val="500"/>
+                        </a:spcBef>
+                        <a:spcAft>
+                          <a:spcPts val="500"/>
+                        </a:spcAft>
+                        <a:buNone/>
+                      </a:pPr>
+                      <a:r>
+                        <a:rPr cap="none" sz="1100" i="0" b="0" u="none">
+                          <a:solidFill>
+                            <a:srgbClr val="000000">
+                              <a:alpha val="100000"/>
+                            </a:srgbClr>
+                          </a:solidFill>
+                          <a:latin typeface="Helvetica"/>
+                          <a:cs typeface="Helvetica"/>
+                          <a:ea typeface="Helvetica"/>
+                          <a:sym typeface="Helvetica"/>
+                        </a:rPr>
+                        <a:t>sd_length</a:t>
+                      </a:r>
+                    </a:p>
+                  </a:txBody>
+                  <a:tcPr anchor="ctr" marB="63500" marT="63500" marR="0" marL="0">
+                    <a:lnL algn="ctr" cmpd="sng" cap="flat" w="0">
+                      <a:noFill/>
+                      <a:prstDash val="solid"/>
+                    </a:lnL>
+                    <a:lnR algn="ctr" cmpd="sng" cap="flat" w="0">
+                      <a:noFill/>
+                      <a:prstDash val="solid"/>
+                    </a:lnR>
+                    <a:lnT algn="ctr" cmpd="sng" cap="flat" w="19050">
+                      <a:solidFill>
+                        <a:srgbClr val="666666">
+                          <a:alpha val="100000"/>
+                        </a:srgbClr>
+                      </a:solidFill>
+                      <a:prstDash val="solid"/>
+                    </a:lnT>
+                    <a:lnB algn="ctr" cmpd="sng" cap="flat" w="19050">
+                      <a:solidFill>
+                        <a:srgbClr val="666666">
+                          <a:alpha val="100000"/>
+                        </a:srgbClr>
+                      </a:solidFill>
+                      <a:prstDash val="solid"/>
+                    </a:lnB>
+                    <a:solidFill>
+                      <a:srgbClr val="FFFFFF">
+                        <a:alpha val="0"/>
+                      </a:srgbClr>
+                    </a:solidFill>
+                  </a:tcPr>
+                </a:tc>
+                <a:tc>
+                  <a:txBody>
+                    <a:bodyPr/>
+                    <a:lstStyle/>
+                    <a:p>
+                      <a:pPr algn="r" marL="63500" marR="63500">
+                        <a:lnSpc>
+                          <a:spcPct val="100000"/>
+                        </a:lnSpc>
+                        <a:spcBef>
+                          <a:spcPts val="500"/>
+                        </a:spcBef>
+                        <a:spcAft>
+                          <a:spcPts val="500"/>
+                        </a:spcAft>
+                        <a:buNone/>
+                      </a:pPr>
+                      <a:r>
+                        <a:rPr cap="none" sz="1100" i="0" b="0" u="none">
+                          <a:solidFill>
+                            <a:srgbClr val="000000">
+                              <a:alpha val="100000"/>
+                            </a:srgbClr>
+                          </a:solidFill>
+                          <a:latin typeface="Helvetica"/>
+                          <a:cs typeface="Helvetica"/>
+                          <a:ea typeface="Helvetica"/>
+                          <a:sym typeface="Helvetica"/>
+                        </a:rPr>
+                        <a:t>se_length</a:t>
+                      </a:r>
+                    </a:p>
+                  </a:txBody>
+                  <a:tcPr anchor="ctr" marB="63500" marT="63500" marR="0" marL="0">
+                    <a:lnL algn="ctr" cmpd="sng" cap="flat" w="0">
+                      <a:noFill/>
+                      <a:prstDash val="solid"/>
+                    </a:lnL>
+                    <a:lnR algn="ctr" cmpd="sng" cap="flat" w="0">
+                      <a:noFill/>
+                      <a:prstDash val="solid"/>
+                    </a:lnR>
+                    <a:lnT algn="ctr" cmpd="sng" cap="flat" w="19050">
+                      <a:solidFill>
+                        <a:srgbClr val="666666">
+                          <a:alpha val="100000"/>
+                        </a:srgbClr>
+                      </a:solidFill>
+                      <a:prstDash val="solid"/>
+                    </a:lnT>
+                    <a:lnB algn="ctr" cmpd="sng" cap="flat" w="19050">
+                      <a:solidFill>
+                        <a:srgbClr val="666666">
+                          <a:alpha val="100000"/>
+                        </a:srgbClr>
+                      </a:solidFill>
+                      <a:prstDash val="solid"/>
+                    </a:lnB>
+                    <a:solidFill>
+                      <a:srgbClr val="FFFFFF">
+                        <a:alpha val="0"/>
+                      </a:srgbClr>
+                    </a:solidFill>
+                  </a:tcPr>
+                </a:tc>
+                <a:tc>
+                  <a:txBody>
+                    <a:bodyPr/>
+                    <a:lstStyle/>
+                    <a:p>
+                      <a:pPr algn="r" marL="63500" marR="63500">
+                        <a:lnSpc>
+                          <a:spcPct val="100000"/>
+                        </a:lnSpc>
+                        <a:spcBef>
+                          <a:spcPts val="500"/>
+                        </a:spcBef>
+                        <a:spcAft>
+                          <a:spcPts val="500"/>
+                        </a:spcAft>
+                        <a:buNone/>
+                      </a:pPr>
+                      <a:r>
+                        <a:rPr cap="none" sz="1100" i="0" b="0" u="none">
+                          <a:solidFill>
+                            <a:srgbClr val="000000">
+                              <a:alpha val="100000"/>
+                            </a:srgbClr>
+                          </a:solidFill>
+                          <a:latin typeface="Helvetica"/>
+                          <a:cs typeface="Helvetica"/>
+                          <a:ea typeface="Helvetica"/>
+                          <a:sym typeface="Helvetica"/>
+                        </a:rPr>
+                        <a:t>count</a:t>
+                      </a:r>
+                    </a:p>
+                  </a:txBody>
+                  <a:tcPr anchor="ctr" marB="63500" marT="63500" marR="0" marL="0">
+                    <a:lnL algn="ctr" cmpd="sng" cap="flat" w="0">
+                      <a:noFill/>
+                      <a:prstDash val="solid"/>
+                    </a:lnL>
+                    <a:lnR algn="ctr" cmpd="sng" cap="flat" w="0">
+                      <a:noFill/>
+                      <a:prstDash val="solid"/>
+                    </a:lnR>
+                    <a:lnT algn="ctr" cmpd="sng" cap="flat" w="19050">
+                      <a:solidFill>
+                        <a:srgbClr val="666666">
+                          <a:alpha val="100000"/>
+                        </a:srgbClr>
+                      </a:solidFill>
+                      <a:prstDash val="solid"/>
+                    </a:lnT>
+                    <a:lnB algn="ctr" cmpd="sng" cap="flat" w="19050">
+                      <a:solidFill>
+                        <a:srgbClr val="666666">
+                          <a:alpha val="100000"/>
+                        </a:srgbClr>
+                      </a:solidFill>
+                      <a:prstDash val="solid"/>
+                    </a:lnB>
+                    <a:solidFill>
+                      <a:srgbClr val="FFFFFF">
+                        <a:alpha val="0"/>
+                      </a:srgbClr>
+                    </a:solidFill>
+                  </a:tcPr>
+                </a:tc>
+              </a:tr>
+              <a:tr h="228600">
+                <a:tc>
+                  <a:txBody>
+                    <a:bodyPr/>
+                    <a:lstStyle/>
+                    <a:p>
+                      <a:pPr algn="l" marL="63500" marR="63500">
+                        <a:lnSpc>
+                          <a:spcPct val="100000"/>
+                        </a:lnSpc>
+                        <a:spcBef>
+                          <a:spcPts val="500"/>
+                        </a:spcBef>
+                        <a:spcAft>
+                          <a:spcPts val="500"/>
+                        </a:spcAft>
+                        <a:buNone/>
+                      </a:pPr>
+                      <a:r>
+                        <a:rPr cap="none" sz="1100" i="0" b="0" u="none">
+                          <a:solidFill>
+                            <a:srgbClr val="000000">
+                              <a:alpha val="100000"/>
+                            </a:srgbClr>
+                          </a:solidFill>
+                          <a:latin typeface="Helvetica"/>
+                          <a:cs typeface="Helvetica"/>
+                          <a:ea typeface="Helvetica"/>
+                          <a:sym typeface="Helvetica"/>
+                        </a:rPr>
+                        <a:t>I3</a:t>
+                      </a:r>
+                    </a:p>
+                  </a:txBody>
+                  <a:tcPr anchor="ctr" marB="63500" marT="63500" marR="0" marL="0">
+                    <a:lnL algn="ctr" cmpd="sng" cap="flat" w="0">
+                      <a:noFill/>
+                      <a:prstDash val="solid"/>
+                    </a:lnL>
+                    <a:lnR algn="ctr" cmpd="sng" cap="flat" w="0">
+                      <a:noFill/>
+                      <a:prstDash val="solid"/>
+                    </a:lnR>
+                    <a:lnT algn="ctr" cmpd="sng" cap="flat" w="0">
+                      <a:noFill/>
+                      <a:prstDash val="solid"/>
+                    </a:lnT>
+                    <a:lnB algn="ctr" cmpd="sng" cap="flat" w="0">
+                      <a:noFill/>
+                      <a:prstDash val="solid"/>
+                    </a:lnB>
+                    <a:solidFill>
+                      <a:srgbClr val="FFFFFF">
+                        <a:alpha val="0"/>
+                      </a:srgbClr>
+                    </a:solidFill>
+                  </a:tcPr>
+                </a:tc>
+                <a:tc>
+                  <a:txBody>
+                    <a:bodyPr/>
+                    <a:lstStyle/>
+                    <a:p>
+                      <a:pPr algn="r" marL="63500" marR="63500">
+                        <a:lnSpc>
+                          <a:spcPct val="100000"/>
+                        </a:lnSpc>
+                        <a:spcBef>
+                          <a:spcPts val="500"/>
+                        </a:spcBef>
+                        <a:spcAft>
+                          <a:spcPts val="500"/>
+                        </a:spcAft>
+                        <a:buNone/>
+                      </a:pPr>
+                      <a:r>
+                        <a:rPr cap="none" sz="1100" i="0" b="0" u="none">
+                          <a:solidFill>
+                            <a:srgbClr val="000000">
+                              <a:alpha val="100000"/>
+                            </a:srgbClr>
+                          </a:solidFill>
+                          <a:latin typeface="Helvetica"/>
+                          <a:cs typeface="Helvetica"/>
+                          <a:ea typeface="Helvetica"/>
+                          <a:sym typeface="Helvetica"/>
+                        </a:rPr>
+                        <a:t>265.6061</a:t>
+                      </a:r>
+                    </a:p>
+                  </a:txBody>
+                  <a:tcPr anchor="ctr" marB="63500" marT="63500" marR="0" marL="0">
+                    <a:lnL algn="ctr" cmpd="sng" cap="flat" w="0">
+                      <a:noFill/>
+                      <a:prstDash val="solid"/>
+                    </a:lnL>
+                    <a:lnR algn="ctr" cmpd="sng" cap="flat" w="0">
+                      <a:noFill/>
+                      <a:prstDash val="solid"/>
+                    </a:lnR>
+                    <a:lnT algn="ctr" cmpd="sng" cap="flat" w="0">
+                      <a:noFill/>
+                      <a:prstDash val="solid"/>
+                    </a:lnT>
+                    <a:lnB algn="ctr" cmpd="sng" cap="flat" w="0">
+                      <a:noFill/>
+                      <a:prstDash val="solid"/>
+                    </a:lnB>
+                    <a:solidFill>
+                      <a:srgbClr val="FFFFFF">
+                        <a:alpha val="0"/>
+                      </a:srgbClr>
+                    </a:solidFill>
+                  </a:tcPr>
+                </a:tc>
+                <a:tc>
+                  <a:txBody>
+                    <a:bodyPr/>
+                    <a:lstStyle/>
+                    <a:p>
+                      <a:pPr algn="r" marL="63500" marR="63500">
+                        <a:lnSpc>
+                          <a:spcPct val="100000"/>
+                        </a:lnSpc>
+                        <a:spcBef>
+                          <a:spcPts val="500"/>
+                        </a:spcBef>
+                        <a:spcAft>
+                          <a:spcPts val="500"/>
+                        </a:spcAft>
+                        <a:buNone/>
+                      </a:pPr>
+                      <a:r>
+                        <a:rPr cap="none" sz="1100" i="0" b="0" u="none">
+                          <a:solidFill>
+                            <a:srgbClr val="000000">
+                              <a:alpha val="100000"/>
+                            </a:srgbClr>
+                          </a:solidFill>
+                          <a:latin typeface="Helvetica"/>
+                          <a:cs typeface="Helvetica"/>
+                          <a:ea typeface="Helvetica"/>
+                          <a:sym typeface="Helvetica"/>
+                        </a:rPr>
+                        <a:t>28.30378</a:t>
+                      </a:r>
+                    </a:p>
+                  </a:txBody>
+                  <a:tcPr anchor="ctr" marB="63500" marT="63500" marR="0" marL="0">
+                    <a:lnL algn="ctr" cmpd="sng" cap="flat" w="0">
+                      <a:noFill/>
+                      <a:prstDash val="solid"/>
+                    </a:lnL>
+                    <a:lnR algn="ctr" cmpd="sng" cap="flat" w="0">
+                      <a:noFill/>
+                      <a:prstDash val="solid"/>
+                    </a:lnR>
+                    <a:lnT algn="ctr" cmpd="sng" cap="flat" w="0">
+                      <a:noFill/>
+                      <a:prstDash val="solid"/>
+                    </a:lnT>
+                    <a:lnB algn="ctr" cmpd="sng" cap="flat" w="0">
+                      <a:noFill/>
+                      <a:prstDash val="solid"/>
+                    </a:lnB>
+                    <a:solidFill>
+                      <a:srgbClr val="FFFFFF">
+                        <a:alpha val="0"/>
+                      </a:srgbClr>
+                    </a:solidFill>
+                  </a:tcPr>
+                </a:tc>
+                <a:tc>
+                  <a:txBody>
+                    <a:bodyPr/>
+                    <a:lstStyle/>
+                    <a:p>
+                      <a:pPr algn="r" marL="63500" marR="63500">
+                        <a:lnSpc>
+                          <a:spcPct val="100000"/>
+                        </a:lnSpc>
+                        <a:spcBef>
+                          <a:spcPts val="500"/>
+                        </a:spcBef>
+                        <a:spcAft>
+                          <a:spcPts val="500"/>
+                        </a:spcAft>
+                        <a:buNone/>
+                      </a:pPr>
+                      <a:r>
+                        <a:rPr cap="none" sz="1100" i="0" b="0" u="none">
+                          <a:solidFill>
+                            <a:srgbClr val="000000">
+                              <a:alpha val="100000"/>
+                            </a:srgbClr>
+                          </a:solidFill>
+                          <a:latin typeface="Helvetica"/>
+                          <a:cs typeface="Helvetica"/>
+                          <a:ea typeface="Helvetica"/>
+                          <a:sym typeface="Helvetica"/>
+                        </a:rPr>
+                        <a:t>3.483954</a:t>
+                      </a:r>
+                    </a:p>
+                  </a:txBody>
+                  <a:tcPr anchor="ctr" marB="63500" marT="63500" marR="0" marL="0">
+                    <a:lnL algn="ctr" cmpd="sng" cap="flat" w="0">
+                      <a:noFill/>
+                      <a:prstDash val="solid"/>
+                    </a:lnL>
+                    <a:lnR algn="ctr" cmpd="sng" cap="flat" w="0">
+                      <a:noFill/>
+                      <a:prstDash val="solid"/>
+                    </a:lnR>
+                    <a:lnT algn="ctr" cmpd="sng" cap="flat" w="0">
+                      <a:noFill/>
+                      <a:prstDash val="solid"/>
+                    </a:lnT>
+                    <a:lnB algn="ctr" cmpd="sng" cap="flat" w="0">
+                      <a:noFill/>
+                      <a:prstDash val="solid"/>
+                    </a:lnB>
+                    <a:solidFill>
+                      <a:srgbClr val="FFFFFF">
+                        <a:alpha val="0"/>
+                      </a:srgbClr>
+                    </a:solidFill>
+                  </a:tcPr>
+                </a:tc>
+                <a:tc>
+                  <a:txBody>
+                    <a:bodyPr/>
+                    <a:lstStyle/>
+                    <a:p>
+                      <a:pPr algn="r" marL="63500" marR="63500">
+                        <a:lnSpc>
+                          <a:spcPct val="100000"/>
+                        </a:lnSpc>
+                        <a:spcBef>
+                          <a:spcPts val="500"/>
+                        </a:spcBef>
+                        <a:spcAft>
+                          <a:spcPts val="500"/>
+                        </a:spcAft>
+                        <a:buNone/>
+                      </a:pPr>
+                      <a:r>
+                        <a:rPr cap="none" sz="1100" i="0" b="0" u="none">
+                          <a:solidFill>
+                            <a:srgbClr val="000000">
+                              <a:alpha val="100000"/>
+                            </a:srgbClr>
+                          </a:solidFill>
+                          <a:latin typeface="Helvetica"/>
+                          <a:cs typeface="Helvetica"/>
+                          <a:ea typeface="Helvetica"/>
+                          <a:sym typeface="Helvetica"/>
+                        </a:rPr>
+                        <a:t>66</a:t>
+                      </a:r>
+                    </a:p>
+                  </a:txBody>
+                  <a:tcPr anchor="ctr" marB="63500" marT="63500" marR="0" marL="0">
+                    <a:lnL algn="ctr" cmpd="sng" cap="flat" w="0">
+                      <a:noFill/>
+                      <a:prstDash val="solid"/>
+                    </a:lnL>
+                    <a:lnR algn="ctr" cmpd="sng" cap="flat" w="0">
+                      <a:noFill/>
+                      <a:prstDash val="solid"/>
+                    </a:lnR>
+                    <a:lnT algn="ctr" cmpd="sng" cap="flat" w="0">
+                      <a:noFill/>
+                      <a:prstDash val="solid"/>
+                    </a:lnT>
+                    <a:lnB algn="ctr" cmpd="sng" cap="flat" w="0">
+                      <a:noFill/>
+                      <a:prstDash val="solid"/>
+                    </a:lnB>
+                    <a:solidFill>
+                      <a:srgbClr val="FFFFFF">
+                        <a:alpha val="0"/>
+                      </a:srgbClr>
+                    </a:solidFill>
+                  </a:tcPr>
+                </a:tc>
+              </a:tr>
+              <a:tr h="228600">
+                <a:tc>
+                  <a:txBody>
+                    <a:bodyPr/>
+                    <a:lstStyle/>
+                    <a:p>
+                      <a:pPr algn="l" marL="63500" marR="63500">
+                        <a:lnSpc>
+                          <a:spcPct val="100000"/>
+                        </a:lnSpc>
+                        <a:spcBef>
+                          <a:spcPts val="500"/>
+                        </a:spcBef>
+                        <a:spcAft>
+                          <a:spcPts val="500"/>
+                        </a:spcAft>
+                        <a:buNone/>
+                      </a:pPr>
+                      <a:r>
+                        <a:rPr cap="none" sz="1100" i="0" b="0" u="none">
+                          <a:solidFill>
+                            <a:srgbClr val="000000">
+                              <a:alpha val="100000"/>
+                            </a:srgbClr>
+                          </a:solidFill>
+                          <a:latin typeface="Helvetica"/>
+                          <a:cs typeface="Helvetica"/>
+                          <a:ea typeface="Helvetica"/>
+                          <a:sym typeface="Helvetica"/>
+                        </a:rPr>
+                        <a:t>I8</a:t>
+                      </a:r>
+                    </a:p>
+                  </a:txBody>
+                  <a:tcPr anchor="ctr" marB="63500" marT="63500" marR="0" marL="0">
+                    <a:lnL algn="ctr" cmpd="sng" cap="flat" w="0">
+                      <a:noFill/>
+                      <a:prstDash val="solid"/>
+                    </a:lnL>
+                    <a:lnR algn="ctr" cmpd="sng" cap="flat" w="0">
+                      <a:noFill/>
+                      <a:prstDash val="solid"/>
+                    </a:lnR>
+                    <a:lnT algn="ctr" cmpd="sng" cap="flat" w="0">
+                      <a:noFill/>
+                      <a:prstDash val="solid"/>
+                    </a:lnT>
+                    <a:lnB algn="ctr" cmpd="sng" cap="flat" w="19050">
+                      <a:solidFill>
+                        <a:srgbClr val="666666">
+                          <a:alpha val="100000"/>
+                        </a:srgbClr>
+                      </a:solidFill>
+                      <a:prstDash val="solid"/>
+                    </a:lnB>
+                    <a:solidFill>
+                      <a:srgbClr val="FFFFFF">
+                        <a:alpha val="0"/>
+                      </a:srgbClr>
+                    </a:solidFill>
+                  </a:tcPr>
+                </a:tc>
+                <a:tc>
+                  <a:txBody>
+                    <a:bodyPr/>
+                    <a:lstStyle/>
+                    <a:p>
+                      <a:pPr algn="r" marL="63500" marR="63500">
+                        <a:lnSpc>
+                          <a:spcPct val="100000"/>
+                        </a:lnSpc>
+                        <a:spcBef>
+                          <a:spcPts val="500"/>
+                        </a:spcBef>
+                        <a:spcAft>
+                          <a:spcPts val="500"/>
+                        </a:spcAft>
+                        <a:buNone/>
+                      </a:pPr>
+                      <a:r>
+                        <a:rPr cap="none" sz="1100" i="0" b="0" u="none">
+                          <a:solidFill>
+                            <a:srgbClr val="000000">
+                              <a:alpha val="100000"/>
+                            </a:srgbClr>
+                          </a:solidFill>
+                          <a:latin typeface="Helvetica"/>
+                          <a:cs typeface="Helvetica"/>
+                          <a:ea typeface="Helvetica"/>
+                          <a:sym typeface="Helvetica"/>
+                        </a:rPr>
+                        <a:t>362.5980</a:t>
+                      </a:r>
+                    </a:p>
+                  </a:txBody>
+                  <a:tcPr anchor="ctr" marB="63500" marT="63500" marR="0" marL="0">
+                    <a:lnL algn="ctr" cmpd="sng" cap="flat" w="0">
+                      <a:noFill/>
+                      <a:prstDash val="solid"/>
+                    </a:lnL>
+                    <a:lnR algn="ctr" cmpd="sng" cap="flat" w="0">
+                      <a:noFill/>
+                      <a:prstDash val="solid"/>
+                    </a:lnR>
+                    <a:lnT algn="ctr" cmpd="sng" cap="flat" w="0">
+                      <a:noFill/>
+                      <a:prstDash val="solid"/>
+                    </a:lnT>
+                    <a:lnB algn="ctr" cmpd="sng" cap="flat" w="19050">
+                      <a:solidFill>
+                        <a:srgbClr val="666666">
+                          <a:alpha val="100000"/>
+                        </a:srgbClr>
+                      </a:solidFill>
+                      <a:prstDash val="solid"/>
+                    </a:lnB>
+                    <a:solidFill>
+                      <a:srgbClr val="FFFFFF">
+                        <a:alpha val="0"/>
+                      </a:srgbClr>
+                    </a:solidFill>
+                  </a:tcPr>
+                </a:tc>
+                <a:tc>
+                  <a:txBody>
+                    <a:bodyPr/>
+                    <a:lstStyle/>
+                    <a:p>
+                      <a:pPr algn="r" marL="63500" marR="63500">
+                        <a:lnSpc>
+                          <a:spcPct val="100000"/>
+                        </a:lnSpc>
+                        <a:spcBef>
+                          <a:spcPts val="500"/>
+                        </a:spcBef>
+                        <a:spcAft>
+                          <a:spcPts val="500"/>
+                        </a:spcAft>
+                        <a:buNone/>
+                      </a:pPr>
+                      <a:r>
+                        <a:rPr cap="none" sz="1100" i="0" b="0" u="none">
+                          <a:solidFill>
+                            <a:srgbClr val="000000">
+                              <a:alpha val="100000"/>
+                            </a:srgbClr>
+                          </a:solidFill>
+                          <a:latin typeface="Helvetica"/>
+                          <a:cs typeface="Helvetica"/>
+                          <a:ea typeface="Helvetica"/>
+                          <a:sym typeface="Helvetica"/>
+                        </a:rPr>
+                        <a:t>52.33901</a:t>
+                      </a:r>
+                    </a:p>
+                  </a:txBody>
+                  <a:tcPr anchor="ctr" marB="63500" marT="63500" marR="0" marL="0">
+                    <a:lnL algn="ctr" cmpd="sng" cap="flat" w="0">
+                      <a:noFill/>
+                      <a:prstDash val="solid"/>
+                    </a:lnL>
+                    <a:lnR algn="ctr" cmpd="sng" cap="flat" w="0">
+                      <a:noFill/>
+                      <a:prstDash val="solid"/>
+                    </a:lnR>
+                    <a:lnT algn="ctr" cmpd="sng" cap="flat" w="0">
+                      <a:noFill/>
+                      <a:prstDash val="solid"/>
+                    </a:lnT>
+                    <a:lnB algn="ctr" cmpd="sng" cap="flat" w="19050">
+                      <a:solidFill>
+                        <a:srgbClr val="666666">
+                          <a:alpha val="100000"/>
+                        </a:srgbClr>
+                      </a:solidFill>
+                      <a:prstDash val="solid"/>
+                    </a:lnB>
+                    <a:solidFill>
+                      <a:srgbClr val="FFFFFF">
+                        <a:alpha val="0"/>
+                      </a:srgbClr>
+                    </a:solidFill>
+                  </a:tcPr>
+                </a:tc>
+                <a:tc>
+                  <a:txBody>
+                    <a:bodyPr/>
+                    <a:lstStyle/>
+                    <a:p>
+                      <a:pPr algn="r" marL="63500" marR="63500">
+                        <a:lnSpc>
+                          <a:spcPct val="100000"/>
+                        </a:lnSpc>
+                        <a:spcBef>
+                          <a:spcPts val="500"/>
+                        </a:spcBef>
+                        <a:spcAft>
+                          <a:spcPts val="500"/>
+                        </a:spcAft>
+                        <a:buNone/>
+                      </a:pPr>
+                      <a:r>
+                        <a:rPr cap="none" sz="1100" i="0" b="0" u="none">
+                          <a:solidFill>
+                            <a:srgbClr val="000000">
+                              <a:alpha val="100000"/>
+                            </a:srgbClr>
+                          </a:solidFill>
+                          <a:latin typeface="Helvetica"/>
+                          <a:cs typeface="Helvetica"/>
+                          <a:ea typeface="Helvetica"/>
+                          <a:sym typeface="Helvetica"/>
+                        </a:rPr>
+                        <a:t>5.182334</a:t>
+                      </a:r>
+                    </a:p>
+                  </a:txBody>
+                  <a:tcPr anchor="ctr" marB="63500" marT="63500" marR="0" marL="0">
+                    <a:lnL algn="ctr" cmpd="sng" cap="flat" w="0">
+                      <a:noFill/>
+                      <a:prstDash val="solid"/>
+                    </a:lnL>
+                    <a:lnR algn="ctr" cmpd="sng" cap="flat" w="0">
+                      <a:noFill/>
+                      <a:prstDash val="solid"/>
+                    </a:lnR>
+                    <a:lnT algn="ctr" cmpd="sng" cap="flat" w="0">
+                      <a:noFill/>
+                      <a:prstDash val="solid"/>
+                    </a:lnT>
+                    <a:lnB algn="ctr" cmpd="sng" cap="flat" w="19050">
+                      <a:solidFill>
+                        <a:srgbClr val="666666">
+                          <a:alpha val="100000"/>
+                        </a:srgbClr>
+                      </a:solidFill>
+                      <a:prstDash val="solid"/>
+                    </a:lnB>
+                    <a:solidFill>
+                      <a:srgbClr val="FFFFFF">
+                        <a:alpha val="0"/>
+                      </a:srgbClr>
+                    </a:solidFill>
+                  </a:tcPr>
+                </a:tc>
+                <a:tc>
+                  <a:txBody>
+                    <a:bodyPr/>
+                    <a:lstStyle/>
+                    <a:p>
+                      <a:pPr algn="r" marL="63500" marR="63500">
+                        <a:lnSpc>
+                          <a:spcPct val="100000"/>
+                        </a:lnSpc>
+                        <a:spcBef>
+                          <a:spcPts val="500"/>
+                        </a:spcBef>
+                        <a:spcAft>
+                          <a:spcPts val="500"/>
+                        </a:spcAft>
+                        <a:buNone/>
+                      </a:pPr>
+                      <a:r>
+                        <a:rPr cap="none" sz="1100" i="0" b="0" u="none">
+                          <a:solidFill>
+                            <a:srgbClr val="000000">
+                              <a:alpha val="100000"/>
+                            </a:srgbClr>
+                          </a:solidFill>
+                          <a:latin typeface="Helvetica"/>
+                          <a:cs typeface="Helvetica"/>
+                          <a:ea typeface="Helvetica"/>
+                          <a:sym typeface="Helvetica"/>
+                        </a:rPr>
+                        <a:t>102</a:t>
+                      </a:r>
+                    </a:p>
+                  </a:txBody>
+                  <a:tcPr anchor="ctr" marB="63500" marT="63500" marR="0" marL="0">
+                    <a:lnL algn="ctr" cmpd="sng" cap="flat" w="0">
+                      <a:noFill/>
+                      <a:prstDash val="solid"/>
+                    </a:lnL>
+                    <a:lnR algn="ctr" cmpd="sng" cap="flat" w="0">
+                      <a:noFill/>
+                      <a:prstDash val="solid"/>
+                    </a:lnR>
+                    <a:lnT algn="ctr" cmpd="sng" cap="flat" w="0">
+                      <a:noFill/>
+                      <a:prstDash val="solid"/>
+                    </a:lnT>
+                    <a:lnB algn="ctr" cmpd="sng" cap="flat" w="19050">
+                      <a:solidFill>
+                        <a:srgbClr val="666666">
+                          <a:alpha val="100000"/>
+                        </a:srgbClr>
+                      </a:solidFill>
+                      <a:prstDash val="solid"/>
+                    </a:lnB>
+                    <a:solidFill>
+                      <a:srgbClr val="FFFFFF">
+                        <a:alpha val="0"/>
+                      </a:srgbClr>
+                    </a:solidFill>
+                  </a:tcPr>
+                </a:tc>
+              </a:tr>
+            </a:tbl>
+          </a:graphicData>
+        </a:graphic>
+      </p:graphicFrame>
+      <p:sp>
+        <p:nvSpPr>
+          <p:cNvPr id="3" name="Content Placeholder 2"/>
+          <p:cNvSpPr>
+            <a:spLocks noGrp="1"/>
+          </p:cNvSpPr>
+          <p:nvPr>
+            <p:ph idx="1"/>
+          </p:nvPr>
+        </p:nvSpPr>
+        <p:spPr/>
+        <p:txBody>
+          <a:bodyPr/>
+          <a:lstStyle/>
+          <a:p>
+            <a:pPr lvl="0" indent="0" marL="0">
+              <a:spcBef>
+                <a:spcPts val="3000"/>
+              </a:spcBef>
+              <a:buNone/>
+            </a:pPr>
+            <a:r>
+              <a:rPr b="1"/>
+              <a:t>Lecture 5: Probability and Statistical Inference</a:t>
+            </a:r>
+          </a:p>
         </p:txBody>
       </p:sp>
     </p:spTree>
@@ -8581,160 +9124,6 @@
 </file>
 
 <file path=ppt/slides/slide6.xml><?xml version="1.0" encoding="utf-8"?>
-<p:sld xmlns:a="http://schemas.openxmlformats.org/drawingml/2006/main" xmlns:r="http://schemas.openxmlformats.org/officeDocument/2006/relationships" xmlns:p="http://schemas.openxmlformats.org/presentationml/2006/main">
-  <p:cSld>
-    <p:spTree>
-      <p:nvGrpSpPr>
-        <p:cNvPr id="1" name=""/>
-        <p:cNvGrpSpPr/>
-        <p:nvPr/>
-      </p:nvGrpSpPr>
-      <p:grpSpPr>
-        <a:xfrm>
-          <a:off x="0" y="0"/>
-          <a:ext cx="0" cy="0"/>
-          <a:chOff x="0" y="0"/>
-          <a:chExt cx="0" cy="0"/>
-        </a:xfrm>
-      </p:grpSpPr>
-      <p:sp>
-        <p:nvSpPr>
-          <p:cNvPr id="3" name="Content Placeholder 2"/>
-          <p:cNvSpPr>
-            <a:spLocks noGrp="1"/>
-          </p:cNvSpPr>
-          <p:nvPr>
-            <p:ph idx="1" sz="half"/>
-          </p:nvPr>
-        </p:nvSpPr>
-        <p:spPr/>
-        <p:txBody>
-          <a:bodyPr/>
-          <a:lstStyle/>
-          <a:p>
-            <a:pPr lvl="0"/>
-            <a:r>
-              <a:rPr/>
-              <a:t>Introduction to histograms or frequency distributions</a:t>
-            </a:r>
-          </a:p>
-          <a:p>
-            <a:pPr lvl="0"/>
-            <a:r>
-              <a:rPr/>
-              <a:t>Probability Distribution Functions (PDF)</a:t>
-            </a:r>
-          </a:p>
-          <a:p>
-            <a:pPr lvl="0"/>
-            <a:r>
-              <a:rPr/>
-              <a:t>Descriptive Statistics</a:t>
-            </a:r>
-          </a:p>
-          <a:p>
-            <a:pPr lvl="1"/>
-            <a:r>
-              <a:rPr/>
-              <a:t>Center - mean, median, mode</a:t>
-            </a:r>
-          </a:p>
-          <a:p>
-            <a:pPr lvl="1"/>
-            <a:r>
-              <a:rPr/>
-              <a:t>Spread - range, variance, standard deviation</a:t>
-            </a:r>
-          </a:p>
-        </p:txBody>
-      </p:sp>
-      <p:sp>
-        <p:nvSpPr>
-          <p:cNvPr id="4" name="Content Placeholder 3"/>
-          <p:cNvSpPr>
-            <a:spLocks noGrp="1"/>
-          </p:cNvSpPr>
-          <p:nvPr>
-            <p:ph idx="2" sz="half"/>
-          </p:nvPr>
-        </p:nvSpPr>
-        <p:spPr/>
-        <p:txBody>
-          <a:bodyPr/>
-          <a:lstStyle/>
-          <a:p>
-            <a:pPr lvl="0" indent="0">
-              <a:buNone/>
-            </a:pPr>
-            <a:r>
-              <a:rPr>
-                <a:latin typeface="Courier"/>
-              </a:rPr>
-              <a:t># A tibble: 2 × 5
-  lake  mean_length sd_length se_length count
-  &lt;chr&gt;       &lt;dbl&gt;     &lt;dbl&gt;     &lt;dbl&gt; &lt;int&gt;
-1 I3           266.      28.3      3.48    66
-2 I8           363.      52.3      5.18   102</a:t>
-            </a:r>
-          </a:p>
-        </p:txBody>
-      </p:sp>
-    </p:spTree>
-  </p:cSld>
-</p:sld>
-</file>
-
-<file path=ppt/slides/slide7.xml><?xml version="1.0" encoding="utf-8"?>
-<p:sld xmlns:a="http://schemas.openxmlformats.org/drawingml/2006/main" xmlns:r="http://schemas.openxmlformats.org/officeDocument/2006/relationships" xmlns:p="http://schemas.openxmlformats.org/presentationml/2006/main">
-  <p:cSld>
-    <p:spTree>
-      <p:nvGrpSpPr>
-        <p:cNvPr id="1" name=""/>
-        <p:cNvGrpSpPr/>
-        <p:nvPr/>
-      </p:nvGrpSpPr>
-      <p:grpSpPr>
-        <a:xfrm>
-          <a:off x="0" y="0"/>
-          <a:ext cx="0" cy="0"/>
-          <a:chOff x="0" y="0"/>
-          <a:chExt cx="0" cy="0"/>
-        </a:xfrm>
-      </p:grpSpPr>
-      <p:sp>
-        <p:nvSpPr>
-          <p:cNvPr id="3" name="Content Placeholder 2"/>
-          <p:cNvSpPr>
-            <a:spLocks noGrp="1"/>
-          </p:cNvSpPr>
-          <p:nvPr>
-            <p:ph idx="1"/>
-          </p:nvPr>
-        </p:nvSpPr>
-        <p:spPr/>
-        <p:txBody>
-          <a:bodyPr/>
-          <a:lstStyle/>
-          <a:p>
-            <a:pPr lvl="0" indent="0" marL="0">
-              <a:spcBef>
-                <a:spcPts val="3000"/>
-              </a:spcBef>
-              <a:buNone/>
-            </a:pPr>
-            <a:r>
-              <a:rPr b="1"/>
-              <a:t>Lecture 5: Probability and Statistical Inference</a:t>
-            </a:r>
-          </a:p>
-        </p:txBody>
-      </p:sp>
-    </p:spTree>
-  </p:cSld>
-</p:sld>
-</file>
-
-<file path=ppt/slides/slide8.xml><?xml version="1.0" encoding="utf-8"?>
 <p:sld xmlns:a="http://schemas.openxmlformats.org/drawingml/2006/main" xmlns:r="http://schemas.openxmlformats.org/officeDocument/2006/relationships" xmlns:p="http://schemas.openxmlformats.org/presentationml/2006/main">
   <p:cSld>
     <p:spTree>
@@ -8846,6 +9235,308 @@
 </p:sld>
 </file>
 
+<file path=ppt/slides/slide7.xml><?xml version="1.0" encoding="utf-8"?>
+<p:sld xmlns:a="http://schemas.openxmlformats.org/drawingml/2006/main" xmlns:r="http://schemas.openxmlformats.org/officeDocument/2006/relationships" xmlns:p="http://schemas.openxmlformats.org/presentationml/2006/main">
+  <p:cSld>
+    <p:spTree>
+      <p:nvGrpSpPr>
+        <p:cNvPr id="1" name=""/>
+        <p:cNvGrpSpPr/>
+        <p:nvPr/>
+      </p:nvGrpSpPr>
+      <p:grpSpPr>
+        <a:xfrm>
+          <a:off x="0" y="0"/>
+          <a:ext cx="0" cy="0"/>
+          <a:chOff x="0" y="0"/>
+          <a:chExt cx="0" cy="0"/>
+        </a:xfrm>
+      </p:grpSpPr>
+      <p:sp>
+        <p:nvSpPr>
+          <p:cNvPr id="2" name="Title 1"/>
+          <p:cNvSpPr>
+            <a:spLocks noGrp="1"/>
+          </p:cNvSpPr>
+          <p:nvPr>
+            <p:ph type="title"/>
+          </p:nvPr>
+        </p:nvSpPr>
+        <p:spPr>
+          <a:xfrm>
+            <a:off x="0" y="0"/>
+            <a:ext cx="9144000" cy="582780"/>
+          </a:xfrm>
+        </p:spPr>
+        <p:txBody>
+          <a:bodyPr/>
+          <a:lstStyle/>
+          <a:p>
+            <a:pPr lvl="0" indent="0" marL="0">
+              <a:buNone/>
+            </a:pPr>
+            <a:r>
+              <a:rPr b="1"/>
+              <a:t>Lecture 5:</a:t>
+            </a:r>
+            <a:r>
+              <a:rPr/>
+              <a:t> Confidence intervals</a:t>
+            </a:r>
+          </a:p>
+        </p:txBody>
+      </p:sp>
+      <p:sp>
+        <p:nvSpPr>
+          <p:cNvPr id="3" name="Content Placeholder 2"/>
+          <p:cNvSpPr>
+            <a:spLocks noGrp="1"/>
+          </p:cNvSpPr>
+          <p:nvPr>
+            <p:ph idx="1"/>
+          </p:nvPr>
+        </p:nvSpPr>
+        <p:spPr/>
+        <p:txBody>
+          <a:bodyPr/>
+          <a:lstStyle/>
+          <a:p>
+            <a:pPr lvl="0" indent="0" marL="0">
+              <a:buNone/>
+            </a:pPr>
+            <a:r>
+              <a:rPr/>
+              <a:t>In the more typical case DON’T know the population σ or standard deviation</a:t>
+            </a:r>
+          </a:p>
+          <a:p>
+            <a:pPr lvl="0"/>
+            <a:r>
+              <a:rPr/>
+              <a:t>estimate it from the samples</a:t>
+            </a:r>
+          </a:p>
+          <a:p>
+            <a:pPr lvl="0"/>
+            <a:r>
+              <a:rPr/>
+              <a:t>and when sample size is &lt;~30)</a:t>
+            </a:r>
+          </a:p>
+          <a:p>
+            <a:pPr lvl="0"/>
+            <a:r>
+              <a:rPr/>
+              <a:t>can’t use the standard normal (z) distribution</a:t>
+            </a:r>
+          </a:p>
+          <a:p>
+            <a:pPr lvl="0" indent="0" marL="0">
+              <a:buNone/>
+            </a:pPr>
+            <a:r>
+              <a:rPr i="1"/>
+              <a:t>Instead, we use Student’s t distribution</a:t>
+            </a:r>
+          </a:p>
+          <a:p>
+            <a:pPr lvl="0" indent="0" marL="0">
+              <a:buNone/>
+            </a:pPr>
+          </a:p>
+        </p:txBody>
+      </p:sp>
+    </p:spTree>
+  </p:cSld>
+</p:sld>
+</file>
+
+<file path=ppt/slides/slide8.xml><?xml version="1.0" encoding="utf-8"?>
+<p:sld xmlns:a="http://schemas.openxmlformats.org/drawingml/2006/main" xmlns:r="http://schemas.openxmlformats.org/officeDocument/2006/relationships" xmlns:p="http://schemas.openxmlformats.org/presentationml/2006/main">
+  <p:cSld>
+    <p:spTree>
+      <p:nvGrpSpPr>
+        <p:cNvPr id="1" name=""/>
+        <p:cNvGrpSpPr/>
+        <p:nvPr/>
+      </p:nvGrpSpPr>
+      <p:grpSpPr>
+        <a:xfrm>
+          <a:off x="0" y="0"/>
+          <a:ext cx="0" cy="0"/>
+          <a:chOff x="0" y="0"/>
+          <a:chExt cx="0" cy="0"/>
+        </a:xfrm>
+      </p:grpSpPr>
+      <p:sp>
+        <p:nvSpPr>
+          <p:cNvPr id="2" name="Title 1"/>
+          <p:cNvSpPr>
+            <a:spLocks noGrp="1"/>
+          </p:cNvSpPr>
+          <p:nvPr>
+            <p:ph type="title"/>
+          </p:nvPr>
+        </p:nvSpPr>
+        <p:spPr>
+          <a:xfrm>
+            <a:off x="0" y="0"/>
+            <a:ext cx="9144000" cy="602780"/>
+          </a:xfrm>
+          <a:solidFill>
+            <a:srgbClr val="70121D"/>
+          </a:solidFill>
+        </p:spPr>
+        <p:txBody>
+          <a:bodyPr/>
+          <a:lstStyle/>
+          <a:p>
+            <a:pPr lvl="0" indent="0" marL="0">
+              <a:buNone/>
+            </a:pPr>
+            <a:r>
+              <a:rPr b="1"/>
+              <a:t>Lecture 5:</a:t>
+            </a:r>
+            <a:r>
+              <a:rPr/>
+              <a:t> Understanding t-distribution</a:t>
+            </a:r>
+          </a:p>
+        </p:txBody>
+      </p:sp>
+      <p:sp>
+        <p:nvSpPr>
+          <p:cNvPr id="3" name="Content Placeholder 2"/>
+          <p:cNvSpPr>
+            <a:spLocks noGrp="1"/>
+          </p:cNvSpPr>
+          <p:nvPr>
+            <p:ph idx="1" sz="half"/>
+          </p:nvPr>
+        </p:nvSpPr>
+        <p:spPr/>
+        <p:txBody>
+          <a:bodyPr/>
+          <a:lstStyle/>
+          <a:p>
+            <a:pPr lvl="0" indent="0" marL="0">
+              <a:buNone/>
+            </a:pPr>
+            <a:r>
+              <a:rPr/>
+              <a:t>When sample sizes are small, the </a:t>
+            </a:r>
+            <a:r>
+              <a:rPr b="1"/>
+              <a:t>t-distribution</a:t>
+            </a:r>
+            <a:r>
+              <a:rPr/>
+              <a:t> is more appropriate than the normal distribution.</a:t>
+            </a:r>
+          </a:p>
+          <a:p>
+            <a:pPr lvl="0"/>
+            <a:r>
+              <a:rPr/>
+              <a:t>Similar to normal distribution but with heavier tails</a:t>
+            </a:r>
+          </a:p>
+          <a:p>
+            <a:pPr lvl="0"/>
+            <a:r>
+              <a:rPr/>
+              <a:t>Shape depends on </a:t>
+            </a:r>
+            <a:r>
+              <a:rPr b="1"/>
+              <a:t>degrees of freedom</a:t>
+            </a:r>
+            <a:r>
+              <a:rPr/>
+              <a:t> (df = n-1)</a:t>
+            </a:r>
+          </a:p>
+          <a:p>
+            <a:pPr lvl="0"/>
+            <a:r>
+              <a:rPr/>
+              <a:t>With large df (&gt;30), approaches the normal distribution</a:t>
+            </a:r>
+          </a:p>
+          <a:p>
+            <a:pPr lvl="0"/>
+            <a:r>
+              <a:rPr/>
+              <a:t>Used for:</a:t>
+            </a:r>
+          </a:p>
+          <a:p>
+            <a:pPr lvl="1"/>
+            <a:r>
+              <a:rPr/>
+              <a:t>Small sample sizes</a:t>
+            </a:r>
+          </a:p>
+          <a:p>
+            <a:pPr lvl="1"/>
+            <a:r>
+              <a:rPr/>
+              <a:t>When population standard deviation is unknown</a:t>
+            </a:r>
+          </a:p>
+          <a:p>
+            <a:pPr lvl="1"/>
+            <a:r>
+              <a:rPr/>
+              <a:t>Calculating confidence intervals</a:t>
+            </a:r>
+          </a:p>
+          <a:p>
+            <a:pPr lvl="1"/>
+            <a:r>
+              <a:rPr/>
+              <a:t>Conducting t-tests</a:t>
+            </a:r>
+          </a:p>
+        </p:txBody>
+      </p:sp>
+      <p:pic>
+        <p:nvPicPr>
+          <p:cNvPr descr="05_01_lecture_powerpoint_files/figure-pptx/unnamed-chunk-3-1.png" id="0" name="Picture 1"/>
+          <p:cNvPicPr>
+            <a:picLocks noGrp="1" noChangeAspect="1"/>
+          </p:cNvPicPr>
+          <p:nvPr/>
+        </p:nvPicPr>
+        <p:blipFill>
+          <a:blip r:embed="rId2"/>
+          <a:stretch>
+            <a:fillRect/>
+          </a:stretch>
+        </p:blipFill>
+        <p:spPr bwMode="auto">
+          <a:xfrm>
+            <a:off x="6121400" y="1333500"/>
+            <a:ext cx="2781300" cy="3124200"/>
+          </a:xfrm>
+          <a:prstGeom prst="rect">
+            <a:avLst/>
+          </a:prstGeom>
+          <a:noFill/>
+          <a:ln w="9525">
+            <a:noFill/>
+            <a:headEnd/>
+            <a:tailEnd/>
+          </a:ln>
+        </p:spPr>
+      </p:pic>
+    </p:spTree>
+  </p:cSld>
+</p:sld>
+</file>
+
 <file path=ppt/slides/slide9.xml><?xml version="1.0" encoding="utf-8"?>
 <p:sld xmlns:a="http://schemas.openxmlformats.org/drawingml/2006/main" xmlns:r="http://schemas.openxmlformats.org/officeDocument/2006/relationships" xmlns:p="http://schemas.openxmlformats.org/presentationml/2006/main">
   <p:cSld>
@@ -8876,8 +9567,11 @@
         <p:spPr>
           <a:xfrm>
             <a:off x="0" y="0"/>
-            <a:ext cx="9144000" cy="582780"/>
+            <a:ext cx="9144000" cy="602780"/>
           </a:xfrm>
+          <a:solidFill>
+            <a:srgbClr val="70121D"/>
+          </a:solidFill>
         </p:spPr>
         <p:txBody>
           <a:bodyPr/>
@@ -8892,7 +9586,7 @@
             </a:r>
             <a:r>
               <a:rPr/>
-              <a:t> Confidence intervals</a:t>
+              <a:t> Understanding t-distribution</a:t>
             </a:r>
           </a:p>
         </p:txBody>
@@ -8904,7 +9598,7 @@
             <a:spLocks noGrp="1"/>
           </p:cNvSpPr>
           <p:nvPr>
-            <p:ph idx="1"/>
+            <p:ph idx="1" sz="half"/>
           </p:nvPr>
         </p:nvSpPr>
         <p:spPr/>
@@ -8917,46 +9611,113 @@
             </a:pPr>
             <a:r>
               <a:rPr/>
-              <a:t>In the more typical case DON’T know the population σ or standard deviation</a:t>
+              <a:t>When sample sizes are small, the </a:t>
+            </a:r>
+            <a:r>
+              <a:rPr b="1"/>
+              <a:t>t-distribution</a:t>
+            </a:r>
+            <a:r>
+              <a:rPr/>
+              <a:t> is more appropriate than the normal distribution.</a:t>
             </a:r>
           </a:p>
           <a:p>
             <a:pPr lvl="0"/>
             <a:r>
               <a:rPr/>
-              <a:t>estimate it from the samples</a:t>
+              <a:t>Similar to normal distribution (1.96 = 2.5% tails) but with heavier tails</a:t>
             </a:r>
           </a:p>
           <a:p>
             <a:pPr lvl="0"/>
             <a:r>
               <a:rPr/>
-              <a:t>and when sample size is &lt;~30)</a:t>
+              <a:t>Shape depends on </a:t>
+            </a:r>
+            <a:r>
+              <a:rPr b="1"/>
+              <a:t>degrees of freedom</a:t>
+            </a:r>
+            <a:r>
+              <a:rPr/>
+              <a:t> (df = n-1)</a:t>
             </a:r>
           </a:p>
           <a:p>
             <a:pPr lvl="0"/>
             <a:r>
               <a:rPr/>
-              <a:t>can’t use the standard normal (z) distribution</a:t>
-            </a:r>
-          </a:p>
-          <a:p>
-            <a:pPr lvl="0" indent="0" marL="0">
-              <a:buNone/>
-            </a:pPr>
-            <a:r>
-              <a:rPr i="1"/>
-              <a:t>Instead, we use Student’s t distribution</a:t>
-            </a:r>
-          </a:p>
-          <a:p>
-            <a:pPr lvl="0" indent="0" marL="0">
-              <a:buNone/>
-            </a:pPr>
-          </a:p>
-        </p:txBody>
-      </p:sp>
+              <a:t>With large df (&gt;30), approaches the normal distribution</a:t>
+            </a:r>
+          </a:p>
+          <a:p>
+            <a:pPr lvl="0"/>
+            <a:r>
+              <a:rPr/>
+              <a:t>Used for:</a:t>
+            </a:r>
+          </a:p>
+          <a:p>
+            <a:pPr lvl="1"/>
+            <a:r>
+              <a:rPr/>
+              <a:t>Small sample sizes</a:t>
+            </a:r>
+          </a:p>
+          <a:p>
+            <a:pPr lvl="1"/>
+            <a:r>
+              <a:rPr/>
+              <a:t>When population standard deviation is unknown</a:t>
+            </a:r>
+          </a:p>
+          <a:p>
+            <a:pPr lvl="1"/>
+            <a:r>
+              <a:rPr/>
+              <a:t>Calculating confidence intervals</a:t>
+            </a:r>
+          </a:p>
+          <a:p>
+            <a:pPr lvl="1"/>
+            <a:r>
+              <a:rPr/>
+              <a:t>Conducting t-tests</a:t>
+            </a:r>
+          </a:p>
+        </p:txBody>
+      </p:sp>
+      <p:pic>
+        <p:nvPicPr>
+          <p:cNvPr descr="images/clipboard-3203878802.png" id="0" name="Picture 1"/>
+          <p:cNvPicPr>
+            <a:picLocks noGrp="1" noChangeAspect="1"/>
+          </p:cNvPicPr>
+          <p:nvPr/>
+        </p:nvPicPr>
+        <p:blipFill>
+          <a:blip r:embed="rId2"/>
+          <a:stretch>
+            <a:fillRect/>
+          </a:stretch>
+        </p:blipFill>
+        <p:spPr bwMode="auto">
+          <a:xfrm>
+            <a:off x="6121400" y="1562100"/>
+            <a:ext cx="2781300" cy="2667000"/>
+          </a:xfrm>
+          <a:prstGeom prst="rect">
+            <a:avLst/>
+          </a:prstGeom>
+          <a:noFill/>
+          <a:ln w="9525">
+            <a:noFill/>
+            <a:headEnd/>
+            <a:tailEnd/>
+          </a:ln>
+        </p:spPr>
+      </p:pic>
     </p:spTree>
   </p:cSld>
 </p:sld>
